--- a/documentation/PPT/TerFelSzoft.pptx
+++ b/documentation/PPT/TerFelSzoft.pptx
@@ -5,10 +5,10 @@
     <p:sldMasterId id="2147483648" r:id="rId1"/>
   </p:sldMasterIdLst>
   <p:notesMasterIdLst>
-    <p:notesMasterId r:id="rId19"/>
+    <p:notesMasterId r:id="rId18"/>
   </p:notesMasterIdLst>
   <p:handoutMasterIdLst>
-    <p:handoutMasterId r:id="rId20"/>
+    <p:handoutMasterId r:id="rId19"/>
   </p:handoutMasterIdLst>
   <p:sldIdLst>
     <p:sldId id="256" r:id="rId2"/>
@@ -27,7 +27,6 @@
     <p:sldId id="281" r:id="rId15"/>
     <p:sldId id="273" r:id="rId16"/>
     <p:sldId id="277" r:id="rId17"/>
-    <p:sldId id="282" r:id="rId18"/>
   </p:sldIdLst>
   <p:sldSz cx="12192000" cy="6858000"/>
   <p:notesSz cx="6858000" cy="9144000"/>
@@ -2209,92 +2208,6 @@
 </p:notes>
 </file>
 
-<file path=ppt/notesSlides/notesSlide17.xml><?xml version="1.0" encoding="utf-8"?>
-<p:notes xmlns:a="http://schemas.openxmlformats.org/drawingml/2006/main" xmlns:r="http://schemas.openxmlformats.org/officeDocument/2006/relationships" xmlns:p="http://schemas.openxmlformats.org/presentationml/2006/main">
-  <p:cSld>
-    <p:spTree>
-      <p:nvGrpSpPr>
-        <p:cNvPr id="1" name=""/>
-        <p:cNvGrpSpPr/>
-        <p:nvPr/>
-      </p:nvGrpSpPr>
-      <p:grpSpPr>
-        <a:xfrm>
-          <a:off x="0" y="0"/>
-          <a:ext cx="0" cy="0"/>
-          <a:chOff x="0" y="0"/>
-          <a:chExt cx="0" cy="0"/>
-        </a:xfrm>
-      </p:grpSpPr>
-      <p:sp>
-        <p:nvSpPr>
-          <p:cNvPr id="2" name="Diakép helye 1"/>
-          <p:cNvSpPr>
-            <a:spLocks noGrp="1" noRot="1" noChangeAspect="1"/>
-          </p:cNvSpPr>
-          <p:nvPr>
-            <p:ph type="sldImg"/>
-          </p:nvPr>
-        </p:nvSpPr>
-        <p:spPr/>
-      </p:sp>
-      <p:sp>
-        <p:nvSpPr>
-          <p:cNvPr id="3" name="Jegyzetek helye 2"/>
-          <p:cNvSpPr>
-            <a:spLocks noGrp="1"/>
-          </p:cNvSpPr>
-          <p:nvPr>
-            <p:ph type="body" idx="1"/>
-          </p:nvPr>
-        </p:nvSpPr>
-        <p:spPr/>
-        <p:txBody>
-          <a:bodyPr rtlCol="0"/>
-          <a:lstStyle/>
-          <a:p>
-            <a:pPr rtl="0"/>
-            <a:endParaRPr lang="hu-HU" dirty="0"/>
-          </a:p>
-        </p:txBody>
-      </p:sp>
-      <p:sp>
-        <p:nvSpPr>
-          <p:cNvPr id="4" name="Dia számának helye 3"/>
-          <p:cNvSpPr>
-            <a:spLocks noGrp="1"/>
-          </p:cNvSpPr>
-          <p:nvPr>
-            <p:ph type="sldNum" sz="quarter" idx="10"/>
-          </p:nvPr>
-        </p:nvSpPr>
-        <p:spPr/>
-        <p:txBody>
-          <a:bodyPr rtlCol="0"/>
-          <a:lstStyle/>
-          <a:p>
-            <a:pPr rtl="0"/>
-            <a:fld id="{6FC40A10-6036-4879-816D-55C01FC94846}" type="slidenum">
-              <a:rPr lang="hu-HU" smtClean="0"/>
-              <a:t>17</a:t>
-            </a:fld>
-            <a:endParaRPr lang="hu-HU" dirty="0"/>
-          </a:p>
-        </p:txBody>
-      </p:sp>
-    </p:spTree>
-    <p:extLst>
-      <p:ext uri="{BB962C8B-B14F-4D97-AF65-F5344CB8AC3E}">
-        <p14:creationId xmlns:p14="http://schemas.microsoft.com/office/powerpoint/2010/main" val="3725286348"/>
-      </p:ext>
-    </p:extLst>
-  </p:cSld>
-  <p:clrMapOvr>
-    <a:masterClrMapping/>
-  </p:clrMapOvr>
-</p:notes>
-</file>
-
 <file path=ppt/notesSlides/notesSlide2.xml><?xml version="1.0" encoding="utf-8"?>
 <p:notes xmlns:a="http://schemas.openxmlformats.org/drawingml/2006/main" xmlns:r="http://schemas.openxmlformats.org/officeDocument/2006/relationships" xmlns:p="http://schemas.openxmlformats.org/presentationml/2006/main">
   <p:cSld>
@@ -31725,7 +31638,7 @@
             <a:blip r:embed="rId2">
               <a:extLst>
                 <a:ext uri="{96DAC541-7B7A-43D3-8B79-37D633B846F1}">
-                  <asvg:svgBlip xmlns:asvg="http://schemas.microsoft.com/office/drawing/2016/SVG/main" xmlns="" r:embed="rId3"/>
+                  <asvg:svgBlip xmlns="" xmlns:asvg="http://schemas.microsoft.com/office/drawing/2016/SVG/main" r:embed="rId3"/>
                 </a:ext>
               </a:extLst>
             </a:blip>
@@ -42262,7 +42175,7 @@
             <a:blip r:embed="rId2">
               <a:extLst>
                 <a:ext uri="{96DAC541-7B7A-43D3-8B79-37D633B846F1}">
-                  <asvg:svgBlip xmlns:asvg="http://schemas.microsoft.com/office/drawing/2016/SVG/main" xmlns="" r:embed="rId3"/>
+                  <asvg:svgBlip xmlns="" xmlns:asvg="http://schemas.microsoft.com/office/drawing/2016/SVG/main" r:embed="rId3"/>
                 </a:ext>
               </a:extLst>
             </a:blip>
@@ -46509,7 +46422,7 @@
                 <a14:useLocalDpi xmlns:a14="http://schemas.microsoft.com/office/drawing/2010/main" val="0"/>
               </a:ext>
               <a:ext uri="{96DAC541-7B7A-43D3-8B79-37D633B846F1}">
-                <asvg:svgBlip xmlns:asvg="http://schemas.microsoft.com/office/drawing/2016/SVG/main" xmlns="" r:embed="rId4"/>
+                <asvg:svgBlip xmlns="" xmlns:asvg="http://schemas.microsoft.com/office/drawing/2016/SVG/main" r:embed="rId4"/>
               </a:ext>
             </a:extLst>
           </a:blip>
@@ -47330,7 +47243,7 @@
                 <a14:useLocalDpi xmlns:a14="http://schemas.microsoft.com/office/drawing/2010/main" val="0"/>
               </a:ext>
               <a:ext uri="{96DAC541-7B7A-43D3-8B79-37D633B846F1}">
-                <asvg:svgBlip xmlns:asvg="http://schemas.microsoft.com/office/drawing/2016/SVG/main" xmlns="" r:embed="rId4"/>
+                <asvg:svgBlip xmlns="" xmlns:asvg="http://schemas.microsoft.com/office/drawing/2016/SVG/main" r:embed="rId4"/>
               </a:ext>
             </a:extLst>
           </a:blip>
@@ -47954,7 +47867,7 @@
                 <a14:useLocalDpi xmlns:a14="http://schemas.microsoft.com/office/drawing/2010/main" val="0"/>
               </a:ext>
               <a:ext uri="{96DAC541-7B7A-43D3-8B79-37D633B846F1}">
-                <asvg:svgBlip xmlns:asvg="http://schemas.microsoft.com/office/drawing/2016/SVG/main" xmlns="" r:embed="rId4"/>
+                <asvg:svgBlip xmlns="" xmlns:asvg="http://schemas.microsoft.com/office/drawing/2016/SVG/main" r:embed="rId4"/>
               </a:ext>
             </a:extLst>
           </a:blip>
@@ -48626,7 +48539,7 @@
                 <a14:useLocalDpi xmlns:a14="http://schemas.microsoft.com/office/drawing/2010/main" val="0"/>
               </a:ext>
               <a:ext uri="{96DAC541-7B7A-43D3-8B79-37D633B846F1}">
-                <asvg:svgBlip xmlns:asvg="http://schemas.microsoft.com/office/drawing/2016/SVG/main" xmlns="" r:embed="rId4"/>
+                <asvg:svgBlip xmlns="" xmlns:asvg="http://schemas.microsoft.com/office/drawing/2016/SVG/main" r:embed="rId4"/>
               </a:ext>
             </a:extLst>
           </a:blip>
@@ -48850,7 +48763,7 @@
       </p:pic>
       <p:pic>
         <p:nvPicPr>
-          <p:cNvPr id="10" name="Kép helyőrzője 9" descr="Céges embléma">
+          <p:cNvPr id="10" name="Kép helyőrzője 9">
             <a:extLst>
               <a:ext uri="{FF2B5EF4-FFF2-40B4-BE49-F238E27FC236}">
                 <a16:creationId xmlns:a16="http://schemas.microsoft.com/office/drawing/2014/main" id="{F134DE68-610E-4EEB-B74B-452C1FAC1DAE}"/>
@@ -48870,8 +48783,40 @@
               <a:ext uri="{28A0092B-C50C-407E-A947-70E740481C1C}">
                 <a14:useLocalDpi xmlns:a14="http://schemas.microsoft.com/office/drawing/2010/main" val="0"/>
               </a:ext>
-              <a:ext uri="{96DAC541-7B7A-43D3-8B79-37D633B846F1}">
-                <asvg:svgBlip xmlns:asvg="http://schemas.microsoft.com/office/drawing/2016/SVG/main" xmlns="" r:embed="rId5"/>
+            </a:extLst>
+          </a:blip>
+          <a:stretch>
+            <a:fillRect/>
+          </a:stretch>
+        </p:blipFill>
+        <p:spPr>
+          <a:xfrm>
+            <a:off x="0" y="0"/>
+            <a:ext cx="1328400" cy="1328400"/>
+          </a:xfrm>
+        </p:spPr>
+      </p:pic>
+      <p:pic>
+        <p:nvPicPr>
+          <p:cNvPr id="21" name="Kép helyőrzője 20" descr="Absztrakt háttér">
+            <a:extLst>
+              <a:ext uri="{FF2B5EF4-FFF2-40B4-BE49-F238E27FC236}">
+                <a16:creationId xmlns:a16="http://schemas.microsoft.com/office/drawing/2014/main" id="{CFD930F2-FED4-475C-A75D-6AB046729949}"/>
+              </a:ext>
+            </a:extLst>
+          </p:cNvPr>
+          <p:cNvPicPr>
+            <a:picLocks noGrp="1" noChangeAspect="1"/>
+          </p:cNvPicPr>
+          <p:nvPr>
+            <p:ph type="pic" sz="quarter" idx="14"/>
+          </p:nvPr>
+        </p:nvPicPr>
+        <p:blipFill>
+          <a:blip r:embed="rId5">
+            <a:extLst>
+              <a:ext uri="{28A0092B-C50C-407E-A947-70E740481C1C}">
+                <a14:useLocalDpi xmlns:a14="http://schemas.microsoft.com/office/drawing/2010/main" val="0"/>
               </a:ext>
             </a:extLst>
           </a:blip>
@@ -48882,37 +48827,6 @@
         </p:blipFill>
         <p:spPr/>
       </p:pic>
-      <p:pic>
-        <p:nvPicPr>
-          <p:cNvPr id="21" name="Kép helyőrzője 20" descr="Absztrakt háttér">
-            <a:extLst>
-              <a:ext uri="{FF2B5EF4-FFF2-40B4-BE49-F238E27FC236}">
-                <a16:creationId xmlns:a16="http://schemas.microsoft.com/office/drawing/2014/main" id="{CFD930F2-FED4-475C-A75D-6AB046729949}"/>
-              </a:ext>
-            </a:extLst>
-          </p:cNvPr>
-          <p:cNvPicPr>
-            <a:picLocks noGrp="1" noChangeAspect="1"/>
-          </p:cNvPicPr>
-          <p:nvPr>
-            <p:ph type="pic" sz="quarter" idx="14"/>
-          </p:nvPr>
-        </p:nvPicPr>
-        <p:blipFill>
-          <a:blip r:embed="rId6">
-            <a:extLst>
-              <a:ext uri="{28A0092B-C50C-407E-A947-70E740481C1C}">
-                <a14:useLocalDpi xmlns:a14="http://schemas.microsoft.com/office/drawing/2010/main" val="0"/>
-              </a:ext>
-            </a:extLst>
-          </a:blip>
-          <a:srcRect/>
-          <a:stretch>
-            <a:fillRect/>
-          </a:stretch>
-        </p:blipFill>
-        <p:spPr/>
-      </p:pic>
       <p:sp>
         <p:nvSpPr>
           <p:cNvPr id="5" name="Cím 4">
@@ -49459,7 +49373,7 @@
             <a:pPr rtl="0"/>
             <a:r>
               <a:rPr lang="hu-HU" dirty="0" smtClean="0"/>
-              <a:t>ÉLŐLÁB HOZZÁADÁSA</a:t>
+              <a:t>Weboldal mobilverzió</a:t>
             </a:r>
             <a:endParaRPr lang="hu-HU" dirty="0"/>
           </a:p>
@@ -49489,7 +49403,7 @@
             <a:pPr rtl="0"/>
             <a:r>
               <a:rPr lang="hu-HU" dirty="0" smtClean="0"/>
-              <a:t>20XX.HH.NN </a:t>
+              <a:t>2022.12.01 </a:t>
             </a:r>
             <a:endParaRPr lang="hu-HU" dirty="0"/>
           </a:p>
@@ -49504,7 +49418,7 @@
           <p:nvPr/>
         </p:nvPicPr>
         <p:blipFill rotWithShape="1">
-          <a:blip r:embed="rId7"/>
+          <a:blip r:embed="rId6"/>
           <a:srcRect b="21484"/>
           <a:stretch/>
         </p:blipFill>
@@ -49804,11 +49718,7 @@
           <a:p>
             <a:r>
               <a:rPr lang="hu-HU" dirty="0"/>
-              <a:t>GitHub</a:t>
-            </a:r>
-            <a:r>
-              <a:rPr lang="hu-HU" dirty="0"/>
-              <a:t>: </a:t>
+              <a:t>GitHub: </a:t>
             </a:r>
             <a:r>
               <a:rPr lang="hu-HU" dirty="0">
@@ -49979,15 +49889,7 @@
             </a:r>
             <a:r>
               <a:rPr lang="hu-HU" dirty="0"/>
-              <a:t>tulajdonos: </a:t>
-            </a:r>
-            <a:r>
-              <a:rPr lang="hu-HU" dirty="0"/>
-              <a:t>Morning</a:t>
-            </a:r>
-            <a:r>
-              <a:rPr lang="hu-HU" dirty="0"/>
-              <a:t> Wood IT </a:t>
+              <a:t>tulajdonos: Morning Wood IT </a:t>
             </a:r>
             <a:r>
               <a:rPr lang="hu-HU" dirty="0" err="1"/>
@@ -50003,15 +49905,7 @@
             </a:r>
             <a:r>
               <a:rPr lang="hu-HU" dirty="0"/>
-              <a:t>társtulajdonos a Boci IT kft-</a:t>
-            </a:r>
-            <a:r>
-              <a:rPr lang="hu-HU" dirty="0"/>
-              <a:t>ben</a:t>
-            </a:r>
-            <a:r>
-              <a:rPr lang="hu-HU" dirty="0"/>
-              <a:t>.</a:t>
+              <a:t>társtulajdonos a Boci IT kft-ben.</a:t>
             </a:r>
           </a:p>
           <a:p>
@@ -50518,115 +50412,6 @@
     <p:extLst>
       <p:ext uri="{BB962C8B-B14F-4D97-AF65-F5344CB8AC3E}">
         <p14:creationId xmlns:p14="http://schemas.microsoft.com/office/powerpoint/2010/main" val="2695672276"/>
-      </p:ext>
-    </p:extLst>
-  </p:cSld>
-  <p:clrMapOvr>
-    <a:masterClrMapping/>
-  </p:clrMapOvr>
-  <p:timing>
-    <p:tnLst>
-      <p:par>
-        <p:cTn id="1" dur="indefinite" restart="never" nodeType="tmRoot"/>
-      </p:par>
-    </p:tnLst>
-  </p:timing>
-</p:sld>
-</file>
-
-<file path=ppt/slides/slide17.xml><?xml version="1.0" encoding="utf-8"?>
-<p:sld xmlns:a="http://schemas.openxmlformats.org/drawingml/2006/main" xmlns:r="http://schemas.openxmlformats.org/officeDocument/2006/relationships" xmlns:p="http://schemas.openxmlformats.org/presentationml/2006/main">
-  <p:cSld>
-    <p:spTree>
-      <p:nvGrpSpPr>
-        <p:cNvPr id="1" name=""/>
-        <p:cNvGrpSpPr/>
-        <p:nvPr/>
-      </p:nvGrpSpPr>
-      <p:grpSpPr>
-        <a:xfrm>
-          <a:off x="0" y="0"/>
-          <a:ext cx="0" cy="0"/>
-          <a:chOff x="0" y="0"/>
-          <a:chExt cx="0" cy="0"/>
-        </a:xfrm>
-      </p:grpSpPr>
-      <p:sp>
-        <p:nvSpPr>
-          <p:cNvPr id="4" name="Cím 3">
-            <a:extLst>
-              <a:ext uri="{FF2B5EF4-FFF2-40B4-BE49-F238E27FC236}">
-                <a16:creationId xmlns:a16="http://schemas.microsoft.com/office/drawing/2014/main" id="{E98DCA46-603B-4178-8707-30E192CE6B8D}"/>
-              </a:ext>
-            </a:extLst>
-          </p:cNvPr>
-          <p:cNvSpPr>
-            <a:spLocks noGrp="1"/>
-          </p:cNvSpPr>
-          <p:nvPr>
-            <p:ph type="title"/>
-          </p:nvPr>
-        </p:nvSpPr>
-        <p:spPr/>
-        <p:txBody>
-          <a:bodyPr rtlCol="0"/>
-          <a:lstStyle/>
-          <a:p>
-            <a:pPr rtl="0"/>
-            <a:r>
-              <a:rPr lang="hu-HU" dirty="0" smtClean="0"/>
-              <a:t>A sablon </a:t>
-            </a:r>
-            <a:r>
-              <a:rPr lang="hu-HU" dirty="0" err="1" smtClean="0"/>
-              <a:t>testreszabása</a:t>
-            </a:r>
-            <a:endParaRPr lang="hu-HU" dirty="0"/>
-          </a:p>
-        </p:txBody>
-      </p:sp>
-      <p:sp>
-        <p:nvSpPr>
-          <p:cNvPr id="8" name="Szövegdoboz 7">
-            <a:hlinkClick r:id="rId3"/>
-            <a:extLst>
-              <a:ext uri="{FF2B5EF4-FFF2-40B4-BE49-F238E27FC236}">
-                <a16:creationId xmlns:a16="http://schemas.microsoft.com/office/drawing/2014/main" id="{5FC6C278-4035-446A-A94B-030E792FDDF5}"/>
-              </a:ext>
-            </a:extLst>
-          </p:cNvPr>
-          <p:cNvSpPr txBox="1"/>
-          <p:nvPr/>
-        </p:nvSpPr>
-        <p:spPr>
-          <a:xfrm>
-            <a:off x="1547813" y="2459504"/>
-            <a:ext cx="9096374" cy="1938992"/>
-          </a:xfrm>
-          <a:prstGeom prst="rect">
-            <a:avLst/>
-          </a:prstGeom>
-          <a:noFill/>
-        </p:spPr>
-        <p:txBody>
-          <a:bodyPr wrap="square" rtlCol="0">
-            <a:spAutoFit/>
-          </a:bodyPr>
-          <a:lstStyle/>
-          <a:p>
-            <a:pPr algn="ctr" rtl="0"/>
-            <a:r>
-              <a:rPr lang="hu-HU" sz="6000" b="1" u="sng" dirty="0" smtClean="0"/>
-              <a:t>Sablonszerkesztési utasítások és visszajelzés</a:t>
-            </a:r>
-            <a:endParaRPr lang="hu-HU" sz="6000" b="1" u="sng" dirty="0"/>
-          </a:p>
-        </p:txBody>
-      </p:sp>
-    </p:spTree>
-    <p:extLst>
-      <p:ext uri="{BB962C8B-B14F-4D97-AF65-F5344CB8AC3E}">
-        <p14:creationId xmlns:p14="http://schemas.microsoft.com/office/powerpoint/2010/main" val="59582380"/>
       </p:ext>
     </p:extLst>
   </p:cSld>
@@ -51784,7 +51569,7 @@
                 <a14:useLocalDpi xmlns:a14="http://schemas.microsoft.com/office/drawing/2010/main" val="0"/>
               </a:ext>
               <a:ext uri="{96DAC541-7B7A-43D3-8B79-37D633B846F1}">
-                <asvg:svgBlip xmlns:asvg="http://schemas.microsoft.com/office/drawing/2016/SVG/main" xmlns="" r:embed="rId4"/>
+                <asvg:svgBlip xmlns="" xmlns:asvg="http://schemas.microsoft.com/office/drawing/2016/SVG/main" r:embed="rId4"/>
               </a:ext>
             </a:extLst>
           </a:blip>
@@ -52336,7 +52121,7 @@
                 <a14:useLocalDpi xmlns:a14="http://schemas.microsoft.com/office/drawing/2010/main" val="0"/>
               </a:ext>
               <a:ext uri="{96DAC541-7B7A-43D3-8B79-37D633B846F1}">
-                <asvg:svgBlip xmlns:asvg="http://schemas.microsoft.com/office/drawing/2016/SVG/main" xmlns="" r:embed="rId4"/>
+                <asvg:svgBlip xmlns="" xmlns:asvg="http://schemas.microsoft.com/office/drawing/2016/SVG/main" r:embed="rId4"/>
               </a:ext>
             </a:extLst>
           </a:blip>
@@ -52888,7 +52673,7 @@
                 <a14:useLocalDpi xmlns:a14="http://schemas.microsoft.com/office/drawing/2010/main" val="0"/>
               </a:ext>
               <a:ext uri="{96DAC541-7B7A-43D3-8B79-37D633B846F1}">
-                <asvg:svgBlip xmlns:asvg="http://schemas.microsoft.com/office/drawing/2016/SVG/main" xmlns="" r:embed="rId4"/>
+                <asvg:svgBlip xmlns="" xmlns:asvg="http://schemas.microsoft.com/office/drawing/2016/SVG/main" r:embed="rId4"/>
               </a:ext>
             </a:extLst>
           </a:blip>
@@ -53141,7 +52926,7 @@
                 <a14:useLocalDpi xmlns:a14="http://schemas.microsoft.com/office/drawing/2010/main" val="0"/>
               </a:ext>
               <a:ext uri="{96DAC541-7B7A-43D3-8B79-37D633B846F1}">
-                <asvg:svgBlip xmlns:asvg="http://schemas.microsoft.com/office/drawing/2016/SVG/main" xmlns="" r:embed="rId4"/>
+                <asvg:svgBlip xmlns="" xmlns:asvg="http://schemas.microsoft.com/office/drawing/2016/SVG/main" r:embed="rId4"/>
               </a:ext>
             </a:extLst>
           </a:blip>
@@ -54251,7 +54036,7 @@
                 <a14:useLocalDpi xmlns:a14="http://schemas.microsoft.com/office/drawing/2010/main" val="0"/>
               </a:ext>
               <a:ext uri="{96DAC541-7B7A-43D3-8B79-37D633B846F1}">
-                <asvg:svgBlip xmlns:asvg="http://schemas.microsoft.com/office/drawing/2016/SVG/main" xmlns="" r:embed="rId4"/>
+                <asvg:svgBlip xmlns="" xmlns:asvg="http://schemas.microsoft.com/office/drawing/2016/SVG/main" r:embed="rId4"/>
               </a:ext>
             </a:extLst>
           </a:blip>

--- a/documentation/PPT/TerFelSzoft.pptx
+++ b/documentation/PPT/TerFelSzoft.pptx
@@ -16,8 +16,8 @@
     <p:sldId id="258" r:id="rId4"/>
     <p:sldId id="259" r:id="rId5"/>
     <p:sldId id="265" r:id="rId6"/>
-    <p:sldId id="283" r:id="rId7"/>
-    <p:sldId id="262" r:id="rId8"/>
+    <p:sldId id="262" r:id="rId7"/>
+    <p:sldId id="283" r:id="rId8"/>
     <p:sldId id="263" r:id="rId9"/>
     <p:sldId id="269" r:id="rId10"/>
     <p:sldId id="274" r:id="rId11"/>
@@ -2628,7 +2628,7 @@
     </p:spTree>
     <p:extLst>
       <p:ext uri="{BB962C8B-B14F-4D97-AF65-F5344CB8AC3E}">
-        <p14:creationId xmlns:p14="http://schemas.microsoft.com/office/powerpoint/2010/main" val="1758616836"/>
+        <p14:creationId xmlns:p14="http://schemas.microsoft.com/office/powerpoint/2010/main" val="2285217782"/>
       </p:ext>
     </p:extLst>
   </p:cSld>
@@ -2714,7 +2714,7 @@
     </p:spTree>
     <p:extLst>
       <p:ext uri="{BB962C8B-B14F-4D97-AF65-F5344CB8AC3E}">
-        <p14:creationId xmlns:p14="http://schemas.microsoft.com/office/powerpoint/2010/main" val="2285217782"/>
+        <p14:creationId xmlns:p14="http://schemas.microsoft.com/office/powerpoint/2010/main" val="1758616836"/>
       </p:ext>
     </p:extLst>
   </p:cSld>
@@ -31638,7 +31638,7 @@
             <a:blip r:embed="rId2">
               <a:extLst>
                 <a:ext uri="{96DAC541-7B7A-43D3-8B79-37D633B846F1}">
-                  <asvg:svgBlip xmlns="" xmlns:asvg="http://schemas.microsoft.com/office/drawing/2016/SVG/main" r:embed="rId3"/>
+                  <asvg:svgBlip xmlns:asvg="http://schemas.microsoft.com/office/drawing/2016/SVG/main" xmlns="" r:embed="rId3"/>
                 </a:ext>
               </a:extLst>
             </a:blip>
@@ -42175,7 +42175,7 @@
             <a:blip r:embed="rId2">
               <a:extLst>
                 <a:ext uri="{96DAC541-7B7A-43D3-8B79-37D633B846F1}">
-                  <asvg:svgBlip xmlns="" xmlns:asvg="http://schemas.microsoft.com/office/drawing/2016/SVG/main" r:embed="rId3"/>
+                  <asvg:svgBlip xmlns:asvg="http://schemas.microsoft.com/office/drawing/2016/SVG/main" xmlns="" r:embed="rId3"/>
                 </a:ext>
               </a:extLst>
             </a:blip>
@@ -46401,7 +46401,7 @@
       </p:grpSpPr>
       <p:pic>
         <p:nvPicPr>
-          <p:cNvPr id="27" name="Kép helyőrzője 26" descr="Céges embléma">
+          <p:cNvPr id="27" name="Kép helyőrzője 26">
             <a:extLst>
               <a:ext uri="{FF2B5EF4-FFF2-40B4-BE49-F238E27FC236}">
                 <a16:creationId xmlns:a16="http://schemas.microsoft.com/office/drawing/2014/main" id="{FB2A302B-5D3B-40EC-8BE1-BD296E9D1B98}"/>
@@ -46421,8 +46421,100 @@
               <a:ext uri="{28A0092B-C50C-407E-A947-70E740481C1C}">
                 <a14:useLocalDpi xmlns:a14="http://schemas.microsoft.com/office/drawing/2010/main" val="0"/>
               </a:ext>
-              <a:ext uri="{96DAC541-7B7A-43D3-8B79-37D633B846F1}">
-                <asvg:svgBlip xmlns="" xmlns:asvg="http://schemas.microsoft.com/office/drawing/2016/SVG/main" r:embed="rId4"/>
+            </a:extLst>
+          </a:blip>
+          <a:stretch>
+            <a:fillRect/>
+          </a:stretch>
+        </p:blipFill>
+        <p:spPr>
+          <a:xfrm>
+            <a:off x="0" y="0"/>
+            <a:ext cx="1328400" cy="1328400"/>
+          </a:xfrm>
+        </p:spPr>
+      </p:pic>
+      <p:sp>
+        <p:nvSpPr>
+          <p:cNvPr id="5" name="Cím 4">
+            <a:extLst>
+              <a:ext uri="{FF2B5EF4-FFF2-40B4-BE49-F238E27FC236}">
+                <a16:creationId xmlns:a16="http://schemas.microsoft.com/office/drawing/2014/main" id="{EC73CEBD-6C08-4E0C-9E82-28D34A80CBB8}"/>
+              </a:ext>
+            </a:extLst>
+          </p:cNvPr>
+          <p:cNvSpPr>
+            <a:spLocks noGrp="1"/>
+          </p:cNvSpPr>
+          <p:nvPr>
+            <p:ph type="title"/>
+          </p:nvPr>
+        </p:nvSpPr>
+        <p:spPr/>
+        <p:txBody>
+          <a:bodyPr rtlCol="0"/>
+          <a:lstStyle/>
+          <a:p>
+            <a:pPr rtl="0"/>
+            <a:r>
+              <a:rPr lang="hu-HU" dirty="0" smtClean="0"/>
+              <a:t>Csapatdia</a:t>
+            </a:r>
+            <a:endParaRPr lang="hu-HU" dirty="0"/>
+          </a:p>
+        </p:txBody>
+      </p:sp>
+      <p:sp>
+        <p:nvSpPr>
+          <p:cNvPr id="6" name="Szöveg helye 5">
+            <a:extLst>
+              <a:ext uri="{FF2B5EF4-FFF2-40B4-BE49-F238E27FC236}">
+                <a16:creationId xmlns:a16="http://schemas.microsoft.com/office/drawing/2014/main" id="{729B071F-0D12-4804-81BF-4FFB907A216A}"/>
+              </a:ext>
+            </a:extLst>
+          </p:cNvPr>
+          <p:cNvSpPr>
+            <a:spLocks noGrp="1"/>
+          </p:cNvSpPr>
+          <p:nvPr>
+            <p:ph type="body" idx="1"/>
+          </p:nvPr>
+        </p:nvSpPr>
+        <p:spPr/>
+        <p:txBody>
+          <a:bodyPr rtlCol="0"/>
+          <a:lstStyle/>
+          <a:p>
+            <a:pPr rtl="0"/>
+            <a:r>
+              <a:rPr lang="hu-HU" dirty="0" smtClean="0"/>
+              <a:t>LOREM IPSUM DOLOR SIT AMET, CONSECTETUER ADIPISCING ELIT. MAECENAS PORTTITOR</a:t>
+            </a:r>
+            <a:endParaRPr lang="hu-HU" dirty="0"/>
+          </a:p>
+        </p:txBody>
+      </p:sp>
+      <p:pic>
+        <p:nvPicPr>
+          <p:cNvPr id="29" name="Kép helyőrzője 28" descr="Csapattag fényképe">
+            <a:extLst>
+              <a:ext uri="{FF2B5EF4-FFF2-40B4-BE49-F238E27FC236}">
+                <a16:creationId xmlns:a16="http://schemas.microsoft.com/office/drawing/2014/main" id="{A708FADF-CDF9-4068-A8FE-942FF9B74D1A}"/>
+              </a:ext>
+            </a:extLst>
+          </p:cNvPr>
+          <p:cNvPicPr>
+            <a:picLocks noGrp="1" noChangeAspect="1"/>
+          </p:cNvPicPr>
+          <p:nvPr>
+            <p:ph type="pic" sz="quarter" idx="33"/>
+          </p:nvPr>
+        </p:nvPicPr>
+        <p:blipFill>
+          <a:blip r:embed="rId4">
+            <a:extLst>
+              <a:ext uri="{28A0092B-C50C-407E-A947-70E740481C1C}">
+                <a14:useLocalDpi xmlns:a14="http://schemas.microsoft.com/office/drawing/2010/main" val="0"/>
               </a:ext>
             </a:extLst>
           </a:blip>
@@ -46435,10 +46527,10 @@
       </p:pic>
       <p:sp>
         <p:nvSpPr>
-          <p:cNvPr id="5" name="Cím 4">
-            <a:extLst>
-              <a:ext uri="{FF2B5EF4-FFF2-40B4-BE49-F238E27FC236}">
-                <a16:creationId xmlns:a16="http://schemas.microsoft.com/office/drawing/2014/main" id="{EC73CEBD-6C08-4E0C-9E82-28D34A80CBB8}"/>
+          <p:cNvPr id="9" name="Szöveg helye 8">
+            <a:extLst>
+              <a:ext uri="{FF2B5EF4-FFF2-40B4-BE49-F238E27FC236}">
+                <a16:creationId xmlns:a16="http://schemas.microsoft.com/office/drawing/2014/main" id="{E8E00B54-1018-41A0-92AF-46D993630EBD}"/>
               </a:ext>
             </a:extLst>
           </p:cNvPr>
@@ -46446,7 +46538,47 @@
             <a:spLocks noGrp="1"/>
           </p:cNvSpPr>
           <p:nvPr>
-            <p:ph type="title"/>
+            <p:ph type="body" idx="16"/>
+          </p:nvPr>
+        </p:nvSpPr>
+        <p:spPr/>
+        <p:txBody>
+          <a:bodyPr rtlCol="0">
+            <a:normAutofit/>
+          </a:bodyPr>
+          <a:lstStyle/>
+          <a:p>
+            <a:pPr rtl="0"/>
+            <a:r>
+              <a:rPr lang="hu-HU" dirty="0" err="1" smtClean="0"/>
+              <a:t>Angelica</a:t>
+            </a:r>
+            <a:r>
+              <a:rPr lang="hu-HU" dirty="0" smtClean="0"/>
+              <a:t> </a:t>
+            </a:r>
+            <a:r>
+              <a:rPr lang="hu-HU" dirty="0" err="1" smtClean="0"/>
+              <a:t>Astrom</a:t>
+            </a:r>
+            <a:endParaRPr lang="hu-HU" dirty="0"/>
+          </a:p>
+        </p:txBody>
+      </p:sp>
+      <p:sp>
+        <p:nvSpPr>
+          <p:cNvPr id="8" name="Szöveg helye 7">
+            <a:extLst>
+              <a:ext uri="{FF2B5EF4-FFF2-40B4-BE49-F238E27FC236}">
+                <a16:creationId xmlns:a16="http://schemas.microsoft.com/office/drawing/2014/main" id="{8B8E9E7A-1401-4E48-8C01-EA96A17BDF2A}"/>
+              </a:ext>
+            </a:extLst>
+          </p:cNvPr>
+          <p:cNvSpPr>
+            <a:spLocks noGrp="1"/>
+          </p:cNvSpPr>
+          <p:nvPr>
+            <p:ph type="body" idx="14"/>
           </p:nvPr>
         </p:nvSpPr>
         <p:spPr/>
@@ -46457,37 +46589,7 @@
             <a:pPr rtl="0"/>
             <a:r>
               <a:rPr lang="hu-HU" dirty="0" smtClean="0"/>
-              <a:t>Csapatdia</a:t>
-            </a:r>
-            <a:endParaRPr lang="hu-HU" dirty="0"/>
-          </a:p>
-        </p:txBody>
-      </p:sp>
-      <p:sp>
-        <p:nvSpPr>
-          <p:cNvPr id="6" name="Szöveg helye 5">
-            <a:extLst>
-              <a:ext uri="{FF2B5EF4-FFF2-40B4-BE49-F238E27FC236}">
-                <a16:creationId xmlns:a16="http://schemas.microsoft.com/office/drawing/2014/main" id="{729B071F-0D12-4804-81BF-4FFB907A216A}"/>
-              </a:ext>
-            </a:extLst>
-          </p:cNvPr>
-          <p:cNvSpPr>
-            <a:spLocks noGrp="1"/>
-          </p:cNvSpPr>
-          <p:nvPr>
-            <p:ph type="body" idx="1"/>
-          </p:nvPr>
-        </p:nvSpPr>
-        <p:spPr/>
-        <p:txBody>
-          <a:bodyPr rtlCol="0"/>
-          <a:lstStyle/>
-          <a:p>
-            <a:pPr rtl="0"/>
-            <a:r>
-              <a:rPr lang="hu-HU" dirty="0" smtClean="0"/>
-              <a:t>LOREM IPSUM DOLOR SIT AMET, CONSECTETUER ADIPISCING ELIT. MAECENAS PORTTITOR</a:t>
+              <a:t>Csapattag beosztása</a:t>
             </a:r>
             <a:endParaRPr lang="hu-HU" dirty="0"/>
           </a:p>
@@ -46495,10 +46597,10 @@
       </p:sp>
       <p:pic>
         <p:nvPicPr>
-          <p:cNvPr id="29" name="Kép helyőrzője 28" descr="Csapattag fényképe">
-            <a:extLst>
-              <a:ext uri="{FF2B5EF4-FFF2-40B4-BE49-F238E27FC236}">
-                <a16:creationId xmlns:a16="http://schemas.microsoft.com/office/drawing/2014/main" id="{A708FADF-CDF9-4068-A8FE-942FF9B74D1A}"/>
+          <p:cNvPr id="33" name="Kép helyőrzője 32" descr="Csapattag fényképe">
+            <a:extLst>
+              <a:ext uri="{FF2B5EF4-FFF2-40B4-BE49-F238E27FC236}">
+                <a16:creationId xmlns:a16="http://schemas.microsoft.com/office/drawing/2014/main" id="{F95B48C7-C603-448B-812B-C71705CF1B75}"/>
               </a:ext>
             </a:extLst>
           </p:cNvPr>
@@ -46506,7 +46608,7 @@
             <a:picLocks noGrp="1" noChangeAspect="1"/>
           </p:cNvPicPr>
           <p:nvPr>
-            <p:ph type="pic" sz="quarter" idx="33"/>
+            <p:ph type="pic" sz="quarter" idx="39"/>
           </p:nvPr>
         </p:nvPicPr>
         <p:blipFill>
@@ -46526,10 +46628,10 @@
       </p:pic>
       <p:sp>
         <p:nvSpPr>
-          <p:cNvPr id="9" name="Szöveg helye 8">
-            <a:extLst>
-              <a:ext uri="{FF2B5EF4-FFF2-40B4-BE49-F238E27FC236}">
-                <a16:creationId xmlns:a16="http://schemas.microsoft.com/office/drawing/2014/main" id="{E8E00B54-1018-41A0-92AF-46D993630EBD}"/>
+          <p:cNvPr id="15" name="Szöveg helye 14">
+            <a:extLst>
+              <a:ext uri="{FF2B5EF4-FFF2-40B4-BE49-F238E27FC236}">
+                <a16:creationId xmlns:a16="http://schemas.microsoft.com/office/drawing/2014/main" id="{EA6A43FA-5FFA-484D-8D0E-4C7A54F256A7}"/>
               </a:ext>
             </a:extLst>
           </p:cNvPr>
@@ -46537,7 +46639,7 @@
             <a:spLocks noGrp="1"/>
           </p:cNvSpPr>
           <p:nvPr>
-            <p:ph type="body" idx="16"/>
+            <p:ph type="body" idx="38"/>
           </p:nvPr>
         </p:nvSpPr>
         <p:spPr/>
@@ -46550,7 +46652,7 @@
             <a:pPr rtl="0"/>
             <a:r>
               <a:rPr lang="hu-HU" dirty="0" err="1" smtClean="0"/>
-              <a:t>Angelica</a:t>
+              <a:t>Ian</a:t>
             </a:r>
             <a:r>
               <a:rPr lang="hu-HU" dirty="0" smtClean="0"/>
@@ -46558,7 +46660,7 @@
             </a:r>
             <a:r>
               <a:rPr lang="hu-HU" dirty="0" err="1" smtClean="0"/>
-              <a:t>Astrom</a:t>
+              <a:t>Hansson</a:t>
             </a:r>
             <a:endParaRPr lang="hu-HU" dirty="0"/>
           </a:p>
@@ -46566,10 +46668,10 @@
       </p:sp>
       <p:sp>
         <p:nvSpPr>
-          <p:cNvPr id="8" name="Szöveg helye 7">
-            <a:extLst>
-              <a:ext uri="{FF2B5EF4-FFF2-40B4-BE49-F238E27FC236}">
-                <a16:creationId xmlns:a16="http://schemas.microsoft.com/office/drawing/2014/main" id="{8B8E9E7A-1401-4E48-8C01-EA96A17BDF2A}"/>
+          <p:cNvPr id="14" name="Szöveg helye 13">
+            <a:extLst>
+              <a:ext uri="{FF2B5EF4-FFF2-40B4-BE49-F238E27FC236}">
+                <a16:creationId xmlns:a16="http://schemas.microsoft.com/office/drawing/2014/main" id="{35DC5F9B-BC45-47B1-9569-03F24C5366F9}"/>
               </a:ext>
             </a:extLst>
           </p:cNvPr>
@@ -46577,7 +46679,7 @@
             <a:spLocks noGrp="1"/>
           </p:cNvSpPr>
           <p:nvPr>
-            <p:ph type="body" idx="14"/>
+            <p:ph type="body" idx="37"/>
           </p:nvPr>
         </p:nvSpPr>
         <p:spPr/>
@@ -46596,10 +46698,10 @@
       </p:sp>
       <p:pic>
         <p:nvPicPr>
-          <p:cNvPr id="33" name="Kép helyőrzője 32" descr="Csapattag fényképe">
-            <a:extLst>
-              <a:ext uri="{FF2B5EF4-FFF2-40B4-BE49-F238E27FC236}">
-                <a16:creationId xmlns:a16="http://schemas.microsoft.com/office/drawing/2014/main" id="{F95B48C7-C603-448B-812B-C71705CF1B75}"/>
+          <p:cNvPr id="37" name="Kép helyőrzője 36" descr="Csapattag fényképe">
+            <a:extLst>
+              <a:ext uri="{FF2B5EF4-FFF2-40B4-BE49-F238E27FC236}">
+                <a16:creationId xmlns:a16="http://schemas.microsoft.com/office/drawing/2014/main" id="{F1002F14-48E2-4C6C-8D4B-E53C0E3ACF27}"/>
               </a:ext>
             </a:extLst>
           </p:cNvPr>
@@ -46607,7 +46709,7 @@
             <a:picLocks noGrp="1" noChangeAspect="1"/>
           </p:cNvPicPr>
           <p:nvPr>
-            <p:ph type="pic" sz="quarter" idx="39"/>
+            <p:ph type="pic" sz="quarter" idx="45"/>
           </p:nvPr>
         </p:nvPicPr>
         <p:blipFill>
@@ -46627,10 +46729,10 @@
       </p:pic>
       <p:sp>
         <p:nvSpPr>
-          <p:cNvPr id="15" name="Szöveg helye 14">
-            <a:extLst>
-              <a:ext uri="{FF2B5EF4-FFF2-40B4-BE49-F238E27FC236}">
-                <a16:creationId xmlns:a16="http://schemas.microsoft.com/office/drawing/2014/main" id="{EA6A43FA-5FFA-484D-8D0E-4C7A54F256A7}"/>
+          <p:cNvPr id="21" name="Szöveg helye 20">
+            <a:extLst>
+              <a:ext uri="{FF2B5EF4-FFF2-40B4-BE49-F238E27FC236}">
+                <a16:creationId xmlns:a16="http://schemas.microsoft.com/office/drawing/2014/main" id="{147D9385-B136-49E1-B50C-69B506A798B8}"/>
               </a:ext>
             </a:extLst>
           </p:cNvPr>
@@ -46638,7 +46740,7 @@
             <a:spLocks noGrp="1"/>
           </p:cNvSpPr>
           <p:nvPr>
-            <p:ph type="body" idx="38"/>
+            <p:ph type="body" idx="44"/>
           </p:nvPr>
         </p:nvSpPr>
         <p:spPr/>
@@ -46651,7 +46753,7 @@
             <a:pPr rtl="0"/>
             <a:r>
               <a:rPr lang="hu-HU" dirty="0" err="1" smtClean="0"/>
-              <a:t>Ian</a:t>
+              <a:t>Jens</a:t>
             </a:r>
             <a:r>
               <a:rPr lang="hu-HU" dirty="0" smtClean="0"/>
@@ -46659,7 +46761,7 @@
             </a:r>
             <a:r>
               <a:rPr lang="hu-HU" dirty="0" err="1" smtClean="0"/>
-              <a:t>Hansson</a:t>
+              <a:t>Martensson</a:t>
             </a:r>
             <a:endParaRPr lang="hu-HU" dirty="0"/>
           </a:p>
@@ -46667,10 +46769,10 @@
       </p:sp>
       <p:sp>
         <p:nvSpPr>
-          <p:cNvPr id="14" name="Szöveg helye 13">
-            <a:extLst>
-              <a:ext uri="{FF2B5EF4-FFF2-40B4-BE49-F238E27FC236}">
-                <a16:creationId xmlns:a16="http://schemas.microsoft.com/office/drawing/2014/main" id="{35DC5F9B-BC45-47B1-9569-03F24C5366F9}"/>
+          <p:cNvPr id="20" name="Szöveg helye 19">
+            <a:extLst>
+              <a:ext uri="{FF2B5EF4-FFF2-40B4-BE49-F238E27FC236}">
+                <a16:creationId xmlns:a16="http://schemas.microsoft.com/office/drawing/2014/main" id="{41A02D9C-967F-448E-86B7-F059F13F3C49}"/>
               </a:ext>
             </a:extLst>
           </p:cNvPr>
@@ -46678,7 +46780,7 @@
             <a:spLocks noGrp="1"/>
           </p:cNvSpPr>
           <p:nvPr>
-            <p:ph type="body" idx="37"/>
+            <p:ph type="body" idx="43"/>
           </p:nvPr>
         </p:nvSpPr>
         <p:spPr/>
@@ -46697,10 +46799,10 @@
       </p:sp>
       <p:pic>
         <p:nvPicPr>
-          <p:cNvPr id="37" name="Kép helyőrzője 36" descr="Csapattag fényképe">
-            <a:extLst>
-              <a:ext uri="{FF2B5EF4-FFF2-40B4-BE49-F238E27FC236}">
-                <a16:creationId xmlns:a16="http://schemas.microsoft.com/office/drawing/2014/main" id="{F1002F14-48E2-4C6C-8D4B-E53C0E3ACF27}"/>
+          <p:cNvPr id="31" name="Kép helyőrzője 30" descr="Csapattag fényképe">
+            <a:extLst>
+              <a:ext uri="{FF2B5EF4-FFF2-40B4-BE49-F238E27FC236}">
+                <a16:creationId xmlns:a16="http://schemas.microsoft.com/office/drawing/2014/main" id="{D5DA1A83-8A79-4EA5-9999-C608FC485F96}"/>
               </a:ext>
             </a:extLst>
           </p:cNvPr>
@@ -46708,11 +46810,11 @@
             <a:picLocks noGrp="1" noChangeAspect="1"/>
           </p:cNvPicPr>
           <p:nvPr>
-            <p:ph type="pic" sz="quarter" idx="45"/>
+            <p:ph type="pic" sz="quarter" idx="36"/>
           </p:nvPr>
         </p:nvPicPr>
         <p:blipFill>
-          <a:blip r:embed="rId7">
+          <a:blip r:embed="rId4">
             <a:extLst>
               <a:ext uri="{28A0092B-C50C-407E-A947-70E740481C1C}">
                 <a14:useLocalDpi xmlns:a14="http://schemas.microsoft.com/office/drawing/2010/main" val="0"/>
@@ -46728,10 +46830,10 @@
       </p:pic>
       <p:sp>
         <p:nvSpPr>
-          <p:cNvPr id="21" name="Szöveg helye 20">
-            <a:extLst>
-              <a:ext uri="{FF2B5EF4-FFF2-40B4-BE49-F238E27FC236}">
-                <a16:creationId xmlns:a16="http://schemas.microsoft.com/office/drawing/2014/main" id="{147D9385-B136-49E1-B50C-69B506A798B8}"/>
+          <p:cNvPr id="12" name="Szöveg helye 11">
+            <a:extLst>
+              <a:ext uri="{FF2B5EF4-FFF2-40B4-BE49-F238E27FC236}">
+                <a16:creationId xmlns:a16="http://schemas.microsoft.com/office/drawing/2014/main" id="{B11CC907-EFCA-4CEC-AC44-3398B08E17B6}"/>
               </a:ext>
             </a:extLst>
           </p:cNvPr>
@@ -46739,20 +46841,18 @@
             <a:spLocks noGrp="1"/>
           </p:cNvSpPr>
           <p:nvPr>
-            <p:ph type="body" idx="44"/>
+            <p:ph type="body" idx="35"/>
           </p:nvPr>
         </p:nvSpPr>
         <p:spPr/>
         <p:txBody>
-          <a:bodyPr rtlCol="0">
-            <a:normAutofit/>
-          </a:bodyPr>
+          <a:bodyPr rtlCol="0"/>
           <a:lstStyle/>
           <a:p>
             <a:pPr rtl="0"/>
             <a:r>
               <a:rPr lang="hu-HU" dirty="0" err="1" smtClean="0"/>
-              <a:t>Jens</a:t>
+              <a:t>Angelica</a:t>
             </a:r>
             <a:r>
               <a:rPr lang="hu-HU" dirty="0" smtClean="0"/>
@@ -46760,7 +46860,7 @@
             </a:r>
             <a:r>
               <a:rPr lang="hu-HU" dirty="0" err="1" smtClean="0"/>
-              <a:t>Martensson</a:t>
+              <a:t>Astrom</a:t>
             </a:r>
             <a:endParaRPr lang="hu-HU" dirty="0"/>
           </a:p>
@@ -46768,10 +46868,10 @@
       </p:sp>
       <p:sp>
         <p:nvSpPr>
-          <p:cNvPr id="20" name="Szöveg helye 19">
-            <a:extLst>
-              <a:ext uri="{FF2B5EF4-FFF2-40B4-BE49-F238E27FC236}">
-                <a16:creationId xmlns:a16="http://schemas.microsoft.com/office/drawing/2014/main" id="{41A02D9C-967F-448E-86B7-F059F13F3C49}"/>
+          <p:cNvPr id="11" name="Szöveg helye 10">
+            <a:extLst>
+              <a:ext uri="{FF2B5EF4-FFF2-40B4-BE49-F238E27FC236}">
+                <a16:creationId xmlns:a16="http://schemas.microsoft.com/office/drawing/2014/main" id="{4B8E0463-D6FB-4AF0-B713-3509AC7FCDF3}"/>
               </a:ext>
             </a:extLst>
           </p:cNvPr>
@@ -46779,7 +46879,7 @@
             <a:spLocks noGrp="1"/>
           </p:cNvSpPr>
           <p:nvPr>
-            <p:ph type="body" idx="43"/>
+            <p:ph type="body" idx="34"/>
           </p:nvPr>
         </p:nvSpPr>
         <p:spPr/>
@@ -46798,10 +46898,10 @@
       </p:sp>
       <p:pic>
         <p:nvPicPr>
-          <p:cNvPr id="31" name="Kép helyőrzője 30" descr="Csapattag fényképe">
-            <a:extLst>
-              <a:ext uri="{FF2B5EF4-FFF2-40B4-BE49-F238E27FC236}">
-                <a16:creationId xmlns:a16="http://schemas.microsoft.com/office/drawing/2014/main" id="{D5DA1A83-8A79-4EA5-9999-C608FC485F96}"/>
+          <p:cNvPr id="35" name="Kép helyőrzője 34" descr="Csapattag fényképe">
+            <a:extLst>
+              <a:ext uri="{FF2B5EF4-FFF2-40B4-BE49-F238E27FC236}">
+                <a16:creationId xmlns:a16="http://schemas.microsoft.com/office/drawing/2014/main" id="{15B06B14-F8EB-4DD3-935C-A919FA6B579E}"/>
               </a:ext>
             </a:extLst>
           </p:cNvPr>
@@ -46809,7 +46909,7 @@
             <a:picLocks noGrp="1" noChangeAspect="1"/>
           </p:cNvPicPr>
           <p:nvPr>
-            <p:ph type="pic" sz="quarter" idx="36"/>
+            <p:ph type="pic" sz="quarter" idx="42"/>
           </p:nvPr>
         </p:nvPicPr>
         <p:blipFill>
@@ -46829,10 +46929,10 @@
       </p:pic>
       <p:sp>
         <p:nvSpPr>
-          <p:cNvPr id="12" name="Szöveg helye 11">
-            <a:extLst>
-              <a:ext uri="{FF2B5EF4-FFF2-40B4-BE49-F238E27FC236}">
-                <a16:creationId xmlns:a16="http://schemas.microsoft.com/office/drawing/2014/main" id="{B11CC907-EFCA-4CEC-AC44-3398B08E17B6}"/>
+          <p:cNvPr id="18" name="Szöveg helye 17">
+            <a:extLst>
+              <a:ext uri="{FF2B5EF4-FFF2-40B4-BE49-F238E27FC236}">
+                <a16:creationId xmlns:a16="http://schemas.microsoft.com/office/drawing/2014/main" id="{69CBA094-5068-4A31-8608-0B82623441B0}"/>
               </a:ext>
             </a:extLst>
           </p:cNvPr>
@@ -46840,7 +46940,7 @@
             <a:spLocks noGrp="1"/>
           </p:cNvSpPr>
           <p:nvPr>
-            <p:ph type="body" idx="35"/>
+            <p:ph type="body" idx="41"/>
           </p:nvPr>
         </p:nvSpPr>
         <p:spPr/>
@@ -46851,7 +46951,7 @@
             <a:pPr rtl="0"/>
             <a:r>
               <a:rPr lang="hu-HU" dirty="0" err="1" smtClean="0"/>
-              <a:t>Angelica</a:t>
+              <a:t>Ian</a:t>
             </a:r>
             <a:r>
               <a:rPr lang="hu-HU" dirty="0" smtClean="0"/>
@@ -46859,7 +46959,7 @@
             </a:r>
             <a:r>
               <a:rPr lang="hu-HU" dirty="0" err="1" smtClean="0"/>
-              <a:t>Astrom</a:t>
+              <a:t>Hansson</a:t>
             </a:r>
             <a:endParaRPr lang="hu-HU" dirty="0"/>
           </a:p>
@@ -46867,10 +46967,10 @@
       </p:sp>
       <p:sp>
         <p:nvSpPr>
-          <p:cNvPr id="11" name="Szöveg helye 10">
-            <a:extLst>
-              <a:ext uri="{FF2B5EF4-FFF2-40B4-BE49-F238E27FC236}">
-                <a16:creationId xmlns:a16="http://schemas.microsoft.com/office/drawing/2014/main" id="{4B8E0463-D6FB-4AF0-B713-3509AC7FCDF3}"/>
+          <p:cNvPr id="17" name="Szöveg helye 16">
+            <a:extLst>
+              <a:ext uri="{FF2B5EF4-FFF2-40B4-BE49-F238E27FC236}">
+                <a16:creationId xmlns:a16="http://schemas.microsoft.com/office/drawing/2014/main" id="{D3FB2709-DCAC-409A-A8AC-512006324CA0}"/>
               </a:ext>
             </a:extLst>
           </p:cNvPr>
@@ -46878,7 +46978,7 @@
             <a:spLocks noGrp="1"/>
           </p:cNvSpPr>
           <p:nvPr>
-            <p:ph type="body" idx="34"/>
+            <p:ph type="body" idx="40"/>
           </p:nvPr>
         </p:nvSpPr>
         <p:spPr/>
@@ -46897,10 +46997,10 @@
       </p:sp>
       <p:pic>
         <p:nvPicPr>
-          <p:cNvPr id="35" name="Kép helyőrzője 34" descr="Csapattag fényképe">
-            <a:extLst>
-              <a:ext uri="{FF2B5EF4-FFF2-40B4-BE49-F238E27FC236}">
-                <a16:creationId xmlns:a16="http://schemas.microsoft.com/office/drawing/2014/main" id="{15B06B14-F8EB-4DD3-935C-A919FA6B579E}"/>
+          <p:cNvPr id="39" name="Kép helyőrzője 38" descr="Csapattag fényképe">
+            <a:extLst>
+              <a:ext uri="{FF2B5EF4-FFF2-40B4-BE49-F238E27FC236}">
+                <a16:creationId xmlns:a16="http://schemas.microsoft.com/office/drawing/2014/main" id="{17AC82E1-4FC1-4FDD-95AF-9A92CEFFC144}"/>
               </a:ext>
             </a:extLst>
           </p:cNvPr>
@@ -46908,110 +47008,11 @@
             <a:picLocks noGrp="1" noChangeAspect="1"/>
           </p:cNvPicPr>
           <p:nvPr>
-            <p:ph type="pic" sz="quarter" idx="42"/>
+            <p:ph type="pic" sz="quarter" idx="48"/>
           </p:nvPr>
         </p:nvPicPr>
         <p:blipFill>
           <a:blip r:embed="rId6">
-            <a:extLst>
-              <a:ext uri="{28A0092B-C50C-407E-A947-70E740481C1C}">
-                <a14:useLocalDpi xmlns:a14="http://schemas.microsoft.com/office/drawing/2010/main" val="0"/>
-              </a:ext>
-            </a:extLst>
-          </a:blip>
-          <a:srcRect/>
-          <a:stretch>
-            <a:fillRect/>
-          </a:stretch>
-        </p:blipFill>
-        <p:spPr/>
-      </p:pic>
-      <p:sp>
-        <p:nvSpPr>
-          <p:cNvPr id="18" name="Szöveg helye 17">
-            <a:extLst>
-              <a:ext uri="{FF2B5EF4-FFF2-40B4-BE49-F238E27FC236}">
-                <a16:creationId xmlns:a16="http://schemas.microsoft.com/office/drawing/2014/main" id="{69CBA094-5068-4A31-8608-0B82623441B0}"/>
-              </a:ext>
-            </a:extLst>
-          </p:cNvPr>
-          <p:cNvSpPr>
-            <a:spLocks noGrp="1"/>
-          </p:cNvSpPr>
-          <p:nvPr>
-            <p:ph type="body" idx="41"/>
-          </p:nvPr>
-        </p:nvSpPr>
-        <p:spPr/>
-        <p:txBody>
-          <a:bodyPr rtlCol="0"/>
-          <a:lstStyle/>
-          <a:p>
-            <a:pPr rtl="0"/>
-            <a:r>
-              <a:rPr lang="hu-HU" dirty="0" err="1" smtClean="0"/>
-              <a:t>Ian</a:t>
-            </a:r>
-            <a:r>
-              <a:rPr lang="hu-HU" dirty="0" smtClean="0"/>
-              <a:t> </a:t>
-            </a:r>
-            <a:r>
-              <a:rPr lang="hu-HU" dirty="0" err="1" smtClean="0"/>
-              <a:t>Hansson</a:t>
-            </a:r>
-            <a:endParaRPr lang="hu-HU" dirty="0"/>
-          </a:p>
-        </p:txBody>
-      </p:sp>
-      <p:sp>
-        <p:nvSpPr>
-          <p:cNvPr id="17" name="Szöveg helye 16">
-            <a:extLst>
-              <a:ext uri="{FF2B5EF4-FFF2-40B4-BE49-F238E27FC236}">
-                <a16:creationId xmlns:a16="http://schemas.microsoft.com/office/drawing/2014/main" id="{D3FB2709-DCAC-409A-A8AC-512006324CA0}"/>
-              </a:ext>
-            </a:extLst>
-          </p:cNvPr>
-          <p:cNvSpPr>
-            <a:spLocks noGrp="1"/>
-          </p:cNvSpPr>
-          <p:nvPr>
-            <p:ph type="body" idx="40"/>
-          </p:nvPr>
-        </p:nvSpPr>
-        <p:spPr/>
-        <p:txBody>
-          <a:bodyPr rtlCol="0"/>
-          <a:lstStyle/>
-          <a:p>
-            <a:pPr rtl="0"/>
-            <a:r>
-              <a:rPr lang="hu-HU" dirty="0" smtClean="0"/>
-              <a:t>Csapattag beosztása</a:t>
-            </a:r>
-            <a:endParaRPr lang="hu-HU" dirty="0"/>
-          </a:p>
-        </p:txBody>
-      </p:sp>
-      <p:pic>
-        <p:nvPicPr>
-          <p:cNvPr id="39" name="Kép helyőrzője 38" descr="Csapattag fényképe">
-            <a:extLst>
-              <a:ext uri="{FF2B5EF4-FFF2-40B4-BE49-F238E27FC236}">
-                <a16:creationId xmlns:a16="http://schemas.microsoft.com/office/drawing/2014/main" id="{17AC82E1-4FC1-4FDD-95AF-9A92CEFFC144}"/>
-              </a:ext>
-            </a:extLst>
-          </p:cNvPr>
-          <p:cNvPicPr>
-            <a:picLocks noGrp="1" noChangeAspect="1"/>
-          </p:cNvPicPr>
-          <p:nvPr>
-            <p:ph type="pic" sz="quarter" idx="48"/>
-          </p:nvPr>
-        </p:nvPicPr>
-        <p:blipFill>
-          <a:blip r:embed="rId7">
             <a:extLst>
               <a:ext uri="{28A0092B-C50C-407E-A947-70E740481C1C}">
                 <a14:useLocalDpi xmlns:a14="http://schemas.microsoft.com/office/drawing/2010/main" val="0"/>
@@ -47222,7 +47223,7 @@
       </p:grpSpPr>
       <p:pic>
         <p:nvPicPr>
-          <p:cNvPr id="21" name="Kép helyőrzője 20" descr="Céges embléma">
+          <p:cNvPr id="21" name="Kép helyőrzője 20">
             <a:extLst>
               <a:ext uri="{FF2B5EF4-FFF2-40B4-BE49-F238E27FC236}">
                 <a16:creationId xmlns:a16="http://schemas.microsoft.com/office/drawing/2014/main" id="{6CEE2AB6-77F9-42A9-87B8-B3F629E6B0A5}"/>
@@ -47242,17 +47243,18 @@
               <a:ext uri="{28A0092B-C50C-407E-A947-70E740481C1C}">
                 <a14:useLocalDpi xmlns:a14="http://schemas.microsoft.com/office/drawing/2010/main" val="0"/>
               </a:ext>
-              <a:ext uri="{96DAC541-7B7A-43D3-8B79-37D633B846F1}">
-                <asvg:svgBlip xmlns="" xmlns:asvg="http://schemas.microsoft.com/office/drawing/2016/SVG/main" r:embed="rId4"/>
-              </a:ext>
             </a:extLst>
           </a:blip>
-          <a:srcRect/>
           <a:stretch>
             <a:fillRect/>
           </a:stretch>
         </p:blipFill>
-        <p:spPr/>
+        <p:spPr>
+          <a:xfrm>
+            <a:off x="0" y="0"/>
+            <a:ext cx="1328400" cy="1328400"/>
+          </a:xfrm>
+        </p:spPr>
       </p:pic>
       <p:sp>
         <p:nvSpPr>
@@ -47713,7 +47715,7 @@
         </p:xfrm>
         <a:graphic>
           <a:graphicData uri="http://schemas.openxmlformats.org/drawingml/2006/chart">
-            <c:chart xmlns:c="http://schemas.openxmlformats.org/drawingml/2006/chart" xmlns:r="http://schemas.openxmlformats.org/officeDocument/2006/relationships" r:id="rId5"/>
+            <c:chart xmlns:c="http://schemas.openxmlformats.org/drawingml/2006/chart" xmlns:r="http://schemas.openxmlformats.org/officeDocument/2006/relationships" r:id="rId4"/>
           </a:graphicData>
         </a:graphic>
       </p:graphicFrame>
@@ -47846,7 +47848,7 @@
       </p:grpSpPr>
       <p:pic>
         <p:nvPicPr>
-          <p:cNvPr id="10" name="Kép helyőrzője 9" descr="Céges embléma">
+          <p:cNvPr id="10" name="Kép helyőrzője 9">
             <a:extLst>
               <a:ext uri="{FF2B5EF4-FFF2-40B4-BE49-F238E27FC236}">
                 <a16:creationId xmlns:a16="http://schemas.microsoft.com/office/drawing/2014/main" id="{CA87F037-7DB2-45C9-A176-874E6A13B3A8}"/>
@@ -47866,17 +47868,18 @@
               <a:ext uri="{28A0092B-C50C-407E-A947-70E740481C1C}">
                 <a14:useLocalDpi xmlns:a14="http://schemas.microsoft.com/office/drawing/2010/main" val="0"/>
               </a:ext>
-              <a:ext uri="{96DAC541-7B7A-43D3-8B79-37D633B846F1}">
-                <asvg:svgBlip xmlns="" xmlns:asvg="http://schemas.microsoft.com/office/drawing/2016/SVG/main" r:embed="rId4"/>
-              </a:ext>
             </a:extLst>
           </a:blip>
-          <a:srcRect/>
           <a:stretch>
             <a:fillRect/>
           </a:stretch>
         </p:blipFill>
-        <p:spPr/>
+        <p:spPr>
+          <a:xfrm>
+            <a:off x="0" y="0"/>
+            <a:ext cx="1328400" cy="1328400"/>
+          </a:xfrm>
+        </p:spPr>
       </p:pic>
       <p:pic>
         <p:nvPicPr>
@@ -47895,7 +47898,7 @@
           </p:nvPr>
         </p:nvPicPr>
         <p:blipFill>
-          <a:blip r:embed="rId5">
+          <a:blip r:embed="rId4">
             <a:extLst>
               <a:ext uri="{28A0092B-C50C-407E-A947-70E740481C1C}">
                 <a14:useLocalDpi xmlns:a14="http://schemas.microsoft.com/office/drawing/2010/main" val="0"/>
@@ -48518,7 +48521,7 @@
       </p:grpSpPr>
       <p:pic>
         <p:nvPicPr>
-          <p:cNvPr id="9" name="Kép helyőrzője 8" descr="Céges embléma">
+          <p:cNvPr id="9" name="Kép helyőrzője 8">
             <a:extLst>
               <a:ext uri="{FF2B5EF4-FFF2-40B4-BE49-F238E27FC236}">
                 <a16:creationId xmlns:a16="http://schemas.microsoft.com/office/drawing/2014/main" id="{4826D6B4-2F2D-4028-9520-001218B5ECB2}"/>
@@ -48538,17 +48541,18 @@
               <a:ext uri="{28A0092B-C50C-407E-A947-70E740481C1C}">
                 <a14:useLocalDpi xmlns:a14="http://schemas.microsoft.com/office/drawing/2010/main" val="0"/>
               </a:ext>
-              <a:ext uri="{96DAC541-7B7A-43D3-8B79-37D633B846F1}">
-                <asvg:svgBlip xmlns="" xmlns:asvg="http://schemas.microsoft.com/office/drawing/2016/SVG/main" r:embed="rId4"/>
-              </a:ext>
             </a:extLst>
           </a:blip>
-          <a:srcRect/>
           <a:stretch>
             <a:fillRect/>
           </a:stretch>
         </p:blipFill>
-        <p:spPr/>
+        <p:spPr>
+          <a:xfrm>
+            <a:off x="0" y="0"/>
+            <a:ext cx="1328400" cy="1328400"/>
+          </a:xfrm>
+        </p:spPr>
       </p:pic>
       <p:sp>
         <p:nvSpPr>
@@ -48597,7 +48601,7 @@
           </p:nvPr>
         </p:nvPicPr>
         <p:blipFill>
-          <a:blip r:embed="rId5">
+          <a:blip r:embed="rId4">
             <a:extLst>
               <a:ext uri="{28A0092B-C50C-407E-A947-70E740481C1C}">
                 <a14:useLocalDpi xmlns:a14="http://schemas.microsoft.com/office/drawing/2010/main" val="0"/>
@@ -51548,7 +51552,7 @@
       </p:grpSpPr>
       <p:pic>
         <p:nvPicPr>
-          <p:cNvPr id="11" name="Kép helyőrzője 10" descr="Céges embléma">
+          <p:cNvPr id="11" name="Kép helyőrzője 10">
             <a:extLst>
               <a:ext uri="{FF2B5EF4-FFF2-40B4-BE49-F238E27FC236}">
                 <a16:creationId xmlns:a16="http://schemas.microsoft.com/office/drawing/2014/main" id="{F137CA39-CE16-4C0C-AFB5-324FE940E664}"/>
@@ -51568,17 +51572,18 @@
               <a:ext uri="{28A0092B-C50C-407E-A947-70E740481C1C}">
                 <a14:useLocalDpi xmlns:a14="http://schemas.microsoft.com/office/drawing/2010/main" val="0"/>
               </a:ext>
-              <a:ext uri="{96DAC541-7B7A-43D3-8B79-37D633B846F1}">
-                <asvg:svgBlip xmlns="" xmlns:asvg="http://schemas.microsoft.com/office/drawing/2016/SVG/main" r:embed="rId4"/>
-              </a:ext>
             </a:extLst>
           </a:blip>
-          <a:srcRect/>
           <a:stretch>
             <a:fillRect/>
           </a:stretch>
         </p:blipFill>
-        <p:spPr/>
+        <p:spPr>
+          <a:xfrm>
+            <a:off x="0" y="0"/>
+            <a:ext cx="1328400" cy="1328400"/>
+          </a:xfrm>
+        </p:spPr>
       </p:pic>
       <p:sp>
         <p:nvSpPr>
@@ -51953,7 +51958,7 @@
           </p:nvPr>
         </p:nvPicPr>
         <p:blipFill>
-          <a:blip r:embed="rId5">
+          <a:blip r:embed="rId4">
             <a:extLst>
               <a:ext uri="{28A0092B-C50C-407E-A947-70E740481C1C}">
                 <a14:useLocalDpi xmlns:a14="http://schemas.microsoft.com/office/drawing/2010/main" val="0"/>
@@ -52100,10 +52105,10 @@
       </p:grpSpPr>
       <p:pic>
         <p:nvPicPr>
-          <p:cNvPr id="11" name="Kép helyőrzője 10" descr="Céges embléma">
-            <a:extLst>
-              <a:ext uri="{FF2B5EF4-FFF2-40B4-BE49-F238E27FC236}">
-                <a16:creationId xmlns:a16="http://schemas.microsoft.com/office/drawing/2014/main" id="{F137CA39-CE16-4C0C-AFB5-324FE940E664}"/>
+          <p:cNvPr id="9" name="Kép helyőrzője 8">
+            <a:extLst>
+              <a:ext uri="{FF2B5EF4-FFF2-40B4-BE49-F238E27FC236}">
+                <a16:creationId xmlns:a16="http://schemas.microsoft.com/office/drawing/2014/main" id="{00A900CE-F052-47BC-8B74-B92A4604BF6A}"/>
               </a:ext>
             </a:extLst>
           </p:cNvPr>
@@ -52116,396 +52121,6 @@
         </p:nvPicPr>
         <p:blipFill>
           <a:blip r:embed="rId3">
-            <a:extLst>
-              <a:ext uri="{28A0092B-C50C-407E-A947-70E740481C1C}">
-                <a14:useLocalDpi xmlns:a14="http://schemas.microsoft.com/office/drawing/2010/main" val="0"/>
-              </a:ext>
-              <a:ext uri="{96DAC541-7B7A-43D3-8B79-37D633B846F1}">
-                <asvg:svgBlip xmlns="" xmlns:asvg="http://schemas.microsoft.com/office/drawing/2016/SVG/main" r:embed="rId4"/>
-              </a:ext>
-            </a:extLst>
-          </a:blip>
-          <a:srcRect/>
-          <a:stretch>
-            <a:fillRect/>
-          </a:stretch>
-        </p:blipFill>
-        <p:spPr/>
-      </p:pic>
-      <p:sp>
-        <p:nvSpPr>
-          <p:cNvPr id="2" name="Cím 1">
-            <a:extLst>
-              <a:ext uri="{FF2B5EF4-FFF2-40B4-BE49-F238E27FC236}">
-                <a16:creationId xmlns:a16="http://schemas.microsoft.com/office/drawing/2014/main" id="{134CB059-9E3B-4C24-8E61-717292C2944E}"/>
-              </a:ext>
-            </a:extLst>
-          </p:cNvPr>
-          <p:cNvSpPr>
-            <a:spLocks noGrp="1"/>
-          </p:cNvSpPr>
-          <p:nvPr>
-            <p:ph type="title"/>
-          </p:nvPr>
-        </p:nvSpPr>
-        <p:spPr/>
-        <p:txBody>
-          <a:bodyPr rtlCol="0"/>
-          <a:lstStyle/>
-          <a:p>
-            <a:pPr rtl="0"/>
-            <a:r>
-              <a:rPr lang="hu-HU" dirty="0" smtClean="0"/>
-              <a:t>TERMÉK</a:t>
-            </a:r>
-            <a:endParaRPr lang="hu-HU" dirty="0"/>
-          </a:p>
-        </p:txBody>
-      </p:sp>
-      <p:sp>
-        <p:nvSpPr>
-          <p:cNvPr id="3" name="Szöveg helye 2">
-            <a:extLst>
-              <a:ext uri="{FF2B5EF4-FFF2-40B4-BE49-F238E27FC236}">
-                <a16:creationId xmlns:a16="http://schemas.microsoft.com/office/drawing/2014/main" id="{E66139D5-668D-4A3D-B6B6-F71EC385C8FF}"/>
-              </a:ext>
-            </a:extLst>
-          </p:cNvPr>
-          <p:cNvSpPr>
-            <a:spLocks noGrp="1"/>
-          </p:cNvSpPr>
-          <p:nvPr>
-            <p:ph type="body" idx="1"/>
-          </p:nvPr>
-        </p:nvSpPr>
-        <p:spPr/>
-        <p:txBody>
-          <a:bodyPr rtlCol="0"/>
-          <a:lstStyle/>
-          <a:p>
-            <a:pPr rtl="0"/>
-            <a:r>
-              <a:rPr lang="hu-HU" dirty="0" smtClean="0"/>
-              <a:t>LOREM IPSUM DOLOR SIT AMET, CONSECTETUER ADIPISCING ELIT</a:t>
-            </a:r>
-          </a:p>
-          <a:p>
-            <a:pPr rtl="0"/>
-            <a:endParaRPr lang="hu-HU" dirty="0"/>
-          </a:p>
-        </p:txBody>
-      </p:sp>
-      <p:sp>
-        <p:nvSpPr>
-          <p:cNvPr id="8" name="Szöveg helye 7">
-            <a:extLst>
-              <a:ext uri="{FF2B5EF4-FFF2-40B4-BE49-F238E27FC236}">
-                <a16:creationId xmlns:a16="http://schemas.microsoft.com/office/drawing/2014/main" id="{EEA947F5-DD66-4D26-BA34-D1D8F7CE9010}"/>
-              </a:ext>
-            </a:extLst>
-          </p:cNvPr>
-          <p:cNvSpPr>
-            <a:spLocks noGrp="1"/>
-          </p:cNvSpPr>
-          <p:nvPr>
-            <p:ph type="body" idx="14"/>
-          </p:nvPr>
-        </p:nvSpPr>
-        <p:spPr/>
-        <p:txBody>
-          <a:bodyPr rtlCol="0">
-            <a:normAutofit fontScale="92500" lnSpcReduction="10000"/>
-          </a:bodyPr>
-          <a:lstStyle/>
-          <a:p>
-            <a:pPr rtl="0"/>
-            <a:r>
-              <a:rPr lang="hu-HU" dirty="0" err="1" smtClean="0"/>
-              <a:t>Lorem</a:t>
-            </a:r>
-            <a:r>
-              <a:rPr lang="hu-HU" dirty="0" smtClean="0"/>
-              <a:t> </a:t>
-            </a:r>
-            <a:r>
-              <a:rPr lang="hu-HU" dirty="0" err="1" smtClean="0"/>
-              <a:t>ipsum</a:t>
-            </a:r>
-            <a:r>
-              <a:rPr lang="hu-HU" dirty="0" smtClean="0"/>
-              <a:t> </a:t>
-            </a:r>
-            <a:r>
-              <a:rPr lang="hu-HU" dirty="0" err="1" smtClean="0"/>
-              <a:t>dolor</a:t>
-            </a:r>
-            <a:r>
-              <a:rPr lang="hu-HU" dirty="0" smtClean="0"/>
-              <a:t> </a:t>
-            </a:r>
-            <a:r>
-              <a:rPr lang="hu-HU" dirty="0" err="1" smtClean="0"/>
-              <a:t>sit</a:t>
-            </a:r>
-            <a:r>
-              <a:rPr lang="hu-HU" dirty="0" smtClean="0"/>
-              <a:t> </a:t>
-            </a:r>
-            <a:r>
-              <a:rPr lang="hu-HU" dirty="0" err="1" smtClean="0"/>
-              <a:t>amet</a:t>
-            </a:r>
-            <a:r>
-              <a:rPr lang="hu-HU" dirty="0" smtClean="0"/>
-              <a:t>, </a:t>
-            </a:r>
-            <a:r>
-              <a:rPr lang="hu-HU" dirty="0" err="1" smtClean="0"/>
-              <a:t>consectetuer</a:t>
-            </a:r>
-            <a:r>
-              <a:rPr lang="hu-HU" dirty="0" smtClean="0"/>
-              <a:t> </a:t>
-            </a:r>
-            <a:r>
-              <a:rPr lang="hu-HU" dirty="0" err="1" smtClean="0"/>
-              <a:t>adipiscing</a:t>
-            </a:r>
-            <a:r>
-              <a:rPr lang="hu-HU" dirty="0" smtClean="0"/>
-              <a:t> elit. Maecenas </a:t>
-            </a:r>
-            <a:r>
-              <a:rPr lang="hu-HU" dirty="0" err="1" smtClean="0"/>
-              <a:t>porttitor</a:t>
-            </a:r>
-            <a:r>
-              <a:rPr lang="hu-HU" dirty="0" smtClean="0"/>
-              <a:t> </a:t>
-            </a:r>
-            <a:r>
-              <a:rPr lang="hu-HU" dirty="0" err="1" smtClean="0"/>
-              <a:t>congue</a:t>
-            </a:r>
-            <a:r>
-              <a:rPr lang="hu-HU" dirty="0" smtClean="0"/>
-              <a:t> </a:t>
-            </a:r>
-            <a:r>
-              <a:rPr lang="hu-HU" dirty="0" err="1" smtClean="0"/>
-              <a:t>massa</a:t>
-            </a:r>
-            <a:r>
-              <a:rPr lang="hu-HU" dirty="0" smtClean="0"/>
-              <a:t>. </a:t>
-            </a:r>
-          </a:p>
-          <a:p>
-            <a:pPr rtl="0"/>
-            <a:r>
-              <a:rPr lang="hu-HU" dirty="0" err="1" smtClean="0"/>
-              <a:t>Nunc</a:t>
-            </a:r>
-            <a:r>
-              <a:rPr lang="hu-HU" dirty="0" smtClean="0"/>
-              <a:t> </a:t>
-            </a:r>
-            <a:r>
-              <a:rPr lang="hu-HU" dirty="0" err="1" smtClean="0"/>
-              <a:t>viverra</a:t>
-            </a:r>
-            <a:r>
-              <a:rPr lang="hu-HU" dirty="0" smtClean="0"/>
-              <a:t> </a:t>
-            </a:r>
-            <a:r>
-              <a:rPr lang="hu-HU" dirty="0" err="1" smtClean="0"/>
-              <a:t>imperdiet</a:t>
-            </a:r>
-            <a:r>
-              <a:rPr lang="hu-HU" dirty="0" smtClean="0"/>
-              <a:t> </a:t>
-            </a:r>
-            <a:r>
-              <a:rPr lang="hu-HU" dirty="0" err="1" smtClean="0"/>
-              <a:t>enim</a:t>
-            </a:r>
-            <a:r>
-              <a:rPr lang="hu-HU" dirty="0" smtClean="0"/>
-              <a:t>. </a:t>
-            </a:r>
-            <a:r>
-              <a:rPr lang="hu-HU" dirty="0" err="1" smtClean="0"/>
-              <a:t>Fusce</a:t>
-            </a:r>
-            <a:r>
-              <a:rPr lang="hu-HU" dirty="0" smtClean="0"/>
-              <a:t> est. </a:t>
-            </a:r>
-            <a:r>
-              <a:rPr lang="hu-HU" dirty="0" err="1" smtClean="0"/>
-              <a:t>Vivamus</a:t>
-            </a:r>
-            <a:r>
-              <a:rPr lang="hu-HU" dirty="0" smtClean="0"/>
-              <a:t> a </a:t>
-            </a:r>
-            <a:r>
-              <a:rPr lang="hu-HU" dirty="0" err="1" smtClean="0"/>
-              <a:t>tellus</a:t>
-            </a:r>
-            <a:r>
-              <a:rPr lang="hu-HU" dirty="0" smtClean="0"/>
-              <a:t>.</a:t>
-            </a:r>
-          </a:p>
-          <a:p>
-            <a:pPr rtl="0"/>
-            <a:r>
-              <a:rPr lang="hu-HU" dirty="0" err="1" smtClean="0"/>
-              <a:t>Pellentesque</a:t>
-            </a:r>
-            <a:r>
-              <a:rPr lang="hu-HU" dirty="0" smtClean="0"/>
-              <a:t> habitant </a:t>
-            </a:r>
-            <a:r>
-              <a:rPr lang="hu-HU" dirty="0" err="1" smtClean="0"/>
-              <a:t>morbi</a:t>
-            </a:r>
-            <a:r>
-              <a:rPr lang="hu-HU" dirty="0" smtClean="0"/>
-              <a:t> </a:t>
-            </a:r>
-            <a:r>
-              <a:rPr lang="hu-HU" dirty="0" err="1" smtClean="0"/>
-              <a:t>tristique</a:t>
-            </a:r>
-            <a:r>
-              <a:rPr lang="hu-HU" dirty="0" smtClean="0"/>
-              <a:t> </a:t>
-            </a:r>
-            <a:r>
-              <a:rPr lang="hu-HU" dirty="0" err="1" smtClean="0"/>
-              <a:t>senectus</a:t>
-            </a:r>
-            <a:r>
-              <a:rPr lang="hu-HU" dirty="0" smtClean="0"/>
-              <a:t> et </a:t>
-            </a:r>
-            <a:r>
-              <a:rPr lang="hu-HU" dirty="0" err="1" smtClean="0"/>
-              <a:t>netus</a:t>
-            </a:r>
-            <a:r>
-              <a:rPr lang="hu-HU" dirty="0" smtClean="0"/>
-              <a:t> et </a:t>
-            </a:r>
-            <a:r>
-              <a:rPr lang="hu-HU" dirty="0" err="1" smtClean="0"/>
-              <a:t>malesuada</a:t>
-            </a:r>
-            <a:r>
-              <a:rPr lang="hu-HU" dirty="0" smtClean="0"/>
-              <a:t> </a:t>
-            </a:r>
-            <a:r>
-              <a:rPr lang="hu-HU" dirty="0" err="1" smtClean="0"/>
-              <a:t>fames</a:t>
-            </a:r>
-            <a:r>
-              <a:rPr lang="hu-HU" dirty="0" smtClean="0"/>
-              <a:t> </a:t>
-            </a:r>
-            <a:r>
-              <a:rPr lang="hu-HU" dirty="0" err="1" smtClean="0"/>
-              <a:t>ac</a:t>
-            </a:r>
-            <a:r>
-              <a:rPr lang="hu-HU" dirty="0" smtClean="0"/>
-              <a:t> turpis </a:t>
-            </a:r>
-            <a:r>
-              <a:rPr lang="hu-HU" dirty="0" err="1" smtClean="0"/>
-              <a:t>egestas</a:t>
-            </a:r>
-            <a:r>
-              <a:rPr lang="hu-HU" dirty="0" smtClean="0"/>
-              <a:t>. </a:t>
-            </a:r>
-            <a:r>
-              <a:rPr lang="hu-HU" dirty="0" err="1" smtClean="0"/>
-              <a:t>Proin</a:t>
-            </a:r>
-            <a:r>
-              <a:rPr lang="hu-HU" dirty="0" smtClean="0"/>
-              <a:t> </a:t>
-            </a:r>
-            <a:r>
-              <a:rPr lang="hu-HU" dirty="0" err="1" smtClean="0"/>
-              <a:t>pharetra</a:t>
-            </a:r>
-            <a:r>
-              <a:rPr lang="hu-HU" dirty="0" smtClean="0"/>
-              <a:t> </a:t>
-            </a:r>
-            <a:r>
-              <a:rPr lang="hu-HU" dirty="0" err="1" smtClean="0"/>
-              <a:t>nonummy</a:t>
-            </a:r>
-            <a:r>
-              <a:rPr lang="hu-HU" dirty="0" smtClean="0"/>
-              <a:t> </a:t>
-            </a:r>
-            <a:r>
-              <a:rPr lang="hu-HU" dirty="0" err="1" smtClean="0"/>
-              <a:t>pede</a:t>
-            </a:r>
-            <a:r>
-              <a:rPr lang="hu-HU" dirty="0" smtClean="0"/>
-              <a:t>. </a:t>
-            </a:r>
-            <a:r>
-              <a:rPr lang="hu-HU" dirty="0" err="1" smtClean="0"/>
-              <a:t>Mauris</a:t>
-            </a:r>
-            <a:r>
-              <a:rPr lang="hu-HU" dirty="0" smtClean="0"/>
-              <a:t> et </a:t>
-            </a:r>
-            <a:r>
-              <a:rPr lang="hu-HU" dirty="0" err="1" smtClean="0"/>
-              <a:t>orci</a:t>
-            </a:r>
-            <a:r>
-              <a:rPr lang="hu-HU" dirty="0" smtClean="0"/>
-              <a:t>.</a:t>
-            </a:r>
-          </a:p>
-          <a:p>
-            <a:pPr rtl="0"/>
-            <a:endParaRPr lang="hu-HU" dirty="0"/>
-          </a:p>
-        </p:txBody>
-      </p:sp>
-      <p:pic>
-        <p:nvPicPr>
-          <p:cNvPr id="13" name="Kép helyőrzője 12">
-            <a:extLst>
-              <a:ext uri="{FF2B5EF4-FFF2-40B4-BE49-F238E27FC236}">
-                <a16:creationId xmlns:a16="http://schemas.microsoft.com/office/drawing/2014/main" id="{0B7AE772-6658-4E84-8EAA-F33DEF1CDE4F}"/>
-              </a:ext>
-            </a:extLst>
-          </p:cNvPr>
-          <p:cNvPicPr>
-            <a:picLocks noGrp="1" noChangeAspect="1"/>
-          </p:cNvPicPr>
-          <p:nvPr>
-            <p:ph type="pic" sz="quarter" idx="15"/>
-          </p:nvPr>
-        </p:nvPicPr>
-        <p:blipFill>
-          <a:blip r:embed="rId5">
             <a:extLst>
               <a:ext uri="{28A0092B-C50C-407E-A947-70E740481C1C}">
                 <a14:useLocalDpi xmlns:a14="http://schemas.microsoft.com/office/drawing/2010/main" val="0"/>
@@ -52518,17 +52133,120 @@
         </p:blipFill>
         <p:spPr>
           <a:xfrm>
-            <a:off x="6362829" y="1653871"/>
-            <a:ext cx="4832608" cy="3132814"/>
+            <a:off x="0" y="0"/>
+            <a:ext cx="1328400" cy="1328400"/>
           </a:xfrm>
         </p:spPr>
       </p:pic>
       <p:sp>
         <p:nvSpPr>
+          <p:cNvPr id="2" name="Cím 1">
+            <a:extLst>
+              <a:ext uri="{FF2B5EF4-FFF2-40B4-BE49-F238E27FC236}">
+                <a16:creationId xmlns:a16="http://schemas.microsoft.com/office/drawing/2014/main" id="{9A6E18C9-A34F-49C5-973E-6760D1EF1059}"/>
+              </a:ext>
+            </a:extLst>
+          </p:cNvPr>
+          <p:cNvSpPr>
+            <a:spLocks noGrp="1"/>
+          </p:cNvSpPr>
+          <p:nvPr>
+            <p:ph type="title"/>
+          </p:nvPr>
+        </p:nvSpPr>
+        <p:spPr/>
+        <p:txBody>
+          <a:bodyPr rtlCol="0"/>
+          <a:lstStyle/>
+          <a:p>
+            <a:pPr rtl="0"/>
+            <a:r>
+              <a:rPr lang="hu-HU" dirty="0" smtClean="0"/>
+              <a:t>Weboldal</a:t>
+            </a:r>
+            <a:endParaRPr lang="hu-HU" dirty="0"/>
+          </a:p>
+        </p:txBody>
+      </p:sp>
+      <p:pic>
+        <p:nvPicPr>
+          <p:cNvPr id="22" name="Kép helyőrzője 21" descr="Absztrakt háttér">
+            <a:extLst>
+              <a:ext uri="{FF2B5EF4-FFF2-40B4-BE49-F238E27FC236}">
+                <a16:creationId xmlns:a16="http://schemas.microsoft.com/office/drawing/2014/main" id="{0342E5A4-E598-4185-B93F-5814F00C2011}"/>
+              </a:ext>
+            </a:extLst>
+          </p:cNvPr>
+          <p:cNvPicPr>
+            <a:picLocks noGrp="1" noChangeAspect="1"/>
+          </p:cNvPicPr>
+          <p:nvPr>
+            <p:ph type="pic" sz="quarter" idx="15"/>
+          </p:nvPr>
+        </p:nvPicPr>
+        <p:blipFill>
+          <a:blip r:embed="rId4">
+            <a:extLst>
+              <a:ext uri="{28A0092B-C50C-407E-A947-70E740481C1C}">
+                <a14:useLocalDpi xmlns:a14="http://schemas.microsoft.com/office/drawing/2010/main" val="0"/>
+              </a:ext>
+            </a:extLst>
+          </a:blip>
+          <a:srcRect/>
+          <a:stretch>
+            <a:fillRect/>
+          </a:stretch>
+        </p:blipFill>
+        <p:spPr>
+          <a:xfrm>
+            <a:off x="1" y="1690447"/>
+            <a:ext cx="12191999" cy="3493008"/>
+          </a:xfrm>
+        </p:spPr>
+      </p:pic>
+      <p:sp>
+        <p:nvSpPr>
+          <p:cNvPr id="3" name="Szöveg helye 2">
+            <a:extLst>
+              <a:ext uri="{FF2B5EF4-FFF2-40B4-BE49-F238E27FC236}">
+                <a16:creationId xmlns:a16="http://schemas.microsoft.com/office/drawing/2014/main" id="{C679F2E6-BA14-4C8A-ABD2-DF50609348D1}"/>
+              </a:ext>
+            </a:extLst>
+          </p:cNvPr>
+          <p:cNvSpPr>
+            <a:spLocks noGrp="1"/>
+          </p:cNvSpPr>
+          <p:nvPr>
+            <p:ph type="body" idx="1"/>
+          </p:nvPr>
+        </p:nvSpPr>
+        <p:spPr>
+          <a:xfrm>
+            <a:off x="3863976" y="2571484"/>
+            <a:ext cx="4443165" cy="370500"/>
+          </a:xfrm>
+        </p:spPr>
+        <p:txBody>
+          <a:bodyPr rtlCol="0">
+            <a:normAutofit/>
+          </a:bodyPr>
+          <a:lstStyle/>
+          <a:p>
+            <a:pPr rtl="0"/>
+            <a:r>
+              <a:rPr lang="hu-HU" sz="2400" dirty="0" smtClean="0"/>
+              <a:t>A programot bemutató weboldal</a:t>
+            </a:r>
+            <a:endParaRPr lang="hu-HU" sz="2400" dirty="0"/>
+          </a:p>
+        </p:txBody>
+      </p:sp>
+      <p:sp>
+        <p:nvSpPr>
           <p:cNvPr id="6" name="Dia számának helye 5">
             <a:extLst>
               <a:ext uri="{FF2B5EF4-FFF2-40B4-BE49-F238E27FC236}">
-                <a16:creationId xmlns:a16="http://schemas.microsoft.com/office/drawing/2014/main" id="{2B9E0CB5-2F64-4439-AFE9-1BB3ACE6FA9D}"/>
+                <a16:creationId xmlns:a16="http://schemas.microsoft.com/office/drawing/2014/main" id="{C35D9EA8-AA17-47B2-A4C4-B60DC7C7DC49}"/>
               </a:ext>
             </a:extLst>
           </p:cNvPr>
@@ -52547,6 +52265,7 @@
             <a:pPr rtl="0"/>
             <a:fld id="{8D581BC7-E183-40DB-AC97-C19EA4EB8894}" type="slidenum">
               <a:rPr lang="hu-HU" smtClean="0"/>
+              <a:pPr rtl="0"/>
               <a:t>6</a:t>
             </a:fld>
             <a:endParaRPr lang="hu-HU" dirty="0"/>
@@ -52558,7 +52277,7 @@
           <p:cNvPr id="5" name="Élőláb helye 4">
             <a:extLst>
               <a:ext uri="{FF2B5EF4-FFF2-40B4-BE49-F238E27FC236}">
-                <a16:creationId xmlns:a16="http://schemas.microsoft.com/office/drawing/2014/main" id="{FFFF8DFC-D37E-4FE9-81F0-77C68D469526}"/>
+                <a16:creationId xmlns:a16="http://schemas.microsoft.com/office/drawing/2014/main" id="{1ED7D25D-51F0-4AAA-86C5-F3584C0E8A44}"/>
               </a:ext>
             </a:extLst>
           </p:cNvPr>
@@ -52574,12 +52293,10 @@
           <a:bodyPr rtlCol="0"/>
           <a:lstStyle/>
           <a:p>
-            <a:pPr rtl="0"/>
-            <a:r>
-              <a:rPr lang="hu-HU" dirty="0" smtClean="0"/>
-              <a:t>ÉLŐLÁB HOZZÁADÁSA</a:t>
-            </a:r>
-            <a:endParaRPr lang="hu-HU" dirty="0"/>
+            <a:r>
+              <a:rPr lang="hu-HU" dirty="0"/>
+              <a:t>A programot bemutató weboldal</a:t>
+            </a:r>
           </a:p>
         </p:txBody>
       </p:sp>
@@ -52588,7 +52305,7 @@
           <p:cNvPr id="4" name="Dátum helye 3">
             <a:extLst>
               <a:ext uri="{FF2B5EF4-FFF2-40B4-BE49-F238E27FC236}">
-                <a16:creationId xmlns:a16="http://schemas.microsoft.com/office/drawing/2014/main" id="{0BA396AE-BE46-43FB-B4E7-224D2AF39F83}"/>
+                <a16:creationId xmlns:a16="http://schemas.microsoft.com/office/drawing/2014/main" id="{F48CF653-A1E7-473E-A717-8659C5E457A1}"/>
               </a:ext>
             </a:extLst>
           </p:cNvPr>
@@ -52607,7 +52324,7 @@
             <a:pPr rtl="0"/>
             <a:r>
               <a:rPr lang="hu-HU" dirty="0" smtClean="0"/>
-              <a:t>20XX.HH.NN </a:t>
+              <a:t>2022.12.01 </a:t>
             </a:r>
             <a:endParaRPr lang="hu-HU" dirty="0"/>
           </a:p>
@@ -52616,7 +52333,7 @@
     </p:spTree>
     <p:extLst>
       <p:ext uri="{BB962C8B-B14F-4D97-AF65-F5344CB8AC3E}">
-        <p14:creationId xmlns:p14="http://schemas.microsoft.com/office/powerpoint/2010/main" val="1728754232"/>
+        <p14:creationId xmlns:p14="http://schemas.microsoft.com/office/powerpoint/2010/main" val="4080312334"/>
       </p:ext>
     </p:extLst>
   </p:cSld>
@@ -52652,10 +52369,10 @@
       </p:grpSpPr>
       <p:pic>
         <p:nvPicPr>
-          <p:cNvPr id="9" name="Kép helyőrzője 8" descr="Céges embléma">
-            <a:extLst>
-              <a:ext uri="{FF2B5EF4-FFF2-40B4-BE49-F238E27FC236}">
-                <a16:creationId xmlns:a16="http://schemas.microsoft.com/office/drawing/2014/main" id="{00A900CE-F052-47BC-8B74-B92A4604BF6A}"/>
+          <p:cNvPr id="11" name="Kép helyőrzője 10">
+            <a:extLst>
+              <a:ext uri="{FF2B5EF4-FFF2-40B4-BE49-F238E27FC236}">
+                <a16:creationId xmlns:a16="http://schemas.microsoft.com/office/drawing/2014/main" id="{F137CA39-CE16-4C0C-AFB5-324FE940E664}"/>
               </a:ext>
             </a:extLst>
           </p:cNvPr>
@@ -52672,24 +52389,25 @@
               <a:ext uri="{28A0092B-C50C-407E-A947-70E740481C1C}">
                 <a14:useLocalDpi xmlns:a14="http://schemas.microsoft.com/office/drawing/2010/main" val="0"/>
               </a:ext>
-              <a:ext uri="{96DAC541-7B7A-43D3-8B79-37D633B846F1}">
-                <asvg:svgBlip xmlns="" xmlns:asvg="http://schemas.microsoft.com/office/drawing/2016/SVG/main" r:embed="rId4"/>
-              </a:ext>
             </a:extLst>
           </a:blip>
-          <a:srcRect/>
           <a:stretch>
             <a:fillRect/>
           </a:stretch>
         </p:blipFill>
-        <p:spPr/>
+        <p:spPr>
+          <a:xfrm>
+            <a:off x="0" y="0"/>
+            <a:ext cx="1328400" cy="1328400"/>
+          </a:xfrm>
+        </p:spPr>
       </p:pic>
       <p:sp>
         <p:nvSpPr>
           <p:cNvPr id="2" name="Cím 1">
             <a:extLst>
               <a:ext uri="{FF2B5EF4-FFF2-40B4-BE49-F238E27FC236}">
-                <a16:creationId xmlns:a16="http://schemas.microsoft.com/office/drawing/2014/main" id="{9A6E18C9-A34F-49C5-973E-6760D1EF1059}"/>
+                <a16:creationId xmlns:a16="http://schemas.microsoft.com/office/drawing/2014/main" id="{134CB059-9E3B-4C24-8E61-717292C2944E}"/>
               </a:ext>
             </a:extLst>
           </p:cNvPr>
@@ -52698,6 +52416,43 @@
           </p:cNvSpPr>
           <p:nvPr>
             <p:ph type="title"/>
+          </p:nvPr>
+        </p:nvSpPr>
+        <p:spPr>
+          <a:xfrm>
+            <a:off x="803276" y="2091023"/>
+            <a:ext cx="4858053" cy="804338"/>
+          </a:xfrm>
+        </p:spPr>
+        <p:txBody>
+          <a:bodyPr rtlCol="0">
+            <a:normAutofit fontScale="90000"/>
+          </a:bodyPr>
+          <a:lstStyle/>
+          <a:p>
+            <a:pPr rtl="0"/>
+            <a:r>
+              <a:rPr lang="hu-HU" dirty="0" smtClean="0"/>
+              <a:t>Weboldal webesnézetben</a:t>
+            </a:r>
+            <a:endParaRPr lang="hu-HU" dirty="0"/>
+          </a:p>
+        </p:txBody>
+      </p:sp>
+      <p:sp>
+        <p:nvSpPr>
+          <p:cNvPr id="3" name="Szöveg helye 2">
+            <a:extLst>
+              <a:ext uri="{FF2B5EF4-FFF2-40B4-BE49-F238E27FC236}">
+                <a16:creationId xmlns:a16="http://schemas.microsoft.com/office/drawing/2014/main" id="{E66139D5-668D-4A3D-B6B6-F71EC385C8FF}"/>
+              </a:ext>
+            </a:extLst>
+          </p:cNvPr>
+          <p:cNvSpPr>
+            <a:spLocks noGrp="1"/>
+          </p:cNvSpPr>
+          <p:nvPr>
+            <p:ph type="body" idx="1"/>
           </p:nvPr>
         </p:nvSpPr>
         <p:spPr/>
@@ -52708,69 +52463,304 @@
             <a:pPr rtl="0"/>
             <a:r>
               <a:rPr lang="hu-HU" dirty="0" smtClean="0"/>
-              <a:t>ELVÁLASZTÓ</a:t>
-            </a:r>
+              <a:t>LOREM IPSUM DOLOR SIT AMET, CONSECTETUER ADIPISCING ELIT</a:t>
+            </a:r>
+          </a:p>
+          <a:p>
+            <a:pPr rtl="0"/>
             <a:endParaRPr lang="hu-HU" dirty="0"/>
           </a:p>
         </p:txBody>
       </p:sp>
-      <p:pic>
-        <p:nvPicPr>
-          <p:cNvPr id="22" name="Kép helyőrzője 21" descr="Absztrakt háttér">
-            <a:extLst>
-              <a:ext uri="{FF2B5EF4-FFF2-40B4-BE49-F238E27FC236}">
-                <a16:creationId xmlns:a16="http://schemas.microsoft.com/office/drawing/2014/main" id="{0342E5A4-E598-4185-B93F-5814F00C2011}"/>
-              </a:ext>
-            </a:extLst>
-          </p:cNvPr>
-          <p:cNvPicPr>
-            <a:picLocks noGrp="1" noChangeAspect="1"/>
-          </p:cNvPicPr>
-          <p:nvPr>
-            <p:ph type="pic" sz="quarter" idx="15"/>
-          </p:nvPr>
-        </p:nvPicPr>
-        <p:blipFill>
-          <a:blip r:embed="rId5">
-            <a:extLst>
-              <a:ext uri="{28A0092B-C50C-407E-A947-70E740481C1C}">
-                <a14:useLocalDpi xmlns:a14="http://schemas.microsoft.com/office/drawing/2010/main" val="0"/>
-              </a:ext>
-            </a:extLst>
-          </a:blip>
-          <a:srcRect/>
-          <a:stretch>
-            <a:fillRect/>
-          </a:stretch>
-        </p:blipFill>
+      <p:sp>
+        <p:nvSpPr>
+          <p:cNvPr id="8" name="Szöveg helye 7">
+            <a:extLst>
+              <a:ext uri="{FF2B5EF4-FFF2-40B4-BE49-F238E27FC236}">
+                <a16:creationId xmlns:a16="http://schemas.microsoft.com/office/drawing/2014/main" id="{EEA947F5-DD66-4D26-BA34-D1D8F7CE9010}"/>
+              </a:ext>
+            </a:extLst>
+          </p:cNvPr>
+          <p:cNvSpPr>
+            <a:spLocks noGrp="1"/>
+          </p:cNvSpPr>
+          <p:nvPr>
+            <p:ph type="body" idx="14"/>
+          </p:nvPr>
+        </p:nvSpPr>
         <p:spPr/>
-      </p:pic>
-      <p:sp>
-        <p:nvSpPr>
-          <p:cNvPr id="3" name="Szöveg helye 2">
-            <a:extLst>
-              <a:ext uri="{FF2B5EF4-FFF2-40B4-BE49-F238E27FC236}">
-                <a16:creationId xmlns:a16="http://schemas.microsoft.com/office/drawing/2014/main" id="{C679F2E6-BA14-4C8A-ABD2-DF50609348D1}"/>
-              </a:ext>
-            </a:extLst>
-          </p:cNvPr>
-          <p:cNvSpPr>
-            <a:spLocks noGrp="1"/>
-          </p:cNvSpPr>
-          <p:nvPr>
-            <p:ph type="body" idx="1"/>
-          </p:nvPr>
-        </p:nvSpPr>
-        <p:spPr/>
-        <p:txBody>
-          <a:bodyPr rtlCol="0"/>
+        <p:txBody>
+          <a:bodyPr rtlCol="0">
+            <a:normAutofit fontScale="92500" lnSpcReduction="10000"/>
+          </a:bodyPr>
           <a:lstStyle/>
           <a:p>
             <a:pPr rtl="0"/>
             <a:r>
+              <a:rPr lang="hu-HU" dirty="0" err="1" smtClean="0"/>
+              <a:t>Lorem</a:t>
+            </a:r>
+            <a:r>
               <a:rPr lang="hu-HU" dirty="0" smtClean="0"/>
-              <a:t>LOREM IPSUM DOLOR SIT AMET, CONSECTETUER ADIPISCING ELIT</a:t>
-            </a:r>
+              <a:t> </a:t>
+            </a:r>
+            <a:r>
+              <a:rPr lang="hu-HU" dirty="0" err="1" smtClean="0"/>
+              <a:t>ipsum</a:t>
+            </a:r>
+            <a:r>
+              <a:rPr lang="hu-HU" dirty="0" smtClean="0"/>
+              <a:t> </a:t>
+            </a:r>
+            <a:r>
+              <a:rPr lang="hu-HU" dirty="0" err="1" smtClean="0"/>
+              <a:t>dolor</a:t>
+            </a:r>
+            <a:r>
+              <a:rPr lang="hu-HU" dirty="0" smtClean="0"/>
+              <a:t> </a:t>
+            </a:r>
+            <a:r>
+              <a:rPr lang="hu-HU" dirty="0" err="1" smtClean="0"/>
+              <a:t>sit</a:t>
+            </a:r>
+            <a:r>
+              <a:rPr lang="hu-HU" dirty="0" smtClean="0"/>
+              <a:t> </a:t>
+            </a:r>
+            <a:r>
+              <a:rPr lang="hu-HU" dirty="0" err="1" smtClean="0"/>
+              <a:t>amet</a:t>
+            </a:r>
+            <a:r>
+              <a:rPr lang="hu-HU" dirty="0" smtClean="0"/>
+              <a:t>, </a:t>
+            </a:r>
+            <a:r>
+              <a:rPr lang="hu-HU" dirty="0" err="1" smtClean="0"/>
+              <a:t>consectetuer</a:t>
+            </a:r>
+            <a:r>
+              <a:rPr lang="hu-HU" dirty="0" smtClean="0"/>
+              <a:t> </a:t>
+            </a:r>
+            <a:r>
+              <a:rPr lang="hu-HU" dirty="0" err="1" smtClean="0"/>
+              <a:t>adipiscing</a:t>
+            </a:r>
+            <a:r>
+              <a:rPr lang="hu-HU" dirty="0" smtClean="0"/>
+              <a:t> elit. Maecenas </a:t>
+            </a:r>
+            <a:r>
+              <a:rPr lang="hu-HU" dirty="0" err="1" smtClean="0"/>
+              <a:t>porttitor</a:t>
+            </a:r>
+            <a:r>
+              <a:rPr lang="hu-HU" dirty="0" smtClean="0"/>
+              <a:t> </a:t>
+            </a:r>
+            <a:r>
+              <a:rPr lang="hu-HU" dirty="0" err="1" smtClean="0"/>
+              <a:t>congue</a:t>
+            </a:r>
+            <a:r>
+              <a:rPr lang="hu-HU" dirty="0" smtClean="0"/>
+              <a:t> </a:t>
+            </a:r>
+            <a:r>
+              <a:rPr lang="hu-HU" dirty="0" err="1" smtClean="0"/>
+              <a:t>massa</a:t>
+            </a:r>
+            <a:r>
+              <a:rPr lang="hu-HU" dirty="0" smtClean="0"/>
+              <a:t>. </a:t>
+            </a:r>
+          </a:p>
+          <a:p>
+            <a:pPr rtl="0"/>
+            <a:r>
+              <a:rPr lang="hu-HU" dirty="0" err="1" smtClean="0"/>
+              <a:t>Nunc</a:t>
+            </a:r>
+            <a:r>
+              <a:rPr lang="hu-HU" dirty="0" smtClean="0"/>
+              <a:t> </a:t>
+            </a:r>
+            <a:r>
+              <a:rPr lang="hu-HU" dirty="0" err="1" smtClean="0"/>
+              <a:t>viverra</a:t>
+            </a:r>
+            <a:r>
+              <a:rPr lang="hu-HU" dirty="0" smtClean="0"/>
+              <a:t> </a:t>
+            </a:r>
+            <a:r>
+              <a:rPr lang="hu-HU" dirty="0" err="1" smtClean="0"/>
+              <a:t>imperdiet</a:t>
+            </a:r>
+            <a:r>
+              <a:rPr lang="hu-HU" dirty="0" smtClean="0"/>
+              <a:t> </a:t>
+            </a:r>
+            <a:r>
+              <a:rPr lang="hu-HU" dirty="0" err="1" smtClean="0"/>
+              <a:t>enim</a:t>
+            </a:r>
+            <a:r>
+              <a:rPr lang="hu-HU" dirty="0" smtClean="0"/>
+              <a:t>. </a:t>
+            </a:r>
+            <a:r>
+              <a:rPr lang="hu-HU" dirty="0" err="1" smtClean="0"/>
+              <a:t>Fusce</a:t>
+            </a:r>
+            <a:r>
+              <a:rPr lang="hu-HU" dirty="0" smtClean="0"/>
+              <a:t> est. </a:t>
+            </a:r>
+            <a:r>
+              <a:rPr lang="hu-HU" dirty="0" err="1" smtClean="0"/>
+              <a:t>Vivamus</a:t>
+            </a:r>
+            <a:r>
+              <a:rPr lang="hu-HU" dirty="0" smtClean="0"/>
+              <a:t> a </a:t>
+            </a:r>
+            <a:r>
+              <a:rPr lang="hu-HU" dirty="0" err="1" smtClean="0"/>
+              <a:t>tellus</a:t>
+            </a:r>
+            <a:r>
+              <a:rPr lang="hu-HU" dirty="0" smtClean="0"/>
+              <a:t>.</a:t>
+            </a:r>
+          </a:p>
+          <a:p>
+            <a:pPr rtl="0"/>
+            <a:r>
+              <a:rPr lang="hu-HU" dirty="0" err="1" smtClean="0"/>
+              <a:t>Pellentesque</a:t>
+            </a:r>
+            <a:r>
+              <a:rPr lang="hu-HU" dirty="0" smtClean="0"/>
+              <a:t> habitant </a:t>
+            </a:r>
+            <a:r>
+              <a:rPr lang="hu-HU" dirty="0" err="1" smtClean="0"/>
+              <a:t>morbi</a:t>
+            </a:r>
+            <a:r>
+              <a:rPr lang="hu-HU" dirty="0" smtClean="0"/>
+              <a:t> </a:t>
+            </a:r>
+            <a:r>
+              <a:rPr lang="hu-HU" dirty="0" err="1" smtClean="0"/>
+              <a:t>tristique</a:t>
+            </a:r>
+            <a:r>
+              <a:rPr lang="hu-HU" dirty="0" smtClean="0"/>
+              <a:t> </a:t>
+            </a:r>
+            <a:r>
+              <a:rPr lang="hu-HU" dirty="0" err="1" smtClean="0"/>
+              <a:t>senectus</a:t>
+            </a:r>
+            <a:r>
+              <a:rPr lang="hu-HU" dirty="0" smtClean="0"/>
+              <a:t> et </a:t>
+            </a:r>
+            <a:r>
+              <a:rPr lang="hu-HU" dirty="0" err="1" smtClean="0"/>
+              <a:t>netus</a:t>
+            </a:r>
+            <a:r>
+              <a:rPr lang="hu-HU" dirty="0" smtClean="0"/>
+              <a:t> et </a:t>
+            </a:r>
+            <a:r>
+              <a:rPr lang="hu-HU" dirty="0" err="1" smtClean="0"/>
+              <a:t>malesuada</a:t>
+            </a:r>
+            <a:r>
+              <a:rPr lang="hu-HU" dirty="0" smtClean="0"/>
+              <a:t> </a:t>
+            </a:r>
+            <a:r>
+              <a:rPr lang="hu-HU" dirty="0" err="1" smtClean="0"/>
+              <a:t>fames</a:t>
+            </a:r>
+            <a:r>
+              <a:rPr lang="hu-HU" dirty="0" smtClean="0"/>
+              <a:t> </a:t>
+            </a:r>
+            <a:r>
+              <a:rPr lang="hu-HU" dirty="0" err="1" smtClean="0"/>
+              <a:t>ac</a:t>
+            </a:r>
+            <a:r>
+              <a:rPr lang="hu-HU" dirty="0" smtClean="0"/>
+              <a:t> turpis </a:t>
+            </a:r>
+            <a:r>
+              <a:rPr lang="hu-HU" dirty="0" err="1" smtClean="0"/>
+              <a:t>egestas</a:t>
+            </a:r>
+            <a:r>
+              <a:rPr lang="hu-HU" dirty="0" smtClean="0"/>
+              <a:t>. </a:t>
+            </a:r>
+            <a:r>
+              <a:rPr lang="hu-HU" dirty="0" err="1" smtClean="0"/>
+              <a:t>Proin</a:t>
+            </a:r>
+            <a:r>
+              <a:rPr lang="hu-HU" dirty="0" smtClean="0"/>
+              <a:t> </a:t>
+            </a:r>
+            <a:r>
+              <a:rPr lang="hu-HU" dirty="0" err="1" smtClean="0"/>
+              <a:t>pharetra</a:t>
+            </a:r>
+            <a:r>
+              <a:rPr lang="hu-HU" dirty="0" smtClean="0"/>
+              <a:t> </a:t>
+            </a:r>
+            <a:r>
+              <a:rPr lang="hu-HU" dirty="0" err="1" smtClean="0"/>
+              <a:t>nonummy</a:t>
+            </a:r>
+            <a:r>
+              <a:rPr lang="hu-HU" dirty="0" smtClean="0"/>
+              <a:t> </a:t>
+            </a:r>
+            <a:r>
+              <a:rPr lang="hu-HU" dirty="0" err="1" smtClean="0"/>
+              <a:t>pede</a:t>
+            </a:r>
+            <a:r>
+              <a:rPr lang="hu-HU" dirty="0" smtClean="0"/>
+              <a:t>. </a:t>
+            </a:r>
+            <a:r>
+              <a:rPr lang="hu-HU" dirty="0" err="1" smtClean="0"/>
+              <a:t>Mauris</a:t>
+            </a:r>
+            <a:r>
+              <a:rPr lang="hu-HU" dirty="0" smtClean="0"/>
+              <a:t> et </a:t>
+            </a:r>
+            <a:r>
+              <a:rPr lang="hu-HU" dirty="0" err="1" smtClean="0"/>
+              <a:t>orci</a:t>
+            </a:r>
+            <a:r>
+              <a:rPr lang="hu-HU" dirty="0" smtClean="0"/>
+              <a:t>.</a:t>
+            </a:r>
+          </a:p>
+          <a:p>
+            <a:pPr rtl="0"/>
             <a:endParaRPr lang="hu-HU" dirty="0"/>
           </a:p>
         </p:txBody>
@@ -52780,7 +52770,7 @@
           <p:cNvPr id="6" name="Dia számának helye 5">
             <a:extLst>
               <a:ext uri="{FF2B5EF4-FFF2-40B4-BE49-F238E27FC236}">
-                <a16:creationId xmlns:a16="http://schemas.microsoft.com/office/drawing/2014/main" id="{C35D9EA8-AA17-47B2-A4C4-B60DC7C7DC49}"/>
+                <a16:creationId xmlns:a16="http://schemas.microsoft.com/office/drawing/2014/main" id="{2B9E0CB5-2F64-4439-AFE9-1BB3ACE6FA9D}"/>
               </a:ext>
             </a:extLst>
           </p:cNvPr>
@@ -52799,7 +52789,6 @@
             <a:pPr rtl="0"/>
             <a:fld id="{8D581BC7-E183-40DB-AC97-C19EA4EB8894}" type="slidenum">
               <a:rPr lang="hu-HU" smtClean="0"/>
-              <a:pPr rtl="0"/>
               <a:t>7</a:t>
             </a:fld>
             <a:endParaRPr lang="hu-HU" dirty="0"/>
@@ -52811,7 +52800,7 @@
           <p:cNvPr id="5" name="Élőláb helye 4">
             <a:extLst>
               <a:ext uri="{FF2B5EF4-FFF2-40B4-BE49-F238E27FC236}">
-                <a16:creationId xmlns:a16="http://schemas.microsoft.com/office/drawing/2014/main" id="{1ED7D25D-51F0-4AAA-86C5-F3584C0E8A44}"/>
+                <a16:creationId xmlns:a16="http://schemas.microsoft.com/office/drawing/2014/main" id="{FFFF8DFC-D37E-4FE9-81F0-77C68D469526}"/>
               </a:ext>
             </a:extLst>
           </p:cNvPr>
@@ -52841,7 +52830,7 @@
           <p:cNvPr id="4" name="Dátum helye 3">
             <a:extLst>
               <a:ext uri="{FF2B5EF4-FFF2-40B4-BE49-F238E27FC236}">
-                <a16:creationId xmlns:a16="http://schemas.microsoft.com/office/drawing/2014/main" id="{F48CF653-A1E7-473E-A717-8659C5E457A1}"/>
+                <a16:creationId xmlns:a16="http://schemas.microsoft.com/office/drawing/2014/main" id="{0BA396AE-BE46-43FB-B4E7-224D2AF39F83}"/>
               </a:ext>
             </a:extLst>
           </p:cNvPr>
@@ -52869,7 +52858,7 @@
     </p:spTree>
     <p:extLst>
       <p:ext uri="{BB962C8B-B14F-4D97-AF65-F5344CB8AC3E}">
-        <p14:creationId xmlns:p14="http://schemas.microsoft.com/office/powerpoint/2010/main" val="4080312334"/>
+        <p14:creationId xmlns:p14="http://schemas.microsoft.com/office/powerpoint/2010/main" val="1728754232"/>
       </p:ext>
     </p:extLst>
   </p:cSld>
@@ -52905,7 +52894,7 @@
       </p:grpSpPr>
       <p:pic>
         <p:nvPicPr>
-          <p:cNvPr id="17" name="Kép helyőrzője 16" descr="Céges embléma">
+          <p:cNvPr id="17" name="Kép helyőrzője 16">
             <a:extLst>
               <a:ext uri="{FF2B5EF4-FFF2-40B4-BE49-F238E27FC236}">
                 <a16:creationId xmlns:a16="http://schemas.microsoft.com/office/drawing/2014/main" id="{D652F905-B33B-4D47-80C8-0F74935D9B8E}"/>
@@ -52925,17 +52914,18 @@
               <a:ext uri="{28A0092B-C50C-407E-A947-70E740481C1C}">
                 <a14:useLocalDpi xmlns:a14="http://schemas.microsoft.com/office/drawing/2010/main" val="0"/>
               </a:ext>
-              <a:ext uri="{96DAC541-7B7A-43D3-8B79-37D633B846F1}">
-                <asvg:svgBlip xmlns="" xmlns:asvg="http://schemas.microsoft.com/office/drawing/2016/SVG/main" r:embed="rId4"/>
-              </a:ext>
             </a:extLst>
           </a:blip>
-          <a:srcRect/>
           <a:stretch>
             <a:fillRect/>
           </a:stretch>
         </p:blipFill>
-        <p:spPr/>
+        <p:spPr>
+          <a:xfrm>
+            <a:off x="0" y="0"/>
+            <a:ext cx="1328400" cy="1328400"/>
+          </a:xfrm>
+        </p:spPr>
       </p:pic>
       <p:sp>
         <p:nvSpPr>
@@ -54015,7 +54005,7 @@
       </p:grpSpPr>
       <p:pic>
         <p:nvPicPr>
-          <p:cNvPr id="20" name="Kép helyőrzője 19" descr="Céges embléma">
+          <p:cNvPr id="20" name="Kép helyőrzője 19">
             <a:extLst>
               <a:ext uri="{FF2B5EF4-FFF2-40B4-BE49-F238E27FC236}">
                 <a16:creationId xmlns:a16="http://schemas.microsoft.com/office/drawing/2014/main" id="{E4C80877-D542-4201-A994-0186BAAB8419}"/>
@@ -54035,17 +54025,18 @@
               <a:ext uri="{28A0092B-C50C-407E-A947-70E740481C1C}">
                 <a14:useLocalDpi xmlns:a14="http://schemas.microsoft.com/office/drawing/2010/main" val="0"/>
               </a:ext>
-              <a:ext uri="{96DAC541-7B7A-43D3-8B79-37D633B846F1}">
-                <asvg:svgBlip xmlns="" xmlns:asvg="http://schemas.microsoft.com/office/drawing/2016/SVG/main" r:embed="rId4"/>
-              </a:ext>
             </a:extLst>
           </a:blip>
-          <a:srcRect/>
           <a:stretch>
             <a:fillRect/>
           </a:stretch>
         </p:blipFill>
-        <p:spPr/>
+        <p:spPr>
+          <a:xfrm>
+            <a:off x="0" y="9268"/>
+            <a:ext cx="1328400" cy="1328400"/>
+          </a:xfrm>
+        </p:spPr>
       </p:pic>
       <p:sp>
         <p:nvSpPr>

--- a/documentation/PPT/TerFelSzoft.pptx
+++ b/documentation/PPT/TerFelSzoft.pptx
@@ -1066,7 +1066,7 @@
             <a:pPr rtl="0"/>
             <a:fld id="{7334EB05-B65D-4357-89E6-1998AEC274BF}" type="datetime1">
               <a:rPr lang="hu-HU" smtClean="0"/>
-              <a:t>2022.12.01.</a:t>
+              <a:t>2022.12.06.</a:t>
             </a:fld>
             <a:endParaRPr lang="hu-HU" dirty="0"/>
           </a:p>
@@ -1248,7 +1248,7 @@
             <a:pPr rtl="0"/>
             <a:fld id="{9E734C57-E9E1-41CF-980D-894129B14651}" type="datetime1">
               <a:rPr lang="hu-HU" noProof="0" smtClean="0"/>
-              <a:t>2022.12.01.</a:t>
+              <a:t>2022.12.06.</a:t>
             </a:fld>
             <a:endParaRPr lang="hu-HU" noProof="0" dirty="0"/>
           </a:p>
@@ -31638,7 +31638,7 @@
             <a:blip r:embed="rId2">
               <a:extLst>
                 <a:ext uri="{96DAC541-7B7A-43D3-8B79-37D633B846F1}">
-                  <asvg:svgBlip xmlns:asvg="http://schemas.microsoft.com/office/drawing/2016/SVG/main" xmlns="" r:embed="rId3"/>
+                  <asvg:svgBlip xmlns="" xmlns:asvg="http://schemas.microsoft.com/office/drawing/2016/SVG/main" r:embed="rId3"/>
                 </a:ext>
               </a:extLst>
             </a:blip>
@@ -42175,7 +42175,7 @@
             <a:blip r:embed="rId2">
               <a:extLst>
                 <a:ext uri="{96DAC541-7B7A-43D3-8B79-37D633B846F1}">
-                  <asvg:svgBlip xmlns:asvg="http://schemas.microsoft.com/office/drawing/2016/SVG/main" xmlns="" r:embed="rId3"/>
+                  <asvg:svgBlip xmlns="" xmlns:asvg="http://schemas.microsoft.com/office/drawing/2016/SVG/main" r:embed="rId3"/>
                 </a:ext>
               </a:extLst>
             </a:blip>
@@ -48763,6 +48763,20 @@
           <a:prstGeom prst="rect">
             <a:avLst/>
           </a:prstGeom>
+          <a:ln w="38100" cap="sq">
+            <a:solidFill>
+              <a:srgbClr val="000000"/>
+            </a:solidFill>
+            <a:prstDash val="solid"/>
+            <a:miter lim="800000"/>
+          </a:ln>
+          <a:effectLst>
+            <a:outerShdw blurRad="50800" dist="38100" dir="2700000" algn="tl" rotWithShape="0">
+              <a:srgbClr val="000000">
+                <a:alpha val="43000"/>
+              </a:srgbClr>
+            </a:outerShdw>
+          </a:effectLst>
         </p:spPr>
       </p:pic>
       <p:pic>
@@ -49434,6 +49448,20 @@
           <a:prstGeom prst="rect">
             <a:avLst/>
           </a:prstGeom>
+          <a:ln w="38100" cap="sq">
+            <a:solidFill>
+              <a:srgbClr val="000000"/>
+            </a:solidFill>
+            <a:prstDash val="solid"/>
+            <a:miter lim="800000"/>
+          </a:ln>
+          <a:effectLst>
+            <a:outerShdw blurRad="50800" dist="38100" dir="2700000" algn="tl" rotWithShape="0">
+              <a:srgbClr val="000000">
+                <a:alpha val="43000"/>
+              </a:srgbClr>
+            </a:outerShdw>
+          </a:effectLst>
         </p:spPr>
       </p:pic>
     </p:spTree>
@@ -49685,52 +49713,52 @@
         </p:spPr>
         <p:txBody>
           <a:bodyPr rtlCol="0">
-            <a:normAutofit fontScale="55000" lnSpcReduction="20000"/>
+            <a:noAutofit/>
           </a:bodyPr>
           <a:lstStyle/>
           <a:p>
             <a:r>
-              <a:rPr lang="hu-HU" dirty="0"/>
+              <a:rPr lang="hu-HU" sz="1100" dirty="0"/>
               <a:t>Éves bevétele: 2,5 milliárd Ft, euróba átváltva: 1200 €</a:t>
             </a:r>
             <a:br>
-              <a:rPr lang="hu-HU" dirty="0"/>
+              <a:rPr lang="hu-HU" sz="1100" dirty="0"/>
             </a:br>
             <a:r>
-              <a:rPr lang="hu-HU" dirty="0"/>
+              <a:rPr lang="hu-HU" sz="1100" dirty="0"/>
               <a:t>Jó képű! Magas! Gazdag! Boldog! Van jogsija! Nincsenek gyerekei! Összesen 21 éves! Fényes jövő áll előtte! Boldog párkapcsolatban él(↓)!</a:t>
             </a:r>
           </a:p>
           <a:p>
             <a:r>
-              <a:rPr lang="hu-HU" dirty="0"/>
+              <a:rPr lang="hu-HU" sz="1100" dirty="0"/>
               <a:t>Telefonszám: 06969696969</a:t>
             </a:r>
           </a:p>
           <a:p>
             <a:r>
-              <a:rPr lang="hu-HU" dirty="0"/>
+              <a:rPr lang="hu-HU" sz="1100" dirty="0"/>
               <a:t>Weboldal: GetFatBitches.uz</a:t>
             </a:r>
           </a:p>
           <a:p>
             <a:r>
-              <a:rPr lang="hu-HU" dirty="0"/>
+              <a:rPr lang="hu-HU" sz="1100" dirty="0"/>
               <a:t>Lakcím: Budapest, Baross u. 4, 1085</a:t>
             </a:r>
           </a:p>
           <a:p>
             <a:r>
-              <a:rPr lang="hu-HU" dirty="0"/>
+              <a:rPr lang="hu-HU" sz="1100" dirty="0"/>
               <a:t>GitHub: </a:t>
             </a:r>
             <a:r>
-              <a:rPr lang="hu-HU" dirty="0">
+              <a:rPr lang="hu-HU" sz="1100" dirty="0">
                 <a:hlinkClick r:id="rId5"/>
               </a:rPr>
               <a:t>Link</a:t>
             </a:r>
-            <a:endParaRPr lang="hu-HU" dirty="0"/>
+            <a:endParaRPr lang="hu-HU" sz="1100" dirty="0"/>
           </a:p>
         </p:txBody>
       </p:sp>
@@ -49872,61 +49900,61 @@
         </p:spPr>
         <p:txBody>
           <a:bodyPr rtlCol="0">
-            <a:normAutofit fontScale="70000" lnSpcReduction="20000"/>
+            <a:noAutofit/>
           </a:bodyPr>
           <a:lstStyle/>
           <a:p>
             <a:r>
-              <a:rPr lang="hu-HU" dirty="0"/>
+              <a:rPr lang="hu-HU" sz="1200" dirty="0"/>
               <a:t>Éves bevétele: 2,5 milliárd Ft, euróba átváltva: 1100 €</a:t>
             </a:r>
             <a:br>
-              <a:rPr lang="hu-HU" dirty="0"/>
+              <a:rPr lang="hu-HU" sz="1200" dirty="0"/>
             </a:br>
             <a:r>
-              <a:rPr lang="hu-HU" dirty="0"/>
+              <a:rPr lang="hu-HU" sz="1200" dirty="0"/>
               <a:t>Büszke </a:t>
             </a:r>
             <a:r>
-              <a:rPr lang="hu-HU" dirty="0" smtClean="0"/>
+              <a:rPr lang="hu-HU" sz="1200" dirty="0" smtClean="0"/>
               <a:t>vállalkozás </a:t>
             </a:r>
             <a:r>
-              <a:rPr lang="hu-HU" dirty="0"/>
+              <a:rPr lang="hu-HU" sz="1200" dirty="0"/>
               <a:t>tulajdonos: Morning Wood IT </a:t>
             </a:r>
             <a:r>
-              <a:rPr lang="hu-HU" dirty="0" err="1"/>
+              <a:rPr lang="hu-HU" sz="1200" dirty="0" err="1"/>
               <a:t>Company</a:t>
             </a:r>
             <a:r>
-              <a:rPr lang="hu-HU" dirty="0"/>
+              <a:rPr lang="hu-HU" sz="1200" dirty="0"/>
               <a:t> </a:t>
             </a:r>
             <a:r>
-              <a:rPr lang="hu-HU" dirty="0" smtClean="0"/>
+              <a:rPr lang="hu-HU" sz="1200" dirty="0" smtClean="0"/>
               <a:t>Ezenfelül </a:t>
             </a:r>
             <a:r>
-              <a:rPr lang="hu-HU" dirty="0"/>
+              <a:rPr lang="hu-HU" sz="1200" dirty="0"/>
               <a:t>társtulajdonos a Boci IT kft-ben.</a:t>
             </a:r>
           </a:p>
           <a:p>
             <a:r>
-              <a:rPr lang="hu-HU" dirty="0"/>
+              <a:rPr lang="hu-HU" sz="1200" dirty="0"/>
               <a:t>Telefonszám: 066966688</a:t>
             </a:r>
           </a:p>
           <a:p>
             <a:r>
-              <a:rPr lang="hu-HU" dirty="0"/>
+              <a:rPr lang="hu-HU" sz="1200" dirty="0"/>
               <a:t>Weboldal: GetFatBitches.uz</a:t>
             </a:r>
           </a:p>
           <a:p>
             <a:r>
-              <a:rPr lang="hu-HU" dirty="0"/>
+              <a:rPr lang="hu-HU" sz="1200" dirty="0"/>
               <a:t>Lakcím: Budapest, Baross u. 4, 1085</a:t>
             </a:r>
           </a:p>
@@ -50674,7 +50702,7 @@
         </p:nvSpPr>
         <p:spPr>
           <a:xfrm>
-            <a:off x="778643" y="3782104"/>
+            <a:off x="520225" y="3717002"/>
             <a:ext cx="4215201" cy="1208937"/>
           </a:xfrm>
         </p:spPr>
@@ -50686,7 +50714,15 @@
           <a:p>
             <a:r>
               <a:rPr lang="hu-HU" dirty="0"/>
-              <a:t>C# nyelven készülő grafikus alkalmazás, ami lehetőséget kínál az adott síkidom vagy test kiválasztására és Terület, Kerület, Térfogat, Felszín (K, T, V, A) kiszámítására és kiválasztott testek/síkidomok megjelenítése a kiszámolt adatokkal együtt.</a:t>
+              <a:t>C# nyelven készülő grafikus alkalmazás, ami lehetőséget kínál az adott síkidom vagy test kiválasztására és Terület, Kerület, Térfogat, Felszín (K, T, V, A) kiszámítására és kiválasztott testek/síkidomok </a:t>
+            </a:r>
+            <a:r>
+              <a:rPr lang="hu-HU" dirty="0" smtClean="0"/>
+              <a:t>megjelenítésére </a:t>
+            </a:r>
+            <a:r>
+              <a:rPr lang="hu-HU" dirty="0"/>
+              <a:t>a kiszámolt adatokkal együtt.</a:t>
             </a:r>
           </a:p>
         </p:txBody>
@@ -50808,6 +50844,20 @@
           <a:prstGeom prst="rect">
             <a:avLst/>
           </a:prstGeom>
+          <a:ln w="38100" cap="sq">
+            <a:solidFill>
+              <a:srgbClr val="000000"/>
+            </a:solidFill>
+            <a:prstDash val="solid"/>
+            <a:miter lim="800000"/>
+          </a:ln>
+          <a:effectLst>
+            <a:outerShdw blurRad="50800" dist="38100" dir="2700000" algn="tl" rotWithShape="0">
+              <a:srgbClr val="000000">
+                <a:alpha val="43000"/>
+              </a:srgbClr>
+            </a:outerShdw>
+          </a:effectLst>
         </p:spPr>
       </p:pic>
       <p:pic>
@@ -50912,37 +50962,6 @@
           </a:xfrm>
         </p:spPr>
       </p:pic>
-      <p:pic>
-        <p:nvPicPr>
-          <p:cNvPr id="20" name="Kép helyőrzője 19" descr="Absztrakt háttér&#10;">
-            <a:extLst>
-              <a:ext uri="{FF2B5EF4-FFF2-40B4-BE49-F238E27FC236}">
-                <a16:creationId xmlns:a16="http://schemas.microsoft.com/office/drawing/2014/main" id="{3330B498-1497-4DA8-99F4-8F8159B24FF9}"/>
-              </a:ext>
-            </a:extLst>
-          </p:cNvPr>
-          <p:cNvPicPr>
-            <a:picLocks noGrp="1" noChangeAspect="1"/>
-          </p:cNvPicPr>
-          <p:nvPr>
-            <p:ph type="pic" sz="quarter" idx="15"/>
-          </p:nvPr>
-        </p:nvPicPr>
-        <p:blipFill>
-          <a:blip r:embed="rId4">
-            <a:extLst>
-              <a:ext uri="{28A0092B-C50C-407E-A947-70E740481C1C}">
-                <a14:useLocalDpi xmlns:a14="http://schemas.microsoft.com/office/drawing/2010/main" val="0"/>
-              </a:ext>
-            </a:extLst>
-          </a:blip>
-          <a:srcRect/>
-          <a:stretch>
-            <a:fillRect/>
-          </a:stretch>
-        </p:blipFill>
-        <p:spPr/>
-      </p:pic>
       <p:sp>
         <p:nvSpPr>
           <p:cNvPr id="5" name="Cím 4">
@@ -50957,6 +50976,46 @@
           </p:cNvSpPr>
           <p:nvPr>
             <p:ph type="title"/>
+          </p:nvPr>
+        </p:nvSpPr>
+        <p:spPr>
+          <a:xfrm>
+            <a:off x="6894591" y="1263819"/>
+            <a:ext cx="4494133" cy="804338"/>
+          </a:xfrm>
+        </p:spPr>
+        <p:txBody>
+          <a:bodyPr rtlCol="0">
+            <a:normAutofit fontScale="90000"/>
+          </a:bodyPr>
+          <a:lstStyle/>
+          <a:p>
+            <a:pPr algn="ctr" rtl="0"/>
+            <a:r>
+              <a:rPr lang="hu-HU" dirty="0" smtClean="0"/>
+              <a:t>Program</a:t>
+            </a:r>
+            <a:br>
+              <a:rPr lang="hu-HU" dirty="0" smtClean="0"/>
+            </a:br>
+            <a:endParaRPr lang="hu-HU" dirty="0"/>
+          </a:p>
+        </p:txBody>
+      </p:sp>
+      <p:sp>
+        <p:nvSpPr>
+          <p:cNvPr id="6" name="Szöveg helye 5">
+            <a:extLst>
+              <a:ext uri="{FF2B5EF4-FFF2-40B4-BE49-F238E27FC236}">
+                <a16:creationId xmlns:a16="http://schemas.microsoft.com/office/drawing/2014/main" id="{F62CA978-7F10-45ED-A5E7-73BCC796D219}"/>
+              </a:ext>
+            </a:extLst>
+          </p:cNvPr>
+          <p:cNvSpPr>
+            <a:spLocks noGrp="1"/>
+          </p:cNvSpPr>
+          <p:nvPr>
+            <p:ph type="body" idx="1"/>
           </p:nvPr>
         </p:nvSpPr>
         <p:spPr/>
@@ -50965,40 +51024,6 @@
           <a:lstStyle/>
           <a:p>
             <a:pPr rtl="0"/>
-            <a:r>
-              <a:rPr lang="hu-HU" dirty="0" smtClean="0"/>
-              <a:t>PROBLÉMA</a:t>
-            </a:r>
-            <a:endParaRPr lang="hu-HU" dirty="0"/>
-          </a:p>
-        </p:txBody>
-      </p:sp>
-      <p:sp>
-        <p:nvSpPr>
-          <p:cNvPr id="6" name="Szöveg helye 5">
-            <a:extLst>
-              <a:ext uri="{FF2B5EF4-FFF2-40B4-BE49-F238E27FC236}">
-                <a16:creationId xmlns:a16="http://schemas.microsoft.com/office/drawing/2014/main" id="{F62CA978-7F10-45ED-A5E7-73BCC796D219}"/>
-              </a:ext>
-            </a:extLst>
-          </p:cNvPr>
-          <p:cNvSpPr>
-            <a:spLocks noGrp="1"/>
-          </p:cNvSpPr>
-          <p:nvPr>
-            <p:ph type="body" idx="1"/>
-          </p:nvPr>
-        </p:nvSpPr>
-        <p:spPr/>
-        <p:txBody>
-          <a:bodyPr rtlCol="0"/>
-          <a:lstStyle/>
-          <a:p>
-            <a:pPr rtl="0"/>
-            <a:r>
-              <a:rPr lang="hu-HU" dirty="0" smtClean="0"/>
-              <a:t>LOREM IPSUM DOLOR SIT AMET, CONSECTETUER ADIPISCING ELIT</a:t>
-            </a:r>
             <a:endParaRPr lang="hu-HU" dirty="0"/>
           </a:p>
         </p:txBody>
@@ -51477,7 +51502,7 @@
             <a:pPr rtl="0"/>
             <a:r>
               <a:rPr lang="hu-HU" dirty="0" smtClean="0"/>
-              <a:t>ÉLŐLÁB HOZZÁADÁSA</a:t>
+              <a:t>Program</a:t>
             </a:r>
             <a:endParaRPr lang="hu-HU" dirty="0"/>
           </a:p>
@@ -51513,6 +51538,44 @@
           </a:p>
         </p:txBody>
       </p:sp>
+      <p:pic>
+        <p:nvPicPr>
+          <p:cNvPr id="7" name="Kép 6"/>
+          <p:cNvPicPr>
+            <a:picLocks noChangeAspect="1"/>
+          </p:cNvPicPr>
+          <p:nvPr/>
+        </p:nvPicPr>
+        <p:blipFill>
+          <a:blip r:embed="rId4"/>
+          <a:stretch>
+            <a:fillRect/>
+          </a:stretch>
+        </p:blipFill>
+        <p:spPr>
+          <a:xfrm>
+            <a:off x="2490243" y="1066667"/>
+            <a:ext cx="3235673" cy="4704779"/>
+          </a:xfrm>
+          <a:prstGeom prst="rect">
+            <a:avLst/>
+          </a:prstGeom>
+          <a:ln w="38100" cap="sq">
+            <a:solidFill>
+              <a:srgbClr val="000000"/>
+            </a:solidFill>
+            <a:prstDash val="solid"/>
+            <a:miter lim="800000"/>
+          </a:ln>
+          <a:effectLst>
+            <a:outerShdw blurRad="50800" dist="38100" dir="2700000" algn="tl" rotWithShape="0">
+              <a:srgbClr val="000000">
+                <a:alpha val="43000"/>
+              </a:srgbClr>
+            </a:outerShdw>
+          </a:effectLst>
+        </p:spPr>
+      </p:pic>
     </p:spTree>
     <p:extLst>
       <p:ext uri="{BB962C8B-B14F-4D97-AF65-F5344CB8AC3E}">
@@ -51974,6 +52037,23 @@
             <a:off x="6362829" y="1653871"/>
             <a:ext cx="4832608" cy="3132814"/>
           </a:xfrm>
+          <a:prstGeom prst="rect">
+            <a:avLst/>
+          </a:prstGeom>
+          <a:ln w="38100" cap="sq">
+            <a:solidFill>
+              <a:srgbClr val="000000"/>
+            </a:solidFill>
+            <a:prstDash val="solid"/>
+            <a:miter lim="800000"/>
+          </a:ln>
+          <a:effectLst>
+            <a:outerShdw blurRad="50800" dist="38100" dir="2700000" algn="tl" rotWithShape="0">
+              <a:srgbClr val="000000">
+                <a:alpha val="43000"/>
+              </a:srgbClr>
+            </a:outerShdw>
+          </a:effectLst>
         </p:spPr>
       </p:pic>
       <p:sp>
@@ -52060,7 +52140,7 @@
             <a:pPr rtl="0"/>
             <a:r>
               <a:rPr lang="hu-HU" dirty="0" smtClean="0"/>
-              <a:t>20XX.HH.NN </a:t>
+              <a:t>2022.12.01 </a:t>
             </a:r>
             <a:endParaRPr lang="hu-HU" dirty="0"/>
           </a:p>
@@ -52369,10 +52449,10 @@
       </p:grpSpPr>
       <p:pic>
         <p:nvPicPr>
-          <p:cNvPr id="11" name="Kép helyőrzője 10">
-            <a:extLst>
-              <a:ext uri="{FF2B5EF4-FFF2-40B4-BE49-F238E27FC236}">
-                <a16:creationId xmlns:a16="http://schemas.microsoft.com/office/drawing/2014/main" id="{F137CA39-CE16-4C0C-AFB5-324FE940E664}"/>
+          <p:cNvPr id="10" name="Kép helyőrzője 19" descr="Absztrakt háttér">
+            <a:extLst>
+              <a:ext uri="{FF2B5EF4-FFF2-40B4-BE49-F238E27FC236}">
+                <a16:creationId xmlns:a16="http://schemas.microsoft.com/office/drawing/2014/main" id="{B9CF847D-0BA8-4D40-B95D-DAC8A415A56D}"/>
               </a:ext>
             </a:extLst>
           </p:cNvPr>
@@ -52380,11 +52460,47 @@
             <a:picLocks noGrp="1" noChangeAspect="1"/>
           </p:cNvPicPr>
           <p:nvPr>
-            <p:ph type="pic" sz="quarter" idx="13"/>
+            <p:ph type="pic" sz="quarter" idx="15"/>
           </p:nvPr>
         </p:nvPicPr>
         <p:blipFill>
           <a:blip r:embed="rId3">
+            <a:extLst>
+              <a:ext uri="{28A0092B-C50C-407E-A947-70E740481C1C}">
+                <a14:useLocalDpi xmlns:a14="http://schemas.microsoft.com/office/drawing/2010/main" val="0"/>
+              </a:ext>
+            </a:extLst>
+          </a:blip>
+          <a:srcRect/>
+          <a:stretch>
+            <a:fillRect/>
+          </a:stretch>
+        </p:blipFill>
+        <p:spPr>
+          <a:xfrm>
+            <a:off x="6362727" y="1657351"/>
+            <a:ext cx="4818476" cy="3124200"/>
+          </a:xfrm>
+        </p:spPr>
+      </p:pic>
+      <p:pic>
+        <p:nvPicPr>
+          <p:cNvPr id="11" name="Kép helyőrzője 10">
+            <a:extLst>
+              <a:ext uri="{FF2B5EF4-FFF2-40B4-BE49-F238E27FC236}">
+                <a16:creationId xmlns:a16="http://schemas.microsoft.com/office/drawing/2014/main" id="{F137CA39-CE16-4C0C-AFB5-324FE940E664}"/>
+              </a:ext>
+            </a:extLst>
+          </p:cNvPr>
+          <p:cNvPicPr>
+            <a:picLocks noGrp="1" noChangeAspect="1"/>
+          </p:cNvPicPr>
+          <p:nvPr>
+            <p:ph type="pic" sz="quarter" idx="13"/>
+          </p:nvPr>
+        </p:nvPicPr>
+        <p:blipFill>
+          <a:blip r:embed="rId4">
             <a:extLst>
               <a:ext uri="{28A0092B-C50C-407E-A947-70E740481C1C}">
                 <a14:useLocalDpi xmlns:a14="http://schemas.microsoft.com/office/drawing/2010/main" val="0"/>
@@ -52463,11 +52579,8 @@
             <a:pPr rtl="0"/>
             <a:r>
               <a:rPr lang="hu-HU" dirty="0" smtClean="0"/>
-              <a:t>LOREM IPSUM DOLOR SIT AMET, CONSECTETUER ADIPISCING ELIT</a:t>
-            </a:r>
-          </a:p>
-          <a:p>
-            <a:pPr rtl="0"/>
+              <a:t>Weboldal fő feladatai:</a:t>
+            </a:r>
             <a:endParaRPr lang="hu-HU" dirty="0"/>
           </a:p>
         </p:txBody>
@@ -52491,276 +52604,37 @@
         <p:spPr/>
         <p:txBody>
           <a:bodyPr rtlCol="0">
-            <a:normAutofit fontScale="92500" lnSpcReduction="10000"/>
+            <a:normAutofit/>
           </a:bodyPr>
           <a:lstStyle/>
           <a:p>
             <a:pPr rtl="0"/>
             <a:r>
-              <a:rPr lang="hu-HU" dirty="0" err="1" smtClean="0"/>
-              <a:t>Lorem</a:t>
-            </a:r>
-            <a:r>
               <a:rPr lang="hu-HU" dirty="0" smtClean="0"/>
-              <a:t> </a:t>
-            </a:r>
-            <a:r>
-              <a:rPr lang="hu-HU" dirty="0" err="1" smtClean="0"/>
-              <a:t>ipsum</a:t>
-            </a:r>
+              <a:t>Program bemutatása</a:t>
+            </a:r>
+          </a:p>
+          <a:p>
+            <a:pPr rtl="0"/>
             <a:r>
               <a:rPr lang="hu-HU" dirty="0" smtClean="0"/>
-              <a:t> </a:t>
-            </a:r>
-            <a:r>
-              <a:rPr lang="hu-HU" dirty="0" err="1" smtClean="0"/>
-              <a:t>dolor</a:t>
-            </a:r>
+              <a:t>Program letölthetőségének biztosítása</a:t>
+            </a:r>
+            <a:endParaRPr lang="hu-HU" dirty="0" smtClean="0"/>
+          </a:p>
+          <a:p>
+            <a:pPr rtl="0"/>
             <a:r>
               <a:rPr lang="hu-HU" dirty="0" smtClean="0"/>
-              <a:t> </a:t>
-            </a:r>
-            <a:r>
-              <a:rPr lang="hu-HU" dirty="0" err="1" smtClean="0"/>
-              <a:t>sit</a:t>
-            </a:r>
+              <a:t>Testek és síkidomok bemutatása</a:t>
+            </a:r>
+          </a:p>
+          <a:p>
+            <a:pPr rtl="0"/>
             <a:r>
               <a:rPr lang="hu-HU" dirty="0" smtClean="0"/>
-              <a:t> </a:t>
-            </a:r>
-            <a:r>
-              <a:rPr lang="hu-HU" dirty="0" err="1" smtClean="0"/>
-              <a:t>amet</a:t>
-            </a:r>
-            <a:r>
-              <a:rPr lang="hu-HU" dirty="0" smtClean="0"/>
-              <a:t>, </a:t>
-            </a:r>
-            <a:r>
-              <a:rPr lang="hu-HU" dirty="0" err="1" smtClean="0"/>
-              <a:t>consectetuer</a:t>
-            </a:r>
-            <a:r>
-              <a:rPr lang="hu-HU" dirty="0" smtClean="0"/>
-              <a:t> </a:t>
-            </a:r>
-            <a:r>
-              <a:rPr lang="hu-HU" dirty="0" err="1" smtClean="0"/>
-              <a:t>adipiscing</a:t>
-            </a:r>
-            <a:r>
-              <a:rPr lang="hu-HU" dirty="0" smtClean="0"/>
-              <a:t> elit. Maecenas </a:t>
-            </a:r>
-            <a:r>
-              <a:rPr lang="hu-HU" dirty="0" err="1" smtClean="0"/>
-              <a:t>porttitor</a:t>
-            </a:r>
-            <a:r>
-              <a:rPr lang="hu-HU" dirty="0" smtClean="0"/>
-              <a:t> </a:t>
-            </a:r>
-            <a:r>
-              <a:rPr lang="hu-HU" dirty="0" err="1" smtClean="0"/>
-              <a:t>congue</a:t>
-            </a:r>
-            <a:r>
-              <a:rPr lang="hu-HU" dirty="0" smtClean="0"/>
-              <a:t> </a:t>
-            </a:r>
-            <a:r>
-              <a:rPr lang="hu-HU" dirty="0" err="1" smtClean="0"/>
-              <a:t>massa</a:t>
-            </a:r>
-            <a:r>
-              <a:rPr lang="hu-HU" dirty="0" smtClean="0"/>
-              <a:t>. </a:t>
-            </a:r>
-          </a:p>
-          <a:p>
-            <a:pPr rtl="0"/>
-            <a:r>
-              <a:rPr lang="hu-HU" dirty="0" err="1" smtClean="0"/>
-              <a:t>Nunc</a:t>
-            </a:r>
-            <a:r>
-              <a:rPr lang="hu-HU" dirty="0" smtClean="0"/>
-              <a:t> </a:t>
-            </a:r>
-            <a:r>
-              <a:rPr lang="hu-HU" dirty="0" err="1" smtClean="0"/>
-              <a:t>viverra</a:t>
-            </a:r>
-            <a:r>
-              <a:rPr lang="hu-HU" dirty="0" smtClean="0"/>
-              <a:t> </a:t>
-            </a:r>
-            <a:r>
-              <a:rPr lang="hu-HU" dirty="0" err="1" smtClean="0"/>
-              <a:t>imperdiet</a:t>
-            </a:r>
-            <a:r>
-              <a:rPr lang="hu-HU" dirty="0" smtClean="0"/>
-              <a:t> </a:t>
-            </a:r>
-            <a:r>
-              <a:rPr lang="hu-HU" dirty="0" err="1" smtClean="0"/>
-              <a:t>enim</a:t>
-            </a:r>
-            <a:r>
-              <a:rPr lang="hu-HU" dirty="0" smtClean="0"/>
-              <a:t>. </a:t>
-            </a:r>
-            <a:r>
-              <a:rPr lang="hu-HU" dirty="0" err="1" smtClean="0"/>
-              <a:t>Fusce</a:t>
-            </a:r>
-            <a:r>
-              <a:rPr lang="hu-HU" dirty="0" smtClean="0"/>
-              <a:t> est. </a:t>
-            </a:r>
-            <a:r>
-              <a:rPr lang="hu-HU" dirty="0" err="1" smtClean="0"/>
-              <a:t>Vivamus</a:t>
-            </a:r>
-            <a:r>
-              <a:rPr lang="hu-HU" dirty="0" smtClean="0"/>
-              <a:t> a </a:t>
-            </a:r>
-            <a:r>
-              <a:rPr lang="hu-HU" dirty="0" err="1" smtClean="0"/>
-              <a:t>tellus</a:t>
-            </a:r>
-            <a:r>
-              <a:rPr lang="hu-HU" dirty="0" smtClean="0"/>
-              <a:t>.</a:t>
-            </a:r>
-          </a:p>
-          <a:p>
-            <a:pPr rtl="0"/>
-            <a:r>
-              <a:rPr lang="hu-HU" dirty="0" err="1" smtClean="0"/>
-              <a:t>Pellentesque</a:t>
-            </a:r>
-            <a:r>
-              <a:rPr lang="hu-HU" dirty="0" smtClean="0"/>
-              <a:t> habitant </a:t>
-            </a:r>
-            <a:r>
-              <a:rPr lang="hu-HU" dirty="0" err="1" smtClean="0"/>
-              <a:t>morbi</a:t>
-            </a:r>
-            <a:r>
-              <a:rPr lang="hu-HU" dirty="0" smtClean="0"/>
-              <a:t> </a:t>
-            </a:r>
-            <a:r>
-              <a:rPr lang="hu-HU" dirty="0" err="1" smtClean="0"/>
-              <a:t>tristique</a:t>
-            </a:r>
-            <a:r>
-              <a:rPr lang="hu-HU" dirty="0" smtClean="0"/>
-              <a:t> </a:t>
-            </a:r>
-            <a:r>
-              <a:rPr lang="hu-HU" dirty="0" err="1" smtClean="0"/>
-              <a:t>senectus</a:t>
-            </a:r>
-            <a:r>
-              <a:rPr lang="hu-HU" dirty="0" smtClean="0"/>
-              <a:t> et </a:t>
-            </a:r>
-            <a:r>
-              <a:rPr lang="hu-HU" dirty="0" err="1" smtClean="0"/>
-              <a:t>netus</a:t>
-            </a:r>
-            <a:r>
-              <a:rPr lang="hu-HU" dirty="0" smtClean="0"/>
-              <a:t> et </a:t>
-            </a:r>
-            <a:r>
-              <a:rPr lang="hu-HU" dirty="0" err="1" smtClean="0"/>
-              <a:t>malesuada</a:t>
-            </a:r>
-            <a:r>
-              <a:rPr lang="hu-HU" dirty="0" smtClean="0"/>
-              <a:t> </a:t>
-            </a:r>
-            <a:r>
-              <a:rPr lang="hu-HU" dirty="0" err="1" smtClean="0"/>
-              <a:t>fames</a:t>
-            </a:r>
-            <a:r>
-              <a:rPr lang="hu-HU" dirty="0" smtClean="0"/>
-              <a:t> </a:t>
-            </a:r>
-            <a:r>
-              <a:rPr lang="hu-HU" dirty="0" err="1" smtClean="0"/>
-              <a:t>ac</a:t>
-            </a:r>
-            <a:r>
-              <a:rPr lang="hu-HU" dirty="0" smtClean="0"/>
-              <a:t> turpis </a:t>
-            </a:r>
-            <a:r>
-              <a:rPr lang="hu-HU" dirty="0" err="1" smtClean="0"/>
-              <a:t>egestas</a:t>
-            </a:r>
-            <a:r>
-              <a:rPr lang="hu-HU" dirty="0" smtClean="0"/>
-              <a:t>. </a:t>
-            </a:r>
-            <a:r>
-              <a:rPr lang="hu-HU" dirty="0" err="1" smtClean="0"/>
-              <a:t>Proin</a:t>
-            </a:r>
-            <a:r>
-              <a:rPr lang="hu-HU" dirty="0" smtClean="0"/>
-              <a:t> </a:t>
-            </a:r>
-            <a:r>
-              <a:rPr lang="hu-HU" dirty="0" err="1" smtClean="0"/>
-              <a:t>pharetra</a:t>
-            </a:r>
-            <a:r>
-              <a:rPr lang="hu-HU" dirty="0" smtClean="0"/>
-              <a:t> </a:t>
-            </a:r>
-            <a:r>
-              <a:rPr lang="hu-HU" dirty="0" err="1" smtClean="0"/>
-              <a:t>nonummy</a:t>
-            </a:r>
-            <a:r>
-              <a:rPr lang="hu-HU" dirty="0" smtClean="0"/>
-              <a:t> </a:t>
-            </a:r>
-            <a:r>
-              <a:rPr lang="hu-HU" dirty="0" err="1" smtClean="0"/>
-              <a:t>pede</a:t>
-            </a:r>
-            <a:r>
-              <a:rPr lang="hu-HU" dirty="0" smtClean="0"/>
-              <a:t>. </a:t>
-            </a:r>
-            <a:r>
-              <a:rPr lang="hu-HU" dirty="0" err="1" smtClean="0"/>
-              <a:t>Mauris</a:t>
-            </a:r>
-            <a:r>
-              <a:rPr lang="hu-HU" dirty="0" smtClean="0"/>
-              <a:t> et </a:t>
-            </a:r>
-            <a:r>
-              <a:rPr lang="hu-HU" dirty="0" err="1" smtClean="0"/>
-              <a:t>orci</a:t>
-            </a:r>
-            <a:r>
-              <a:rPr lang="hu-HU" dirty="0" smtClean="0"/>
-              <a:t>.</a:t>
-            </a:r>
-          </a:p>
-          <a:p>
-            <a:pPr rtl="0"/>
+              <a:t>Kapcsolat létesítés a fejlesztőkkel</a:t>
+            </a:r>
             <a:endParaRPr lang="hu-HU" dirty="0"/>
           </a:p>
         </p:txBody>
@@ -52819,7 +52693,7 @@
             <a:pPr rtl="0"/>
             <a:r>
               <a:rPr lang="hu-HU" dirty="0" smtClean="0"/>
-              <a:t>ÉLŐLÁB HOZZÁADÁSA</a:t>
+              <a:t>weboldal</a:t>
             </a:r>
             <a:endParaRPr lang="hu-HU" dirty="0"/>
           </a:p>
@@ -52849,12 +52723,49 @@
             <a:pPr rtl="0"/>
             <a:r>
               <a:rPr lang="hu-HU" dirty="0" smtClean="0"/>
-              <a:t>20XX.HH.NN </a:t>
+              <a:t>2022.12.01 </a:t>
             </a:r>
             <a:endParaRPr lang="hu-HU" dirty="0"/>
           </a:p>
         </p:txBody>
       </p:sp>
+      <p:pic>
+        <p:nvPicPr>
+          <p:cNvPr id="7" name="Kép 6"/>
+          <p:cNvPicPr>
+            <a:picLocks noChangeAspect="1"/>
+          </p:cNvPicPr>
+          <p:nvPr/>
+        </p:nvPicPr>
+        <p:blipFill rotWithShape="1">
+          <a:blip r:embed="rId5"/>
+          <a:srcRect b="17154"/>
+          <a:stretch/>
+        </p:blipFill>
+        <p:spPr>
+          <a:xfrm>
+            <a:off x="6362727" y="2170015"/>
+            <a:ext cx="4818477" cy="2098871"/>
+          </a:xfrm>
+          <a:prstGeom prst="rect">
+            <a:avLst/>
+          </a:prstGeom>
+          <a:ln w="38100" cap="sq">
+            <a:solidFill>
+              <a:srgbClr val="000000"/>
+            </a:solidFill>
+            <a:prstDash val="solid"/>
+            <a:miter lim="800000"/>
+          </a:ln>
+          <a:effectLst>
+            <a:outerShdw blurRad="50800" dist="38100" dir="2700000" algn="tl" rotWithShape="0">
+              <a:srgbClr val="000000">
+                <a:alpha val="43000"/>
+              </a:srgbClr>
+            </a:outerShdw>
+          </a:effectLst>
+        </p:spPr>
+      </p:pic>
     </p:spTree>
     <p:extLst>
       <p:ext uri="{BB962C8B-B14F-4D97-AF65-F5344CB8AC3E}">
@@ -52951,7 +52862,7 @@
             <a:pPr rtl="0"/>
             <a:r>
               <a:rPr lang="hu-HU" dirty="0" smtClean="0"/>
-              <a:t>ÜZLETI MODELL</a:t>
+              <a:t>Fejlesztés szakaszai</a:t>
             </a:r>
             <a:endParaRPr lang="hu-HU" dirty="0"/>
           </a:p>
@@ -52959,10 +52870,10 @@
       </p:sp>
       <p:sp>
         <p:nvSpPr>
-          <p:cNvPr id="6" name="Szöveg helye 5">
-            <a:extLst>
-              <a:ext uri="{FF2B5EF4-FFF2-40B4-BE49-F238E27FC236}">
-                <a16:creationId xmlns:a16="http://schemas.microsoft.com/office/drawing/2014/main" id="{04CE41FD-E209-4A5A-A2E8-544E35CFA6C5}"/>
+          <p:cNvPr id="10" name="Szöveg helye 9">
+            <a:extLst>
+              <a:ext uri="{FF2B5EF4-FFF2-40B4-BE49-F238E27FC236}">
+                <a16:creationId xmlns:a16="http://schemas.microsoft.com/office/drawing/2014/main" id="{89BE0DA3-3A03-418B-B7CF-0D4107499B9C}"/>
               </a:ext>
             </a:extLst>
           </p:cNvPr>
@@ -52970,7 +52881,7 @@
             <a:spLocks noGrp="1"/>
           </p:cNvSpPr>
           <p:nvPr>
-            <p:ph type="body" idx="1"/>
+            <p:ph type="body" sz="quarter" idx="26"/>
           </p:nvPr>
         </p:nvSpPr>
         <p:spPr/>
@@ -52981,7 +52892,7 @@
             <a:pPr rtl="0"/>
             <a:r>
               <a:rPr lang="hu-HU" dirty="0" smtClean="0"/>
-              <a:t>LOREM IPSUM DOLOR SIT AMET, CONSECTETUER ADIPISCING ELIT. MAECENAS PORTTITOR</a:t>
+              <a:t>1</a:t>
             </a:r>
             <a:endParaRPr lang="hu-HU" dirty="0"/>
           </a:p>
@@ -52989,10 +52900,10 @@
       </p:sp>
       <p:sp>
         <p:nvSpPr>
-          <p:cNvPr id="10" name="Szöveg helye 9">
-            <a:extLst>
-              <a:ext uri="{FF2B5EF4-FFF2-40B4-BE49-F238E27FC236}">
-                <a16:creationId xmlns:a16="http://schemas.microsoft.com/office/drawing/2014/main" id="{89BE0DA3-3A03-418B-B7CF-0D4107499B9C}"/>
+          <p:cNvPr id="9" name="Szöveg helye 8">
+            <a:extLst>
+              <a:ext uri="{FF2B5EF4-FFF2-40B4-BE49-F238E27FC236}">
+                <a16:creationId xmlns:a16="http://schemas.microsoft.com/office/drawing/2014/main" id="{4E74A44B-1AAF-44D0-A426-104890F03E29}"/>
               </a:ext>
             </a:extLst>
           </p:cNvPr>
@@ -53000,7 +52911,7 @@
             <a:spLocks noGrp="1"/>
           </p:cNvSpPr>
           <p:nvPr>
-            <p:ph type="body" sz="quarter" idx="26"/>
+            <p:ph type="body" idx="16"/>
           </p:nvPr>
         </p:nvSpPr>
         <p:spPr/>
@@ -53011,7 +52922,11 @@
             <a:pPr rtl="0"/>
             <a:r>
               <a:rPr lang="hu-HU" dirty="0" smtClean="0"/>
-              <a:t>1</a:t>
+              <a:t>1. </a:t>
+            </a:r>
+            <a:r>
+              <a:rPr lang="hu-HU" dirty="0" smtClean="0"/>
+              <a:t>Tervezés</a:t>
             </a:r>
             <a:endParaRPr lang="hu-HU" dirty="0"/>
           </a:p>
@@ -53019,10 +52934,10 @@
       </p:sp>
       <p:sp>
         <p:nvSpPr>
-          <p:cNvPr id="9" name="Szöveg helye 8">
-            <a:extLst>
-              <a:ext uri="{FF2B5EF4-FFF2-40B4-BE49-F238E27FC236}">
-                <a16:creationId xmlns:a16="http://schemas.microsoft.com/office/drawing/2014/main" id="{4E74A44B-1AAF-44D0-A426-104890F03E29}"/>
+          <p:cNvPr id="8" name="Szöveg helye 7">
+            <a:extLst>
+              <a:ext uri="{FF2B5EF4-FFF2-40B4-BE49-F238E27FC236}">
+                <a16:creationId xmlns:a16="http://schemas.microsoft.com/office/drawing/2014/main" id="{D5450AF9-6A8E-4054-A832-F7BF5DA0E16C}"/>
               </a:ext>
             </a:extLst>
           </p:cNvPr>
@@ -53030,256 +52945,30 @@
             <a:spLocks noGrp="1"/>
           </p:cNvSpPr>
           <p:nvPr>
-            <p:ph type="body" idx="16"/>
-          </p:nvPr>
-        </p:nvSpPr>
-        <p:spPr/>
-        <p:txBody>
-          <a:bodyPr rtlCol="0"/>
-          <a:lstStyle/>
-          <a:p>
-            <a:pPr rtl="0"/>
-            <a:r>
-              <a:rPr lang="hu-HU" dirty="0" smtClean="0"/>
-              <a:t>1. szakasz címe</a:t>
-            </a:r>
-            <a:endParaRPr lang="hu-HU" dirty="0"/>
-          </a:p>
-        </p:txBody>
-      </p:sp>
-      <p:sp>
-        <p:nvSpPr>
-          <p:cNvPr id="8" name="Szöveg helye 7">
-            <a:extLst>
-              <a:ext uri="{FF2B5EF4-FFF2-40B4-BE49-F238E27FC236}">
-                <a16:creationId xmlns:a16="http://schemas.microsoft.com/office/drawing/2014/main" id="{D5450AF9-6A8E-4054-A832-F7BF5DA0E16C}"/>
-              </a:ext>
-            </a:extLst>
-          </p:cNvPr>
-          <p:cNvSpPr>
-            <a:spLocks noGrp="1"/>
-          </p:cNvSpPr>
-          <p:nvPr>
             <p:ph type="body" idx="14"/>
           </p:nvPr>
         </p:nvSpPr>
-        <p:spPr/>
+        <p:spPr>
+          <a:xfrm>
+            <a:off x="1226927" y="4271296"/>
+            <a:ext cx="2944368" cy="899748"/>
+          </a:xfrm>
+        </p:spPr>
         <p:txBody>
           <a:bodyPr rtlCol="0">
             <a:normAutofit/>
           </a:bodyPr>
           <a:lstStyle/>
           <a:p>
-            <a:pPr rtl="0"/>
-            <a:r>
-              <a:rPr lang="hu-HU" dirty="0" err="1" smtClean="0"/>
-              <a:t>Lorem</a:t>
-            </a:r>
+            <a:pPr algn="just" rtl="0"/>
             <a:r>
               <a:rPr lang="hu-HU" dirty="0" smtClean="0"/>
-              <a:t> </a:t>
-            </a:r>
-            <a:r>
-              <a:rPr lang="hu-HU" dirty="0" err="1" smtClean="0"/>
-              <a:t>ipsum</a:t>
+              <a:t>Először megterveztük a weboldalt és a programot. </a:t>
             </a:r>
             <a:r>
               <a:rPr lang="hu-HU" dirty="0" smtClean="0"/>
-              <a:t> </a:t>
-            </a:r>
-            <a:r>
-              <a:rPr lang="hu-HU" dirty="0" err="1" smtClean="0"/>
-              <a:t>dolor</a:t>
-            </a:r>
-            <a:r>
-              <a:rPr lang="hu-HU" dirty="0" smtClean="0"/>
-              <a:t> </a:t>
-            </a:r>
-            <a:r>
-              <a:rPr lang="hu-HU" dirty="0" err="1" smtClean="0"/>
-              <a:t>sit</a:t>
-            </a:r>
-            <a:r>
-              <a:rPr lang="hu-HU" dirty="0" smtClean="0"/>
-              <a:t> </a:t>
-            </a:r>
-            <a:r>
-              <a:rPr lang="hu-HU" dirty="0" err="1" smtClean="0"/>
-              <a:t>amet</a:t>
-            </a:r>
-            <a:r>
-              <a:rPr lang="hu-HU" dirty="0" smtClean="0"/>
-              <a:t>, </a:t>
-            </a:r>
-            <a:r>
-              <a:rPr lang="hu-HU" dirty="0" err="1" smtClean="0"/>
-              <a:t>consectetuer</a:t>
-            </a:r>
-            <a:r>
-              <a:rPr lang="hu-HU" dirty="0" smtClean="0"/>
-              <a:t> </a:t>
-            </a:r>
-            <a:r>
-              <a:rPr lang="hu-HU" dirty="0" err="1" smtClean="0"/>
-              <a:t>adipiscing</a:t>
-            </a:r>
-            <a:r>
-              <a:rPr lang="hu-HU" dirty="0" smtClean="0"/>
-              <a:t> elit. Maecenas </a:t>
-            </a:r>
-            <a:r>
-              <a:rPr lang="hu-HU" dirty="0" err="1" smtClean="0"/>
-              <a:t>porttitor</a:t>
-            </a:r>
-            <a:r>
-              <a:rPr lang="hu-HU" dirty="0" smtClean="0"/>
-              <a:t> </a:t>
-            </a:r>
-            <a:r>
-              <a:rPr lang="hu-HU" dirty="0" err="1" smtClean="0"/>
-              <a:t>congue</a:t>
-            </a:r>
-            <a:r>
-              <a:rPr lang="hu-HU" dirty="0" smtClean="0"/>
-              <a:t> </a:t>
-            </a:r>
-            <a:r>
-              <a:rPr lang="hu-HU" dirty="0" err="1" smtClean="0"/>
-              <a:t>massa</a:t>
-            </a:r>
-            <a:r>
-              <a:rPr lang="hu-HU" dirty="0" smtClean="0"/>
-              <a:t>. </a:t>
-            </a:r>
-            <a:r>
-              <a:rPr lang="hu-HU" dirty="0" err="1" smtClean="0"/>
-              <a:t>Fusce</a:t>
-            </a:r>
-            <a:r>
-              <a:rPr lang="hu-HU" dirty="0" smtClean="0"/>
-              <a:t> </a:t>
-            </a:r>
-            <a:r>
-              <a:rPr lang="hu-HU" dirty="0" err="1" smtClean="0"/>
-              <a:t>posuere</a:t>
-            </a:r>
-            <a:r>
-              <a:rPr lang="hu-HU" dirty="0" smtClean="0"/>
-              <a:t>, </a:t>
-            </a:r>
-            <a:r>
-              <a:rPr lang="hu-HU" dirty="0" err="1" smtClean="0"/>
-              <a:t>magna</a:t>
-            </a:r>
-            <a:r>
-              <a:rPr lang="hu-HU" dirty="0" smtClean="0"/>
-              <a:t> </a:t>
-            </a:r>
-            <a:r>
-              <a:rPr lang="hu-HU" dirty="0" err="1" smtClean="0"/>
-              <a:t>sed</a:t>
-            </a:r>
-            <a:r>
-              <a:rPr lang="hu-HU" dirty="0" smtClean="0"/>
-              <a:t> </a:t>
-            </a:r>
-            <a:r>
-              <a:rPr lang="hu-HU" dirty="0" err="1" smtClean="0"/>
-              <a:t>pulvinar</a:t>
-            </a:r>
-            <a:r>
-              <a:rPr lang="hu-HU" dirty="0" smtClean="0"/>
-              <a:t> </a:t>
-            </a:r>
-            <a:r>
-              <a:rPr lang="hu-HU" dirty="0" err="1" smtClean="0"/>
-              <a:t>ultricies</a:t>
-            </a:r>
-            <a:r>
-              <a:rPr lang="hu-HU" dirty="0" smtClean="0"/>
-              <a:t>, </a:t>
-            </a:r>
-            <a:r>
-              <a:rPr lang="hu-HU" dirty="0" err="1" smtClean="0"/>
-              <a:t>purus</a:t>
-            </a:r>
-            <a:r>
-              <a:rPr lang="hu-HU" dirty="0" smtClean="0"/>
-              <a:t> </a:t>
-            </a:r>
-            <a:r>
-              <a:rPr lang="hu-HU" dirty="0" err="1" smtClean="0"/>
-              <a:t>lectus</a:t>
-            </a:r>
-            <a:r>
-              <a:rPr lang="hu-HU" dirty="0" smtClean="0"/>
-              <a:t> </a:t>
-            </a:r>
-            <a:r>
-              <a:rPr lang="hu-HU" dirty="0" err="1" smtClean="0"/>
-              <a:t>malesuada</a:t>
-            </a:r>
-            <a:r>
-              <a:rPr lang="hu-HU" dirty="0" smtClean="0"/>
-              <a:t> </a:t>
-            </a:r>
-            <a:r>
-              <a:rPr lang="hu-HU" dirty="0" err="1" smtClean="0"/>
-              <a:t>libero</a:t>
-            </a:r>
-            <a:r>
-              <a:rPr lang="hu-HU" dirty="0" smtClean="0"/>
-              <a:t>, </a:t>
-            </a:r>
-            <a:r>
-              <a:rPr lang="hu-HU" dirty="0" err="1" smtClean="0"/>
-              <a:t>sit</a:t>
-            </a:r>
-            <a:r>
-              <a:rPr lang="hu-HU" dirty="0" smtClean="0"/>
-              <a:t> </a:t>
-            </a:r>
-            <a:r>
-              <a:rPr lang="hu-HU" dirty="0" err="1" smtClean="0"/>
-              <a:t>amet</a:t>
-            </a:r>
-            <a:r>
-              <a:rPr lang="hu-HU" dirty="0" smtClean="0"/>
-              <a:t> </a:t>
-            </a:r>
-            <a:r>
-              <a:rPr lang="hu-HU" dirty="0" err="1" smtClean="0"/>
-              <a:t>commodo</a:t>
-            </a:r>
-            <a:r>
-              <a:rPr lang="hu-HU" dirty="0" smtClean="0"/>
-              <a:t> </a:t>
-            </a:r>
-            <a:r>
-              <a:rPr lang="hu-HU" dirty="0" err="1" smtClean="0"/>
-              <a:t>magna</a:t>
-            </a:r>
-            <a:r>
-              <a:rPr lang="hu-HU" dirty="0" smtClean="0"/>
-              <a:t> </a:t>
-            </a:r>
-            <a:r>
-              <a:rPr lang="hu-HU" dirty="0" err="1" smtClean="0"/>
-              <a:t>eros</a:t>
-            </a:r>
-            <a:r>
-              <a:rPr lang="hu-HU" dirty="0" smtClean="0"/>
-              <a:t> </a:t>
-            </a:r>
-            <a:r>
-              <a:rPr lang="hu-HU" dirty="0" err="1" smtClean="0"/>
-              <a:t>quis</a:t>
-            </a:r>
-            <a:r>
-              <a:rPr lang="hu-HU" dirty="0" smtClean="0"/>
-              <a:t> urna</a:t>
-            </a:r>
-            <a:endParaRPr lang="hu-HU" dirty="0"/>
+              <a:t>Elsősorban a grafikai design-t egyaránt a programnál és weboldalnál.</a:t>
+            </a:r>
           </a:p>
         </p:txBody>
       </p:sp>
@@ -53337,7 +53026,15 @@
             <a:pPr rtl="0"/>
             <a:r>
               <a:rPr lang="hu-HU" dirty="0" smtClean="0"/>
-              <a:t>2. szakasz címe</a:t>
+              <a:t>2. </a:t>
+            </a:r>
+            <a:r>
+              <a:rPr lang="hu-HU" dirty="0"/>
+              <a:t>F</a:t>
+            </a:r>
+            <a:r>
+              <a:rPr lang="hu-HU" dirty="0" smtClean="0"/>
+              <a:t>ejlesztés</a:t>
             </a:r>
             <a:endParaRPr lang="hu-HU" dirty="0"/>
           </a:p>
@@ -53368,212 +53065,8 @@
           <a:p>
             <a:pPr rtl="0"/>
             <a:r>
-              <a:rPr lang="hu-HU" dirty="0" err="1" smtClean="0"/>
-              <a:t>Lorem</a:t>
-            </a:r>
-            <a:r>
               <a:rPr lang="hu-HU" dirty="0" smtClean="0"/>
-              <a:t> </a:t>
-            </a:r>
-            <a:r>
-              <a:rPr lang="hu-HU" dirty="0" err="1" smtClean="0"/>
-              <a:t>ipsum</a:t>
-            </a:r>
-            <a:r>
-              <a:rPr lang="hu-HU" dirty="0" smtClean="0"/>
-              <a:t> </a:t>
-            </a:r>
-            <a:r>
-              <a:rPr lang="hu-HU" dirty="0" err="1" smtClean="0"/>
-              <a:t>dolor</a:t>
-            </a:r>
-            <a:r>
-              <a:rPr lang="hu-HU" dirty="0" smtClean="0"/>
-              <a:t> </a:t>
-            </a:r>
-            <a:r>
-              <a:rPr lang="hu-HU" dirty="0" err="1" smtClean="0"/>
-              <a:t>sit</a:t>
-            </a:r>
-            <a:r>
-              <a:rPr lang="hu-HU" dirty="0" smtClean="0"/>
-              <a:t> </a:t>
-            </a:r>
-            <a:r>
-              <a:rPr lang="hu-HU" dirty="0" err="1" smtClean="0"/>
-              <a:t>amet</a:t>
-            </a:r>
-            <a:r>
-              <a:rPr lang="hu-HU" dirty="0" smtClean="0"/>
-              <a:t>, </a:t>
-            </a:r>
-            <a:r>
-              <a:rPr lang="hu-HU" dirty="0" err="1" smtClean="0"/>
-              <a:t>consectetuer</a:t>
-            </a:r>
-            <a:r>
-              <a:rPr lang="hu-HU" dirty="0" smtClean="0"/>
-              <a:t> </a:t>
-            </a:r>
-            <a:r>
-              <a:rPr lang="hu-HU" dirty="0" err="1" smtClean="0"/>
-              <a:t>adipiscing</a:t>
-            </a:r>
-            <a:r>
-              <a:rPr lang="hu-HU" dirty="0" smtClean="0"/>
-              <a:t> elit. Maecenas </a:t>
-            </a:r>
-            <a:r>
-              <a:rPr lang="hu-HU" dirty="0" err="1" smtClean="0"/>
-              <a:t>porttitor</a:t>
-            </a:r>
-            <a:r>
-              <a:rPr lang="hu-HU" dirty="0" smtClean="0"/>
-              <a:t> </a:t>
-            </a:r>
-            <a:r>
-              <a:rPr lang="hu-HU" dirty="0" err="1" smtClean="0"/>
-              <a:t>congue</a:t>
-            </a:r>
-            <a:r>
-              <a:rPr lang="hu-HU" dirty="0" smtClean="0"/>
-              <a:t> </a:t>
-            </a:r>
-            <a:r>
-              <a:rPr lang="hu-HU" dirty="0" err="1" smtClean="0"/>
-              <a:t>massa</a:t>
-            </a:r>
-            <a:r>
-              <a:rPr lang="hu-HU" dirty="0" smtClean="0"/>
-              <a:t>. </a:t>
-            </a:r>
-            <a:r>
-              <a:rPr lang="hu-HU" dirty="0" err="1" smtClean="0"/>
-              <a:t>Fusce</a:t>
-            </a:r>
-            <a:r>
-              <a:rPr lang="hu-HU" dirty="0" smtClean="0"/>
-              <a:t> </a:t>
-            </a:r>
-            <a:r>
-              <a:rPr lang="hu-HU" dirty="0" err="1" smtClean="0"/>
-              <a:t>posuere</a:t>
-            </a:r>
-            <a:r>
-              <a:rPr lang="hu-HU" dirty="0" smtClean="0"/>
-              <a:t>, </a:t>
-            </a:r>
-            <a:r>
-              <a:rPr lang="hu-HU" dirty="0" err="1" smtClean="0"/>
-              <a:t>magna</a:t>
-            </a:r>
-            <a:r>
-              <a:rPr lang="hu-HU" dirty="0" smtClean="0"/>
-              <a:t> </a:t>
-            </a:r>
-            <a:r>
-              <a:rPr lang="hu-HU" dirty="0" err="1" smtClean="0"/>
-              <a:t>sed</a:t>
-            </a:r>
-            <a:r>
-              <a:rPr lang="hu-HU" dirty="0" smtClean="0"/>
-              <a:t> </a:t>
-            </a:r>
-            <a:r>
-              <a:rPr lang="hu-HU" dirty="0" err="1" smtClean="0"/>
-              <a:t>pulvinar</a:t>
-            </a:r>
-            <a:r>
-              <a:rPr lang="hu-HU" dirty="0" smtClean="0"/>
-              <a:t> </a:t>
-            </a:r>
-            <a:r>
-              <a:rPr lang="hu-HU" dirty="0" err="1" smtClean="0"/>
-              <a:t>ultricies</a:t>
-            </a:r>
-            <a:r>
-              <a:rPr lang="hu-HU" dirty="0" smtClean="0"/>
-              <a:t>, </a:t>
-            </a:r>
-            <a:r>
-              <a:rPr lang="hu-HU" dirty="0" err="1" smtClean="0"/>
-              <a:t>purus</a:t>
-            </a:r>
-            <a:r>
-              <a:rPr lang="hu-HU" dirty="0" smtClean="0"/>
-              <a:t> </a:t>
-            </a:r>
-            <a:r>
-              <a:rPr lang="hu-HU" dirty="0" err="1" smtClean="0"/>
-              <a:t>lectus</a:t>
-            </a:r>
-            <a:r>
-              <a:rPr lang="hu-HU" dirty="0" smtClean="0"/>
-              <a:t> </a:t>
-            </a:r>
-            <a:r>
-              <a:rPr lang="hu-HU" dirty="0" err="1" smtClean="0"/>
-              <a:t>malesuada</a:t>
-            </a:r>
-            <a:r>
-              <a:rPr lang="hu-HU" dirty="0" smtClean="0"/>
-              <a:t> </a:t>
-            </a:r>
-            <a:r>
-              <a:rPr lang="hu-HU" dirty="0" err="1" smtClean="0"/>
-              <a:t>libero</a:t>
-            </a:r>
-            <a:r>
-              <a:rPr lang="hu-HU" dirty="0" smtClean="0"/>
-              <a:t>, </a:t>
-            </a:r>
-            <a:r>
-              <a:rPr lang="hu-HU" dirty="0" err="1" smtClean="0"/>
-              <a:t>sit</a:t>
-            </a:r>
-            <a:r>
-              <a:rPr lang="hu-HU" dirty="0" smtClean="0"/>
-              <a:t> </a:t>
-            </a:r>
-            <a:r>
-              <a:rPr lang="hu-HU" dirty="0" err="1" smtClean="0"/>
-              <a:t>amet</a:t>
-            </a:r>
-            <a:r>
-              <a:rPr lang="hu-HU" dirty="0" smtClean="0"/>
-              <a:t> </a:t>
-            </a:r>
-            <a:r>
-              <a:rPr lang="hu-HU" dirty="0" err="1" smtClean="0"/>
-              <a:t>commodo</a:t>
-            </a:r>
-            <a:r>
-              <a:rPr lang="hu-HU" dirty="0" smtClean="0"/>
-              <a:t> </a:t>
-            </a:r>
-            <a:r>
-              <a:rPr lang="hu-HU" dirty="0" err="1" smtClean="0"/>
-              <a:t>magna</a:t>
-            </a:r>
-            <a:r>
-              <a:rPr lang="hu-HU" dirty="0" smtClean="0"/>
-              <a:t> </a:t>
-            </a:r>
-            <a:r>
-              <a:rPr lang="hu-HU" dirty="0" err="1" smtClean="0"/>
-              <a:t>eros</a:t>
-            </a:r>
-            <a:r>
-              <a:rPr lang="hu-HU" dirty="0" smtClean="0"/>
-              <a:t> </a:t>
-            </a:r>
-            <a:r>
-              <a:rPr lang="hu-HU" dirty="0" err="1" smtClean="0"/>
-              <a:t>quis</a:t>
-            </a:r>
-            <a:r>
-              <a:rPr lang="hu-HU" dirty="0" smtClean="0"/>
-              <a:t> urna</a:t>
+              <a:t>A tervezés után megkezdtük a fejlesztést. </a:t>
             </a:r>
             <a:endParaRPr lang="hu-HU" dirty="0"/>
           </a:p>
@@ -53633,7 +53126,11 @@
             <a:pPr rtl="0"/>
             <a:r>
               <a:rPr lang="hu-HU" dirty="0" smtClean="0"/>
-              <a:t>3. szakasz címe</a:t>
+              <a:t>3. </a:t>
+            </a:r>
+            <a:r>
+              <a:rPr lang="hu-HU" dirty="0" smtClean="0"/>
+              <a:t>Tesztelés</a:t>
             </a:r>
             <a:endParaRPr lang="hu-HU" dirty="0"/>
           </a:p>
@@ -53927,10 +53424,9 @@
           <a:bodyPr rtlCol="0"/>
           <a:lstStyle/>
           <a:p>
-            <a:pPr rtl="0"/>
-            <a:r>
-              <a:rPr lang="hu-HU" dirty="0" smtClean="0"/>
-              <a:t>ÉLŐLÁB HOZZÁADÁSA</a:t>
+            <a:r>
+              <a:rPr lang="hu-HU" dirty="0"/>
+              <a:t>Fejlesztés szakaszai</a:t>
             </a:r>
             <a:endParaRPr lang="hu-HU" dirty="0"/>
           </a:p>
@@ -53960,7 +53456,7 @@
             <a:pPr rtl="0"/>
             <a:r>
               <a:rPr lang="hu-HU" dirty="0" smtClean="0"/>
-              <a:t>20XX.HH.NN </a:t>
+              <a:t>2022.12.01 </a:t>
             </a:r>
             <a:endParaRPr lang="hu-HU" dirty="0"/>
           </a:p>

--- a/documentation/PPT/TerFelSzoft.pptx
+++ b/documentation/PPT/TerFelSzoft.pptx
@@ -31638,7 +31638,7 @@
             <a:blip r:embed="rId2">
               <a:extLst>
                 <a:ext uri="{96DAC541-7B7A-43D3-8B79-37D633B846F1}">
-                  <asvg:svgBlip xmlns="" xmlns:asvg="http://schemas.microsoft.com/office/drawing/2016/SVG/main" r:embed="rId3"/>
+                  <asvg:svgBlip xmlns:asvg="http://schemas.microsoft.com/office/drawing/2016/SVG/main" xmlns="" r:embed="rId3"/>
                 </a:ext>
               </a:extLst>
             </a:blip>
@@ -42175,7 +42175,7 @@
             <a:blip r:embed="rId2">
               <a:extLst>
                 <a:ext uri="{96DAC541-7B7A-43D3-8B79-37D633B846F1}">
-                  <asvg:svgBlip xmlns="" xmlns:asvg="http://schemas.microsoft.com/office/drawing/2016/SVG/main" r:embed="rId3"/>
+                  <asvg:svgBlip xmlns:asvg="http://schemas.microsoft.com/office/drawing/2016/SVG/main" xmlns="" r:embed="rId3"/>
                 </a:ext>
               </a:extLst>
             </a:blip>
@@ -50712,6 +50712,7 @@
           </a:bodyPr>
           <a:lstStyle/>
           <a:p>
+            <a:pPr algn="just"/>
             <a:r>
               <a:rPr lang="hu-HU" dirty="0"/>
               <a:t>C# nyelven készülő grafikus alkalmazás, ami lehetőséget kínál az adott síkidom vagy test kiválasztására és Terület, Kerület, Térfogat, Felszín (K, T, V, A) kiszámítására és kiválasztott testek/síkidomok </a:t>
@@ -52620,7 +52621,6 @@
               <a:rPr lang="hu-HU" dirty="0" smtClean="0"/>
               <a:t>Program letölthetőségének biztosítása</a:t>
             </a:r>
-            <a:endParaRPr lang="hu-HU" dirty="0" smtClean="0"/>
           </a:p>
           <a:p>
             <a:pPr rtl="0"/>
@@ -52922,11 +52922,7 @@
             <a:pPr rtl="0"/>
             <a:r>
               <a:rPr lang="hu-HU" dirty="0" smtClean="0"/>
-              <a:t>1. </a:t>
-            </a:r>
-            <a:r>
-              <a:rPr lang="hu-HU" dirty="0" smtClean="0"/>
-              <a:t>Tervezés</a:t>
+              <a:t>1. Tervezés</a:t>
             </a:r>
             <a:endParaRPr lang="hu-HU" dirty="0"/>
           </a:p>
@@ -52956,19 +52952,32 @@
         </p:spPr>
         <p:txBody>
           <a:bodyPr rtlCol="0">
-            <a:normAutofit/>
+            <a:normAutofit fontScale="92500"/>
           </a:bodyPr>
           <a:lstStyle/>
           <a:p>
             <a:pPr algn="just" rtl="0"/>
             <a:r>
               <a:rPr lang="hu-HU" dirty="0" smtClean="0"/>
-              <a:t>Először megterveztük a weboldalt és a programot. </a:t>
+              <a:t>Először megterveztük a weboldalt és a programot. Elsősorban a grafikai design-t egyaránt a programnál és weboldalnál</a:t>
             </a:r>
             <a:r>
               <a:rPr lang="hu-HU" dirty="0" smtClean="0"/>
-              <a:t>Elsősorban a grafikai design-t egyaránt a programnál és weboldalnál.</a:t>
-            </a:r>
+              <a:t>. </a:t>
+            </a:r>
+            <a:r>
+              <a:rPr lang="hu-HU" dirty="0" smtClean="0"/>
+              <a:t>Az egész dokumentálva </a:t>
+            </a:r>
+            <a:r>
+              <a:rPr lang="hu-HU" sz="1500" dirty="0" smtClean="0"/>
+              <a:t>lett</a:t>
+            </a:r>
+            <a:r>
+              <a:rPr lang="hu-HU" dirty="0" smtClean="0"/>
+              <a:t>.</a:t>
+            </a:r>
+            <a:endParaRPr lang="hu-HU" dirty="0" smtClean="0"/>
           </a:p>
         </p:txBody>
       </p:sp>
@@ -53056,18 +53065,42 @@
             <p:ph type="body" idx="27"/>
           </p:nvPr>
         </p:nvSpPr>
-        <p:spPr/>
+        <p:spPr>
+          <a:xfrm>
+            <a:off x="4871314" y="4271296"/>
+            <a:ext cx="2944368" cy="951533"/>
+          </a:xfrm>
+        </p:spPr>
         <p:txBody>
           <a:bodyPr rtlCol="0">
             <a:normAutofit/>
           </a:bodyPr>
           <a:lstStyle/>
           <a:p>
-            <a:pPr rtl="0"/>
+            <a:pPr algn="just"/>
             <a:r>
               <a:rPr lang="hu-HU" dirty="0" smtClean="0"/>
               <a:t>A tervezés után megkezdtük a fejlesztést. </a:t>
             </a:r>
+            <a:r>
+              <a:rPr lang="hu-HU" dirty="0" smtClean="0"/>
+              <a:t>A fejlesztés alatt elkészült maga a program és a hozzátartozó </a:t>
+            </a:r>
+            <a:r>
+              <a:rPr lang="hu-HU" dirty="0"/>
+              <a:t>weboldal. </a:t>
+            </a:r>
+            <a:r>
+              <a:rPr lang="hu-HU" dirty="0" smtClean="0"/>
+              <a:t>Az egész </a:t>
+            </a:r>
+            <a:r>
+              <a:rPr lang="hu-HU" dirty="0"/>
+              <a:t>dokumentálva lett.</a:t>
+            </a:r>
+          </a:p>
+          <a:p>
+            <a:pPr algn="just" rtl="0"/>
             <a:endParaRPr lang="hu-HU" dirty="0"/>
           </a:p>
         </p:txBody>
@@ -53088,14 +53121,19 @@
             <p:ph type="body" sz="quarter" idx="31"/>
           </p:nvPr>
         </p:nvSpPr>
-        <p:spPr/>
+        <p:spPr>
+          <a:xfrm>
+            <a:off x="8515701" y="2760518"/>
+            <a:ext cx="978408" cy="978408"/>
+          </a:xfrm>
+        </p:spPr>
         <p:txBody>
           <a:bodyPr rtlCol="0"/>
           <a:lstStyle/>
           <a:p>
             <a:pPr rtl="0"/>
             <a:r>
-              <a:rPr lang="hu-HU" dirty="0" smtClean="0"/>
+              <a:rPr lang="hu-HU" dirty="0"/>
               <a:t>3</a:t>
             </a:r>
             <a:endParaRPr lang="hu-HU" dirty="0"/>
@@ -53126,11 +53164,7 @@
             <a:pPr rtl="0"/>
             <a:r>
               <a:rPr lang="hu-HU" dirty="0" smtClean="0"/>
-              <a:t>3. </a:t>
-            </a:r>
-            <a:r>
-              <a:rPr lang="hu-HU" dirty="0" smtClean="0"/>
-              <a:t>Tesztelés</a:t>
+              <a:t>3. Tesztelés</a:t>
             </a:r>
             <a:endParaRPr lang="hu-HU" dirty="0"/>
           </a:p>
@@ -53152,221 +53186,22 @@
             <p:ph type="body" idx="30"/>
           </p:nvPr>
         </p:nvSpPr>
-        <p:spPr/>
+        <p:spPr>
+          <a:xfrm>
+            <a:off x="8515702" y="4271296"/>
+            <a:ext cx="2944368" cy="899748"/>
+          </a:xfrm>
+        </p:spPr>
         <p:txBody>
           <a:bodyPr rtlCol="0">
             <a:normAutofit/>
           </a:bodyPr>
           <a:lstStyle/>
           <a:p>
-            <a:pPr rtl="0"/>
-            <a:r>
-              <a:rPr lang="hu-HU" dirty="0" err="1" smtClean="0"/>
-              <a:t>Lorem</a:t>
-            </a:r>
+            <a:pPr algn="just" rtl="0"/>
             <a:r>
               <a:rPr lang="hu-HU" dirty="0" smtClean="0"/>
-              <a:t> </a:t>
-            </a:r>
-            <a:r>
-              <a:rPr lang="hu-HU" dirty="0" err="1" smtClean="0"/>
-              <a:t>ipsum</a:t>
-            </a:r>
-            <a:r>
-              <a:rPr lang="hu-HU" dirty="0" smtClean="0"/>
-              <a:t> </a:t>
-            </a:r>
-            <a:r>
-              <a:rPr lang="hu-HU" dirty="0" err="1" smtClean="0"/>
-              <a:t>dolor</a:t>
-            </a:r>
-            <a:r>
-              <a:rPr lang="hu-HU" dirty="0" smtClean="0"/>
-              <a:t> </a:t>
-            </a:r>
-            <a:r>
-              <a:rPr lang="hu-HU" dirty="0" err="1" smtClean="0"/>
-              <a:t>sit</a:t>
-            </a:r>
-            <a:r>
-              <a:rPr lang="hu-HU" dirty="0" smtClean="0"/>
-              <a:t> </a:t>
-            </a:r>
-            <a:r>
-              <a:rPr lang="hu-HU" dirty="0" err="1" smtClean="0"/>
-              <a:t>amet</a:t>
-            </a:r>
-            <a:r>
-              <a:rPr lang="hu-HU" dirty="0" smtClean="0"/>
-              <a:t>, </a:t>
-            </a:r>
-            <a:r>
-              <a:rPr lang="hu-HU" dirty="0" err="1" smtClean="0"/>
-              <a:t>consectetuer</a:t>
-            </a:r>
-            <a:r>
-              <a:rPr lang="hu-HU" dirty="0" smtClean="0"/>
-              <a:t> </a:t>
-            </a:r>
-            <a:r>
-              <a:rPr lang="hu-HU" dirty="0" err="1" smtClean="0"/>
-              <a:t>adipiscing</a:t>
-            </a:r>
-            <a:r>
-              <a:rPr lang="hu-HU" dirty="0" smtClean="0"/>
-              <a:t> elit. Maecenas </a:t>
-            </a:r>
-            <a:r>
-              <a:rPr lang="hu-HU" dirty="0" err="1" smtClean="0"/>
-              <a:t>porttitor</a:t>
-            </a:r>
-            <a:r>
-              <a:rPr lang="hu-HU" dirty="0" smtClean="0"/>
-              <a:t> </a:t>
-            </a:r>
-            <a:r>
-              <a:rPr lang="hu-HU" dirty="0" err="1" smtClean="0"/>
-              <a:t>congue</a:t>
-            </a:r>
-            <a:r>
-              <a:rPr lang="hu-HU" dirty="0" smtClean="0"/>
-              <a:t> </a:t>
-            </a:r>
-            <a:r>
-              <a:rPr lang="hu-HU" dirty="0" err="1" smtClean="0"/>
-              <a:t>massa</a:t>
-            </a:r>
-            <a:r>
-              <a:rPr lang="hu-HU" dirty="0" smtClean="0"/>
-              <a:t>. </a:t>
-            </a:r>
-            <a:r>
-              <a:rPr lang="hu-HU" dirty="0" err="1" smtClean="0"/>
-              <a:t>Fusce</a:t>
-            </a:r>
-            <a:r>
-              <a:rPr lang="hu-HU" dirty="0" smtClean="0"/>
-              <a:t> </a:t>
-            </a:r>
-            <a:r>
-              <a:rPr lang="hu-HU" dirty="0" err="1" smtClean="0"/>
-              <a:t>posuere</a:t>
-            </a:r>
-            <a:r>
-              <a:rPr lang="hu-HU" dirty="0" smtClean="0"/>
-              <a:t>, </a:t>
-            </a:r>
-            <a:r>
-              <a:rPr lang="hu-HU" dirty="0" err="1" smtClean="0"/>
-              <a:t>magna</a:t>
-            </a:r>
-            <a:r>
-              <a:rPr lang="hu-HU" dirty="0" smtClean="0"/>
-              <a:t> </a:t>
-            </a:r>
-            <a:r>
-              <a:rPr lang="hu-HU" dirty="0" err="1" smtClean="0"/>
-              <a:t>sed</a:t>
-            </a:r>
-            <a:r>
-              <a:rPr lang="hu-HU" dirty="0" smtClean="0"/>
-              <a:t> </a:t>
-            </a:r>
-            <a:r>
-              <a:rPr lang="hu-HU" dirty="0" err="1" smtClean="0"/>
-              <a:t>pulvinar</a:t>
-            </a:r>
-            <a:r>
-              <a:rPr lang="hu-HU" dirty="0" smtClean="0"/>
-              <a:t> </a:t>
-            </a:r>
-            <a:r>
-              <a:rPr lang="hu-HU" dirty="0" err="1" smtClean="0"/>
-              <a:t>ultricies</a:t>
-            </a:r>
-            <a:r>
-              <a:rPr lang="hu-HU" dirty="0" smtClean="0"/>
-              <a:t>, </a:t>
-            </a:r>
-            <a:r>
-              <a:rPr lang="hu-HU" dirty="0" err="1" smtClean="0"/>
-              <a:t>purus</a:t>
-            </a:r>
-            <a:r>
-              <a:rPr lang="hu-HU" dirty="0" smtClean="0"/>
-              <a:t> </a:t>
-            </a:r>
-            <a:r>
-              <a:rPr lang="hu-HU" dirty="0" err="1" smtClean="0"/>
-              <a:t>lectus</a:t>
-            </a:r>
-            <a:r>
-              <a:rPr lang="hu-HU" dirty="0" smtClean="0"/>
-              <a:t> </a:t>
-            </a:r>
-            <a:r>
-              <a:rPr lang="hu-HU" dirty="0" err="1" smtClean="0"/>
-              <a:t>malesuada</a:t>
-            </a:r>
-            <a:r>
-              <a:rPr lang="hu-HU" dirty="0" smtClean="0"/>
-              <a:t> </a:t>
-            </a:r>
-            <a:r>
-              <a:rPr lang="hu-HU" dirty="0" err="1" smtClean="0"/>
-              <a:t>libero</a:t>
-            </a:r>
-            <a:r>
-              <a:rPr lang="hu-HU" dirty="0" smtClean="0"/>
-              <a:t>, </a:t>
-            </a:r>
-            <a:r>
-              <a:rPr lang="hu-HU" dirty="0" err="1" smtClean="0"/>
-              <a:t>sit</a:t>
-            </a:r>
-            <a:r>
-              <a:rPr lang="hu-HU" dirty="0" smtClean="0"/>
-              <a:t> </a:t>
-            </a:r>
-            <a:r>
-              <a:rPr lang="hu-HU" dirty="0" err="1" smtClean="0"/>
-              <a:t>amet</a:t>
-            </a:r>
-            <a:r>
-              <a:rPr lang="hu-HU" dirty="0" smtClean="0"/>
-              <a:t> </a:t>
-            </a:r>
-            <a:r>
-              <a:rPr lang="hu-HU" dirty="0" err="1" smtClean="0"/>
-              <a:t>commodo</a:t>
-            </a:r>
-            <a:r>
-              <a:rPr lang="hu-HU" dirty="0" smtClean="0"/>
-              <a:t> </a:t>
-            </a:r>
-            <a:r>
-              <a:rPr lang="hu-HU" dirty="0" err="1" smtClean="0"/>
-              <a:t>magna</a:t>
-            </a:r>
-            <a:r>
-              <a:rPr lang="hu-HU" dirty="0" smtClean="0"/>
-              <a:t> </a:t>
-            </a:r>
-            <a:r>
-              <a:rPr lang="hu-HU" dirty="0" err="1" smtClean="0"/>
-              <a:t>eros</a:t>
-            </a:r>
-            <a:r>
-              <a:rPr lang="hu-HU" dirty="0" smtClean="0"/>
-              <a:t> </a:t>
-            </a:r>
-            <a:r>
-              <a:rPr lang="hu-HU" dirty="0" err="1" smtClean="0"/>
-              <a:t>quis</a:t>
-            </a:r>
-            <a:r>
-              <a:rPr lang="hu-HU" dirty="0" smtClean="0"/>
-              <a:t> urna</a:t>
+              <a:t>Ebben a szakaszban az elkészült remekműveket teszteltük. A tesztelésről dokumentáció is készült.</a:t>
             </a:r>
             <a:endParaRPr lang="hu-HU" dirty="0"/>
           </a:p>
@@ -53428,7 +53263,6 @@
               <a:rPr lang="hu-HU" dirty="0"/>
               <a:t>Fejlesztés szakaszai</a:t>
             </a:r>
-            <a:endParaRPr lang="hu-HU" dirty="0"/>
           </a:p>
         </p:txBody>
       </p:sp>

--- a/documentation/PPT/TerFelSzoft.pptx
+++ b/documentation/PPT/TerFelSzoft.pptx
@@ -31638,7 +31638,7 @@
             <a:blip r:embed="rId2">
               <a:extLst>
                 <a:ext uri="{96DAC541-7B7A-43D3-8B79-37D633B846F1}">
-                  <asvg:svgBlip xmlns:asvg="http://schemas.microsoft.com/office/drawing/2016/SVG/main" xmlns="" r:embed="rId3"/>
+                  <asvg:svgBlip xmlns="" xmlns:asvg="http://schemas.microsoft.com/office/drawing/2016/SVG/main" r:embed="rId3"/>
                 </a:ext>
               </a:extLst>
             </a:blip>
@@ -42175,7 +42175,7 @@
             <a:blip r:embed="rId2">
               <a:extLst>
                 <a:ext uri="{96DAC541-7B7A-43D3-8B79-37D633B846F1}">
-                  <asvg:svgBlip xmlns:asvg="http://schemas.microsoft.com/office/drawing/2016/SVG/main" xmlns="" r:embed="rId3"/>
+                  <asvg:svgBlip xmlns="" xmlns:asvg="http://schemas.microsoft.com/office/drawing/2016/SVG/main" r:embed="rId3"/>
                 </a:ext>
               </a:extLst>
             </a:blip>
@@ -46551,15 +46551,7 @@
             <a:pPr rtl="0"/>
             <a:r>
               <a:rPr lang="hu-HU" dirty="0" err="1" smtClean="0"/>
-              <a:t>Angelica</a:t>
-            </a:r>
-            <a:r>
-              <a:rPr lang="hu-HU" dirty="0" smtClean="0"/>
-              <a:t> </a:t>
-            </a:r>
-            <a:r>
-              <a:rPr lang="hu-HU" dirty="0" err="1" smtClean="0"/>
-              <a:t>Astrom</a:t>
+              <a:t>Woman</a:t>
             </a:r>
             <a:endParaRPr lang="hu-HU" dirty="0"/>
           </a:p>
@@ -46589,7 +46581,7 @@
             <a:pPr rtl="0"/>
             <a:r>
               <a:rPr lang="hu-HU" dirty="0" smtClean="0"/>
-              <a:t>Csapattag beosztása</a:t>
+              <a:t>Prosti</a:t>
             </a:r>
             <a:endParaRPr lang="hu-HU" dirty="0"/>
           </a:p>
@@ -46649,18 +46641,9 @@
           </a:bodyPr>
           <a:lstStyle/>
           <a:p>
-            <a:pPr rtl="0"/>
-            <a:r>
-              <a:rPr lang="hu-HU" dirty="0" err="1" smtClean="0"/>
-              <a:t>Ian</a:t>
-            </a:r>
-            <a:r>
-              <a:rPr lang="hu-HU" dirty="0" smtClean="0"/>
-              <a:t> </a:t>
-            </a:r>
-            <a:r>
-              <a:rPr lang="hu-HU" dirty="0" err="1" smtClean="0"/>
-              <a:t>Hansson</a:t>
+            <a:r>
+              <a:rPr lang="hu-HU" dirty="0"/>
+              <a:t>Szabó Péter</a:t>
             </a:r>
             <a:endParaRPr lang="hu-HU" dirty="0"/>
           </a:p>
@@ -46687,11 +46670,14 @@
           <a:bodyPr rtlCol="0"/>
           <a:lstStyle/>
           <a:p>
+            <a:r>
+              <a:rPr lang="hu-HU" dirty="0" smtClean="0"/>
+              <a:t>The Empire</a:t>
+            </a:r>
+            <a:endParaRPr lang="hu-HU" dirty="0"/>
+          </a:p>
+          <a:p>
             <a:pPr rtl="0"/>
-            <a:r>
-              <a:rPr lang="hu-HU" dirty="0" smtClean="0"/>
-              <a:t>Csapattag beosztása</a:t>
-            </a:r>
             <a:endParaRPr lang="hu-HU" dirty="0"/>
           </a:p>
         </p:txBody>
@@ -46752,16 +46738,8 @@
           <a:p>
             <a:pPr rtl="0"/>
             <a:r>
-              <a:rPr lang="hu-HU" dirty="0" err="1" smtClean="0"/>
-              <a:t>Jens</a:t>
-            </a:r>
-            <a:r>
               <a:rPr lang="hu-HU" dirty="0" smtClean="0"/>
-              <a:t> </a:t>
-            </a:r>
-            <a:r>
-              <a:rPr lang="hu-HU" dirty="0" err="1" smtClean="0"/>
-              <a:t>Martensson</a:t>
+              <a:t>Zámbó Illés</a:t>
             </a:r>
             <a:endParaRPr lang="hu-HU" dirty="0"/>
           </a:p>
@@ -46791,7 +46769,7 @@
             <a:pPr rtl="0"/>
             <a:r>
               <a:rPr lang="hu-HU" dirty="0" smtClean="0"/>
-              <a:t>Csapattag beosztása</a:t>
+              <a:t>Olcsó külföldi munkaerő</a:t>
             </a:r>
             <a:endParaRPr lang="hu-HU" dirty="0"/>
           </a:p>
@@ -46849,18 +46827,9 @@
           <a:bodyPr rtlCol="0"/>
           <a:lstStyle/>
           <a:p>
-            <a:pPr rtl="0"/>
-            <a:r>
-              <a:rPr lang="hu-HU" dirty="0" err="1" smtClean="0"/>
-              <a:t>Angelica</a:t>
-            </a:r>
-            <a:r>
-              <a:rPr lang="hu-HU" dirty="0" smtClean="0"/>
-              <a:t> </a:t>
-            </a:r>
-            <a:r>
-              <a:rPr lang="hu-HU" dirty="0" err="1" smtClean="0"/>
-              <a:t>Astrom</a:t>
+            <a:r>
+              <a:rPr lang="hu-HU" dirty="0" err="1"/>
+              <a:t>Woman</a:t>
             </a:r>
             <a:endParaRPr lang="hu-HU" dirty="0"/>
           </a:p>
@@ -46887,10 +46856,9 @@
           <a:bodyPr rtlCol="0"/>
           <a:lstStyle/>
           <a:p>
-            <a:pPr rtl="0"/>
-            <a:r>
-              <a:rPr lang="hu-HU" dirty="0" smtClean="0"/>
-              <a:t>Csapattag beosztása</a:t>
+            <a:r>
+              <a:rPr lang="hu-HU" dirty="0"/>
+              <a:t>Prosti</a:t>
             </a:r>
             <a:endParaRPr lang="hu-HU" dirty="0"/>
           </a:p>
@@ -46950,16 +46918,8 @@
           <a:p>
             <a:pPr rtl="0"/>
             <a:r>
-              <a:rPr lang="hu-HU" dirty="0" err="1" smtClean="0"/>
-              <a:t>Ian</a:t>
-            </a:r>
-            <a:r>
               <a:rPr lang="hu-HU" dirty="0" smtClean="0"/>
-              <a:t> </a:t>
-            </a:r>
-            <a:r>
-              <a:rPr lang="hu-HU" dirty="0" err="1" smtClean="0"/>
-              <a:t>Hansson</a:t>
+              <a:t>Szabó Péter</a:t>
             </a:r>
             <a:endParaRPr lang="hu-HU" dirty="0"/>
           </a:p>
@@ -46986,11 +46946,12 @@
           <a:bodyPr rtlCol="0"/>
           <a:lstStyle/>
           <a:p>
-            <a:pPr rtl="0"/>
-            <a:r>
-              <a:rPr lang="hu-HU" dirty="0" smtClean="0"/>
-              <a:t>Csapattag beosztása</a:t>
-            </a:r>
+            <a:r>
+              <a:rPr lang="hu-HU" dirty="0"/>
+              <a:t>The Empire</a:t>
+            </a:r>
+          </a:p>
+          <a:p>
             <a:endParaRPr lang="hu-HU" dirty="0"/>
           </a:p>
         </p:txBody>
@@ -47047,18 +47008,9 @@
           <a:bodyPr rtlCol="0"/>
           <a:lstStyle/>
           <a:p>
-            <a:pPr rtl="0"/>
-            <a:r>
-              <a:rPr lang="hu-HU" dirty="0" err="1" smtClean="0"/>
-              <a:t>Jens</a:t>
-            </a:r>
-            <a:r>
-              <a:rPr lang="hu-HU" dirty="0" smtClean="0"/>
-              <a:t> </a:t>
-            </a:r>
-            <a:r>
-              <a:rPr lang="hu-HU" dirty="0" err="1" smtClean="0"/>
-              <a:t>Martensson</a:t>
+            <a:r>
+              <a:rPr lang="hu-HU" dirty="0"/>
+              <a:t>Zámbó Illés</a:t>
             </a:r>
             <a:endParaRPr lang="hu-HU" dirty="0"/>
           </a:p>
@@ -47085,10 +47037,9 @@
           <a:bodyPr rtlCol="0"/>
           <a:lstStyle/>
           <a:p>
-            <a:pPr rtl="0"/>
-            <a:r>
-              <a:rPr lang="hu-HU" dirty="0" smtClean="0"/>
-              <a:t>Csapattag beosztása</a:t>
+            <a:r>
+              <a:rPr lang="hu-HU" dirty="0"/>
+              <a:t>Olcsó külföldi munkaerő</a:t>
             </a:r>
             <a:endParaRPr lang="hu-HU" dirty="0"/>
           </a:p>
@@ -51025,6 +50976,10 @@
           <a:lstStyle/>
           <a:p>
             <a:pPr rtl="0"/>
+            <a:r>
+              <a:rPr lang="hu-HU" dirty="0" smtClean="0"/>
+              <a:t>Működés</a:t>
+            </a:r>
             <a:endParaRPr lang="hu-HU" dirty="0"/>
           </a:p>
         </p:txBody>
@@ -51052,395 +51007,26 @@
           <a:p>
             <a:pPr rtl="0"/>
             <a:r>
-              <a:rPr lang="hu-HU" dirty="0" err="1" smtClean="0"/>
-              <a:t>Lorem</a:t>
-            </a:r>
-            <a:r>
               <a:rPr lang="hu-HU" dirty="0" smtClean="0"/>
-              <a:t> </a:t>
-            </a:r>
-            <a:r>
-              <a:rPr lang="hu-HU" dirty="0" err="1" smtClean="0"/>
-              <a:t>ipsum</a:t>
-            </a:r>
+              <a:t>Működik (nem) (-;</a:t>
+            </a:r>
+            <a:endParaRPr lang="hu-HU" dirty="0" smtClean="0"/>
+          </a:p>
+          <a:p>
+            <a:pPr rtl="0"/>
             <a:r>
               <a:rPr lang="hu-HU" dirty="0" smtClean="0"/>
-              <a:t> </a:t>
-            </a:r>
-            <a:r>
-              <a:rPr lang="hu-HU" dirty="0" err="1" smtClean="0"/>
-              <a:t>dolor</a:t>
-            </a:r>
+              <a:t>A program megvizsgálja melyik test van kiválasztva és ahhoz igazítja a szövegeket</a:t>
+            </a:r>
+            <a:endParaRPr lang="hu-HU" dirty="0" smtClean="0"/>
+          </a:p>
+          <a:p>
+            <a:pPr rtl="0"/>
             <a:r>
               <a:rPr lang="hu-HU" dirty="0" smtClean="0"/>
-              <a:t> </a:t>
-            </a:r>
-            <a:r>
-              <a:rPr lang="hu-HU" dirty="0" err="1" smtClean="0"/>
-              <a:t>sit</a:t>
-            </a:r>
-            <a:r>
-              <a:rPr lang="hu-HU" dirty="0" smtClean="0"/>
-              <a:t> </a:t>
-            </a:r>
-            <a:r>
-              <a:rPr lang="hu-HU" dirty="0" err="1" smtClean="0"/>
-              <a:t>amet</a:t>
-            </a:r>
-            <a:r>
-              <a:rPr lang="hu-HU" dirty="0" smtClean="0"/>
-              <a:t>, </a:t>
-            </a:r>
-            <a:r>
-              <a:rPr lang="hu-HU" dirty="0" err="1" smtClean="0"/>
-              <a:t>consectetuer</a:t>
-            </a:r>
-            <a:r>
-              <a:rPr lang="hu-HU" dirty="0" smtClean="0"/>
-              <a:t> </a:t>
-            </a:r>
-            <a:r>
-              <a:rPr lang="hu-HU" dirty="0" err="1" smtClean="0"/>
-              <a:t>adipiscing</a:t>
-            </a:r>
-            <a:r>
-              <a:rPr lang="hu-HU" dirty="0" smtClean="0"/>
-              <a:t> elit. Maecenas </a:t>
-            </a:r>
-            <a:r>
-              <a:rPr lang="hu-HU" dirty="0" err="1" smtClean="0"/>
-              <a:t>porttitor</a:t>
-            </a:r>
-            <a:r>
-              <a:rPr lang="hu-HU" dirty="0" smtClean="0"/>
-              <a:t> </a:t>
-            </a:r>
-            <a:r>
-              <a:rPr lang="hu-HU" dirty="0" err="1" smtClean="0"/>
-              <a:t>congue</a:t>
-            </a:r>
-            <a:r>
-              <a:rPr lang="hu-HU" dirty="0" smtClean="0"/>
-              <a:t> </a:t>
-            </a:r>
-            <a:r>
-              <a:rPr lang="hu-HU" dirty="0" err="1" smtClean="0"/>
-              <a:t>massa</a:t>
-            </a:r>
-            <a:r>
-              <a:rPr lang="hu-HU" dirty="0" smtClean="0"/>
-              <a:t>. </a:t>
-            </a:r>
-            <a:r>
-              <a:rPr lang="hu-HU" dirty="0" err="1" smtClean="0"/>
-              <a:t>Fusce</a:t>
-            </a:r>
-            <a:r>
-              <a:rPr lang="hu-HU" dirty="0" smtClean="0"/>
-              <a:t> </a:t>
-            </a:r>
-            <a:r>
-              <a:rPr lang="hu-HU" dirty="0" err="1" smtClean="0"/>
-              <a:t>posuere</a:t>
-            </a:r>
-            <a:r>
-              <a:rPr lang="hu-HU" dirty="0" smtClean="0"/>
-              <a:t>, </a:t>
-            </a:r>
-            <a:r>
-              <a:rPr lang="hu-HU" dirty="0" err="1" smtClean="0"/>
-              <a:t>magna</a:t>
-            </a:r>
-            <a:r>
-              <a:rPr lang="hu-HU" dirty="0" smtClean="0"/>
-              <a:t> </a:t>
-            </a:r>
-            <a:r>
-              <a:rPr lang="hu-HU" dirty="0" err="1" smtClean="0"/>
-              <a:t>sed</a:t>
-            </a:r>
-            <a:r>
-              <a:rPr lang="hu-HU" dirty="0" smtClean="0"/>
-              <a:t> </a:t>
-            </a:r>
-            <a:r>
-              <a:rPr lang="hu-HU" dirty="0" err="1" smtClean="0"/>
-              <a:t>pulvinar</a:t>
-            </a:r>
-            <a:r>
-              <a:rPr lang="hu-HU" dirty="0" smtClean="0"/>
-              <a:t> </a:t>
-            </a:r>
-            <a:r>
-              <a:rPr lang="hu-HU" dirty="0" err="1" smtClean="0"/>
-              <a:t>ultricies</a:t>
-            </a:r>
-            <a:r>
-              <a:rPr lang="hu-HU" dirty="0" smtClean="0"/>
-              <a:t>, </a:t>
-            </a:r>
-            <a:r>
-              <a:rPr lang="hu-HU" dirty="0" err="1" smtClean="0"/>
-              <a:t>purus</a:t>
-            </a:r>
-            <a:r>
-              <a:rPr lang="hu-HU" dirty="0" smtClean="0"/>
-              <a:t> </a:t>
-            </a:r>
-            <a:r>
-              <a:rPr lang="hu-HU" dirty="0" err="1" smtClean="0"/>
-              <a:t>lectus</a:t>
-            </a:r>
-            <a:r>
-              <a:rPr lang="hu-HU" dirty="0" smtClean="0"/>
-              <a:t> </a:t>
-            </a:r>
-            <a:r>
-              <a:rPr lang="hu-HU" dirty="0" err="1" smtClean="0"/>
-              <a:t>malesuada</a:t>
-            </a:r>
-            <a:r>
-              <a:rPr lang="hu-HU" dirty="0" smtClean="0"/>
-              <a:t> </a:t>
-            </a:r>
-            <a:r>
-              <a:rPr lang="hu-HU" dirty="0" err="1" smtClean="0"/>
-              <a:t>libero</a:t>
-            </a:r>
-            <a:r>
-              <a:rPr lang="hu-HU" dirty="0" smtClean="0"/>
-              <a:t>, </a:t>
-            </a:r>
-            <a:r>
-              <a:rPr lang="hu-HU" dirty="0" err="1" smtClean="0"/>
-              <a:t>sit</a:t>
-            </a:r>
-            <a:r>
-              <a:rPr lang="hu-HU" dirty="0" smtClean="0"/>
-              <a:t> </a:t>
-            </a:r>
-            <a:r>
-              <a:rPr lang="hu-HU" dirty="0" err="1" smtClean="0"/>
-              <a:t>amet</a:t>
-            </a:r>
-            <a:r>
-              <a:rPr lang="hu-HU" dirty="0" smtClean="0"/>
-              <a:t> </a:t>
-            </a:r>
-            <a:r>
-              <a:rPr lang="hu-HU" dirty="0" err="1" smtClean="0"/>
-              <a:t>commodo</a:t>
-            </a:r>
-            <a:r>
-              <a:rPr lang="hu-HU" dirty="0" smtClean="0"/>
-              <a:t> </a:t>
-            </a:r>
-            <a:r>
-              <a:rPr lang="hu-HU" dirty="0" err="1" smtClean="0"/>
-              <a:t>magna</a:t>
-            </a:r>
-            <a:r>
-              <a:rPr lang="hu-HU" dirty="0" smtClean="0"/>
-              <a:t> </a:t>
-            </a:r>
-            <a:r>
-              <a:rPr lang="hu-HU" dirty="0" err="1" smtClean="0"/>
-              <a:t>eros</a:t>
-            </a:r>
-            <a:r>
-              <a:rPr lang="hu-HU" dirty="0" smtClean="0"/>
-              <a:t> </a:t>
-            </a:r>
-            <a:r>
-              <a:rPr lang="hu-HU" dirty="0" err="1" smtClean="0"/>
-              <a:t>quis</a:t>
-            </a:r>
-            <a:r>
-              <a:rPr lang="hu-HU" dirty="0" smtClean="0"/>
-              <a:t> urna.</a:t>
-            </a:r>
-          </a:p>
-          <a:p>
-            <a:pPr rtl="0"/>
-            <a:r>
-              <a:rPr lang="hu-HU" dirty="0" err="1" smtClean="0"/>
-              <a:t>Nunc</a:t>
-            </a:r>
-            <a:r>
-              <a:rPr lang="hu-HU" dirty="0" smtClean="0"/>
-              <a:t> </a:t>
-            </a:r>
-            <a:r>
-              <a:rPr lang="hu-HU" dirty="0" err="1" smtClean="0"/>
-              <a:t>viverra</a:t>
-            </a:r>
-            <a:r>
-              <a:rPr lang="hu-HU" dirty="0" smtClean="0"/>
-              <a:t> </a:t>
-            </a:r>
-            <a:r>
-              <a:rPr lang="hu-HU" dirty="0" err="1" smtClean="0"/>
-              <a:t>imperdiet</a:t>
-            </a:r>
-            <a:r>
-              <a:rPr lang="hu-HU" dirty="0" smtClean="0"/>
-              <a:t> </a:t>
-            </a:r>
-            <a:r>
-              <a:rPr lang="hu-HU" dirty="0" err="1" smtClean="0"/>
-              <a:t>enim</a:t>
-            </a:r>
-            <a:r>
-              <a:rPr lang="hu-HU" dirty="0" smtClean="0"/>
-              <a:t>. </a:t>
-            </a:r>
-            <a:r>
-              <a:rPr lang="hu-HU" dirty="0" err="1" smtClean="0"/>
-              <a:t>Fusce</a:t>
-            </a:r>
-            <a:r>
-              <a:rPr lang="hu-HU" dirty="0" smtClean="0"/>
-              <a:t> est. </a:t>
-            </a:r>
-            <a:r>
-              <a:rPr lang="hu-HU" dirty="0" err="1" smtClean="0"/>
-              <a:t>Vivamus</a:t>
-            </a:r>
-            <a:r>
-              <a:rPr lang="hu-HU" dirty="0" smtClean="0"/>
-              <a:t> a </a:t>
-            </a:r>
-            <a:r>
-              <a:rPr lang="hu-HU" dirty="0" err="1" smtClean="0"/>
-              <a:t>tellus</a:t>
-            </a:r>
-            <a:r>
-              <a:rPr lang="hu-HU" dirty="0" smtClean="0"/>
-              <a:t>.</a:t>
-            </a:r>
-          </a:p>
-          <a:p>
-            <a:pPr rtl="0"/>
-            <a:r>
-              <a:rPr lang="hu-HU" dirty="0" err="1" smtClean="0"/>
-              <a:t>Pellentesque</a:t>
-            </a:r>
-            <a:r>
-              <a:rPr lang="hu-HU" dirty="0" smtClean="0"/>
-              <a:t> habitant </a:t>
-            </a:r>
-            <a:r>
-              <a:rPr lang="hu-HU" dirty="0" err="1" smtClean="0"/>
-              <a:t>morbi</a:t>
-            </a:r>
-            <a:r>
-              <a:rPr lang="hu-HU" dirty="0" smtClean="0"/>
-              <a:t> </a:t>
-            </a:r>
-            <a:r>
-              <a:rPr lang="hu-HU" dirty="0" err="1" smtClean="0"/>
-              <a:t>tristique</a:t>
-            </a:r>
-            <a:r>
-              <a:rPr lang="hu-HU" dirty="0" smtClean="0"/>
-              <a:t> </a:t>
-            </a:r>
-            <a:r>
-              <a:rPr lang="hu-HU" dirty="0" err="1" smtClean="0"/>
-              <a:t>senectus</a:t>
-            </a:r>
-            <a:r>
-              <a:rPr lang="hu-HU" dirty="0" smtClean="0"/>
-              <a:t> et </a:t>
-            </a:r>
-            <a:r>
-              <a:rPr lang="hu-HU" dirty="0" err="1" smtClean="0"/>
-              <a:t>netus</a:t>
-            </a:r>
-            <a:r>
-              <a:rPr lang="hu-HU" dirty="0" smtClean="0"/>
-              <a:t> et </a:t>
-            </a:r>
-            <a:r>
-              <a:rPr lang="hu-HU" dirty="0" err="1" smtClean="0"/>
-              <a:t>malesuada</a:t>
-            </a:r>
-            <a:r>
-              <a:rPr lang="hu-HU" dirty="0" smtClean="0"/>
-              <a:t> </a:t>
-            </a:r>
-            <a:r>
-              <a:rPr lang="hu-HU" dirty="0" err="1" smtClean="0"/>
-              <a:t>fames</a:t>
-            </a:r>
-            <a:r>
-              <a:rPr lang="hu-HU" dirty="0" smtClean="0"/>
-              <a:t> </a:t>
-            </a:r>
-            <a:r>
-              <a:rPr lang="hu-HU" dirty="0" err="1" smtClean="0"/>
-              <a:t>ac</a:t>
-            </a:r>
-            <a:r>
-              <a:rPr lang="hu-HU" dirty="0" smtClean="0"/>
-              <a:t> turpis </a:t>
-            </a:r>
-            <a:r>
-              <a:rPr lang="hu-HU" dirty="0" err="1" smtClean="0"/>
-              <a:t>egestas</a:t>
-            </a:r>
-            <a:r>
-              <a:rPr lang="hu-HU" dirty="0" smtClean="0"/>
-              <a:t>. </a:t>
-            </a:r>
-            <a:r>
-              <a:rPr lang="hu-HU" dirty="0" err="1" smtClean="0"/>
-              <a:t>Proin</a:t>
-            </a:r>
-            <a:r>
-              <a:rPr lang="hu-HU" dirty="0" smtClean="0"/>
-              <a:t> </a:t>
-            </a:r>
-            <a:r>
-              <a:rPr lang="hu-HU" dirty="0" err="1" smtClean="0"/>
-              <a:t>pharetra</a:t>
-            </a:r>
-            <a:r>
-              <a:rPr lang="hu-HU" dirty="0" smtClean="0"/>
-              <a:t> </a:t>
-            </a:r>
-            <a:r>
-              <a:rPr lang="hu-HU" dirty="0" err="1" smtClean="0"/>
-              <a:t>nonummy</a:t>
-            </a:r>
-            <a:r>
-              <a:rPr lang="hu-HU" dirty="0" smtClean="0"/>
-              <a:t> </a:t>
-            </a:r>
-            <a:r>
-              <a:rPr lang="hu-HU" dirty="0" err="1" smtClean="0"/>
-              <a:t>pede</a:t>
-            </a:r>
-            <a:r>
-              <a:rPr lang="hu-HU" dirty="0" smtClean="0"/>
-              <a:t>. </a:t>
-            </a:r>
-            <a:r>
-              <a:rPr lang="hu-HU" dirty="0" err="1" smtClean="0"/>
-              <a:t>Mauris</a:t>
-            </a:r>
-            <a:r>
-              <a:rPr lang="hu-HU" dirty="0" smtClean="0"/>
-              <a:t> et </a:t>
-            </a:r>
-            <a:r>
-              <a:rPr lang="hu-HU" dirty="0" err="1" smtClean="0"/>
-              <a:t>orci</a:t>
-            </a:r>
-            <a:r>
-              <a:rPr lang="hu-HU" dirty="0" smtClean="0"/>
-              <a:t>.</a:t>
-            </a:r>
+              <a:t>Nem megadott vagy hibás adatok esetében figyelmezteti egy felugró ablakkal a felhasználót</a:t>
+            </a:r>
+            <a:endParaRPr lang="hu-HU" dirty="0" smtClean="0"/>
           </a:p>
           <a:p>
             <a:pPr rtl="0"/>
@@ -51731,273 +51317,32 @@
         <p:spPr/>
         <p:txBody>
           <a:bodyPr rtlCol="0">
-            <a:normAutofit fontScale="92500" lnSpcReduction="10000"/>
+            <a:normAutofit/>
           </a:bodyPr>
           <a:lstStyle/>
           <a:p>
             <a:pPr rtl="0"/>
             <a:r>
-              <a:rPr lang="hu-HU" dirty="0" err="1" smtClean="0"/>
-              <a:t>Lorem</a:t>
-            </a:r>
-            <a:r>
               <a:rPr lang="hu-HU" dirty="0" smtClean="0"/>
-              <a:t> </a:t>
-            </a:r>
-            <a:r>
-              <a:rPr lang="hu-HU" dirty="0" err="1" smtClean="0"/>
-              <a:t>ipsum</a:t>
-            </a:r>
+              <a:t>A kiválasztott test illusztrálva van</a:t>
+            </a:r>
+            <a:endParaRPr lang="hu-HU" dirty="0" smtClean="0"/>
+          </a:p>
+          <a:p>
+            <a:pPr rtl="0"/>
             <a:r>
               <a:rPr lang="hu-HU" dirty="0" smtClean="0"/>
-              <a:t> </a:t>
-            </a:r>
-            <a:r>
-              <a:rPr lang="hu-HU" dirty="0" err="1" smtClean="0"/>
-              <a:t>dolor</a:t>
-            </a:r>
+              <a:t>Előzmények</a:t>
+            </a:r>
+            <a:endParaRPr lang="hu-HU" dirty="0" smtClean="0"/>
+          </a:p>
+          <a:p>
+            <a:pPr rtl="0"/>
             <a:r>
               <a:rPr lang="hu-HU" dirty="0" smtClean="0"/>
-              <a:t> </a:t>
-            </a:r>
-            <a:r>
-              <a:rPr lang="hu-HU" dirty="0" err="1" smtClean="0"/>
-              <a:t>sit</a:t>
-            </a:r>
-            <a:r>
-              <a:rPr lang="hu-HU" dirty="0" smtClean="0"/>
-              <a:t> </a:t>
-            </a:r>
-            <a:r>
-              <a:rPr lang="hu-HU" dirty="0" err="1" smtClean="0"/>
-              <a:t>amet</a:t>
-            </a:r>
-            <a:r>
-              <a:rPr lang="hu-HU" dirty="0" smtClean="0"/>
-              <a:t>, </a:t>
-            </a:r>
-            <a:r>
-              <a:rPr lang="hu-HU" dirty="0" err="1" smtClean="0"/>
-              <a:t>consectetuer</a:t>
-            </a:r>
-            <a:r>
-              <a:rPr lang="hu-HU" dirty="0" smtClean="0"/>
-              <a:t> </a:t>
-            </a:r>
-            <a:r>
-              <a:rPr lang="hu-HU" dirty="0" err="1" smtClean="0"/>
-              <a:t>adipiscing</a:t>
-            </a:r>
-            <a:r>
-              <a:rPr lang="hu-HU" dirty="0" smtClean="0"/>
-              <a:t> elit. Maecenas </a:t>
-            </a:r>
-            <a:r>
-              <a:rPr lang="hu-HU" dirty="0" err="1" smtClean="0"/>
-              <a:t>porttitor</a:t>
-            </a:r>
-            <a:r>
-              <a:rPr lang="hu-HU" dirty="0" smtClean="0"/>
-              <a:t> </a:t>
-            </a:r>
-            <a:r>
-              <a:rPr lang="hu-HU" dirty="0" err="1" smtClean="0"/>
-              <a:t>congue</a:t>
-            </a:r>
-            <a:r>
-              <a:rPr lang="hu-HU" dirty="0" smtClean="0"/>
-              <a:t> </a:t>
-            </a:r>
-            <a:r>
-              <a:rPr lang="hu-HU" dirty="0" err="1" smtClean="0"/>
-              <a:t>massa</a:t>
-            </a:r>
-            <a:r>
-              <a:rPr lang="hu-HU" dirty="0" smtClean="0"/>
-              <a:t>. </a:t>
-            </a:r>
-          </a:p>
-          <a:p>
-            <a:pPr rtl="0"/>
-            <a:r>
-              <a:rPr lang="hu-HU" dirty="0" err="1" smtClean="0"/>
-              <a:t>Nunc</a:t>
-            </a:r>
-            <a:r>
-              <a:rPr lang="hu-HU" dirty="0" smtClean="0"/>
-              <a:t> </a:t>
-            </a:r>
-            <a:r>
-              <a:rPr lang="hu-HU" dirty="0" err="1" smtClean="0"/>
-              <a:t>viverra</a:t>
-            </a:r>
-            <a:r>
-              <a:rPr lang="hu-HU" dirty="0" smtClean="0"/>
-              <a:t> </a:t>
-            </a:r>
-            <a:r>
-              <a:rPr lang="hu-HU" dirty="0" err="1" smtClean="0"/>
-              <a:t>imperdiet</a:t>
-            </a:r>
-            <a:r>
-              <a:rPr lang="hu-HU" dirty="0" smtClean="0"/>
-              <a:t> </a:t>
-            </a:r>
-            <a:r>
-              <a:rPr lang="hu-HU" dirty="0" err="1" smtClean="0"/>
-              <a:t>enim</a:t>
-            </a:r>
-            <a:r>
-              <a:rPr lang="hu-HU" dirty="0" smtClean="0"/>
-              <a:t>. </a:t>
-            </a:r>
-            <a:r>
-              <a:rPr lang="hu-HU" dirty="0" err="1" smtClean="0"/>
-              <a:t>Fusce</a:t>
-            </a:r>
-            <a:r>
-              <a:rPr lang="hu-HU" dirty="0" smtClean="0"/>
-              <a:t> est. </a:t>
-            </a:r>
-            <a:r>
-              <a:rPr lang="hu-HU" dirty="0" err="1" smtClean="0"/>
-              <a:t>Vivamus</a:t>
-            </a:r>
-            <a:r>
-              <a:rPr lang="hu-HU" dirty="0" smtClean="0"/>
-              <a:t> a </a:t>
-            </a:r>
-            <a:r>
-              <a:rPr lang="hu-HU" dirty="0" err="1" smtClean="0"/>
-              <a:t>tellus</a:t>
-            </a:r>
-            <a:r>
-              <a:rPr lang="hu-HU" dirty="0" smtClean="0"/>
-              <a:t>.</a:t>
-            </a:r>
-          </a:p>
-          <a:p>
-            <a:pPr rtl="0"/>
-            <a:r>
-              <a:rPr lang="hu-HU" dirty="0" err="1" smtClean="0"/>
-              <a:t>Pellentesque</a:t>
-            </a:r>
-            <a:r>
-              <a:rPr lang="hu-HU" dirty="0" smtClean="0"/>
-              <a:t> habitant </a:t>
-            </a:r>
-            <a:r>
-              <a:rPr lang="hu-HU" dirty="0" err="1" smtClean="0"/>
-              <a:t>morbi</a:t>
-            </a:r>
-            <a:r>
-              <a:rPr lang="hu-HU" dirty="0" smtClean="0"/>
-              <a:t> </a:t>
-            </a:r>
-            <a:r>
-              <a:rPr lang="hu-HU" dirty="0" err="1" smtClean="0"/>
-              <a:t>tristique</a:t>
-            </a:r>
-            <a:r>
-              <a:rPr lang="hu-HU" dirty="0" smtClean="0"/>
-              <a:t> </a:t>
-            </a:r>
-            <a:r>
-              <a:rPr lang="hu-HU" dirty="0" err="1" smtClean="0"/>
-              <a:t>senectus</a:t>
-            </a:r>
-            <a:r>
-              <a:rPr lang="hu-HU" dirty="0" smtClean="0"/>
-              <a:t> et </a:t>
-            </a:r>
-            <a:r>
-              <a:rPr lang="hu-HU" dirty="0" err="1" smtClean="0"/>
-              <a:t>netus</a:t>
-            </a:r>
-            <a:r>
-              <a:rPr lang="hu-HU" dirty="0" smtClean="0"/>
-              <a:t> et </a:t>
-            </a:r>
-            <a:r>
-              <a:rPr lang="hu-HU" dirty="0" err="1" smtClean="0"/>
-              <a:t>malesuada</a:t>
-            </a:r>
-            <a:r>
-              <a:rPr lang="hu-HU" dirty="0" smtClean="0"/>
-              <a:t> </a:t>
-            </a:r>
-            <a:r>
-              <a:rPr lang="hu-HU" dirty="0" err="1" smtClean="0"/>
-              <a:t>fames</a:t>
-            </a:r>
-            <a:r>
-              <a:rPr lang="hu-HU" dirty="0" smtClean="0"/>
-              <a:t> </a:t>
-            </a:r>
-            <a:r>
-              <a:rPr lang="hu-HU" dirty="0" err="1" smtClean="0"/>
-              <a:t>ac</a:t>
-            </a:r>
-            <a:r>
-              <a:rPr lang="hu-HU" dirty="0" smtClean="0"/>
-              <a:t> turpis </a:t>
-            </a:r>
-            <a:r>
-              <a:rPr lang="hu-HU" dirty="0" err="1" smtClean="0"/>
-              <a:t>egestas</a:t>
-            </a:r>
-            <a:r>
-              <a:rPr lang="hu-HU" dirty="0" smtClean="0"/>
-              <a:t>. </a:t>
-            </a:r>
-            <a:r>
-              <a:rPr lang="hu-HU" dirty="0" err="1" smtClean="0"/>
-              <a:t>Proin</a:t>
-            </a:r>
-            <a:r>
-              <a:rPr lang="hu-HU" dirty="0" smtClean="0"/>
-              <a:t> </a:t>
-            </a:r>
-            <a:r>
-              <a:rPr lang="hu-HU" dirty="0" err="1" smtClean="0"/>
-              <a:t>pharetra</a:t>
-            </a:r>
-            <a:r>
-              <a:rPr lang="hu-HU" dirty="0" smtClean="0"/>
-              <a:t> </a:t>
-            </a:r>
-            <a:r>
-              <a:rPr lang="hu-HU" dirty="0" err="1" smtClean="0"/>
-              <a:t>nonummy</a:t>
-            </a:r>
-            <a:r>
-              <a:rPr lang="hu-HU" dirty="0" smtClean="0"/>
-              <a:t> </a:t>
-            </a:r>
-            <a:r>
-              <a:rPr lang="hu-HU" dirty="0" err="1" smtClean="0"/>
-              <a:t>pede</a:t>
-            </a:r>
-            <a:r>
-              <a:rPr lang="hu-HU" dirty="0" smtClean="0"/>
-              <a:t>. </a:t>
-            </a:r>
-            <a:r>
-              <a:rPr lang="hu-HU" dirty="0" err="1" smtClean="0"/>
-              <a:t>Mauris</a:t>
-            </a:r>
-            <a:r>
-              <a:rPr lang="hu-HU" dirty="0" smtClean="0"/>
-              <a:t> et </a:t>
-            </a:r>
-            <a:r>
-              <a:rPr lang="hu-HU" dirty="0" err="1" smtClean="0"/>
-              <a:t>orci</a:t>
-            </a:r>
-            <a:r>
-              <a:rPr lang="hu-HU" dirty="0" smtClean="0"/>
-              <a:t>.</a:t>
-            </a:r>
+              <a:t>Szünetmentes számítás</a:t>
+            </a:r>
+            <a:endParaRPr lang="hu-HU" dirty="0" smtClean="0"/>
           </a:p>
           <a:p>
             <a:pPr rtl="0"/>
@@ -52959,15 +52304,7 @@
             <a:pPr algn="just" rtl="0"/>
             <a:r>
               <a:rPr lang="hu-HU" dirty="0" smtClean="0"/>
-              <a:t>Először megterveztük a weboldalt és a programot. Elsősorban a grafikai design-t egyaránt a programnál és weboldalnál</a:t>
-            </a:r>
-            <a:r>
-              <a:rPr lang="hu-HU" dirty="0" smtClean="0"/>
-              <a:t>. </a:t>
-            </a:r>
-            <a:r>
-              <a:rPr lang="hu-HU" dirty="0" smtClean="0"/>
-              <a:t>Az egész dokumentálva </a:t>
+              <a:t>Először megterveztük a weboldalt és a programot. Elsősorban a grafikai design-t egyaránt a programnál és weboldalnál. Az egész dokumentálva </a:t>
             </a:r>
             <a:r>
               <a:rPr lang="hu-HU" sz="1500" dirty="0" smtClean="0"/>
@@ -52977,7 +52314,6 @@
               <a:rPr lang="hu-HU" dirty="0" smtClean="0"/>
               <a:t>.</a:t>
             </a:r>
-            <a:endParaRPr lang="hu-HU" dirty="0" smtClean="0"/>
           </a:p>
         </p:txBody>
       </p:sp>
@@ -53080,11 +52416,7 @@
             <a:pPr algn="just"/>
             <a:r>
               <a:rPr lang="hu-HU" dirty="0" smtClean="0"/>
-              <a:t>A tervezés után megkezdtük a fejlesztést. </a:t>
-            </a:r>
-            <a:r>
-              <a:rPr lang="hu-HU" dirty="0" smtClean="0"/>
-              <a:t>A fejlesztés alatt elkészült maga a program és a hozzátartozó </a:t>
+              <a:t>A tervezés után megkezdtük a fejlesztést. A fejlesztés alatt elkészült maga a program és a hozzátartozó </a:t>
             </a:r>
             <a:r>
               <a:rPr lang="hu-HU" dirty="0"/>
@@ -53136,7 +52468,6 @@
               <a:rPr lang="hu-HU" dirty="0"/>
               <a:t>3</a:t>
             </a:r>
-            <a:endParaRPr lang="hu-HU" dirty="0"/>
           </a:p>
         </p:txBody>
       </p:sp>

--- a/documentation/PPT/TerFelSzoft.pptx
+++ b/documentation/PPT/TerFelSzoft.pptx
@@ -31638,7 +31638,7 @@
             <a:blip r:embed="rId2">
               <a:extLst>
                 <a:ext uri="{96DAC541-7B7A-43D3-8B79-37D633B846F1}">
-                  <asvg:svgBlip xmlns="" xmlns:asvg="http://schemas.microsoft.com/office/drawing/2016/SVG/main" r:embed="rId3"/>
+                  <asvg:svgBlip xmlns:asvg="http://schemas.microsoft.com/office/drawing/2016/SVG/main" xmlns="" r:embed="rId3"/>
                 </a:ext>
               </a:extLst>
             </a:blip>
@@ -42175,7 +42175,7 @@
             <a:blip r:embed="rId2">
               <a:extLst>
                 <a:ext uri="{96DAC541-7B7A-43D3-8B79-37D633B846F1}">
-                  <asvg:svgBlip xmlns="" xmlns:asvg="http://schemas.microsoft.com/office/drawing/2016/SVG/main" r:embed="rId3"/>
+                  <asvg:svgBlip xmlns:asvg="http://schemas.microsoft.com/office/drawing/2016/SVG/main" xmlns="" r:embed="rId3"/>
                 </a:ext>
               </a:extLst>
             </a:blip>
@@ -46645,7 +46645,6 @@
               <a:rPr lang="hu-HU" dirty="0"/>
               <a:t>Szabó Péter</a:t>
             </a:r>
-            <a:endParaRPr lang="hu-HU" dirty="0"/>
           </a:p>
         </p:txBody>
       </p:sp>
@@ -46860,7 +46859,6 @@
               <a:rPr lang="hu-HU" dirty="0"/>
               <a:t>Prosti</a:t>
             </a:r>
-            <a:endParaRPr lang="hu-HU" dirty="0"/>
           </a:p>
         </p:txBody>
       </p:sp>
@@ -47012,7 +47010,6 @@
               <a:rPr lang="hu-HU" dirty="0"/>
               <a:t>Zámbó Illés</a:t>
             </a:r>
-            <a:endParaRPr lang="hu-HU" dirty="0"/>
           </a:p>
         </p:txBody>
       </p:sp>
@@ -47041,7 +47038,6 @@
               <a:rPr lang="hu-HU" dirty="0"/>
               <a:t>Olcsó külföldi munkaerő</a:t>
             </a:r>
-            <a:endParaRPr lang="hu-HU" dirty="0"/>
           </a:p>
         </p:txBody>
       </p:sp>
@@ -47261,7 +47257,7 @@
             <a:pPr rtl="0"/>
             <a:r>
               <a:rPr lang="hu-HU" dirty="0" smtClean="0"/>
-              <a:t>LOREM IPSUM DOLOR SIT AMET, CONSECTETUER ADIPISCING ELIT. MAECENAS PORTTITOR</a:t>
+              <a:t>Anyagiak</a:t>
             </a:r>
             <a:endParaRPr lang="hu-HU" dirty="0"/>
           </a:p>
@@ -47317,13 +47313,15 @@
         </p:nvSpPr>
         <p:spPr/>
         <p:txBody>
-          <a:bodyPr rtlCol="0"/>
+          <a:bodyPr rtlCol="0">
+            <a:normAutofit fontScale="77500" lnSpcReduction="20000"/>
+          </a:bodyPr>
           <a:lstStyle/>
           <a:p>
             <a:pPr rtl="0"/>
             <a:r>
               <a:rPr lang="hu-HU" dirty="0" smtClean="0"/>
-              <a:t>Kategória címe</a:t>
+              <a:t>Heti alkohol fogyasztás</a:t>
             </a:r>
             <a:endParaRPr lang="hu-HU" dirty="0"/>
           </a:p>
@@ -47379,13 +47377,15 @@
         </p:nvSpPr>
         <p:spPr/>
         <p:txBody>
-          <a:bodyPr rtlCol="0"/>
+          <a:bodyPr rtlCol="0">
+            <a:normAutofit fontScale="77500" lnSpcReduction="20000"/>
+          </a:bodyPr>
           <a:lstStyle/>
           <a:p>
             <a:pPr rtl="0"/>
             <a:r>
               <a:rPr lang="hu-HU" dirty="0" smtClean="0"/>
-              <a:t>Kategória címe</a:t>
+              <a:t>Heti kenyér fogyasztás</a:t>
             </a:r>
             <a:endParaRPr lang="hu-HU" dirty="0"/>
           </a:p>
@@ -47446,8 +47446,8 @@
           <a:p>
             <a:pPr rtl="0"/>
             <a:r>
-              <a:rPr lang="hu-HU" dirty="0" smtClean="0"/>
-              <a:t>Kategória címe</a:t>
+              <a:rPr lang="hu-HU" smtClean="0"/>
+              <a:t>Egyéb</a:t>
             </a:r>
             <a:endParaRPr lang="hu-HU" dirty="0"/>
           </a:p>
@@ -47479,7 +47479,15 @@
             <a:pPr rtl="0"/>
             <a:r>
               <a:rPr lang="hu-HU" dirty="0" smtClean="0"/>
-              <a:t>1 500 000 Ft</a:t>
+              <a:t>1 </a:t>
+            </a:r>
+            <a:r>
+              <a:rPr lang="hu-HU" dirty="0" smtClean="0"/>
+              <a:t>500 000 </a:t>
+            </a:r>
+            <a:r>
+              <a:rPr lang="hu-HU" dirty="0" smtClean="0"/>
+              <a:t>Ft</a:t>
             </a:r>
             <a:endParaRPr lang="hu-HU" dirty="0"/>
           </a:p>
@@ -47499,6 +47507,74 @@
           </p:cNvSpPr>
           <p:nvPr>
             <p:ph type="body" idx="50"/>
+          </p:nvPr>
+        </p:nvSpPr>
+        <p:spPr/>
+        <p:txBody>
+          <a:bodyPr rtlCol="0">
+            <a:normAutofit fontScale="77500" lnSpcReduction="20000"/>
+          </a:bodyPr>
+          <a:lstStyle/>
+          <a:p>
+            <a:pPr rtl="0"/>
+            <a:r>
+              <a:rPr lang="hu-HU" dirty="0" smtClean="0"/>
+              <a:t>Egyéb környezet javító szolgáltatások</a:t>
+            </a:r>
+            <a:endParaRPr lang="hu-HU" dirty="0"/>
+          </a:p>
+        </p:txBody>
+      </p:sp>
+      <p:sp>
+        <p:nvSpPr>
+          <p:cNvPr id="16" name="Szöveg helye 15">
+            <a:extLst>
+              <a:ext uri="{FF2B5EF4-FFF2-40B4-BE49-F238E27FC236}">
+                <a16:creationId xmlns:a16="http://schemas.microsoft.com/office/drawing/2014/main" id="{B3898360-1205-49DF-846A-7D37E0219C01}"/>
+              </a:ext>
+            </a:extLst>
+          </p:cNvPr>
+          <p:cNvSpPr>
+            <a:spLocks noGrp="1"/>
+          </p:cNvSpPr>
+          <p:nvPr>
+            <p:ph type="body" idx="51"/>
+          </p:nvPr>
+        </p:nvSpPr>
+        <p:spPr/>
+        <p:txBody>
+          <a:bodyPr rtlCol="0">
+            <a:normAutofit fontScale="85000" lnSpcReduction="10000"/>
+          </a:bodyPr>
+          <a:lstStyle/>
+          <a:p>
+            <a:pPr rtl="0"/>
+            <a:r>
+              <a:rPr lang="hu-HU" dirty="0" smtClean="0"/>
+              <a:t>25 000 </a:t>
+            </a:r>
+            <a:r>
+              <a:rPr lang="hu-HU" dirty="0" smtClean="0"/>
+              <a:t>000 Ft</a:t>
+            </a:r>
+            <a:endParaRPr lang="hu-HU" dirty="0"/>
+          </a:p>
+        </p:txBody>
+      </p:sp>
+      <p:sp>
+        <p:nvSpPr>
+          <p:cNvPr id="17" name="Szöveg helye 16">
+            <a:extLst>
+              <a:ext uri="{FF2B5EF4-FFF2-40B4-BE49-F238E27FC236}">
+                <a16:creationId xmlns:a16="http://schemas.microsoft.com/office/drawing/2014/main" id="{F24221C2-E578-4DC7-AA80-13816114039D}"/>
+              </a:ext>
+            </a:extLst>
+          </p:cNvPr>
+          <p:cNvSpPr>
+            <a:spLocks noGrp="1"/>
+          </p:cNvSpPr>
+          <p:nvPr>
+            <p:ph type="body" idx="52"/>
           </p:nvPr>
         </p:nvSpPr>
         <p:spPr/>
@@ -47509,7 +47585,7 @@
             <a:pPr rtl="0"/>
             <a:r>
               <a:rPr lang="hu-HU" dirty="0" smtClean="0"/>
-              <a:t>Kategória címe</a:t>
+              <a:t>Napi fűtés</a:t>
             </a:r>
             <a:endParaRPr lang="hu-HU" dirty="0"/>
           </a:p>
@@ -47517,18 +47593,18 @@
       </p:sp>
       <p:sp>
         <p:nvSpPr>
-          <p:cNvPr id="16" name="Szöveg helye 15">
-            <a:extLst>
-              <a:ext uri="{FF2B5EF4-FFF2-40B4-BE49-F238E27FC236}">
-                <a16:creationId xmlns:a16="http://schemas.microsoft.com/office/drawing/2014/main" id="{B3898360-1205-49DF-846A-7D37E0219C01}"/>
-              </a:ext>
-            </a:extLst>
-          </p:cNvPr>
-          <p:cNvSpPr>
-            <a:spLocks noGrp="1"/>
-          </p:cNvSpPr>
-          <p:nvPr>
-            <p:ph type="body" idx="51"/>
+          <p:cNvPr id="18" name="Szöveg helye 17">
+            <a:extLst>
+              <a:ext uri="{FF2B5EF4-FFF2-40B4-BE49-F238E27FC236}">
+                <a16:creationId xmlns:a16="http://schemas.microsoft.com/office/drawing/2014/main" id="{DA322BE0-16AC-4DA8-B14C-E1CFF6F7BB47}"/>
+              </a:ext>
+            </a:extLst>
+          </p:cNvPr>
+          <p:cNvSpPr>
+            <a:spLocks noGrp="1"/>
+          </p:cNvSpPr>
+          <p:nvPr>
+            <p:ph type="body" idx="53"/>
           </p:nvPr>
         </p:nvSpPr>
         <p:spPr/>
@@ -47541,7 +47617,7 @@
             <a:pPr rtl="0"/>
             <a:r>
               <a:rPr lang="hu-HU" dirty="0" smtClean="0"/>
-              <a:t>2 500 000 Ft</a:t>
+              <a:t>1 500 000 Ft</a:t>
             </a:r>
             <a:endParaRPr lang="hu-HU" dirty="0"/>
           </a:p>
@@ -47549,91 +47625,31 @@
       </p:sp>
       <p:sp>
         <p:nvSpPr>
-          <p:cNvPr id="17" name="Szöveg helye 16">
-            <a:extLst>
-              <a:ext uri="{FF2B5EF4-FFF2-40B4-BE49-F238E27FC236}">
-                <a16:creationId xmlns:a16="http://schemas.microsoft.com/office/drawing/2014/main" id="{F24221C2-E578-4DC7-AA80-13816114039D}"/>
-              </a:ext>
-            </a:extLst>
-          </p:cNvPr>
-          <p:cNvSpPr>
-            <a:spLocks noGrp="1"/>
-          </p:cNvSpPr>
-          <p:nvPr>
-            <p:ph type="body" idx="52"/>
+          <p:cNvPr id="19" name="Szöveg helye 18">
+            <a:extLst>
+              <a:ext uri="{FF2B5EF4-FFF2-40B4-BE49-F238E27FC236}">
+                <a16:creationId xmlns:a16="http://schemas.microsoft.com/office/drawing/2014/main" id="{AD114D9F-E5FF-4D6E-AB15-975F8897E15C}"/>
+              </a:ext>
+            </a:extLst>
+          </p:cNvPr>
+          <p:cNvSpPr>
+            <a:spLocks noGrp="1"/>
+          </p:cNvSpPr>
+          <p:nvPr>
+            <p:ph type="body" idx="54"/>
           </p:nvPr>
         </p:nvSpPr>
         <p:spPr/>
         <p:txBody>
-          <a:bodyPr rtlCol="0"/>
-          <a:lstStyle/>
-          <a:p>
-            <a:pPr rtl="0"/>
-            <a:r>
-              <a:rPr lang="hu-HU" dirty="0" smtClean="0"/>
-              <a:t>Kategória címe</a:t>
-            </a:r>
-            <a:endParaRPr lang="hu-HU" dirty="0"/>
-          </a:p>
-        </p:txBody>
-      </p:sp>
-      <p:sp>
-        <p:nvSpPr>
-          <p:cNvPr id="18" name="Szöveg helye 17">
-            <a:extLst>
-              <a:ext uri="{FF2B5EF4-FFF2-40B4-BE49-F238E27FC236}">
-                <a16:creationId xmlns:a16="http://schemas.microsoft.com/office/drawing/2014/main" id="{DA322BE0-16AC-4DA8-B14C-E1CFF6F7BB47}"/>
-              </a:ext>
-            </a:extLst>
-          </p:cNvPr>
-          <p:cNvSpPr>
-            <a:spLocks noGrp="1"/>
-          </p:cNvSpPr>
-          <p:nvPr>
-            <p:ph type="body" idx="53"/>
-          </p:nvPr>
-        </p:nvSpPr>
-        <p:spPr/>
-        <p:txBody>
           <a:bodyPr rtlCol="0">
-            <a:normAutofit fontScale="92500"/>
+            <a:normAutofit fontScale="85000" lnSpcReduction="10000"/>
           </a:bodyPr>
           <a:lstStyle/>
           <a:p>
             <a:pPr rtl="0"/>
             <a:r>
               <a:rPr lang="hu-HU" dirty="0" smtClean="0"/>
-              <a:t>1 500 000 Ft</a:t>
-            </a:r>
-            <a:endParaRPr lang="hu-HU" dirty="0"/>
-          </a:p>
-        </p:txBody>
-      </p:sp>
-      <p:sp>
-        <p:nvSpPr>
-          <p:cNvPr id="19" name="Szöveg helye 18">
-            <a:extLst>
-              <a:ext uri="{FF2B5EF4-FFF2-40B4-BE49-F238E27FC236}">
-                <a16:creationId xmlns:a16="http://schemas.microsoft.com/office/drawing/2014/main" id="{AD114D9F-E5FF-4D6E-AB15-975F8897E15C}"/>
-              </a:ext>
-            </a:extLst>
-          </p:cNvPr>
-          <p:cNvSpPr>
-            <a:spLocks noGrp="1"/>
-          </p:cNvSpPr>
-          <p:nvPr>
-            <p:ph type="body" idx="54"/>
-          </p:nvPr>
-        </p:nvSpPr>
-        <p:spPr/>
-        <p:txBody>
-          <a:bodyPr rtlCol="0"/>
-          <a:lstStyle/>
-          <a:p>
-            <a:pPr rtl="0"/>
-            <a:r>
-              <a:rPr lang="hu-HU" dirty="0" smtClean="0"/>
-              <a:t>Kategória címe</a:t>
+              <a:t>Fejlesztési költségek</a:t>
             </a:r>
             <a:endParaRPr lang="hu-HU" dirty="0"/>
           </a:p>
@@ -51010,7 +51026,6 @@
               <a:rPr lang="hu-HU" dirty="0" smtClean="0"/>
               <a:t>Működik (nem) (-;</a:t>
             </a:r>
-            <a:endParaRPr lang="hu-HU" dirty="0" smtClean="0"/>
           </a:p>
           <a:p>
             <a:pPr rtl="0"/>
@@ -51018,7 +51033,6 @@
               <a:rPr lang="hu-HU" dirty="0" smtClean="0"/>
               <a:t>A program megvizsgálja melyik test van kiválasztva és ahhoz igazítja a szövegeket</a:t>
             </a:r>
-            <a:endParaRPr lang="hu-HU" dirty="0" smtClean="0"/>
           </a:p>
           <a:p>
             <a:pPr rtl="0"/>
@@ -51026,10 +51040,13 @@
               <a:rPr lang="hu-HU" dirty="0" smtClean="0"/>
               <a:t>Nem megadott vagy hibás adatok esetében figyelmezteti egy felugró ablakkal a felhasználót</a:t>
             </a:r>
-            <a:endParaRPr lang="hu-HU" dirty="0" smtClean="0"/>
           </a:p>
           <a:p>
             <a:pPr rtl="0"/>
+            <a:r>
+              <a:rPr lang="hu-HU" dirty="0" smtClean="0"/>
+              <a:t>Sajnálatos módon egy minimális intelligencia szint szükséges</a:t>
+            </a:r>
             <a:endParaRPr lang="hu-HU" dirty="0"/>
           </a:p>
         </p:txBody>
@@ -51289,8 +51306,13 @@
             <a:pPr rtl="0"/>
             <a:r>
               <a:rPr lang="hu-HU" dirty="0" smtClean="0"/>
-              <a:t>LOREM IPSUM DOLOR SIT AMET, CONSECTETUER ADIPISCING ELIT</a:t>
-            </a:r>
+              <a:t>Innovatív letisztult </a:t>
+            </a:r>
+            <a:r>
+              <a:rPr lang="hu-HU" dirty="0" err="1" smtClean="0"/>
+              <a:t>dizályn</a:t>
+            </a:r>
+            <a:endParaRPr lang="hu-HU" dirty="0" smtClean="0"/>
           </a:p>
           <a:p>
             <a:pPr rtl="0"/>
@@ -51326,7 +51348,6 @@
               <a:rPr lang="hu-HU" dirty="0" smtClean="0"/>
               <a:t>A kiválasztott test illusztrálva van</a:t>
             </a:r>
-            <a:endParaRPr lang="hu-HU" dirty="0" smtClean="0"/>
           </a:p>
           <a:p>
             <a:pPr rtl="0"/>
@@ -51334,7 +51355,6 @@
               <a:rPr lang="hu-HU" dirty="0" smtClean="0"/>
               <a:t>Előzmények</a:t>
             </a:r>
-            <a:endParaRPr lang="hu-HU" dirty="0" smtClean="0"/>
           </a:p>
           <a:p>
             <a:pPr rtl="0"/>
@@ -51342,7 +51362,6 @@
               <a:rPr lang="hu-HU" dirty="0" smtClean="0"/>
               <a:t>Szünetmentes számítás</a:t>
             </a:r>
-            <a:endParaRPr lang="hu-HU" dirty="0" smtClean="0"/>
           </a:p>
           <a:p>
             <a:pPr rtl="0"/>

--- a/documentation/PPT/TerFelSzoft.pptx
+++ b/documentation/PPT/TerFelSzoft.pptx
@@ -12,15 +12,15 @@
   </p:handoutMasterIdLst>
   <p:sldIdLst>
     <p:sldId id="256" r:id="rId2"/>
-    <p:sldId id="257" r:id="rId3"/>
-    <p:sldId id="258" r:id="rId4"/>
-    <p:sldId id="259" r:id="rId5"/>
-    <p:sldId id="265" r:id="rId6"/>
-    <p:sldId id="262" r:id="rId7"/>
-    <p:sldId id="283" r:id="rId8"/>
-    <p:sldId id="281" r:id="rId9"/>
-    <p:sldId id="263" r:id="rId10"/>
-    <p:sldId id="275" r:id="rId11"/>
+    <p:sldId id="263" r:id="rId3"/>
+    <p:sldId id="284" r:id="rId4"/>
+    <p:sldId id="257" r:id="rId5"/>
+    <p:sldId id="258" r:id="rId6"/>
+    <p:sldId id="259" r:id="rId7"/>
+    <p:sldId id="265" r:id="rId8"/>
+    <p:sldId id="262" r:id="rId9"/>
+    <p:sldId id="283" r:id="rId10"/>
+    <p:sldId id="281" r:id="rId11"/>
     <p:sldId id="273" r:id="rId12"/>
     <p:sldId id="276" r:id="rId13"/>
     <p:sldId id="277" r:id="rId14"/>
@@ -149,824 +149,6 @@
 </p:presentation>
 </file>
 
-<file path=ppt/charts/chart1.xml><?xml version="1.0" encoding="utf-8"?>
-<c:chartSpace xmlns:c="http://schemas.openxmlformats.org/drawingml/2006/chart" xmlns:a="http://schemas.openxmlformats.org/drawingml/2006/main" xmlns:r="http://schemas.openxmlformats.org/officeDocument/2006/relationships" xmlns:c16r2="http://schemas.microsoft.com/office/drawing/2015/06/chart">
-  <c:date1904 val="0"/>
-  <c:lang val="hu-HU"/>
-  <c:roundedCorners val="0"/>
-  <mc:AlternateContent xmlns:mc="http://schemas.openxmlformats.org/markup-compatibility/2006">
-    <mc:Choice xmlns:c14="http://schemas.microsoft.com/office/drawing/2007/8/2/chart" Requires="c14">
-      <c14:style val="102"/>
-    </mc:Choice>
-    <mc:Fallback>
-      <c:style val="2"/>
-    </mc:Fallback>
-  </mc:AlternateContent>
-  <c:chart>
-    <c:autoTitleDeleted val="1"/>
-    <c:plotArea>
-      <c:layout/>
-      <c:doughnutChart>
-        <c:varyColors val="1"/>
-        <c:ser>
-          <c:idx val="0"/>
-          <c:order val="0"/>
-          <c:tx>
-            <c:strRef>
-              <c:f>Sheet1!$B$1</c:f>
-              <c:strCache>
-                <c:ptCount val="1"/>
-                <c:pt idx="0">
-                  <c:v>Értékesítés</c:v>
-                </c:pt>
-              </c:strCache>
-            </c:strRef>
-          </c:tx>
-          <c:spPr>
-            <a:ln>
-              <a:noFill/>
-            </a:ln>
-          </c:spPr>
-          <c:dPt>
-            <c:idx val="0"/>
-            <c:bubble3D val="0"/>
-            <c:spPr>
-              <a:solidFill>
-                <a:schemeClr val="tx1"/>
-              </a:solidFill>
-              <a:ln w="19050">
-                <a:noFill/>
-              </a:ln>
-              <a:effectLst/>
-            </c:spPr>
-            <c:extLst>
-              <c:ext xmlns:c16="http://schemas.microsoft.com/office/drawing/2014/chart" uri="{C3380CC4-5D6E-409C-BE32-E72D297353CC}">
-                <c16:uniqueId val="{00000005-62CF-41AE-A01F-A0D11D9A5E12}"/>
-              </c:ext>
-            </c:extLst>
-          </c:dPt>
-          <c:dPt>
-            <c:idx val="1"/>
-            <c:bubble3D val="0"/>
-            <c:spPr>
-              <a:solidFill>
-                <a:schemeClr val="tx1">
-                  <a:lumMod val="20000"/>
-                  <a:lumOff val="80000"/>
-                </a:schemeClr>
-              </a:solidFill>
-              <a:ln w="19050">
-                <a:noFill/>
-              </a:ln>
-              <a:effectLst/>
-            </c:spPr>
-            <c:extLst>
-              <c:ext xmlns:c16="http://schemas.microsoft.com/office/drawing/2014/chart" uri="{C3380CC4-5D6E-409C-BE32-E72D297353CC}">
-                <c16:uniqueId val="{00000002-62CF-41AE-A01F-A0D11D9A5E12}"/>
-              </c:ext>
-            </c:extLst>
-          </c:dPt>
-          <c:dPt>
-            <c:idx val="2"/>
-            <c:bubble3D val="0"/>
-            <c:spPr>
-              <a:solidFill>
-                <a:srgbClr val="B53164"/>
-              </a:solidFill>
-              <a:ln w="19050">
-                <a:noFill/>
-              </a:ln>
-              <a:effectLst/>
-            </c:spPr>
-            <c:extLst>
-              <c:ext xmlns:c16="http://schemas.microsoft.com/office/drawing/2014/chart" uri="{C3380CC4-5D6E-409C-BE32-E72D297353CC}">
-                <c16:uniqueId val="{00000003-62CF-41AE-A01F-A0D11D9A5E12}"/>
-              </c:ext>
-            </c:extLst>
-          </c:dPt>
-          <c:dPt>
-            <c:idx val="3"/>
-            <c:bubble3D val="0"/>
-            <c:spPr>
-              <a:solidFill>
-                <a:srgbClr val="225B5F"/>
-              </a:solidFill>
-              <a:ln w="19050">
-                <a:noFill/>
-              </a:ln>
-              <a:effectLst/>
-            </c:spPr>
-            <c:extLst>
-              <c:ext xmlns:c16="http://schemas.microsoft.com/office/drawing/2014/chart" uri="{C3380CC4-5D6E-409C-BE32-E72D297353CC}">
-                <c16:uniqueId val="{00000006-62CF-41AE-A01F-A0D11D9A5E12}"/>
-              </c:ext>
-            </c:extLst>
-          </c:dPt>
-          <c:dPt>
-            <c:idx val="4"/>
-            <c:bubble3D val="0"/>
-            <c:spPr>
-              <a:solidFill>
-                <a:schemeClr val="accent2"/>
-              </a:solidFill>
-              <a:ln w="19050">
-                <a:noFill/>
-              </a:ln>
-              <a:effectLst/>
-            </c:spPr>
-            <c:extLst>
-              <c:ext xmlns:c16="http://schemas.microsoft.com/office/drawing/2014/chart" uri="{C3380CC4-5D6E-409C-BE32-E72D297353CC}">
-                <c16:uniqueId val="{00000001-62CF-41AE-A01F-A0D11D9A5E12}"/>
-              </c:ext>
-            </c:extLst>
-          </c:dPt>
-          <c:dPt>
-            <c:idx val="5"/>
-            <c:bubble3D val="0"/>
-            <c:spPr>
-              <a:solidFill>
-                <a:schemeClr val="accent2">
-                  <a:lumMod val="20000"/>
-                  <a:lumOff val="80000"/>
-                </a:schemeClr>
-              </a:solidFill>
-              <a:ln w="19050">
-                <a:noFill/>
-              </a:ln>
-              <a:effectLst/>
-            </c:spPr>
-            <c:extLst>
-              <c:ext xmlns:c16="http://schemas.microsoft.com/office/drawing/2014/chart" uri="{C3380CC4-5D6E-409C-BE32-E72D297353CC}">
-                <c16:uniqueId val="{00000004-62CF-41AE-A01F-A0D11D9A5E12}"/>
-              </c:ext>
-            </c:extLst>
-          </c:dPt>
-          <c:cat>
-            <c:strRef>
-              <c:f>Sheet1!$A$2:$A$7</c:f>
-              <c:strCache>
-                <c:ptCount val="4"/>
-                <c:pt idx="0">
-                  <c:v>1. n.é.</c:v>
-                </c:pt>
-                <c:pt idx="1">
-                  <c:v>2. n.é.</c:v>
-                </c:pt>
-                <c:pt idx="2">
-                  <c:v>3. n.é.</c:v>
-                </c:pt>
-                <c:pt idx="3">
-                  <c:v>4. n.é.</c:v>
-                </c:pt>
-              </c:strCache>
-            </c:strRef>
-          </c:cat>
-          <c:val>
-            <c:numRef>
-              <c:f>Sheet1!$B$2:$B$7</c:f>
-              <c:numCache>
-                <c:formatCode>General</c:formatCode>
-                <c:ptCount val="6"/>
-                <c:pt idx="0">
-                  <c:v>5</c:v>
-                </c:pt>
-                <c:pt idx="1">
-                  <c:v>5</c:v>
-                </c:pt>
-                <c:pt idx="2">
-                  <c:v>5</c:v>
-                </c:pt>
-                <c:pt idx="3">
-                  <c:v>5</c:v>
-                </c:pt>
-                <c:pt idx="4">
-                  <c:v>33</c:v>
-                </c:pt>
-                <c:pt idx="5">
-                  <c:v>5</c:v>
-                </c:pt>
-              </c:numCache>
-            </c:numRef>
-          </c:val>
-          <c:extLst>
-            <c:ext xmlns:c16="http://schemas.microsoft.com/office/drawing/2014/chart" uri="{C3380CC4-5D6E-409C-BE32-E72D297353CC}">
-              <c16:uniqueId val="{00000000-62CF-41AE-A01F-A0D11D9A5E12}"/>
-            </c:ext>
-          </c:extLst>
-        </c:ser>
-        <c:dLbls>
-          <c:showLegendKey val="0"/>
-          <c:showVal val="0"/>
-          <c:showCatName val="0"/>
-          <c:showSerName val="0"/>
-          <c:showPercent val="0"/>
-          <c:showBubbleSize val="0"/>
-          <c:showLeaderLines val="1"/>
-        </c:dLbls>
-        <c:firstSliceAng val="276"/>
-        <c:holeSize val="49"/>
-      </c:doughnutChart>
-      <c:spPr>
-        <a:noFill/>
-        <a:ln>
-          <a:noFill/>
-        </a:ln>
-        <a:effectLst/>
-      </c:spPr>
-    </c:plotArea>
-    <c:plotVisOnly val="1"/>
-    <c:dispBlanksAs val="gap"/>
-    <c:showDLblsOverMax val="0"/>
-    <c:extLst>
-      <c:ext xmlns:c16r3="http://schemas.microsoft.com/office/drawing/2017/03/chart" uri="{56B9EC1D-385E-4148-901F-78D8002777C0}">
-        <c16r3:dataDisplayOptions16>
-          <c16r3:dispNaAsBlank val="1"/>
-        </c16r3:dataDisplayOptions16>
-      </c:ext>
-    </c:extLst>
-  </c:chart>
-  <c:spPr>
-    <a:noFill/>
-    <a:ln>
-      <a:noFill/>
-    </a:ln>
-    <a:effectLst/>
-  </c:spPr>
-  <c:txPr>
-    <a:bodyPr/>
-    <a:lstStyle/>
-    <a:p>
-      <a:pPr>
-        <a:defRPr/>
-      </a:pPr>
-      <a:endParaRPr lang="hu-HU"/>
-    </a:p>
-  </c:txPr>
-  <c:externalData r:id="rId3">
-    <c:autoUpdate val="0"/>
-  </c:externalData>
-</c:chartSpace>
-</file>
-
-<file path=ppt/charts/colors1.xml><?xml version="1.0" encoding="utf-8"?>
-<cs:colorStyle xmlns:cs="http://schemas.microsoft.com/office/drawing/2012/chartStyle" xmlns:a="http://schemas.openxmlformats.org/drawingml/2006/main" meth="cycle" id="10">
-  <a:schemeClr val="accent1"/>
-  <a:schemeClr val="accent2"/>
-  <a:schemeClr val="accent3"/>
-  <a:schemeClr val="accent4"/>
-  <a:schemeClr val="accent5"/>
-  <a:schemeClr val="accent6"/>
-  <cs:variation/>
-  <cs:variation>
-    <a:lumMod val="60000"/>
-  </cs:variation>
-  <cs:variation>
-    <a:lumMod val="80000"/>
-    <a:lumOff val="20000"/>
-  </cs:variation>
-  <cs:variation>
-    <a:lumMod val="80000"/>
-  </cs:variation>
-  <cs:variation>
-    <a:lumMod val="60000"/>
-    <a:lumOff val="40000"/>
-  </cs:variation>
-  <cs:variation>
-    <a:lumMod val="50000"/>
-  </cs:variation>
-  <cs:variation>
-    <a:lumMod val="70000"/>
-    <a:lumOff val="30000"/>
-  </cs:variation>
-  <cs:variation>
-    <a:lumMod val="70000"/>
-  </cs:variation>
-  <cs:variation>
-    <a:lumMod val="50000"/>
-    <a:lumOff val="50000"/>
-  </cs:variation>
-</cs:colorStyle>
-</file>
-
-<file path=ppt/charts/style1.xml><?xml version="1.0" encoding="utf-8"?>
-<cs:chartStyle xmlns:cs="http://schemas.microsoft.com/office/drawing/2012/chartStyle" xmlns:a="http://schemas.openxmlformats.org/drawingml/2006/main" id="251">
-  <cs:axisTitle>
-    <cs:lnRef idx="0"/>
-    <cs:fillRef idx="0"/>
-    <cs:effectRef idx="0"/>
-    <cs:fontRef idx="minor">
-      <a:schemeClr val="tx1">
-        <a:lumMod val="65000"/>
-        <a:lumOff val="35000"/>
-      </a:schemeClr>
-    </cs:fontRef>
-    <cs:defRPr sz="1330" kern="1200"/>
-  </cs:axisTitle>
-  <cs:categoryAxis>
-    <cs:lnRef idx="0"/>
-    <cs:fillRef idx="0"/>
-    <cs:effectRef idx="0"/>
-    <cs:fontRef idx="minor">
-      <a:schemeClr val="tx1">
-        <a:lumMod val="65000"/>
-        <a:lumOff val="35000"/>
-      </a:schemeClr>
-    </cs:fontRef>
-    <cs:spPr>
-      <a:ln w="9525" cap="flat" cmpd="sng" algn="ctr">
-        <a:solidFill>
-          <a:schemeClr val="tx1">
-            <a:lumMod val="15000"/>
-            <a:lumOff val="85000"/>
-          </a:schemeClr>
-        </a:solidFill>
-        <a:round/>
-      </a:ln>
-    </cs:spPr>
-    <cs:defRPr sz="1197" kern="1200"/>
-  </cs:categoryAxis>
-  <cs:chartArea mods="allowNoFillOverride allowNoLineOverride">
-    <cs:lnRef idx="0"/>
-    <cs:fillRef idx="0"/>
-    <cs:effectRef idx="0"/>
-    <cs:fontRef idx="minor">
-      <a:schemeClr val="tx1"/>
-    </cs:fontRef>
-    <cs:spPr>
-      <a:solidFill>
-        <a:schemeClr val="bg1"/>
-      </a:solidFill>
-      <a:ln w="9525" cap="flat" cmpd="sng" algn="ctr">
-        <a:solidFill>
-          <a:schemeClr val="tx1">
-            <a:lumMod val="15000"/>
-            <a:lumOff val="85000"/>
-          </a:schemeClr>
-        </a:solidFill>
-        <a:round/>
-      </a:ln>
-    </cs:spPr>
-    <cs:defRPr sz="1197" kern="1200"/>
-  </cs:chartArea>
-  <cs:dataLabel>
-    <cs:lnRef idx="0"/>
-    <cs:fillRef idx="0"/>
-    <cs:effectRef idx="0"/>
-    <cs:fontRef idx="minor">
-      <a:schemeClr val="tx1">
-        <a:lumMod val="75000"/>
-        <a:lumOff val="25000"/>
-      </a:schemeClr>
-    </cs:fontRef>
-    <cs:defRPr sz="1197" kern="1200"/>
-  </cs:dataLabel>
-  <cs:dataLabelCallout>
-    <cs:lnRef idx="0"/>
-    <cs:fillRef idx="0"/>
-    <cs:effectRef idx="0"/>
-    <cs:fontRef idx="minor">
-      <a:schemeClr val="dk1">
-        <a:lumMod val="65000"/>
-        <a:lumOff val="35000"/>
-      </a:schemeClr>
-    </cs:fontRef>
-    <cs:spPr>
-      <a:solidFill>
-        <a:schemeClr val="lt1"/>
-      </a:solidFill>
-      <a:ln>
-        <a:solidFill>
-          <a:schemeClr val="dk1">
-            <a:lumMod val="25000"/>
-            <a:lumOff val="75000"/>
-          </a:schemeClr>
-        </a:solidFill>
-      </a:ln>
-    </cs:spPr>
-    <cs:defRPr sz="1197" kern="1200"/>
-    <cs:bodyPr rot="0" spcFirstLastPara="1" vertOverflow="clip" horzOverflow="clip" vert="horz" wrap="square" lIns="36576" tIns="18288" rIns="36576" bIns="18288" anchor="ctr" anchorCtr="1">
-      <a:spAutoFit/>
-    </cs:bodyPr>
-  </cs:dataLabelCallout>
-  <cs:dataPoint>
-    <cs:lnRef idx="0"/>
-    <cs:fillRef idx="1">
-      <cs:styleClr val="auto"/>
-    </cs:fillRef>
-    <cs:effectRef idx="0"/>
-    <cs:fontRef idx="minor">
-      <a:schemeClr val="tx1"/>
-    </cs:fontRef>
-    <cs:spPr>
-      <a:ln w="19050">
-        <a:solidFill>
-          <a:schemeClr val="lt1"/>
-        </a:solidFill>
-      </a:ln>
-    </cs:spPr>
-  </cs:dataPoint>
-  <cs:dataPoint3D>
-    <cs:lnRef idx="0"/>
-    <cs:fillRef idx="1">
-      <cs:styleClr val="auto"/>
-    </cs:fillRef>
-    <cs:effectRef idx="0"/>
-    <cs:fontRef idx="minor">
-      <a:schemeClr val="tx1"/>
-    </cs:fontRef>
-    <cs:spPr>
-      <a:ln w="25400">
-        <a:solidFill>
-          <a:schemeClr val="lt1"/>
-        </a:solidFill>
-      </a:ln>
-    </cs:spPr>
-  </cs:dataPoint3D>
-  <cs:dataPointLine>
-    <cs:lnRef idx="0">
-      <cs:styleClr val="auto"/>
-    </cs:lnRef>
-    <cs:fillRef idx="0"/>
-    <cs:effectRef idx="0"/>
-    <cs:fontRef idx="minor">
-      <a:schemeClr val="tx1"/>
-    </cs:fontRef>
-    <cs:spPr>
-      <a:ln w="28575" cap="rnd">
-        <a:solidFill>
-          <a:schemeClr val="phClr"/>
-        </a:solidFill>
-        <a:round/>
-      </a:ln>
-    </cs:spPr>
-  </cs:dataPointLine>
-  <cs:dataPointMarker>
-    <cs:lnRef idx="0">
-      <cs:styleClr val="auto"/>
-    </cs:lnRef>
-    <cs:fillRef idx="1">
-      <cs:styleClr val="auto"/>
-    </cs:fillRef>
-    <cs:effectRef idx="0"/>
-    <cs:fontRef idx="minor">
-      <a:schemeClr val="tx1"/>
-    </cs:fontRef>
-    <cs:spPr>
-      <a:ln w="9525">
-        <a:solidFill>
-          <a:schemeClr val="phClr"/>
-        </a:solidFill>
-      </a:ln>
-    </cs:spPr>
-  </cs:dataPointMarker>
-  <cs:dataPointMarkerLayout symbol="circle" size="5"/>
-  <cs:dataPointWireframe>
-    <cs:lnRef idx="0">
-      <cs:styleClr val="auto"/>
-    </cs:lnRef>
-    <cs:fillRef idx="0"/>
-    <cs:effectRef idx="0"/>
-    <cs:fontRef idx="minor">
-      <a:schemeClr val="tx1"/>
-    </cs:fontRef>
-    <cs:spPr>
-      <a:ln w="9525" cap="rnd">
-        <a:solidFill>
-          <a:schemeClr val="phClr"/>
-        </a:solidFill>
-        <a:round/>
-      </a:ln>
-    </cs:spPr>
-  </cs:dataPointWireframe>
-  <cs:dataTable>
-    <cs:lnRef idx="0"/>
-    <cs:fillRef idx="0"/>
-    <cs:effectRef idx="0"/>
-    <cs:fontRef idx="minor">
-      <a:schemeClr val="tx1">
-        <a:lumMod val="65000"/>
-        <a:lumOff val="35000"/>
-      </a:schemeClr>
-    </cs:fontRef>
-    <cs:spPr>
-      <a:noFill/>
-      <a:ln w="9525" cap="flat" cmpd="sng" algn="ctr">
-        <a:solidFill>
-          <a:schemeClr val="tx1">
-            <a:lumMod val="15000"/>
-            <a:lumOff val="85000"/>
-          </a:schemeClr>
-        </a:solidFill>
-        <a:round/>
-      </a:ln>
-    </cs:spPr>
-    <cs:defRPr sz="1197" kern="1200"/>
-  </cs:dataTable>
-  <cs:downBar>
-    <cs:lnRef idx="0"/>
-    <cs:fillRef idx="0"/>
-    <cs:effectRef idx="0"/>
-    <cs:fontRef idx="minor">
-      <a:schemeClr val="tx1"/>
-    </cs:fontRef>
-    <cs:spPr>
-      <a:solidFill>
-        <a:schemeClr val="dk1">
-          <a:lumMod val="75000"/>
-          <a:lumOff val="25000"/>
-        </a:schemeClr>
-      </a:solidFill>
-      <a:ln w="9525" cap="flat" cmpd="sng" algn="ctr">
-        <a:solidFill>
-          <a:schemeClr val="tx1">
-            <a:lumMod val="65000"/>
-            <a:lumOff val="35000"/>
-          </a:schemeClr>
-        </a:solidFill>
-        <a:round/>
-      </a:ln>
-    </cs:spPr>
-  </cs:downBar>
-  <cs:dropLine>
-    <cs:lnRef idx="0"/>
-    <cs:fillRef idx="0"/>
-    <cs:effectRef idx="0"/>
-    <cs:fontRef idx="minor">
-      <a:schemeClr val="tx1"/>
-    </cs:fontRef>
-    <cs:spPr>
-      <a:ln w="9525" cap="flat" cmpd="sng" algn="ctr">
-        <a:solidFill>
-          <a:schemeClr val="tx1">
-            <a:lumMod val="35000"/>
-            <a:lumOff val="65000"/>
-          </a:schemeClr>
-        </a:solidFill>
-        <a:round/>
-      </a:ln>
-    </cs:spPr>
-  </cs:dropLine>
-  <cs:errorBar>
-    <cs:lnRef idx="0"/>
-    <cs:fillRef idx="0"/>
-    <cs:effectRef idx="0"/>
-    <cs:fontRef idx="minor">
-      <a:schemeClr val="tx1"/>
-    </cs:fontRef>
-    <cs:spPr>
-      <a:ln w="9525" cap="flat" cmpd="sng" algn="ctr">
-        <a:solidFill>
-          <a:schemeClr val="tx1">
-            <a:lumMod val="65000"/>
-            <a:lumOff val="35000"/>
-          </a:schemeClr>
-        </a:solidFill>
-        <a:round/>
-      </a:ln>
-    </cs:spPr>
-  </cs:errorBar>
-  <cs:floor>
-    <cs:lnRef idx="0"/>
-    <cs:fillRef idx="0"/>
-    <cs:effectRef idx="0"/>
-    <cs:fontRef idx="minor">
-      <a:schemeClr val="tx1"/>
-    </cs:fontRef>
-    <cs:spPr>
-      <a:noFill/>
-      <a:ln>
-        <a:noFill/>
-      </a:ln>
-    </cs:spPr>
-  </cs:floor>
-  <cs:gridlineMajor>
-    <cs:lnRef idx="0"/>
-    <cs:fillRef idx="0"/>
-    <cs:effectRef idx="0"/>
-    <cs:fontRef idx="minor">
-      <a:schemeClr val="tx1"/>
-    </cs:fontRef>
-    <cs:spPr>
-      <a:ln w="9525" cap="flat" cmpd="sng" algn="ctr">
-        <a:solidFill>
-          <a:schemeClr val="tx1">
-            <a:lumMod val="15000"/>
-            <a:lumOff val="85000"/>
-          </a:schemeClr>
-        </a:solidFill>
-        <a:round/>
-      </a:ln>
-    </cs:spPr>
-  </cs:gridlineMajor>
-  <cs:gridlineMinor>
-    <cs:lnRef idx="0"/>
-    <cs:fillRef idx="0"/>
-    <cs:effectRef idx="0"/>
-    <cs:fontRef idx="minor">
-      <a:schemeClr val="tx1"/>
-    </cs:fontRef>
-    <cs:spPr>
-      <a:ln w="9525" cap="flat" cmpd="sng" algn="ctr">
-        <a:solidFill>
-          <a:schemeClr val="tx1">
-            <a:lumMod val="5000"/>
-            <a:lumOff val="95000"/>
-          </a:schemeClr>
-        </a:solidFill>
-        <a:round/>
-      </a:ln>
-    </cs:spPr>
-  </cs:gridlineMinor>
-  <cs:hiLoLine>
-    <cs:lnRef idx="0"/>
-    <cs:fillRef idx="0"/>
-    <cs:effectRef idx="0"/>
-    <cs:fontRef idx="minor">
-      <a:schemeClr val="tx1"/>
-    </cs:fontRef>
-    <cs:spPr>
-      <a:ln w="9525" cap="flat" cmpd="sng" algn="ctr">
-        <a:solidFill>
-          <a:schemeClr val="tx1">
-            <a:lumMod val="50000"/>
-            <a:lumOff val="50000"/>
-          </a:schemeClr>
-        </a:solidFill>
-        <a:round/>
-      </a:ln>
-    </cs:spPr>
-  </cs:hiLoLine>
-  <cs:leaderLine>
-    <cs:lnRef idx="0"/>
-    <cs:fillRef idx="0"/>
-    <cs:effectRef idx="0"/>
-    <cs:fontRef idx="minor">
-      <a:schemeClr val="tx1"/>
-    </cs:fontRef>
-    <cs:spPr>
-      <a:ln w="9525" cap="flat" cmpd="sng" algn="ctr">
-        <a:solidFill>
-          <a:schemeClr val="tx1">
-            <a:lumMod val="35000"/>
-            <a:lumOff val="65000"/>
-          </a:schemeClr>
-        </a:solidFill>
-        <a:round/>
-      </a:ln>
-    </cs:spPr>
-  </cs:leaderLine>
-  <cs:legend>
-    <cs:lnRef idx="0"/>
-    <cs:fillRef idx="0"/>
-    <cs:effectRef idx="0"/>
-    <cs:fontRef idx="minor">
-      <a:schemeClr val="tx1">
-        <a:lumMod val="65000"/>
-        <a:lumOff val="35000"/>
-      </a:schemeClr>
-    </cs:fontRef>
-    <cs:defRPr sz="1197" kern="1200"/>
-  </cs:legend>
-  <cs:plotArea mods="allowNoFillOverride allowNoLineOverride">
-    <cs:lnRef idx="0"/>
-    <cs:fillRef idx="0"/>
-    <cs:effectRef idx="0"/>
-    <cs:fontRef idx="minor">
-      <a:schemeClr val="tx1"/>
-    </cs:fontRef>
-  </cs:plotArea>
-  <cs:plotArea3D mods="allowNoFillOverride allowNoLineOverride">
-    <cs:lnRef idx="0"/>
-    <cs:fillRef idx="0"/>
-    <cs:effectRef idx="0"/>
-    <cs:fontRef idx="minor">
-      <a:schemeClr val="tx1"/>
-    </cs:fontRef>
-  </cs:plotArea3D>
-  <cs:seriesAxis>
-    <cs:lnRef idx="0"/>
-    <cs:fillRef idx="0"/>
-    <cs:effectRef idx="0"/>
-    <cs:fontRef idx="minor">
-      <a:schemeClr val="tx1">
-        <a:lumMod val="65000"/>
-        <a:lumOff val="35000"/>
-      </a:schemeClr>
-    </cs:fontRef>
-    <cs:defRPr sz="1197" kern="1200"/>
-  </cs:seriesAxis>
-  <cs:seriesLine>
-    <cs:lnRef idx="0"/>
-    <cs:fillRef idx="0"/>
-    <cs:effectRef idx="0"/>
-    <cs:fontRef idx="minor">
-      <a:schemeClr val="tx1"/>
-    </cs:fontRef>
-    <cs:spPr>
-      <a:ln w="9525" cap="flat" cmpd="sng" algn="ctr">
-        <a:solidFill>
-          <a:schemeClr val="tx1">
-            <a:lumMod val="35000"/>
-            <a:lumOff val="65000"/>
-          </a:schemeClr>
-        </a:solidFill>
-        <a:round/>
-      </a:ln>
-    </cs:spPr>
-  </cs:seriesLine>
-  <cs:title>
-    <cs:lnRef idx="0"/>
-    <cs:fillRef idx="0"/>
-    <cs:effectRef idx="0"/>
-    <cs:fontRef idx="minor">
-      <a:schemeClr val="tx1">
-        <a:lumMod val="65000"/>
-        <a:lumOff val="35000"/>
-      </a:schemeClr>
-    </cs:fontRef>
-    <cs:defRPr sz="1862" b="0" kern="1200" spc="0" baseline="0"/>
-  </cs:title>
-  <cs:trendline>
-    <cs:lnRef idx="0">
-      <cs:styleClr val="auto"/>
-    </cs:lnRef>
-    <cs:fillRef idx="0"/>
-    <cs:effectRef idx="0"/>
-    <cs:fontRef idx="minor">
-      <a:schemeClr val="tx1"/>
-    </cs:fontRef>
-    <cs:spPr>
-      <a:ln w="19050" cap="rnd">
-        <a:solidFill>
-          <a:schemeClr val="phClr"/>
-        </a:solidFill>
-        <a:prstDash val="sysDot"/>
-      </a:ln>
-    </cs:spPr>
-  </cs:trendline>
-  <cs:trendlineLabel>
-    <cs:lnRef idx="0"/>
-    <cs:fillRef idx="0"/>
-    <cs:effectRef idx="0"/>
-    <cs:fontRef idx="minor">
-      <a:schemeClr val="tx1">
-        <a:lumMod val="65000"/>
-        <a:lumOff val="35000"/>
-      </a:schemeClr>
-    </cs:fontRef>
-    <cs:defRPr sz="1197" kern="1200"/>
-  </cs:trendlineLabel>
-  <cs:upBar>
-    <cs:lnRef idx="0"/>
-    <cs:fillRef idx="0"/>
-    <cs:effectRef idx="0"/>
-    <cs:fontRef idx="minor">
-      <a:schemeClr val="tx1"/>
-    </cs:fontRef>
-    <cs:spPr>
-      <a:solidFill>
-        <a:schemeClr val="lt1"/>
-      </a:solidFill>
-      <a:ln w="9525" cap="flat" cmpd="sng" algn="ctr">
-        <a:solidFill>
-          <a:schemeClr val="tx1">
-            <a:lumMod val="65000"/>
-            <a:lumOff val="35000"/>
-          </a:schemeClr>
-        </a:solidFill>
-        <a:round/>
-      </a:ln>
-    </cs:spPr>
-  </cs:upBar>
-  <cs:valueAxis>
-    <cs:lnRef idx="0"/>
-    <cs:fillRef idx="0"/>
-    <cs:effectRef idx="0"/>
-    <cs:fontRef idx="minor">
-      <a:schemeClr val="tx1">
-        <a:lumMod val="65000"/>
-        <a:lumOff val="35000"/>
-      </a:schemeClr>
-    </cs:fontRef>
-    <cs:defRPr sz="1197" kern="1200"/>
-  </cs:valueAxis>
-  <cs:wall>
-    <cs:lnRef idx="0"/>
-    <cs:fillRef idx="0"/>
-    <cs:effectRef idx="0"/>
-    <cs:fontRef idx="minor">
-      <a:schemeClr val="tx1"/>
-    </cs:fontRef>
-    <cs:spPr>
-      <a:noFill/>
-      <a:ln>
-        <a:noFill/>
-      </a:ln>
-    </cs:spPr>
-  </cs:wall>
-</cs:chartStyle>
-</file>
-
 <file path=ppt/handoutMasters/handoutMaster1.xml><?xml version="1.0" encoding="utf-8"?>
 <p:handoutMaster xmlns:a="http://schemas.openxmlformats.org/drawingml/2006/main" xmlns:r="http://schemas.openxmlformats.org/officeDocument/2006/relationships" xmlns:p="http://schemas.openxmlformats.org/presentationml/2006/main">
   <p:cSld>
@@ -1063,7 +245,7 @@
             <a:pPr rtl="0"/>
             <a:fld id="{7334EB05-B65D-4357-89E6-1998AEC274BF}" type="datetime1">
               <a:rPr lang="hu-HU" smtClean="0"/>
-              <a:t>2022.12.07.</a:t>
+              <a:t>2022.12.08.</a:t>
             </a:fld>
             <a:endParaRPr lang="hu-HU" dirty="0"/>
           </a:p>
@@ -1245,7 +427,7 @@
             <a:pPr rtl="0"/>
             <a:fld id="{9E734C57-E9E1-41CF-980D-894129B14651}" type="datetime1">
               <a:rPr lang="hu-HU" noProof="0" smtClean="0"/>
-              <a:t>2022.12.07.</a:t>
+              <a:t>2022.12.08.</a:t>
             </a:fld>
             <a:endParaRPr lang="hu-HU" noProof="0" dirty="0"/>
           </a:p>
@@ -1670,7 +852,7 @@
             <a:pPr rtl="0"/>
             <a:fld id="{6FC40A10-6036-4879-816D-55C01FC94846}" type="slidenum">
               <a:rPr lang="hu-HU" smtClean="0"/>
-              <a:t>10</a:t>
+              <a:t>11</a:t>
             </a:fld>
             <a:endParaRPr lang="hu-HU" dirty="0"/>
           </a:p>
@@ -1679,7 +861,7 @@
     </p:spTree>
     <p:extLst>
       <p:ext uri="{BB962C8B-B14F-4D97-AF65-F5344CB8AC3E}">
-        <p14:creationId xmlns:p14="http://schemas.microsoft.com/office/powerpoint/2010/main" val="3673160767"/>
+        <p14:creationId xmlns:p14="http://schemas.microsoft.com/office/powerpoint/2010/main" val="2140083847"/>
       </p:ext>
     </p:extLst>
   </p:cSld>
@@ -1756,92 +938,6 @@
             <a:pPr rtl="0"/>
             <a:fld id="{6FC40A10-6036-4879-816D-55C01FC94846}" type="slidenum">
               <a:rPr lang="hu-HU" smtClean="0"/>
-              <a:t>11</a:t>
-            </a:fld>
-            <a:endParaRPr lang="hu-HU" dirty="0"/>
-          </a:p>
-        </p:txBody>
-      </p:sp>
-    </p:spTree>
-    <p:extLst>
-      <p:ext uri="{BB962C8B-B14F-4D97-AF65-F5344CB8AC3E}">
-        <p14:creationId xmlns:p14="http://schemas.microsoft.com/office/powerpoint/2010/main" val="2140083847"/>
-      </p:ext>
-    </p:extLst>
-  </p:cSld>
-  <p:clrMapOvr>
-    <a:masterClrMapping/>
-  </p:clrMapOvr>
-</p:notes>
-</file>
-
-<file path=ppt/notesSlides/notesSlide12.xml><?xml version="1.0" encoding="utf-8"?>
-<p:notes xmlns:a="http://schemas.openxmlformats.org/drawingml/2006/main" xmlns:r="http://schemas.openxmlformats.org/officeDocument/2006/relationships" xmlns:p="http://schemas.openxmlformats.org/presentationml/2006/main">
-  <p:cSld>
-    <p:spTree>
-      <p:nvGrpSpPr>
-        <p:cNvPr id="1" name=""/>
-        <p:cNvGrpSpPr/>
-        <p:nvPr/>
-      </p:nvGrpSpPr>
-      <p:grpSpPr>
-        <a:xfrm>
-          <a:off x="0" y="0"/>
-          <a:ext cx="0" cy="0"/>
-          <a:chOff x="0" y="0"/>
-          <a:chExt cx="0" cy="0"/>
-        </a:xfrm>
-      </p:grpSpPr>
-      <p:sp>
-        <p:nvSpPr>
-          <p:cNvPr id="2" name="Diakép helye 1"/>
-          <p:cNvSpPr>
-            <a:spLocks noGrp="1" noRot="1" noChangeAspect="1"/>
-          </p:cNvSpPr>
-          <p:nvPr>
-            <p:ph type="sldImg"/>
-          </p:nvPr>
-        </p:nvSpPr>
-        <p:spPr/>
-      </p:sp>
-      <p:sp>
-        <p:nvSpPr>
-          <p:cNvPr id="3" name="Jegyzetek helye 2"/>
-          <p:cNvSpPr>
-            <a:spLocks noGrp="1"/>
-          </p:cNvSpPr>
-          <p:nvPr>
-            <p:ph type="body" idx="1"/>
-          </p:nvPr>
-        </p:nvSpPr>
-        <p:spPr/>
-        <p:txBody>
-          <a:bodyPr rtlCol="0"/>
-          <a:lstStyle/>
-          <a:p>
-            <a:pPr rtl="0"/>
-            <a:endParaRPr lang="hu-HU" dirty="0"/>
-          </a:p>
-        </p:txBody>
-      </p:sp>
-      <p:sp>
-        <p:nvSpPr>
-          <p:cNvPr id="4" name="Dia számának helye 3"/>
-          <p:cNvSpPr>
-            <a:spLocks noGrp="1"/>
-          </p:cNvSpPr>
-          <p:nvPr>
-            <p:ph type="sldNum" sz="quarter" idx="10"/>
-          </p:nvPr>
-        </p:nvSpPr>
-        <p:spPr/>
-        <p:txBody>
-          <a:bodyPr rtlCol="0"/>
-          <a:lstStyle/>
-          <a:p>
-            <a:pPr rtl="0"/>
-            <a:fld id="{6FC40A10-6036-4879-816D-55C01FC94846}" type="slidenum">
-              <a:rPr lang="hu-HU" smtClean="0"/>
               <a:t>12</a:t>
             </a:fld>
             <a:endParaRPr lang="hu-HU" dirty="0"/>
@@ -1861,7 +957,7 @@
 </p:notes>
 </file>
 
-<file path=ppt/notesSlides/notesSlide13.xml><?xml version="1.0" encoding="utf-8"?>
+<file path=ppt/notesSlides/notesSlide12.xml><?xml version="1.0" encoding="utf-8"?>
 <p:notes xmlns:a="http://schemas.openxmlformats.org/drawingml/2006/main" xmlns:r="http://schemas.openxmlformats.org/officeDocument/2006/relationships" xmlns:p="http://schemas.openxmlformats.org/presentationml/2006/main">
   <p:cSld>
     <p:spTree>
@@ -2023,7 +1119,7 @@
     </p:spTree>
     <p:extLst>
       <p:ext uri="{BB962C8B-B14F-4D97-AF65-F5344CB8AC3E}">
-        <p14:creationId xmlns:p14="http://schemas.microsoft.com/office/powerpoint/2010/main" val="2901811387"/>
+        <p14:creationId xmlns:p14="http://schemas.microsoft.com/office/powerpoint/2010/main" val="3535227379"/>
       </p:ext>
     </p:extLst>
   </p:cSld>
@@ -2100,7 +1196,7 @@
             <a:pPr rtl="0"/>
             <a:fld id="{6FC40A10-6036-4879-816D-55C01FC94846}" type="slidenum">
               <a:rPr lang="hu-HU" smtClean="0"/>
-              <a:t>3</a:t>
+              <a:t>4</a:t>
             </a:fld>
             <a:endParaRPr lang="hu-HU" dirty="0"/>
           </a:p>
@@ -2109,7 +1205,7 @@
     </p:spTree>
     <p:extLst>
       <p:ext uri="{BB962C8B-B14F-4D97-AF65-F5344CB8AC3E}">
-        <p14:creationId xmlns:p14="http://schemas.microsoft.com/office/powerpoint/2010/main" val="1787154883"/>
+        <p14:creationId xmlns:p14="http://schemas.microsoft.com/office/powerpoint/2010/main" val="2901811387"/>
       </p:ext>
     </p:extLst>
   </p:cSld>
@@ -2186,7 +1282,7 @@
             <a:pPr rtl="0"/>
             <a:fld id="{6FC40A10-6036-4879-816D-55C01FC94846}" type="slidenum">
               <a:rPr lang="hu-HU" smtClean="0"/>
-              <a:t>4</a:t>
+              <a:t>5</a:t>
             </a:fld>
             <a:endParaRPr lang="hu-HU" dirty="0"/>
           </a:p>
@@ -2195,7 +1291,7 @@
     </p:spTree>
     <p:extLst>
       <p:ext uri="{BB962C8B-B14F-4D97-AF65-F5344CB8AC3E}">
-        <p14:creationId xmlns:p14="http://schemas.microsoft.com/office/powerpoint/2010/main" val="442413189"/>
+        <p14:creationId xmlns:p14="http://schemas.microsoft.com/office/powerpoint/2010/main" val="1787154883"/>
       </p:ext>
     </p:extLst>
   </p:cSld>
@@ -2272,7 +1368,7 @@
             <a:pPr rtl="0"/>
             <a:fld id="{6FC40A10-6036-4879-816D-55C01FC94846}" type="slidenum">
               <a:rPr lang="hu-HU" smtClean="0"/>
-              <a:t>5</a:t>
+              <a:t>6</a:t>
             </a:fld>
             <a:endParaRPr lang="hu-HU" dirty="0"/>
           </a:p>
@@ -2281,7 +1377,7 @@
     </p:spTree>
     <p:extLst>
       <p:ext uri="{BB962C8B-B14F-4D97-AF65-F5344CB8AC3E}">
-        <p14:creationId xmlns:p14="http://schemas.microsoft.com/office/powerpoint/2010/main" val="1004597781"/>
+        <p14:creationId xmlns:p14="http://schemas.microsoft.com/office/powerpoint/2010/main" val="442413189"/>
       </p:ext>
     </p:extLst>
   </p:cSld>
@@ -2358,7 +1454,7 @@
             <a:pPr rtl="0"/>
             <a:fld id="{6FC40A10-6036-4879-816D-55C01FC94846}" type="slidenum">
               <a:rPr lang="hu-HU" smtClean="0"/>
-              <a:t>6</a:t>
+              <a:t>7</a:t>
             </a:fld>
             <a:endParaRPr lang="hu-HU" dirty="0"/>
           </a:p>
@@ -2367,7 +1463,7 @@
     </p:spTree>
     <p:extLst>
       <p:ext uri="{BB962C8B-B14F-4D97-AF65-F5344CB8AC3E}">
-        <p14:creationId xmlns:p14="http://schemas.microsoft.com/office/powerpoint/2010/main" val="2285217782"/>
+        <p14:creationId xmlns:p14="http://schemas.microsoft.com/office/powerpoint/2010/main" val="1004597781"/>
       </p:ext>
     </p:extLst>
   </p:cSld>
@@ -2444,7 +1540,7 @@
             <a:pPr rtl="0"/>
             <a:fld id="{6FC40A10-6036-4879-816D-55C01FC94846}" type="slidenum">
               <a:rPr lang="hu-HU" smtClean="0"/>
-              <a:t>7</a:t>
+              <a:t>8</a:t>
             </a:fld>
             <a:endParaRPr lang="hu-HU" dirty="0"/>
           </a:p>
@@ -2453,7 +1549,7 @@
     </p:spTree>
     <p:extLst>
       <p:ext uri="{BB962C8B-B14F-4D97-AF65-F5344CB8AC3E}">
-        <p14:creationId xmlns:p14="http://schemas.microsoft.com/office/powerpoint/2010/main" val="1758616836"/>
+        <p14:creationId xmlns:p14="http://schemas.microsoft.com/office/powerpoint/2010/main" val="2285217782"/>
       </p:ext>
     </p:extLst>
   </p:cSld>
@@ -2530,7 +1626,7 @@
             <a:pPr rtl="0"/>
             <a:fld id="{6FC40A10-6036-4879-816D-55C01FC94846}" type="slidenum">
               <a:rPr lang="hu-HU" smtClean="0"/>
-              <a:t>8</a:t>
+              <a:t>9</a:t>
             </a:fld>
             <a:endParaRPr lang="hu-HU" dirty="0"/>
           </a:p>
@@ -2539,7 +1635,7 @@
     </p:spTree>
     <p:extLst>
       <p:ext uri="{BB962C8B-B14F-4D97-AF65-F5344CB8AC3E}">
-        <p14:creationId xmlns:p14="http://schemas.microsoft.com/office/powerpoint/2010/main" val="2608755963"/>
+        <p14:creationId xmlns:p14="http://schemas.microsoft.com/office/powerpoint/2010/main" val="1758616836"/>
       </p:ext>
     </p:extLst>
   </p:cSld>
@@ -2616,7 +1712,7 @@
             <a:pPr rtl="0"/>
             <a:fld id="{6FC40A10-6036-4879-816D-55C01FC94846}" type="slidenum">
               <a:rPr lang="hu-HU" smtClean="0"/>
-              <a:t>9</a:t>
+              <a:t>10</a:t>
             </a:fld>
             <a:endParaRPr lang="hu-HU" dirty="0"/>
           </a:p>
@@ -2625,7 +1721,7 @@
     </p:spTree>
     <p:extLst>
       <p:ext uri="{BB962C8B-B14F-4D97-AF65-F5344CB8AC3E}">
-        <p14:creationId xmlns:p14="http://schemas.microsoft.com/office/powerpoint/2010/main" val="3535227379"/>
+        <p14:creationId xmlns:p14="http://schemas.microsoft.com/office/powerpoint/2010/main" val="2608755963"/>
       </p:ext>
     </p:extLst>
   </p:cSld>
@@ -31377,7 +30473,7 @@
             <a:blip r:embed="rId2">
               <a:extLst>
                 <a:ext uri="{96DAC541-7B7A-43D3-8B79-37D633B846F1}">
-                  <asvg:svgBlip xmlns="" xmlns:asvg="http://schemas.microsoft.com/office/drawing/2016/SVG/main" r:embed="rId3"/>
+                  <asvg:svgBlip xmlns:asvg="http://schemas.microsoft.com/office/drawing/2016/SVG/main" xmlns="" r:embed="rId3"/>
                 </a:ext>
               </a:extLst>
             </a:blip>
@@ -41914,7 +41010,7 @@
             <a:blip r:embed="rId2">
               <a:extLst>
                 <a:ext uri="{96DAC541-7B7A-43D3-8B79-37D633B846F1}">
-                  <asvg:svgBlip xmlns="" xmlns:asvg="http://schemas.microsoft.com/office/drawing/2016/SVG/main" r:embed="rId3"/>
+                  <asvg:svgBlip xmlns:asvg="http://schemas.microsoft.com/office/drawing/2016/SVG/main" xmlns="" r:embed="rId3"/>
                 </a:ext>
               </a:extLst>
             </a:blip>
@@ -46111,11 +45207,11 @@
   <p:clrMapOvr>
     <a:masterClrMapping/>
   </p:clrMapOvr>
-  <mc:AlternateContent xmlns:mc="http://schemas.openxmlformats.org/markup-compatibility/2006">
-    <mc:Choice xmlns:p14="http://schemas.microsoft.com/office/powerpoint/2010/main" Requires="p14">
+  <mc:AlternateContent xmlns:mc="http://schemas.openxmlformats.org/markup-compatibility/2006" xmlns:p14="http://schemas.microsoft.com/office/powerpoint/2010/main">
+    <mc:Choice Requires="p14">
       <p:transition p14:dur="0"/>
     </mc:Choice>
-    <mc:Fallback>
+    <mc:Fallback xmlns="">
       <p:transition/>
     </mc:Fallback>
   </mc:AlternateContent>
@@ -46310,10 +45406,47 @@
       </p:grpSpPr>
       <p:pic>
         <p:nvPicPr>
-          <p:cNvPr id="21" name="Kép helyőrzője 20">
-            <a:extLst>
-              <a:ext uri="{FF2B5EF4-FFF2-40B4-BE49-F238E27FC236}">
-                <a16:creationId xmlns:a16="http://schemas.microsoft.com/office/drawing/2014/main" id="{6CEE2AB6-77F9-42A9-87B8-B3F629E6B0A5}"/>
+          <p:cNvPr id="7" name="Kép 6"/>
+          <p:cNvPicPr>
+            <a:picLocks noChangeAspect="1"/>
+          </p:cNvPicPr>
+          <p:nvPr/>
+        </p:nvPicPr>
+        <p:blipFill rotWithShape="1">
+          <a:blip r:embed="rId3"/>
+          <a:srcRect r="45247"/>
+          <a:stretch/>
+        </p:blipFill>
+        <p:spPr>
+          <a:xfrm>
+            <a:off x="1166903" y="3581219"/>
+            <a:ext cx="2001747" cy="1757456"/>
+          </a:xfrm>
+          <a:prstGeom prst="rect">
+            <a:avLst/>
+          </a:prstGeom>
+          <a:ln w="38100" cap="sq">
+            <a:solidFill>
+              <a:srgbClr val="000000"/>
+            </a:solidFill>
+            <a:prstDash val="solid"/>
+            <a:miter lim="800000"/>
+          </a:ln>
+          <a:effectLst>
+            <a:outerShdw blurRad="50800" dist="38100" dir="2700000" algn="tl" rotWithShape="0">
+              <a:srgbClr val="000000">
+                <a:alpha val="43000"/>
+              </a:srgbClr>
+            </a:outerShdw>
+          </a:effectLst>
+        </p:spPr>
+      </p:pic>
+      <p:pic>
+        <p:nvPicPr>
+          <p:cNvPr id="10" name="Kép helyőrzője 9">
+            <a:extLst>
+              <a:ext uri="{FF2B5EF4-FFF2-40B4-BE49-F238E27FC236}">
+                <a16:creationId xmlns:a16="http://schemas.microsoft.com/office/drawing/2014/main" id="{F134DE68-610E-4EEB-B74B-452C1FAC1DAE}"/>
               </a:ext>
             </a:extLst>
           </p:cNvPr>
@@ -46325,7 +45458,7 @@
           </p:nvPr>
         </p:nvPicPr>
         <p:blipFill>
-          <a:blip r:embed="rId3">
+          <a:blip r:embed="rId4">
             <a:extLst>
               <a:ext uri="{28A0092B-C50C-407E-A947-70E740481C1C}">
                 <a14:useLocalDpi xmlns:a14="http://schemas.microsoft.com/office/drawing/2010/main" val="0"/>
@@ -46343,12 +45476,43 @@
           </a:xfrm>
         </p:spPr>
       </p:pic>
-      <p:sp>
-        <p:nvSpPr>
-          <p:cNvPr id="2" name="Cím 1">
-            <a:extLst>
-              <a:ext uri="{FF2B5EF4-FFF2-40B4-BE49-F238E27FC236}">
-                <a16:creationId xmlns:a16="http://schemas.microsoft.com/office/drawing/2014/main" id="{C7EE037F-A730-41CA-8CC6-20499D3EA54A}"/>
+      <p:pic>
+        <p:nvPicPr>
+          <p:cNvPr id="21" name="Kép helyőrzője 20" descr="Absztrakt háttér">
+            <a:extLst>
+              <a:ext uri="{FF2B5EF4-FFF2-40B4-BE49-F238E27FC236}">
+                <a16:creationId xmlns:a16="http://schemas.microsoft.com/office/drawing/2014/main" id="{CFD930F2-FED4-475C-A75D-6AB046729949}"/>
+              </a:ext>
+            </a:extLst>
+          </p:cNvPr>
+          <p:cNvPicPr>
+            <a:picLocks noGrp="1" noChangeAspect="1"/>
+          </p:cNvPicPr>
+          <p:nvPr>
+            <p:ph type="pic" sz="quarter" idx="14"/>
+          </p:nvPr>
+        </p:nvPicPr>
+        <p:blipFill>
+          <a:blip r:embed="rId5">
+            <a:extLst>
+              <a:ext uri="{28A0092B-C50C-407E-A947-70E740481C1C}">
+                <a14:useLocalDpi xmlns:a14="http://schemas.microsoft.com/office/drawing/2010/main" val="0"/>
+              </a:ext>
+            </a:extLst>
+          </a:blip>
+          <a:srcRect/>
+          <a:stretch>
+            <a:fillRect/>
+          </a:stretch>
+        </p:blipFill>
+        <p:spPr/>
+      </p:pic>
+      <p:sp>
+        <p:nvSpPr>
+          <p:cNvPr id="5" name="Cím 4">
+            <a:extLst>
+              <a:ext uri="{FF2B5EF4-FFF2-40B4-BE49-F238E27FC236}">
+                <a16:creationId xmlns:a16="http://schemas.microsoft.com/office/drawing/2014/main" id="{971E61A3-1D57-4708-B548-E59863785D2E}"/>
               </a:ext>
             </a:extLst>
           </p:cNvPr>
@@ -46359,26 +45523,33 @@
             <p:ph type="title"/>
           </p:nvPr>
         </p:nvSpPr>
-        <p:spPr/>
-        <p:txBody>
-          <a:bodyPr rtlCol="0"/>
+        <p:spPr>
+          <a:xfrm>
+            <a:off x="6650783" y="3531374"/>
+            <a:ext cx="5196660" cy="569086"/>
+          </a:xfrm>
+        </p:spPr>
+        <p:txBody>
+          <a:bodyPr rtlCol="0">
+            <a:noAutofit/>
+          </a:bodyPr>
           <a:lstStyle/>
           <a:p>
             <a:pPr rtl="0"/>
             <a:r>
-              <a:rPr lang="hu-HU" dirty="0" smtClean="0"/>
-              <a:t>FINANSZÍROZÁS</a:t>
-            </a:r>
-            <a:endParaRPr lang="hu-HU" dirty="0"/>
-          </a:p>
-        </p:txBody>
-      </p:sp>
-      <p:sp>
-        <p:nvSpPr>
-          <p:cNvPr id="3" name="Szöveg helye 2">
-            <a:extLst>
-              <a:ext uri="{FF2B5EF4-FFF2-40B4-BE49-F238E27FC236}">
-                <a16:creationId xmlns:a16="http://schemas.microsoft.com/office/drawing/2014/main" id="{3ABA1C75-C69D-4D41-A555-3BFDFAB3B2C7}"/>
+              <a:rPr lang="hu-HU" sz="5400" dirty="0" smtClean="0"/>
+              <a:t>MOBILVERZIÓ</a:t>
+            </a:r>
+            <a:endParaRPr lang="hu-HU" sz="5400" dirty="0"/>
+          </a:p>
+        </p:txBody>
+      </p:sp>
+      <p:sp>
+        <p:nvSpPr>
+          <p:cNvPr id="4" name="Dia számának helye 3">
+            <a:extLst>
+              <a:ext uri="{FF2B5EF4-FFF2-40B4-BE49-F238E27FC236}">
+                <a16:creationId xmlns:a16="http://schemas.microsoft.com/office/drawing/2014/main" id="{98CB8384-B0BB-4EA8-B9C0-C29BC90FA28C}"/>
               </a:ext>
             </a:extLst>
           </p:cNvPr>
@@ -46386,7 +45557,7 @@
             <a:spLocks noGrp="1"/>
           </p:cNvSpPr>
           <p:nvPr>
-            <p:ph type="body" idx="1"/>
+            <p:ph type="sldNum" sz="quarter" idx="12"/>
           </p:nvPr>
         </p:nvSpPr>
         <p:spPr/>
@@ -46395,20 +45566,21 @@
           <a:lstStyle/>
           <a:p>
             <a:pPr rtl="0"/>
-            <a:r>
-              <a:rPr lang="hu-HU" dirty="0" smtClean="0"/>
-              <a:t>Anyagiak</a:t>
-            </a:r>
+            <a:fld id="{8D581BC7-E183-40DB-AC97-C19EA4EB8894}" type="slidenum">
+              <a:rPr lang="hu-HU" smtClean="0"/>
+              <a:pPr rtl="0"/>
+              <a:t>10</a:t>
+            </a:fld>
             <a:endParaRPr lang="hu-HU" dirty="0"/>
           </a:p>
         </p:txBody>
       </p:sp>
       <p:sp>
         <p:nvSpPr>
-          <p:cNvPr id="8" name="Szöveg helye 7">
-            <a:extLst>
-              <a:ext uri="{FF2B5EF4-FFF2-40B4-BE49-F238E27FC236}">
-                <a16:creationId xmlns:a16="http://schemas.microsoft.com/office/drawing/2014/main" id="{C4D0DF72-0ED9-4177-AA9F-92155707E580}"/>
+          <p:cNvPr id="3" name="Élőláb helye 2">
+            <a:extLst>
+              <a:ext uri="{FF2B5EF4-FFF2-40B4-BE49-F238E27FC236}">
+                <a16:creationId xmlns:a16="http://schemas.microsoft.com/office/drawing/2014/main" id="{6B773D43-1954-4F70-800C-0FBF061FA84A}"/>
               </a:ext>
             </a:extLst>
           </p:cNvPr>
@@ -46416,20 +45588,18 @@
             <a:spLocks noGrp="1"/>
           </p:cNvSpPr>
           <p:nvPr>
-            <p:ph type="body" idx="34"/>
+            <p:ph type="ftr" sz="quarter" idx="11"/>
           </p:nvPr>
         </p:nvSpPr>
         <p:spPr/>
         <p:txBody>
-          <a:bodyPr rtlCol="0">
-            <a:normAutofit fontScale="92500"/>
-          </a:bodyPr>
+          <a:bodyPr rtlCol="0"/>
           <a:lstStyle/>
           <a:p>
             <a:pPr rtl="0"/>
             <a:r>
               <a:rPr lang="hu-HU" dirty="0" smtClean="0"/>
-              <a:t>1 500 000 Ft</a:t>
+              <a:t>Weboldal mobilverzió</a:t>
             </a:r>
             <a:endParaRPr lang="hu-HU" dirty="0"/>
           </a:p>
@@ -46437,10 +45607,10 @@
       </p:sp>
       <p:sp>
         <p:nvSpPr>
-          <p:cNvPr id="9" name="Szöveg helye 8">
-            <a:extLst>
-              <a:ext uri="{FF2B5EF4-FFF2-40B4-BE49-F238E27FC236}">
-                <a16:creationId xmlns:a16="http://schemas.microsoft.com/office/drawing/2014/main" id="{3248500B-B1C0-4B93-A5C8-F3528E3F0940}"/>
+          <p:cNvPr id="2" name="Dátum helye 1">
+            <a:extLst>
+              <a:ext uri="{FF2B5EF4-FFF2-40B4-BE49-F238E27FC236}">
+                <a16:creationId xmlns:a16="http://schemas.microsoft.com/office/drawing/2014/main" id="{FC83A74C-977A-4816-891B-118D588AEF80}"/>
               </a:ext>
             </a:extLst>
           </p:cNvPr>
@@ -46448,456 +45618,97 @@
             <a:spLocks noGrp="1"/>
           </p:cNvSpPr>
           <p:nvPr>
-            <p:ph type="body" idx="42"/>
+            <p:ph type="dt" sz="half" idx="10"/>
           </p:nvPr>
         </p:nvSpPr>
         <p:spPr/>
         <p:txBody>
-          <a:bodyPr rtlCol="0">
-            <a:normAutofit fontScale="77500" lnSpcReduction="20000"/>
+          <a:bodyPr rtlCol="0"/>
+          <a:lstStyle/>
+          <a:p>
+            <a:pPr rtl="0"/>
+            <a:r>
+              <a:rPr lang="hu-HU" dirty="0" smtClean="0"/>
+              <a:t>2022.12.01 </a:t>
+            </a:r>
+            <a:endParaRPr lang="hu-HU" dirty="0"/>
+          </a:p>
+        </p:txBody>
+      </p:sp>
+      <p:pic>
+        <p:nvPicPr>
+          <p:cNvPr id="11" name="Kép 10"/>
+          <p:cNvPicPr>
+            <a:picLocks noChangeAspect="1"/>
+          </p:cNvPicPr>
+          <p:nvPr/>
+        </p:nvPicPr>
+        <p:blipFill rotWithShape="1">
+          <a:blip r:embed="rId6"/>
+          <a:srcRect b="21484"/>
+          <a:stretch/>
+        </p:blipFill>
+        <p:spPr>
+          <a:xfrm>
+            <a:off x="3315505" y="1976894"/>
+            <a:ext cx="1816619" cy="3108960"/>
+          </a:xfrm>
+          <a:prstGeom prst="rect">
+            <a:avLst/>
+          </a:prstGeom>
+          <a:ln w="38100" cap="sq">
+            <a:solidFill>
+              <a:srgbClr val="000000"/>
+            </a:solidFill>
+            <a:prstDash val="solid"/>
+            <a:miter lim="800000"/>
+          </a:ln>
+          <a:effectLst>
+            <a:outerShdw blurRad="50800" dist="38100" dir="2700000" algn="tl" rotWithShape="0">
+              <a:srgbClr val="000000">
+                <a:alpha val="43000"/>
+              </a:srgbClr>
+            </a:outerShdw>
+          </a:effectLst>
+        </p:spPr>
+      </p:pic>
+      <p:sp>
+        <p:nvSpPr>
+          <p:cNvPr id="9" name="Szövegdoboz 8"/>
+          <p:cNvSpPr txBox="1"/>
+          <p:nvPr/>
+        </p:nvSpPr>
+        <p:spPr>
+          <a:xfrm>
+            <a:off x="6806316" y="4405023"/>
+            <a:ext cx="4826441" cy="369332"/>
+          </a:xfrm>
+          <a:prstGeom prst="rect">
+            <a:avLst/>
+          </a:prstGeom>
+          <a:noFill/>
+        </p:spPr>
+        <p:txBody>
+          <a:bodyPr wrap="square" rtlCol="0">
+            <a:spAutoFit/>
           </a:bodyPr>
           <a:lstStyle/>
           <a:p>
-            <a:pPr rtl="0"/>
+            <a:r>
+              <a:rPr lang="hu-HU" dirty="0" err="1" smtClean="0"/>
+              <a:t>Reszponzív</a:t>
+            </a:r>
             <a:r>
               <a:rPr lang="hu-HU" dirty="0" smtClean="0"/>
-              <a:t>Heti alkohol fogyasztás</a:t>
-            </a:r>
-            <a:endParaRPr lang="hu-HU" dirty="0"/>
-          </a:p>
-        </p:txBody>
-      </p:sp>
-      <p:sp>
-        <p:nvSpPr>
-          <p:cNvPr id="10" name="Szöveg helye 9">
-            <a:extLst>
-              <a:ext uri="{FF2B5EF4-FFF2-40B4-BE49-F238E27FC236}">
-                <a16:creationId xmlns:a16="http://schemas.microsoft.com/office/drawing/2014/main" id="{FC0926F0-25F5-4366-A9CC-C019C576C641}"/>
-              </a:ext>
-            </a:extLst>
-          </p:cNvPr>
-          <p:cNvSpPr>
-            <a:spLocks noGrp="1"/>
-          </p:cNvSpPr>
-          <p:nvPr>
-            <p:ph type="body" idx="45"/>
-          </p:nvPr>
-        </p:nvSpPr>
-        <p:spPr/>
-        <p:txBody>
-          <a:bodyPr rtlCol="0">
-            <a:normAutofit fontScale="92500"/>
-          </a:bodyPr>
-          <a:lstStyle/>
-          <a:p>
-            <a:pPr rtl="0"/>
+              <a:t> weboldal </a:t>
+            </a:r>
+            <a:r>
+              <a:rPr lang="hu-HU" dirty="0" err="1" smtClean="0"/>
+              <a:t>dízályn</a:t>
+            </a:r>
             <a:r>
               <a:rPr lang="hu-HU" dirty="0" smtClean="0"/>
-              <a:t>1 500 000 Ft</a:t>
-            </a:r>
-            <a:endParaRPr lang="hu-HU" dirty="0"/>
-          </a:p>
-        </p:txBody>
-      </p:sp>
-      <p:sp>
-        <p:nvSpPr>
-          <p:cNvPr id="11" name="Szöveg helye 10">
-            <a:extLst>
-              <a:ext uri="{FF2B5EF4-FFF2-40B4-BE49-F238E27FC236}">
-                <a16:creationId xmlns:a16="http://schemas.microsoft.com/office/drawing/2014/main" id="{10F7DD00-2746-4E1D-9ED9-2A2A45757651}"/>
-              </a:ext>
-            </a:extLst>
-          </p:cNvPr>
-          <p:cNvSpPr>
-            <a:spLocks noGrp="1"/>
-          </p:cNvSpPr>
-          <p:nvPr>
-            <p:ph type="body" idx="46"/>
-          </p:nvPr>
-        </p:nvSpPr>
-        <p:spPr/>
-        <p:txBody>
-          <a:bodyPr rtlCol="0">
-            <a:normAutofit fontScale="77500" lnSpcReduction="20000"/>
-          </a:bodyPr>
-          <a:lstStyle/>
-          <a:p>
-            <a:pPr rtl="0"/>
-            <a:r>
-              <a:rPr lang="hu-HU" dirty="0" smtClean="0"/>
-              <a:t>Heti kenyér fogyasztás</a:t>
-            </a:r>
-            <a:endParaRPr lang="hu-HU" dirty="0"/>
-          </a:p>
-        </p:txBody>
-      </p:sp>
-      <p:sp>
-        <p:nvSpPr>
-          <p:cNvPr id="12" name="Szöveg helye 11">
-            <a:extLst>
-              <a:ext uri="{FF2B5EF4-FFF2-40B4-BE49-F238E27FC236}">
-                <a16:creationId xmlns:a16="http://schemas.microsoft.com/office/drawing/2014/main" id="{E06AE86F-CBE5-4A5D-B862-6A87F5A8538C}"/>
-              </a:ext>
-            </a:extLst>
-          </p:cNvPr>
-          <p:cNvSpPr>
-            <a:spLocks noGrp="1"/>
-          </p:cNvSpPr>
-          <p:nvPr>
-            <p:ph type="body" idx="47"/>
-          </p:nvPr>
-        </p:nvSpPr>
-        <p:spPr/>
-        <p:txBody>
-          <a:bodyPr rtlCol="0">
-            <a:normAutofit fontScale="92500"/>
-          </a:bodyPr>
-          <a:lstStyle/>
-          <a:p>
-            <a:pPr rtl="0"/>
-            <a:r>
-              <a:rPr lang="hu-HU" dirty="0" smtClean="0"/>
-              <a:t>1 500 000 Ft</a:t>
-            </a:r>
-            <a:endParaRPr lang="hu-HU" dirty="0"/>
-          </a:p>
-        </p:txBody>
-      </p:sp>
-      <p:sp>
-        <p:nvSpPr>
-          <p:cNvPr id="13" name="Szöveg helye 12">
-            <a:extLst>
-              <a:ext uri="{FF2B5EF4-FFF2-40B4-BE49-F238E27FC236}">
-                <a16:creationId xmlns:a16="http://schemas.microsoft.com/office/drawing/2014/main" id="{68F52BDF-E8EE-4030-93B5-FDB571BFF38E}"/>
-              </a:ext>
-            </a:extLst>
-          </p:cNvPr>
-          <p:cNvSpPr>
-            <a:spLocks noGrp="1"/>
-          </p:cNvSpPr>
-          <p:nvPr>
-            <p:ph type="body" idx="48"/>
-          </p:nvPr>
-        </p:nvSpPr>
-        <p:spPr/>
-        <p:txBody>
-          <a:bodyPr rtlCol="0"/>
-          <a:lstStyle/>
-          <a:p>
-            <a:pPr rtl="0"/>
-            <a:r>
-              <a:rPr lang="hu-HU" dirty="0" smtClean="0"/>
-              <a:t>Egyéb</a:t>
-            </a:r>
-            <a:endParaRPr lang="hu-HU" dirty="0"/>
-          </a:p>
-        </p:txBody>
-      </p:sp>
-      <p:sp>
-        <p:nvSpPr>
-          <p:cNvPr id="14" name="Szöveg helye 13">
-            <a:extLst>
-              <a:ext uri="{FF2B5EF4-FFF2-40B4-BE49-F238E27FC236}">
-                <a16:creationId xmlns:a16="http://schemas.microsoft.com/office/drawing/2014/main" id="{BBD4E04C-CA27-41FE-B45E-FEF8371A03F1}"/>
-              </a:ext>
-            </a:extLst>
-          </p:cNvPr>
-          <p:cNvSpPr>
-            <a:spLocks noGrp="1"/>
-          </p:cNvSpPr>
-          <p:nvPr>
-            <p:ph type="body" idx="49"/>
-          </p:nvPr>
-        </p:nvSpPr>
-        <p:spPr/>
-        <p:txBody>
-          <a:bodyPr rtlCol="0">
-            <a:normAutofit fontScale="92500"/>
-          </a:bodyPr>
-          <a:lstStyle/>
-          <a:p>
-            <a:pPr rtl="0"/>
-            <a:r>
-              <a:rPr lang="hu-HU" dirty="0" smtClean="0"/>
-              <a:t>1 500 000 Ft</a:t>
-            </a:r>
-            <a:endParaRPr lang="hu-HU" dirty="0"/>
-          </a:p>
-        </p:txBody>
-      </p:sp>
-      <p:sp>
-        <p:nvSpPr>
-          <p:cNvPr id="15" name="Szöveg helye 14">
-            <a:extLst>
-              <a:ext uri="{FF2B5EF4-FFF2-40B4-BE49-F238E27FC236}">
-                <a16:creationId xmlns:a16="http://schemas.microsoft.com/office/drawing/2014/main" id="{55D1607E-8654-400A-85C7-8239EF17935F}"/>
-              </a:ext>
-            </a:extLst>
-          </p:cNvPr>
-          <p:cNvSpPr>
-            <a:spLocks noGrp="1"/>
-          </p:cNvSpPr>
-          <p:nvPr>
-            <p:ph type="body" idx="50"/>
-          </p:nvPr>
-        </p:nvSpPr>
-        <p:spPr/>
-        <p:txBody>
-          <a:bodyPr rtlCol="0">
-            <a:normAutofit fontScale="77500" lnSpcReduction="20000"/>
-          </a:bodyPr>
-          <a:lstStyle/>
-          <a:p>
-            <a:pPr rtl="0"/>
-            <a:r>
-              <a:rPr lang="hu-HU" dirty="0" smtClean="0"/>
-              <a:t>Egyéb környezet javító szolgáltatások</a:t>
-            </a:r>
-            <a:endParaRPr lang="hu-HU" dirty="0"/>
-          </a:p>
-        </p:txBody>
-      </p:sp>
-      <p:sp>
-        <p:nvSpPr>
-          <p:cNvPr id="16" name="Szöveg helye 15">
-            <a:extLst>
-              <a:ext uri="{FF2B5EF4-FFF2-40B4-BE49-F238E27FC236}">
-                <a16:creationId xmlns:a16="http://schemas.microsoft.com/office/drawing/2014/main" id="{B3898360-1205-49DF-846A-7D37E0219C01}"/>
-              </a:ext>
-            </a:extLst>
-          </p:cNvPr>
-          <p:cNvSpPr>
-            <a:spLocks noGrp="1"/>
-          </p:cNvSpPr>
-          <p:nvPr>
-            <p:ph type="body" idx="51"/>
-          </p:nvPr>
-        </p:nvSpPr>
-        <p:spPr/>
-        <p:txBody>
-          <a:bodyPr rtlCol="0">
-            <a:normAutofit fontScale="85000" lnSpcReduction="10000"/>
-          </a:bodyPr>
-          <a:lstStyle/>
-          <a:p>
-            <a:pPr rtl="0"/>
-            <a:r>
-              <a:rPr lang="hu-HU" dirty="0" smtClean="0"/>
-              <a:t>25 000 000 Ft</a:t>
-            </a:r>
-            <a:endParaRPr lang="hu-HU" dirty="0"/>
-          </a:p>
-        </p:txBody>
-      </p:sp>
-      <p:sp>
-        <p:nvSpPr>
-          <p:cNvPr id="17" name="Szöveg helye 16">
-            <a:extLst>
-              <a:ext uri="{FF2B5EF4-FFF2-40B4-BE49-F238E27FC236}">
-                <a16:creationId xmlns:a16="http://schemas.microsoft.com/office/drawing/2014/main" id="{F24221C2-E578-4DC7-AA80-13816114039D}"/>
-              </a:ext>
-            </a:extLst>
-          </p:cNvPr>
-          <p:cNvSpPr>
-            <a:spLocks noGrp="1"/>
-          </p:cNvSpPr>
-          <p:nvPr>
-            <p:ph type="body" idx="52"/>
-          </p:nvPr>
-        </p:nvSpPr>
-        <p:spPr/>
-        <p:txBody>
-          <a:bodyPr rtlCol="0"/>
-          <a:lstStyle/>
-          <a:p>
-            <a:pPr rtl="0"/>
-            <a:r>
-              <a:rPr lang="hu-HU" dirty="0" smtClean="0"/>
-              <a:t>Napi fűtés</a:t>
-            </a:r>
-            <a:endParaRPr lang="hu-HU" dirty="0"/>
-          </a:p>
-        </p:txBody>
-      </p:sp>
-      <p:sp>
-        <p:nvSpPr>
-          <p:cNvPr id="18" name="Szöveg helye 17">
-            <a:extLst>
-              <a:ext uri="{FF2B5EF4-FFF2-40B4-BE49-F238E27FC236}">
-                <a16:creationId xmlns:a16="http://schemas.microsoft.com/office/drawing/2014/main" id="{DA322BE0-16AC-4DA8-B14C-E1CFF6F7BB47}"/>
-              </a:ext>
-            </a:extLst>
-          </p:cNvPr>
-          <p:cNvSpPr>
-            <a:spLocks noGrp="1"/>
-          </p:cNvSpPr>
-          <p:nvPr>
-            <p:ph type="body" idx="53"/>
-          </p:nvPr>
-        </p:nvSpPr>
-        <p:spPr/>
-        <p:txBody>
-          <a:bodyPr rtlCol="0">
-            <a:normAutofit fontScale="92500"/>
-          </a:bodyPr>
-          <a:lstStyle/>
-          <a:p>
-            <a:pPr rtl="0"/>
-            <a:r>
-              <a:rPr lang="hu-HU" dirty="0" smtClean="0"/>
-              <a:t>1 500 000 Ft</a:t>
-            </a:r>
-            <a:endParaRPr lang="hu-HU" dirty="0"/>
-          </a:p>
-        </p:txBody>
-      </p:sp>
-      <p:sp>
-        <p:nvSpPr>
-          <p:cNvPr id="19" name="Szöveg helye 18">
-            <a:extLst>
-              <a:ext uri="{FF2B5EF4-FFF2-40B4-BE49-F238E27FC236}">
-                <a16:creationId xmlns:a16="http://schemas.microsoft.com/office/drawing/2014/main" id="{AD114D9F-E5FF-4D6E-AB15-975F8897E15C}"/>
-              </a:ext>
-            </a:extLst>
-          </p:cNvPr>
-          <p:cNvSpPr>
-            <a:spLocks noGrp="1"/>
-          </p:cNvSpPr>
-          <p:nvPr>
-            <p:ph type="body" idx="54"/>
-          </p:nvPr>
-        </p:nvSpPr>
-        <p:spPr/>
-        <p:txBody>
-          <a:bodyPr rtlCol="0">
-            <a:normAutofit fontScale="85000" lnSpcReduction="10000"/>
-          </a:bodyPr>
-          <a:lstStyle/>
-          <a:p>
-            <a:pPr rtl="0"/>
-            <a:r>
-              <a:rPr lang="hu-HU" dirty="0" smtClean="0"/>
-              <a:t>Fejlesztési költségek</a:t>
-            </a:r>
-            <a:endParaRPr lang="hu-HU" dirty="0"/>
-          </a:p>
-        </p:txBody>
-      </p:sp>
-      <p:graphicFrame>
-        <p:nvGraphicFramePr>
-          <p:cNvPr id="23" name="Diagram helye 22" descr="Tortadiagram">
-            <a:extLst>
-              <a:ext uri="{FF2B5EF4-FFF2-40B4-BE49-F238E27FC236}">
-                <a16:creationId xmlns:a16="http://schemas.microsoft.com/office/drawing/2014/main" id="{CD7B30DD-39D7-4EDB-B49F-BBF497E33747}"/>
-              </a:ext>
-            </a:extLst>
-          </p:cNvPr>
-          <p:cNvGraphicFramePr>
-            <a:graphicFrameLocks noGrp="1"/>
-          </p:cNvGraphicFramePr>
-          <p:nvPr>
-            <p:ph type="chart" sz="quarter" idx="55"/>
-            <p:extLst>
-              <p:ext uri="{D42A27DB-BD31-4B8C-83A1-F6EECF244321}">
-                <p14:modId xmlns:p14="http://schemas.microsoft.com/office/powerpoint/2010/main" val="247483977"/>
-              </p:ext>
-            </p:extLst>
-          </p:nvPr>
-        </p:nvGraphicFramePr>
-        <p:xfrm>
-          <a:off x="6924675" y="860425"/>
-          <a:ext cx="4483100" cy="4573588"/>
-        </p:xfrm>
-        <a:graphic>
-          <a:graphicData uri="http://schemas.openxmlformats.org/drawingml/2006/chart">
-            <c:chart xmlns:c="http://schemas.openxmlformats.org/drawingml/2006/chart" xmlns:r="http://schemas.openxmlformats.org/officeDocument/2006/relationships" r:id="rId4"/>
-          </a:graphicData>
-        </a:graphic>
-      </p:graphicFrame>
-      <p:sp>
-        <p:nvSpPr>
-          <p:cNvPr id="6" name="Dia számának helye 5">
-            <a:extLst>
-              <a:ext uri="{FF2B5EF4-FFF2-40B4-BE49-F238E27FC236}">
-                <a16:creationId xmlns:a16="http://schemas.microsoft.com/office/drawing/2014/main" id="{5FA99AA7-B30F-419C-B3C8-975D9C784596}"/>
-              </a:ext>
-            </a:extLst>
-          </p:cNvPr>
-          <p:cNvSpPr>
-            <a:spLocks noGrp="1"/>
-          </p:cNvSpPr>
-          <p:nvPr>
-            <p:ph type="sldNum" sz="quarter" idx="12"/>
-          </p:nvPr>
-        </p:nvSpPr>
-        <p:spPr/>
-        <p:txBody>
-          <a:bodyPr rtlCol="0"/>
-          <a:lstStyle/>
-          <a:p>
-            <a:pPr rtl="0"/>
-            <a:fld id="{8D581BC7-E183-40DB-AC97-C19EA4EB8894}" type="slidenum">
-              <a:rPr lang="hu-HU" smtClean="0"/>
-              <a:t>10</a:t>
-            </a:fld>
-            <a:endParaRPr lang="hu-HU" dirty="0"/>
-          </a:p>
-        </p:txBody>
-      </p:sp>
-      <p:sp>
-        <p:nvSpPr>
-          <p:cNvPr id="5" name="Élőláb helye 4">
-            <a:extLst>
-              <a:ext uri="{FF2B5EF4-FFF2-40B4-BE49-F238E27FC236}">
-                <a16:creationId xmlns:a16="http://schemas.microsoft.com/office/drawing/2014/main" id="{B681D707-0D77-46E2-8C22-B5ADEB93C779}"/>
-              </a:ext>
-            </a:extLst>
-          </p:cNvPr>
-          <p:cNvSpPr>
-            <a:spLocks noGrp="1"/>
-          </p:cNvSpPr>
-          <p:nvPr>
-            <p:ph type="ftr" sz="quarter" idx="11"/>
-          </p:nvPr>
-        </p:nvSpPr>
-        <p:spPr/>
-        <p:txBody>
-          <a:bodyPr rtlCol="0"/>
-          <a:lstStyle/>
-          <a:p>
-            <a:r>
-              <a:rPr lang="hu-HU" dirty="0"/>
-              <a:t>FINANSZÍROZÁS</a:t>
-            </a:r>
-            <a:endParaRPr lang="hu-HU" dirty="0"/>
-          </a:p>
-        </p:txBody>
-      </p:sp>
-      <p:sp>
-        <p:nvSpPr>
-          <p:cNvPr id="4" name="Dátum helye 3">
-            <a:extLst>
-              <a:ext uri="{FF2B5EF4-FFF2-40B4-BE49-F238E27FC236}">
-                <a16:creationId xmlns:a16="http://schemas.microsoft.com/office/drawing/2014/main" id="{810146FC-F18A-4E5C-9079-B306E40F2138}"/>
-              </a:ext>
-            </a:extLst>
-          </p:cNvPr>
-          <p:cNvSpPr>
-            <a:spLocks noGrp="1"/>
-          </p:cNvSpPr>
-          <p:nvPr>
-            <p:ph type="dt" sz="half" idx="10"/>
-          </p:nvPr>
-        </p:nvSpPr>
-        <p:spPr/>
-        <p:txBody>
-          <a:bodyPr rtlCol="0"/>
-          <a:lstStyle/>
-          <a:p>
-            <a:pPr rtl="0"/>
-            <a:r>
-              <a:rPr lang="hu-HU" dirty="0" smtClean="0"/>
-              <a:t>2022.12.01 </a:t>
+              <a:t> </a:t>
             </a:r>
             <a:endParaRPr lang="hu-HU" dirty="0"/>
           </a:p>
@@ -46906,20 +45717,20 @@
     </p:spTree>
     <p:extLst>
       <p:ext uri="{BB962C8B-B14F-4D97-AF65-F5344CB8AC3E}">
-        <p14:creationId xmlns:p14="http://schemas.microsoft.com/office/powerpoint/2010/main" val="3623623917"/>
+        <p14:creationId xmlns:p14="http://schemas.microsoft.com/office/powerpoint/2010/main" val="576207397"/>
       </p:ext>
     </p:extLst>
   </p:cSld>
   <p:clrMapOvr>
     <a:masterClrMapping/>
   </p:clrMapOvr>
-  <mc:AlternateContent xmlns:mc="http://schemas.openxmlformats.org/markup-compatibility/2006">
-    <mc:Choice xmlns:p14="http://schemas.microsoft.com/office/powerpoint/2010/main" Requires="p14">
-      <p:transition spd="slow" p14:dur="2000">
-        <p14:ferris dir="l"/>
+  <mc:AlternateContent xmlns:mc="http://schemas.openxmlformats.org/markup-compatibility/2006" xmlns:p14="http://schemas.microsoft.com/office/powerpoint/2010/main">
+    <mc:Choice Requires="p14">
+      <p:transition spd="slow" p14:dur="1600">
+        <p14:prism isContent="1" isInverted="1"/>
       </p:transition>
     </mc:Choice>
-    <mc:Fallback>
+    <mc:Fallback xmlns="">
       <p:transition spd="slow">
         <p:fade/>
       </p:transition>
@@ -47372,15 +46183,7 @@
             </a:r>
             <a:r>
               <a:rPr lang="hu-HU" sz="1200" dirty="0"/>
-              <a:t>tulajdonos: Morning Wood IT </a:t>
-            </a:r>
-            <a:r>
-              <a:rPr lang="hu-HU" sz="1200" dirty="0"/>
-              <a:t>Company</a:t>
-            </a:r>
-            <a:r>
-              <a:rPr lang="hu-HU" sz="1200" dirty="0"/>
-              <a:t> </a:t>
+              <a:t>tulajdonos: Morning Wood IT Company </a:t>
             </a:r>
             <a:r>
               <a:rPr lang="hu-HU" sz="1200" dirty="0" smtClean="0"/>
@@ -47511,13 +46314,13 @@
   <p:clrMapOvr>
     <a:masterClrMapping/>
   </p:clrMapOvr>
-  <mc:AlternateContent xmlns:mc="http://schemas.openxmlformats.org/markup-compatibility/2006">
-    <mc:Choice xmlns:p14="http://schemas.microsoft.com/office/powerpoint/2010/main" Requires="p14">
+  <mc:AlternateContent xmlns:mc="http://schemas.openxmlformats.org/markup-compatibility/2006" xmlns:p14="http://schemas.microsoft.com/office/powerpoint/2010/main">
+    <mc:Choice Requires="p14">
       <p:transition spd="slow" p14:dur="3400">
         <p14:reveal/>
       </p:transition>
     </mc:Choice>
-    <mc:Fallback>
+    <mc:Fallback xmlns="">
       <p:transition spd="slow">
         <p:fade/>
       </p:transition>
@@ -47789,7 +46592,12 @@
             <p:ph type="body" idx="14"/>
           </p:nvPr>
         </p:nvSpPr>
-        <p:spPr/>
+        <p:spPr>
+          <a:xfrm>
+            <a:off x="6894591" y="3098240"/>
+            <a:ext cx="4482996" cy="1897821"/>
+          </a:xfrm>
+        </p:spPr>
         <p:txBody>
           <a:bodyPr rtlCol="0"/>
           <a:lstStyle/>
@@ -47804,23 +46612,31 @@
             <a:pPr rtl="0"/>
             <a:r>
               <a:rPr lang="hu-HU" dirty="0" smtClean="0"/>
-              <a:t>A sprintek elején megszabott céljainkat legkésőbb a következő sprint végén </a:t>
-            </a:r>
+              <a:t>A sprintek elején megszabott céljainkat legkésőbb a következő sprint végén eltérük, de általánosságban sikeresek voltak.</a:t>
+            </a:r>
+          </a:p>
+          <a:p>
+            <a:pPr rtl="0"/>
             <a:r>
               <a:rPr lang="hu-HU" dirty="0" smtClean="0"/>
-              <a:t>eltérük</a:t>
+              <a:t>Köszönjük a támogatóinknak a szponzoroknak, az </a:t>
             </a:r>
             <a:r>
               <a:rPr lang="hu-HU" dirty="0" smtClean="0"/>
-              <a:t>, de általánosságban sikeresek voltak.</a:t>
+              <a:t>anyukáinknak, barátainknak és a tanárainknak. </a:t>
+            </a:r>
+            <a:r>
+              <a:rPr lang="hu-HU" dirty="0" smtClean="0"/>
+              <a:t>Nélkülük nem sikerülhetett volna</a:t>
+            </a:r>
+            <a:r>
+              <a:rPr lang="hu-HU" dirty="0" smtClean="0"/>
+              <a:t>.</a:t>
             </a:r>
           </a:p>
           <a:p>
             <a:pPr rtl="0"/>
-            <a:r>
-              <a:rPr lang="hu-HU" dirty="0" smtClean="0"/>
-              <a:t>Köszönjük a támogatóinknak a szponzoroknak, az anyukáinknak és barátainknak. Nélkülük nem sikerülhetett volna.</a:t>
-            </a:r>
+            <a:endParaRPr lang="hu-HU" dirty="0" smtClean="0"/>
           </a:p>
           <a:p>
             <a:pPr marL="0" indent="0" rtl="0">
@@ -47886,10 +46702,9 @@
           <a:bodyPr rtlCol="0"/>
           <a:lstStyle/>
           <a:p>
-            <a:pPr rtl="0"/>
-            <a:r>
-              <a:rPr lang="hu-HU" dirty="0" smtClean="0"/>
-              <a:t>ÉLŐLÁB HOZZÁADÁSA</a:t>
+            <a:r>
+              <a:rPr lang="hu-HU" dirty="0"/>
+              <a:t>ÖSSZESÍTÉS</a:t>
             </a:r>
             <a:endParaRPr lang="hu-HU" dirty="0"/>
           </a:p>
@@ -47919,7 +46734,7 @@
             <a:pPr rtl="0"/>
             <a:r>
               <a:rPr lang="hu-HU" dirty="0" smtClean="0"/>
-              <a:t>20XX.HH.NN </a:t>
+              <a:t>2022.12.01 </a:t>
             </a:r>
             <a:endParaRPr lang="hu-HU" dirty="0"/>
           </a:p>
@@ -47935,13 +46750,13 @@
   <p:clrMapOvr>
     <a:masterClrMapping/>
   </p:clrMapOvr>
-  <mc:AlternateContent xmlns:mc="http://schemas.openxmlformats.org/markup-compatibility/2006">
-    <mc:Choice xmlns:p15="http://schemas.microsoft.com/office/powerpoint/2012/main" Requires="p15">
+  <mc:AlternateContent xmlns:mc="http://schemas.openxmlformats.org/markup-compatibility/2006" xmlns:p15="http://schemas.microsoft.com/office/powerpoint/2012/main">
+    <mc:Choice Requires="p15">
       <p:transition xmlns:p14="http://schemas.microsoft.com/office/powerpoint/2010/main" spd="slow" p14:dur="1250">
         <p15:prstTrans prst="peelOff"/>
       </p:transition>
     </mc:Choice>
-    <mc:Fallback>
+    <mc:Fallback xmlns="">
       <p:transition spd="slow">
         <p:fade/>
       </p:transition>
@@ -48421,6 +47236,18 @@
   <p:clrMapOvr>
     <a:masterClrMapping/>
   </p:clrMapOvr>
+  <mc:AlternateContent xmlns:mc="http://schemas.openxmlformats.org/markup-compatibility/2006">
+    <mc:Choice xmlns:p14="http://schemas.microsoft.com/office/powerpoint/2010/main" Requires="p14">
+      <p:transition spd="slow" p14:dur="1250">
+        <p14:flip dir="r"/>
+      </p:transition>
+    </mc:Choice>
+    <mc:Fallback>
+      <p:transition spd="slow">
+        <p:fade/>
+      </p:transition>
+    </mc:Fallback>
+  </mc:AlternateContent>
   <p:timing>
     <p:tnLst>
       <p:par>
@@ -48556,10 +47383,10 @@
       </p:grpSpPr>
       <p:pic>
         <p:nvPicPr>
-          <p:cNvPr id="12" name="Kép helyőrzője 11" descr="Absztrakt háttér&#10;">
-            <a:extLst>
-              <a:ext uri="{FF2B5EF4-FFF2-40B4-BE49-F238E27FC236}">
-                <a16:creationId xmlns:a16="http://schemas.microsoft.com/office/drawing/2014/main" id="{403E5740-1FF0-42AF-A459-70BE0BD24FDC}"/>
+          <p:cNvPr id="17" name="Kép helyőrzője 16">
+            <a:extLst>
+              <a:ext uri="{FF2B5EF4-FFF2-40B4-BE49-F238E27FC236}">
+                <a16:creationId xmlns:a16="http://schemas.microsoft.com/office/drawing/2014/main" id="{D652F905-B33B-4D47-80C8-0F74935D9B8E}"/>
               </a:ext>
             </a:extLst>
           </p:cNvPr>
@@ -48567,105 +47394,11 @@
             <a:picLocks noGrp="1" noChangeAspect="1"/>
           </p:cNvPicPr>
           <p:nvPr>
-            <p:ph type="pic" sz="quarter" idx="14"/>
-          </p:nvPr>
-        </p:nvPicPr>
-        <p:blipFill rotWithShape="1">
-          <a:blip r:embed="rId3">
-            <a:extLst>
-              <a:ext uri="{28A0092B-C50C-407E-A947-70E740481C1C}">
-                <a14:useLocalDpi xmlns:a14="http://schemas.microsoft.com/office/drawing/2010/main" val="0"/>
-              </a:ext>
-            </a:extLst>
-          </a:blip>
-          <a:srcRect/>
-          <a:stretch/>
-        </p:blipFill>
-        <p:spPr/>
-      </p:pic>
-      <p:sp>
-        <p:nvSpPr>
-          <p:cNvPr id="2" name="Cím 1">
-            <a:extLst>
-              <a:ext uri="{FF2B5EF4-FFF2-40B4-BE49-F238E27FC236}">
-                <a16:creationId xmlns:a16="http://schemas.microsoft.com/office/drawing/2014/main" id="{EA4B7241-C2B7-4F61-A69C-236E16A5F62F}"/>
-              </a:ext>
-            </a:extLst>
-          </p:cNvPr>
-          <p:cNvSpPr>
-            <a:spLocks noGrp="1"/>
-          </p:cNvSpPr>
-          <p:nvPr>
-            <p:ph type="title"/>
-          </p:nvPr>
-        </p:nvSpPr>
-        <p:spPr>
-          <a:xfrm>
-            <a:off x="6769767" y="2814762"/>
-            <a:ext cx="4618957" cy="817385"/>
-          </a:xfrm>
-        </p:spPr>
-        <p:txBody>
-          <a:bodyPr rtlCol="0"/>
-          <a:lstStyle/>
-          <a:p>
-            <a:r>
-              <a:rPr lang="hu-HU" b="0" dirty="0"/>
-              <a:t>Program</a:t>
-            </a:r>
-          </a:p>
-        </p:txBody>
-      </p:sp>
-      <p:sp>
-        <p:nvSpPr>
-          <p:cNvPr id="3" name="Alcím 2">
-            <a:extLst>
-              <a:ext uri="{FF2B5EF4-FFF2-40B4-BE49-F238E27FC236}">
-                <a16:creationId xmlns:a16="http://schemas.microsoft.com/office/drawing/2014/main" id="{FDFD3B61-D7B5-4C7A-80FB-02A3436F88E1}"/>
-              </a:ext>
-            </a:extLst>
-          </p:cNvPr>
-          <p:cNvSpPr>
-            <a:spLocks noGrp="1"/>
-          </p:cNvSpPr>
-          <p:nvPr>
-            <p:ph type="subTitle" idx="1"/>
-          </p:nvPr>
-        </p:nvSpPr>
-        <p:spPr/>
-        <p:txBody>
-          <a:bodyPr rtlCol="0">
-            <a:normAutofit/>
-          </a:bodyPr>
-          <a:lstStyle/>
-          <a:p>
-            <a:pPr rtl="0"/>
-            <a:r>
-              <a:rPr lang="hu-HU" dirty="0" smtClean="0"/>
-              <a:t>Fejlesztő: Szabó </a:t>
-            </a:r>
-            <a:r>
-              <a:rPr lang="hu-HU" dirty="0"/>
-              <a:t>P</a:t>
-            </a:r>
-            <a:r>
-              <a:rPr lang="hu-HU" dirty="0" smtClean="0"/>
-              <a:t>éter</a:t>
-            </a:r>
-            <a:endParaRPr lang="hu-HU" dirty="0"/>
-          </a:p>
-        </p:txBody>
-      </p:sp>
-      <p:pic>
-        <p:nvPicPr>
-          <p:cNvPr id="5" name="Kép 4"/>
-          <p:cNvPicPr>
-            <a:picLocks noChangeAspect="1"/>
-          </p:cNvPicPr>
-          <p:nvPr/>
+            <p:ph type="pic" sz="quarter" idx="13"/>
+          </p:nvPr>
         </p:nvPicPr>
         <p:blipFill>
-          <a:blip r:embed="rId4">
+          <a:blip r:embed="rId3">
             <a:extLst>
               <a:ext uri="{28A0092B-C50C-407E-A947-70E740481C1C}">
                 <a14:useLocalDpi xmlns:a14="http://schemas.microsoft.com/office/drawing/2010/main" val="0"/>
@@ -48681,28 +47414,469 @@
             <a:off x="0" y="0"/>
             <a:ext cx="1328400" cy="1328400"/>
           </a:xfrm>
-          <a:prstGeom prst="rect">
-            <a:avLst/>
-          </a:prstGeom>
         </p:spPr>
       </p:pic>
+      <p:sp>
+        <p:nvSpPr>
+          <p:cNvPr id="5" name="Cím 4">
+            <a:extLst>
+              <a:ext uri="{FF2B5EF4-FFF2-40B4-BE49-F238E27FC236}">
+                <a16:creationId xmlns:a16="http://schemas.microsoft.com/office/drawing/2014/main" id="{9FFA9230-37E2-4CEB-A3E5-B704CE27367E}"/>
+              </a:ext>
+            </a:extLst>
+          </p:cNvPr>
+          <p:cNvSpPr>
+            <a:spLocks noGrp="1"/>
+          </p:cNvSpPr>
+          <p:nvPr>
+            <p:ph type="title"/>
+          </p:nvPr>
+        </p:nvSpPr>
+        <p:spPr/>
+        <p:txBody>
+          <a:bodyPr rtlCol="0"/>
+          <a:lstStyle/>
+          <a:p>
+            <a:pPr rtl="0"/>
+            <a:r>
+              <a:rPr lang="hu-HU" dirty="0" smtClean="0"/>
+              <a:t>Fejlesztés szakaszai</a:t>
+            </a:r>
+            <a:endParaRPr lang="hu-HU" dirty="0"/>
+          </a:p>
+        </p:txBody>
+      </p:sp>
+      <p:sp>
+        <p:nvSpPr>
+          <p:cNvPr id="10" name="Szöveg helye 9">
+            <a:extLst>
+              <a:ext uri="{FF2B5EF4-FFF2-40B4-BE49-F238E27FC236}">
+                <a16:creationId xmlns:a16="http://schemas.microsoft.com/office/drawing/2014/main" id="{89BE0DA3-3A03-418B-B7CF-0D4107499B9C}"/>
+              </a:ext>
+            </a:extLst>
+          </p:cNvPr>
+          <p:cNvSpPr>
+            <a:spLocks noGrp="1"/>
+          </p:cNvSpPr>
+          <p:nvPr>
+            <p:ph type="body" sz="quarter" idx="26"/>
+          </p:nvPr>
+        </p:nvSpPr>
+        <p:spPr/>
+        <p:txBody>
+          <a:bodyPr rtlCol="0"/>
+          <a:lstStyle/>
+          <a:p>
+            <a:pPr rtl="0"/>
+            <a:r>
+              <a:rPr lang="hu-HU" dirty="0" smtClean="0"/>
+              <a:t>1</a:t>
+            </a:r>
+            <a:endParaRPr lang="hu-HU" dirty="0"/>
+          </a:p>
+        </p:txBody>
+      </p:sp>
+      <p:sp>
+        <p:nvSpPr>
+          <p:cNvPr id="9" name="Szöveg helye 8">
+            <a:extLst>
+              <a:ext uri="{FF2B5EF4-FFF2-40B4-BE49-F238E27FC236}">
+                <a16:creationId xmlns:a16="http://schemas.microsoft.com/office/drawing/2014/main" id="{4E74A44B-1AAF-44D0-A426-104890F03E29}"/>
+              </a:ext>
+            </a:extLst>
+          </p:cNvPr>
+          <p:cNvSpPr>
+            <a:spLocks noGrp="1"/>
+          </p:cNvSpPr>
+          <p:nvPr>
+            <p:ph type="body" idx="16"/>
+          </p:nvPr>
+        </p:nvSpPr>
+        <p:spPr/>
+        <p:txBody>
+          <a:bodyPr rtlCol="0"/>
+          <a:lstStyle/>
+          <a:p>
+            <a:pPr rtl="0"/>
+            <a:r>
+              <a:rPr lang="hu-HU" dirty="0" smtClean="0"/>
+              <a:t>1. Tervezés</a:t>
+            </a:r>
+            <a:endParaRPr lang="hu-HU" dirty="0"/>
+          </a:p>
+        </p:txBody>
+      </p:sp>
+      <p:sp>
+        <p:nvSpPr>
+          <p:cNvPr id="8" name="Szöveg helye 7">
+            <a:extLst>
+              <a:ext uri="{FF2B5EF4-FFF2-40B4-BE49-F238E27FC236}">
+                <a16:creationId xmlns:a16="http://schemas.microsoft.com/office/drawing/2014/main" id="{D5450AF9-6A8E-4054-A832-F7BF5DA0E16C}"/>
+              </a:ext>
+            </a:extLst>
+          </p:cNvPr>
+          <p:cNvSpPr>
+            <a:spLocks noGrp="1"/>
+          </p:cNvSpPr>
+          <p:nvPr>
+            <p:ph type="body" idx="14"/>
+          </p:nvPr>
+        </p:nvSpPr>
+        <p:spPr>
+          <a:xfrm>
+            <a:off x="1226927" y="4271296"/>
+            <a:ext cx="2944368" cy="899748"/>
+          </a:xfrm>
+        </p:spPr>
+        <p:txBody>
+          <a:bodyPr rtlCol="0">
+            <a:normAutofit fontScale="92500"/>
+          </a:bodyPr>
+          <a:lstStyle/>
+          <a:p>
+            <a:pPr algn="just" rtl="0"/>
+            <a:r>
+              <a:rPr lang="hu-HU" dirty="0" smtClean="0"/>
+              <a:t>Először megterveztük a weboldalt és a programot. Elsősorban a grafikai design-t egyaránt a programnál és weboldalnál. Az egész dokumentálva </a:t>
+            </a:r>
+            <a:r>
+              <a:rPr lang="hu-HU" sz="1500" dirty="0" smtClean="0"/>
+              <a:t>lett</a:t>
+            </a:r>
+            <a:r>
+              <a:rPr lang="hu-HU" dirty="0" smtClean="0"/>
+              <a:t>.</a:t>
+            </a:r>
+          </a:p>
+        </p:txBody>
+      </p:sp>
+      <p:sp>
+        <p:nvSpPr>
+          <p:cNvPr id="12" name="Szöveg helye 11">
+            <a:extLst>
+              <a:ext uri="{FF2B5EF4-FFF2-40B4-BE49-F238E27FC236}">
+                <a16:creationId xmlns:a16="http://schemas.microsoft.com/office/drawing/2014/main" id="{CC46A248-3DD2-4083-A410-269D3C38BC7D}"/>
+              </a:ext>
+            </a:extLst>
+          </p:cNvPr>
+          <p:cNvSpPr>
+            <a:spLocks noGrp="1"/>
+          </p:cNvSpPr>
+          <p:nvPr>
+            <p:ph type="body" sz="quarter" idx="28"/>
+          </p:nvPr>
+        </p:nvSpPr>
+        <p:spPr/>
+        <p:txBody>
+          <a:bodyPr rtlCol="0"/>
+          <a:lstStyle/>
+          <a:p>
+            <a:pPr rtl="0"/>
+            <a:r>
+              <a:rPr lang="hu-HU" dirty="0" smtClean="0"/>
+              <a:t>2</a:t>
+            </a:r>
+            <a:endParaRPr lang="hu-HU" dirty="0"/>
+          </a:p>
+        </p:txBody>
+      </p:sp>
+      <p:sp>
+        <p:nvSpPr>
+          <p:cNvPr id="13" name="Szöveg helye 12">
+            <a:extLst>
+              <a:ext uri="{FF2B5EF4-FFF2-40B4-BE49-F238E27FC236}">
+                <a16:creationId xmlns:a16="http://schemas.microsoft.com/office/drawing/2014/main" id="{C2591E4E-87B2-4D64-B582-FBD4968920C5}"/>
+              </a:ext>
+            </a:extLst>
+          </p:cNvPr>
+          <p:cNvSpPr>
+            <a:spLocks noGrp="1"/>
+          </p:cNvSpPr>
+          <p:nvPr>
+            <p:ph type="body" idx="29"/>
+          </p:nvPr>
+        </p:nvSpPr>
+        <p:spPr/>
+        <p:txBody>
+          <a:bodyPr rtlCol="0"/>
+          <a:lstStyle/>
+          <a:p>
+            <a:pPr rtl="0"/>
+            <a:r>
+              <a:rPr lang="hu-HU" dirty="0" smtClean="0"/>
+              <a:t>2. </a:t>
+            </a:r>
+            <a:r>
+              <a:rPr lang="hu-HU" dirty="0"/>
+              <a:t>F</a:t>
+            </a:r>
+            <a:r>
+              <a:rPr lang="hu-HU" dirty="0" smtClean="0"/>
+              <a:t>ejlesztés</a:t>
+            </a:r>
+            <a:endParaRPr lang="hu-HU" dirty="0"/>
+          </a:p>
+        </p:txBody>
+      </p:sp>
+      <p:sp>
+        <p:nvSpPr>
+          <p:cNvPr id="11" name="Szöveg helye 10">
+            <a:extLst>
+              <a:ext uri="{FF2B5EF4-FFF2-40B4-BE49-F238E27FC236}">
+                <a16:creationId xmlns:a16="http://schemas.microsoft.com/office/drawing/2014/main" id="{D02433E8-0DB5-41D8-8B35-D76C17922FE5}"/>
+              </a:ext>
+            </a:extLst>
+          </p:cNvPr>
+          <p:cNvSpPr>
+            <a:spLocks noGrp="1"/>
+          </p:cNvSpPr>
+          <p:nvPr>
+            <p:ph type="body" idx="27"/>
+          </p:nvPr>
+        </p:nvSpPr>
+        <p:spPr>
+          <a:xfrm>
+            <a:off x="4871314" y="4271296"/>
+            <a:ext cx="2944368" cy="951533"/>
+          </a:xfrm>
+        </p:spPr>
+        <p:txBody>
+          <a:bodyPr rtlCol="0">
+            <a:normAutofit/>
+          </a:bodyPr>
+          <a:lstStyle/>
+          <a:p>
+            <a:pPr algn="just"/>
+            <a:r>
+              <a:rPr lang="hu-HU" dirty="0" smtClean="0"/>
+              <a:t>A tervezés után megkezdtük a fejlesztést. A fejlesztés alatt elkészült maga a program és a hozzátartozó </a:t>
+            </a:r>
+            <a:r>
+              <a:rPr lang="hu-HU" dirty="0"/>
+              <a:t>weboldal. </a:t>
+            </a:r>
+            <a:r>
+              <a:rPr lang="hu-HU" dirty="0" smtClean="0"/>
+              <a:t>Az egész </a:t>
+            </a:r>
+            <a:r>
+              <a:rPr lang="hu-HU" dirty="0"/>
+              <a:t>dokumentálva lett.</a:t>
+            </a:r>
+          </a:p>
+          <a:p>
+            <a:pPr algn="just" rtl="0"/>
+            <a:endParaRPr lang="hu-HU" dirty="0"/>
+          </a:p>
+        </p:txBody>
+      </p:sp>
+      <p:sp>
+        <p:nvSpPr>
+          <p:cNvPr id="15" name="Szöveg helye 14">
+            <a:extLst>
+              <a:ext uri="{FF2B5EF4-FFF2-40B4-BE49-F238E27FC236}">
+                <a16:creationId xmlns:a16="http://schemas.microsoft.com/office/drawing/2014/main" id="{A0DE6855-935C-4D9C-A6CA-A30ED4BC73A2}"/>
+              </a:ext>
+            </a:extLst>
+          </p:cNvPr>
+          <p:cNvSpPr>
+            <a:spLocks noGrp="1"/>
+          </p:cNvSpPr>
+          <p:nvPr>
+            <p:ph type="body" sz="quarter" idx="31"/>
+          </p:nvPr>
+        </p:nvSpPr>
+        <p:spPr>
+          <a:xfrm>
+            <a:off x="8515701" y="2760518"/>
+            <a:ext cx="978408" cy="978408"/>
+          </a:xfrm>
+        </p:spPr>
+        <p:txBody>
+          <a:bodyPr rtlCol="0"/>
+          <a:lstStyle/>
+          <a:p>
+            <a:pPr rtl="0"/>
+            <a:r>
+              <a:rPr lang="hu-HU" dirty="0"/>
+              <a:t>3</a:t>
+            </a:r>
+          </a:p>
+        </p:txBody>
+      </p:sp>
+      <p:sp>
+        <p:nvSpPr>
+          <p:cNvPr id="16" name="Szöveg helye 15">
+            <a:extLst>
+              <a:ext uri="{FF2B5EF4-FFF2-40B4-BE49-F238E27FC236}">
+                <a16:creationId xmlns:a16="http://schemas.microsoft.com/office/drawing/2014/main" id="{A9BECA94-5E25-4E6D-A58C-7792A89CED7C}"/>
+              </a:ext>
+            </a:extLst>
+          </p:cNvPr>
+          <p:cNvSpPr>
+            <a:spLocks noGrp="1"/>
+          </p:cNvSpPr>
+          <p:nvPr>
+            <p:ph type="body" idx="32"/>
+          </p:nvPr>
+        </p:nvSpPr>
+        <p:spPr/>
+        <p:txBody>
+          <a:bodyPr rtlCol="0"/>
+          <a:lstStyle/>
+          <a:p>
+            <a:pPr rtl="0"/>
+            <a:r>
+              <a:rPr lang="hu-HU" dirty="0" smtClean="0"/>
+              <a:t>3. Tesztelés</a:t>
+            </a:r>
+            <a:endParaRPr lang="hu-HU" dirty="0"/>
+          </a:p>
+        </p:txBody>
+      </p:sp>
+      <p:sp>
+        <p:nvSpPr>
+          <p:cNvPr id="14" name="Szöveg helye 13">
+            <a:extLst>
+              <a:ext uri="{FF2B5EF4-FFF2-40B4-BE49-F238E27FC236}">
+                <a16:creationId xmlns:a16="http://schemas.microsoft.com/office/drawing/2014/main" id="{1A32FF73-A652-43C6-96BD-425851F591BC}"/>
+              </a:ext>
+            </a:extLst>
+          </p:cNvPr>
+          <p:cNvSpPr>
+            <a:spLocks noGrp="1"/>
+          </p:cNvSpPr>
+          <p:nvPr>
+            <p:ph type="body" idx="30"/>
+          </p:nvPr>
+        </p:nvSpPr>
+        <p:spPr>
+          <a:xfrm>
+            <a:off x="8515702" y="4271296"/>
+            <a:ext cx="2944368" cy="899748"/>
+          </a:xfrm>
+        </p:spPr>
+        <p:txBody>
+          <a:bodyPr rtlCol="0">
+            <a:normAutofit/>
+          </a:bodyPr>
+          <a:lstStyle/>
+          <a:p>
+            <a:pPr algn="just" rtl="0"/>
+            <a:r>
+              <a:rPr lang="hu-HU" dirty="0" smtClean="0"/>
+              <a:t>Ebben a szakaszban az elkészült remekműveket teszteltük. A tesztelésről dokumentáció is készült.</a:t>
+            </a:r>
+            <a:endParaRPr lang="hu-HU" dirty="0"/>
+          </a:p>
+        </p:txBody>
+      </p:sp>
+      <p:sp>
+        <p:nvSpPr>
+          <p:cNvPr id="4" name="Dia számának helye 3">
+            <a:extLst>
+              <a:ext uri="{FF2B5EF4-FFF2-40B4-BE49-F238E27FC236}">
+                <a16:creationId xmlns:a16="http://schemas.microsoft.com/office/drawing/2014/main" id="{30CD95F8-281D-4A11-99F2-9795C5264F76}"/>
+              </a:ext>
+            </a:extLst>
+          </p:cNvPr>
+          <p:cNvSpPr>
+            <a:spLocks noGrp="1"/>
+          </p:cNvSpPr>
+          <p:nvPr>
+            <p:ph type="sldNum" sz="quarter" idx="12"/>
+          </p:nvPr>
+        </p:nvSpPr>
+        <p:spPr/>
+        <p:txBody>
+          <a:bodyPr rtlCol="0"/>
+          <a:lstStyle/>
+          <a:p>
+            <a:pPr rtl="0"/>
+            <a:fld id="{8D581BC7-E183-40DB-AC97-C19EA4EB8894}" type="slidenum">
+              <a:rPr lang="hu-HU" smtClean="0"/>
+              <a:pPr rtl="0"/>
+              <a:t>2</a:t>
+            </a:fld>
+            <a:endParaRPr lang="hu-HU" dirty="0"/>
+          </a:p>
+        </p:txBody>
+      </p:sp>
+      <p:sp>
+        <p:nvSpPr>
+          <p:cNvPr id="3" name="Élőláb helye 2">
+            <a:extLst>
+              <a:ext uri="{FF2B5EF4-FFF2-40B4-BE49-F238E27FC236}">
+                <a16:creationId xmlns:a16="http://schemas.microsoft.com/office/drawing/2014/main" id="{6EF07EF2-7D34-4156-A053-F39C573604F8}"/>
+              </a:ext>
+            </a:extLst>
+          </p:cNvPr>
+          <p:cNvSpPr>
+            <a:spLocks noGrp="1"/>
+          </p:cNvSpPr>
+          <p:nvPr>
+            <p:ph type="ftr" sz="quarter" idx="11"/>
+          </p:nvPr>
+        </p:nvSpPr>
+        <p:spPr/>
+        <p:txBody>
+          <a:bodyPr rtlCol="0"/>
+          <a:lstStyle/>
+          <a:p>
+            <a:r>
+              <a:rPr lang="hu-HU" dirty="0"/>
+              <a:t>Fejlesztés szakaszai</a:t>
+            </a:r>
+          </a:p>
+        </p:txBody>
+      </p:sp>
+      <p:sp>
+        <p:nvSpPr>
+          <p:cNvPr id="2" name="Dátum helye 1">
+            <a:extLst>
+              <a:ext uri="{FF2B5EF4-FFF2-40B4-BE49-F238E27FC236}">
+                <a16:creationId xmlns:a16="http://schemas.microsoft.com/office/drawing/2014/main" id="{AC3AE2A4-3957-4B28-BF08-92D47AFB3D61}"/>
+              </a:ext>
+            </a:extLst>
+          </p:cNvPr>
+          <p:cNvSpPr>
+            <a:spLocks noGrp="1"/>
+          </p:cNvSpPr>
+          <p:nvPr>
+            <p:ph type="dt" sz="half" idx="10"/>
+          </p:nvPr>
+        </p:nvSpPr>
+        <p:spPr/>
+        <p:txBody>
+          <a:bodyPr rtlCol="0"/>
+          <a:lstStyle/>
+          <a:p>
+            <a:pPr rtl="0"/>
+            <a:r>
+              <a:rPr lang="hu-HU" dirty="0" smtClean="0"/>
+              <a:t>2022.12.01 </a:t>
+            </a:r>
+            <a:endParaRPr lang="hu-HU" dirty="0"/>
+          </a:p>
+        </p:txBody>
+      </p:sp>
     </p:spTree>
     <p:extLst>
       <p:ext uri="{BB962C8B-B14F-4D97-AF65-F5344CB8AC3E}">
-        <p14:creationId xmlns:p14="http://schemas.microsoft.com/office/powerpoint/2010/main" val="2982231551"/>
+        <p14:creationId xmlns:p14="http://schemas.microsoft.com/office/powerpoint/2010/main" val="3310176776"/>
       </p:ext>
     </p:extLst>
   </p:cSld>
   <p:clrMapOvr>
     <a:masterClrMapping/>
   </p:clrMapOvr>
-  <mc:AlternateContent xmlns:mc="http://schemas.openxmlformats.org/markup-compatibility/2006">
-    <mc:Choice xmlns:p14="http://schemas.microsoft.com/office/powerpoint/2010/main" Requires="p14">
-      <p:transition spd="slow" p14:dur="3400">
-        <p14:reveal/>
+  <mc:AlternateContent xmlns:mc="http://schemas.openxmlformats.org/markup-compatibility/2006" xmlns:p14="http://schemas.microsoft.com/office/powerpoint/2010/main">
+    <mc:Choice Requires="p14">
+      <p:transition spd="slow" p14:dur="1500">
+        <p14:window dir="vert"/>
       </p:transition>
     </mc:Choice>
-    <mc:Fallback>
+    <mc:Fallback xmlns="">
       <p:transition spd="slow">
         <p:fade/>
       </p:transition>
@@ -48737,6 +47911,663 @@
       </p:grpSpPr>
       <p:sp>
         <p:nvSpPr>
+          <p:cNvPr id="4" name="Dátum helye 3"/>
+          <p:cNvSpPr>
+            <a:spLocks noGrp="1"/>
+          </p:cNvSpPr>
+          <p:nvPr>
+            <p:ph type="dt" sz="half" idx="10"/>
+          </p:nvPr>
+        </p:nvSpPr>
+        <p:spPr/>
+        <p:txBody>
+          <a:bodyPr/>
+          <a:lstStyle/>
+          <a:p>
+            <a:pPr rtl="0"/>
+            <a:r>
+              <a:rPr lang="hu-HU" noProof="0" dirty="0" smtClean="0"/>
+              <a:t>2022.12.01 </a:t>
+            </a:r>
+            <a:endParaRPr lang="hu-HU" noProof="0" dirty="0"/>
+          </a:p>
+        </p:txBody>
+      </p:sp>
+      <p:sp>
+        <p:nvSpPr>
+          <p:cNvPr id="5" name="Élőláb helye 4"/>
+          <p:cNvSpPr>
+            <a:spLocks noGrp="1"/>
+          </p:cNvSpPr>
+          <p:nvPr>
+            <p:ph type="ftr" sz="quarter" idx="11"/>
+          </p:nvPr>
+        </p:nvSpPr>
+        <p:spPr/>
+        <p:txBody>
+          <a:bodyPr/>
+          <a:lstStyle/>
+          <a:p>
+            <a:r>
+              <a:rPr lang="hu-HU" dirty="0"/>
+              <a:t>Fejlesztéshez használt eszközök</a:t>
+            </a:r>
+            <a:endParaRPr lang="hu-HU" noProof="0" dirty="0"/>
+          </a:p>
+        </p:txBody>
+      </p:sp>
+      <p:sp>
+        <p:nvSpPr>
+          <p:cNvPr id="6" name="Dia számának helye 5"/>
+          <p:cNvSpPr>
+            <a:spLocks noGrp="1"/>
+          </p:cNvSpPr>
+          <p:nvPr>
+            <p:ph type="sldNum" sz="quarter" idx="12"/>
+          </p:nvPr>
+        </p:nvSpPr>
+        <p:spPr/>
+        <p:txBody>
+          <a:bodyPr/>
+          <a:lstStyle/>
+          <a:p>
+            <a:pPr rtl="0"/>
+            <a:fld id="{8D581BC7-E183-40DB-AC97-C19EA4EB8894}" type="slidenum">
+              <a:rPr lang="hu-HU" noProof="0" smtClean="0"/>
+              <a:t>3</a:t>
+            </a:fld>
+            <a:endParaRPr lang="hu-HU" noProof="0" dirty="0"/>
+          </a:p>
+        </p:txBody>
+      </p:sp>
+      <p:sp>
+        <p:nvSpPr>
+          <p:cNvPr id="23" name="Cím 22"/>
+          <p:cNvSpPr>
+            <a:spLocks noGrp="1"/>
+          </p:cNvSpPr>
+          <p:nvPr>
+            <p:ph type="title"/>
+          </p:nvPr>
+        </p:nvSpPr>
+        <p:spPr>
+          <a:xfrm>
+            <a:off x="8762604" y="423949"/>
+            <a:ext cx="3050770" cy="852666"/>
+          </a:xfrm>
+        </p:spPr>
+        <p:txBody>
+          <a:bodyPr>
+            <a:noAutofit/>
+          </a:bodyPr>
+          <a:lstStyle/>
+          <a:p>
+            <a:r>
+              <a:rPr lang="hu-HU" sz="2800" dirty="0" smtClean="0"/>
+              <a:t>Fejlesztéshez használt eszközök</a:t>
+            </a:r>
+            <a:endParaRPr lang="hu-HU" sz="2800" dirty="0"/>
+          </a:p>
+        </p:txBody>
+      </p:sp>
+      <p:sp>
+        <p:nvSpPr>
+          <p:cNvPr id="26" name="Szöveg helye 25"/>
+          <p:cNvSpPr>
+            <a:spLocks noGrp="1"/>
+          </p:cNvSpPr>
+          <p:nvPr>
+            <p:ph type="body" sz="quarter" idx="26"/>
+          </p:nvPr>
+        </p:nvSpPr>
+        <p:spPr>
+          <a:xfrm>
+            <a:off x="1847273" y="685667"/>
+            <a:ext cx="3394433" cy="978408"/>
+          </a:xfrm>
+        </p:spPr>
+        <p:txBody>
+          <a:bodyPr/>
+          <a:lstStyle/>
+          <a:p>
+            <a:r>
+              <a:rPr lang="hu-HU" sz="2400" dirty="0" smtClean="0"/>
+              <a:t>Fejlesztő környezet</a:t>
+            </a:r>
+            <a:endParaRPr lang="hu-HU" sz="2400" dirty="0"/>
+          </a:p>
+        </p:txBody>
+      </p:sp>
+      <p:sp>
+        <p:nvSpPr>
+          <p:cNvPr id="35" name="Szöveg helye 34"/>
+          <p:cNvSpPr>
+            <a:spLocks noGrp="1"/>
+          </p:cNvSpPr>
+          <p:nvPr>
+            <p:ph type="body" sz="quarter" idx="37"/>
+          </p:nvPr>
+        </p:nvSpPr>
+        <p:spPr>
+          <a:xfrm>
+            <a:off x="1847273" y="2153566"/>
+            <a:ext cx="3387223" cy="978408"/>
+          </a:xfrm>
+        </p:spPr>
+        <p:txBody>
+          <a:bodyPr/>
+          <a:lstStyle/>
+          <a:p>
+            <a:r>
+              <a:rPr lang="hu-HU" sz="2400" dirty="0" smtClean="0"/>
+              <a:t>Felhasznált programozási nyelvek:</a:t>
+            </a:r>
+            <a:endParaRPr lang="hu-HU" sz="2400" dirty="0"/>
+          </a:p>
+        </p:txBody>
+      </p:sp>
+      <p:sp>
+        <p:nvSpPr>
+          <p:cNvPr id="36" name="Szöveg helye 35"/>
+          <p:cNvSpPr>
+            <a:spLocks noGrp="1"/>
+          </p:cNvSpPr>
+          <p:nvPr>
+            <p:ph type="body" sz="quarter" idx="38"/>
+          </p:nvPr>
+        </p:nvSpPr>
+        <p:spPr>
+          <a:xfrm>
+            <a:off x="1847273" y="3621465"/>
+            <a:ext cx="3387223" cy="978408"/>
+          </a:xfrm>
+        </p:spPr>
+        <p:txBody>
+          <a:bodyPr/>
+          <a:lstStyle/>
+          <a:p>
+            <a:r>
+              <a:rPr lang="hu-HU" sz="2400" b="0" dirty="0"/>
+              <a:t>P</a:t>
+            </a:r>
+            <a:r>
+              <a:rPr lang="hu-HU" sz="2400" b="0" dirty="0" smtClean="0"/>
+              <a:t>rojektmenedzsment</a:t>
+            </a:r>
+            <a:endParaRPr lang="hu-HU" sz="2400" dirty="0"/>
+          </a:p>
+        </p:txBody>
+      </p:sp>
+      <p:sp>
+        <p:nvSpPr>
+          <p:cNvPr id="37" name="Szöveg helye 36"/>
+          <p:cNvSpPr>
+            <a:spLocks noGrp="1"/>
+          </p:cNvSpPr>
+          <p:nvPr>
+            <p:ph type="body" sz="quarter" idx="39"/>
+          </p:nvPr>
+        </p:nvSpPr>
+        <p:spPr>
+          <a:xfrm>
+            <a:off x="1847273" y="5089363"/>
+            <a:ext cx="3387223" cy="978408"/>
+          </a:xfrm>
+        </p:spPr>
+        <p:txBody>
+          <a:bodyPr/>
+          <a:lstStyle/>
+          <a:p>
+            <a:r>
+              <a:rPr lang="hu-HU" sz="2400" dirty="0" smtClean="0"/>
+              <a:t>Verziókövető</a:t>
+            </a:r>
+            <a:endParaRPr lang="hu-HU" sz="2400" dirty="0"/>
+          </a:p>
+        </p:txBody>
+      </p:sp>
+      <p:pic>
+        <p:nvPicPr>
+          <p:cNvPr id="40" name="Kép 39"/>
+          <p:cNvPicPr>
+            <a:picLocks noChangeAspect="1"/>
+          </p:cNvPicPr>
+          <p:nvPr/>
+        </p:nvPicPr>
+        <p:blipFill>
+          <a:blip r:embed="rId2">
+            <a:extLst>
+              <a:ext uri="{28A0092B-C50C-407E-A947-70E740481C1C}">
+                <a14:useLocalDpi xmlns:a14="http://schemas.microsoft.com/office/drawing/2010/main" val="0"/>
+              </a:ext>
+            </a:extLst>
+          </a:blip>
+          <a:stretch>
+            <a:fillRect/>
+          </a:stretch>
+        </p:blipFill>
+        <p:spPr>
+          <a:xfrm>
+            <a:off x="0" y="0"/>
+            <a:ext cx="1328400" cy="1328400"/>
+          </a:xfrm>
+          <a:prstGeom prst="rect">
+            <a:avLst/>
+          </a:prstGeom>
+        </p:spPr>
+      </p:pic>
+      <p:pic>
+        <p:nvPicPr>
+          <p:cNvPr id="41" name="Kép 40"/>
+          <p:cNvPicPr>
+            <a:picLocks noChangeAspect="1"/>
+          </p:cNvPicPr>
+          <p:nvPr/>
+        </p:nvPicPr>
+        <p:blipFill>
+          <a:blip r:embed="rId3">
+            <a:extLst>
+              <a:ext uri="{28A0092B-C50C-407E-A947-70E740481C1C}">
+                <a14:useLocalDpi xmlns:a14="http://schemas.microsoft.com/office/drawing/2010/main" val="0"/>
+              </a:ext>
+            </a:extLst>
+          </a:blip>
+          <a:stretch>
+            <a:fillRect/>
+          </a:stretch>
+        </p:blipFill>
+        <p:spPr>
+          <a:xfrm>
+            <a:off x="7428190" y="600538"/>
+            <a:ext cx="981187" cy="1016493"/>
+          </a:xfrm>
+          <a:prstGeom prst="rect">
+            <a:avLst/>
+          </a:prstGeom>
+        </p:spPr>
+      </p:pic>
+      <p:pic>
+        <p:nvPicPr>
+          <p:cNvPr id="43" name="Kép 42"/>
+          <p:cNvPicPr>
+            <a:picLocks noChangeAspect="1"/>
+          </p:cNvPicPr>
+          <p:nvPr/>
+        </p:nvPicPr>
+        <p:blipFill>
+          <a:blip r:embed="rId4">
+            <a:extLst>
+              <a:ext uri="{28A0092B-C50C-407E-A947-70E740481C1C}">
+                <a14:useLocalDpi xmlns:a14="http://schemas.microsoft.com/office/drawing/2010/main" val="0"/>
+              </a:ext>
+            </a:extLst>
+          </a:blip>
+          <a:stretch>
+            <a:fillRect/>
+          </a:stretch>
+        </p:blipFill>
+        <p:spPr>
+          <a:xfrm>
+            <a:off x="5539111" y="534664"/>
+            <a:ext cx="1821338" cy="1138336"/>
+          </a:xfrm>
+          <a:prstGeom prst="rect">
+            <a:avLst/>
+          </a:prstGeom>
+        </p:spPr>
+      </p:pic>
+      <p:pic>
+        <p:nvPicPr>
+          <p:cNvPr id="45" name="Kép 44"/>
+          <p:cNvPicPr>
+            <a:picLocks noChangeAspect="1"/>
+          </p:cNvPicPr>
+          <p:nvPr/>
+        </p:nvPicPr>
+        <p:blipFill>
+          <a:blip r:embed="rId5">
+            <a:extLst>
+              <a:ext uri="{28A0092B-C50C-407E-A947-70E740481C1C}">
+                <a14:useLocalDpi xmlns:a14="http://schemas.microsoft.com/office/drawing/2010/main" val="0"/>
+              </a:ext>
+            </a:extLst>
+          </a:blip>
+          <a:stretch>
+            <a:fillRect/>
+          </a:stretch>
+        </p:blipFill>
+        <p:spPr>
+          <a:xfrm>
+            <a:off x="7324811" y="1924531"/>
+            <a:ext cx="2467201" cy="1162431"/>
+          </a:xfrm>
+          <a:prstGeom prst="rect">
+            <a:avLst/>
+          </a:prstGeom>
+        </p:spPr>
+      </p:pic>
+      <p:pic>
+        <p:nvPicPr>
+          <p:cNvPr id="46" name="Kép 45"/>
+          <p:cNvPicPr>
+            <a:picLocks noChangeAspect="1"/>
+          </p:cNvPicPr>
+          <p:nvPr/>
+        </p:nvPicPr>
+        <p:blipFill>
+          <a:blip r:embed="rId6">
+            <a:extLst>
+              <a:ext uri="{28A0092B-C50C-407E-A947-70E740481C1C}">
+                <a14:useLocalDpi xmlns:a14="http://schemas.microsoft.com/office/drawing/2010/main" val="0"/>
+              </a:ext>
+            </a:extLst>
+          </a:blip>
+          <a:stretch>
+            <a:fillRect/>
+          </a:stretch>
+        </p:blipFill>
+        <p:spPr>
+          <a:xfrm>
+            <a:off x="5471370" y="1581725"/>
+            <a:ext cx="1956820" cy="1956820"/>
+          </a:xfrm>
+          <a:prstGeom prst="rect">
+            <a:avLst/>
+          </a:prstGeom>
+        </p:spPr>
+      </p:pic>
+      <p:pic>
+        <p:nvPicPr>
+          <p:cNvPr id="47" name="Kép 46"/>
+          <p:cNvPicPr>
+            <a:picLocks noChangeAspect="1"/>
+          </p:cNvPicPr>
+          <p:nvPr/>
+        </p:nvPicPr>
+        <p:blipFill>
+          <a:blip r:embed="rId7">
+            <a:extLst>
+              <a:ext uri="{28A0092B-C50C-407E-A947-70E740481C1C}">
+                <a14:useLocalDpi xmlns:a14="http://schemas.microsoft.com/office/drawing/2010/main" val="0"/>
+              </a:ext>
+            </a:extLst>
+          </a:blip>
+          <a:stretch>
+            <a:fillRect/>
+          </a:stretch>
+        </p:blipFill>
+        <p:spPr>
+          <a:xfrm>
+            <a:off x="5930241" y="3734878"/>
+            <a:ext cx="5664726" cy="742041"/>
+          </a:xfrm>
+          <a:prstGeom prst="rect">
+            <a:avLst/>
+          </a:prstGeom>
+        </p:spPr>
+      </p:pic>
+      <p:pic>
+        <p:nvPicPr>
+          <p:cNvPr id="48" name="Kép 47"/>
+          <p:cNvPicPr>
+            <a:picLocks noChangeAspect="1"/>
+          </p:cNvPicPr>
+          <p:nvPr/>
+        </p:nvPicPr>
+        <p:blipFill>
+          <a:blip r:embed="rId8">
+            <a:extLst>
+              <a:ext uri="{28A0092B-C50C-407E-A947-70E740481C1C}">
+                <a14:useLocalDpi xmlns:a14="http://schemas.microsoft.com/office/drawing/2010/main" val="0"/>
+              </a:ext>
+            </a:extLst>
+          </a:blip>
+          <a:stretch>
+            <a:fillRect/>
+          </a:stretch>
+        </p:blipFill>
+        <p:spPr>
+          <a:xfrm>
+            <a:off x="6031379" y="4784419"/>
+            <a:ext cx="2705086" cy="1521611"/>
+          </a:xfrm>
+          <a:prstGeom prst="rect">
+            <a:avLst/>
+          </a:prstGeom>
+        </p:spPr>
+      </p:pic>
+    </p:spTree>
+    <p:extLst>
+      <p:ext uri="{BB962C8B-B14F-4D97-AF65-F5344CB8AC3E}">
+        <p14:creationId xmlns:p14="http://schemas.microsoft.com/office/powerpoint/2010/main" val="3902983649"/>
+      </p:ext>
+    </p:extLst>
+  </p:cSld>
+  <p:clrMapOvr>
+    <a:masterClrMapping/>
+  </p:clrMapOvr>
+  <mc:AlternateContent xmlns:mc="http://schemas.openxmlformats.org/markup-compatibility/2006">
+    <mc:Choice xmlns:p14="http://schemas.microsoft.com/office/powerpoint/2010/main" Requires="p14">
+      <p:transition spd="slow" p14:dur="800">
+        <p14:flythrough/>
+      </p:transition>
+    </mc:Choice>
+    <mc:Fallback>
+      <p:transition spd="slow">
+        <p:fade/>
+      </p:transition>
+    </mc:Fallback>
+  </mc:AlternateContent>
+  <p:timing>
+    <p:tnLst>
+      <p:par>
+        <p:cTn id="1" dur="indefinite" restart="never" nodeType="tmRoot"/>
+      </p:par>
+    </p:tnLst>
+  </p:timing>
+</p:sld>
+</file>
+
+<file path=ppt/slides/slide4.xml><?xml version="1.0" encoding="utf-8"?>
+<p:sld xmlns:a="http://schemas.openxmlformats.org/drawingml/2006/main" xmlns:r="http://schemas.openxmlformats.org/officeDocument/2006/relationships" xmlns:p="http://schemas.openxmlformats.org/presentationml/2006/main">
+  <p:cSld>
+    <p:spTree>
+      <p:nvGrpSpPr>
+        <p:cNvPr id="1" name=""/>
+        <p:cNvGrpSpPr/>
+        <p:nvPr/>
+      </p:nvGrpSpPr>
+      <p:grpSpPr>
+        <a:xfrm>
+          <a:off x="0" y="0"/>
+          <a:ext cx="0" cy="0"/>
+          <a:chOff x="0" y="0"/>
+          <a:chExt cx="0" cy="0"/>
+        </a:xfrm>
+      </p:grpSpPr>
+      <p:pic>
+        <p:nvPicPr>
+          <p:cNvPr id="12" name="Kép helyőrzője 11" descr="Absztrakt háttér&#10;">
+            <a:extLst>
+              <a:ext uri="{FF2B5EF4-FFF2-40B4-BE49-F238E27FC236}">
+                <a16:creationId xmlns:a16="http://schemas.microsoft.com/office/drawing/2014/main" id="{403E5740-1FF0-42AF-A459-70BE0BD24FDC}"/>
+              </a:ext>
+            </a:extLst>
+          </p:cNvPr>
+          <p:cNvPicPr>
+            <a:picLocks noGrp="1" noChangeAspect="1"/>
+          </p:cNvPicPr>
+          <p:nvPr>
+            <p:ph type="pic" sz="quarter" idx="14"/>
+          </p:nvPr>
+        </p:nvPicPr>
+        <p:blipFill rotWithShape="1">
+          <a:blip r:embed="rId3">
+            <a:extLst>
+              <a:ext uri="{28A0092B-C50C-407E-A947-70E740481C1C}">
+                <a14:useLocalDpi xmlns:a14="http://schemas.microsoft.com/office/drawing/2010/main" val="0"/>
+              </a:ext>
+            </a:extLst>
+          </a:blip>
+          <a:srcRect/>
+          <a:stretch/>
+        </p:blipFill>
+        <p:spPr/>
+      </p:pic>
+      <p:sp>
+        <p:nvSpPr>
+          <p:cNvPr id="2" name="Cím 1">
+            <a:extLst>
+              <a:ext uri="{FF2B5EF4-FFF2-40B4-BE49-F238E27FC236}">
+                <a16:creationId xmlns:a16="http://schemas.microsoft.com/office/drawing/2014/main" id="{EA4B7241-C2B7-4F61-A69C-236E16A5F62F}"/>
+              </a:ext>
+            </a:extLst>
+          </p:cNvPr>
+          <p:cNvSpPr>
+            <a:spLocks noGrp="1"/>
+          </p:cNvSpPr>
+          <p:nvPr>
+            <p:ph type="title"/>
+          </p:nvPr>
+        </p:nvSpPr>
+        <p:spPr>
+          <a:xfrm>
+            <a:off x="6769767" y="2814762"/>
+            <a:ext cx="4618957" cy="817385"/>
+          </a:xfrm>
+        </p:spPr>
+        <p:txBody>
+          <a:bodyPr rtlCol="0"/>
+          <a:lstStyle/>
+          <a:p>
+            <a:r>
+              <a:rPr lang="hu-HU" b="0" dirty="0"/>
+              <a:t>Program</a:t>
+            </a:r>
+          </a:p>
+        </p:txBody>
+      </p:sp>
+      <p:sp>
+        <p:nvSpPr>
+          <p:cNvPr id="3" name="Alcím 2">
+            <a:extLst>
+              <a:ext uri="{FF2B5EF4-FFF2-40B4-BE49-F238E27FC236}">
+                <a16:creationId xmlns:a16="http://schemas.microsoft.com/office/drawing/2014/main" id="{FDFD3B61-D7B5-4C7A-80FB-02A3436F88E1}"/>
+              </a:ext>
+            </a:extLst>
+          </p:cNvPr>
+          <p:cNvSpPr>
+            <a:spLocks noGrp="1"/>
+          </p:cNvSpPr>
+          <p:nvPr>
+            <p:ph type="subTitle" idx="1"/>
+          </p:nvPr>
+        </p:nvSpPr>
+        <p:spPr/>
+        <p:txBody>
+          <a:bodyPr rtlCol="0">
+            <a:normAutofit/>
+          </a:bodyPr>
+          <a:lstStyle/>
+          <a:p>
+            <a:pPr rtl="0"/>
+            <a:r>
+              <a:rPr lang="hu-HU" dirty="0" smtClean="0"/>
+              <a:t>Fejlesztő: Szabó </a:t>
+            </a:r>
+            <a:r>
+              <a:rPr lang="hu-HU" dirty="0"/>
+              <a:t>P</a:t>
+            </a:r>
+            <a:r>
+              <a:rPr lang="hu-HU" dirty="0" smtClean="0"/>
+              <a:t>éter</a:t>
+            </a:r>
+            <a:endParaRPr lang="hu-HU" dirty="0"/>
+          </a:p>
+        </p:txBody>
+      </p:sp>
+      <p:pic>
+        <p:nvPicPr>
+          <p:cNvPr id="5" name="Kép 4"/>
+          <p:cNvPicPr>
+            <a:picLocks noChangeAspect="1"/>
+          </p:cNvPicPr>
+          <p:nvPr/>
+        </p:nvPicPr>
+        <p:blipFill>
+          <a:blip r:embed="rId4">
+            <a:extLst>
+              <a:ext uri="{28A0092B-C50C-407E-A947-70E740481C1C}">
+                <a14:useLocalDpi xmlns:a14="http://schemas.microsoft.com/office/drawing/2010/main" val="0"/>
+              </a:ext>
+            </a:extLst>
+          </a:blip>
+          <a:stretch>
+            <a:fillRect/>
+          </a:stretch>
+        </p:blipFill>
+        <p:spPr>
+          <a:xfrm>
+            <a:off x="0" y="0"/>
+            <a:ext cx="1328400" cy="1328400"/>
+          </a:xfrm>
+          <a:prstGeom prst="rect">
+            <a:avLst/>
+          </a:prstGeom>
+        </p:spPr>
+      </p:pic>
+    </p:spTree>
+    <p:extLst>
+      <p:ext uri="{BB962C8B-B14F-4D97-AF65-F5344CB8AC3E}">
+        <p14:creationId xmlns:p14="http://schemas.microsoft.com/office/powerpoint/2010/main" val="2982231551"/>
+      </p:ext>
+    </p:extLst>
+  </p:cSld>
+  <p:clrMapOvr>
+    <a:masterClrMapping/>
+  </p:clrMapOvr>
+  <mc:AlternateContent xmlns:mc="http://schemas.openxmlformats.org/markup-compatibility/2006">
+    <mc:Choice xmlns:p14="http://schemas.microsoft.com/office/powerpoint/2010/main" Requires="p14">
+      <p:transition spd="slow" p14:dur="2000">
+        <p14:reveal/>
+      </p:transition>
+    </mc:Choice>
+    <mc:Fallback>
+      <p:transition spd="slow">
+        <p:fade/>
+      </p:transition>
+    </mc:Fallback>
+  </mc:AlternateContent>
+  <p:timing>
+    <p:tnLst>
+      <p:par>
+        <p:cTn id="1" dur="indefinite" restart="never" nodeType="tmRoot"/>
+      </p:par>
+    </p:tnLst>
+  </p:timing>
+</p:sld>
+</file>
+
+<file path=ppt/slides/slide5.xml><?xml version="1.0" encoding="utf-8"?>
+<p:sld xmlns:a="http://schemas.openxmlformats.org/drawingml/2006/main" xmlns:r="http://schemas.openxmlformats.org/officeDocument/2006/relationships" xmlns:p="http://schemas.openxmlformats.org/presentationml/2006/main">
+  <p:cSld>
+    <p:spTree>
+      <p:nvGrpSpPr>
+        <p:cNvPr id="1" name=""/>
+        <p:cNvGrpSpPr/>
+        <p:nvPr/>
+      </p:nvGrpSpPr>
+      <p:grpSpPr>
+        <a:xfrm>
+          <a:off x="0" y="0"/>
+          <a:ext cx="0" cy="0"/>
+          <a:chOff x="0" y="0"/>
+          <a:chExt cx="0" cy="0"/>
+        </a:xfrm>
+      </p:grpSpPr>
+      <p:sp>
+        <p:nvSpPr>
           <p:cNvPr id="2" name="Cím 1">
             <a:extLst>
               <a:ext uri="{FF2B5EF4-FFF2-40B4-BE49-F238E27FC236}">
@@ -48841,8 +48672,8 @@
             <a:pPr rtl="0"/>
             <a:fld id="{8D581BC7-E183-40DB-AC97-C19EA4EB8894}" type="slidenum">
               <a:rPr lang="hu-HU" smtClean="0"/>
-              <a:pPr/>
-              <a:t>3</a:t>
+              <a:pPr rtl="0"/>
+              <a:t>5</a:t>
             </a:fld>
             <a:endParaRPr lang="hu-HU" dirty="0"/>
           </a:p>
@@ -48991,9 +48822,9 @@
     <a:masterClrMapping/>
   </p:clrMapOvr>
   <mc:AlternateContent xmlns:mc="http://schemas.openxmlformats.org/markup-compatibility/2006">
-    <mc:Choice xmlns:p15="http://schemas.microsoft.com/office/powerpoint/2012/main" Requires="p15">
-      <p:transition xmlns:p14="http://schemas.microsoft.com/office/powerpoint/2010/main" spd="slow" p14:dur="6000">
-        <p15:prstTrans prst="curtains"/>
+    <mc:Choice xmlns:p14="http://schemas.microsoft.com/office/powerpoint/2010/main" Requires="p14">
+      <p:transition spd="slow" p14:dur="1600">
+        <p14:conveyor dir="l"/>
       </p:transition>
     </mc:Choice>
     <mc:Fallback>
@@ -49091,7 +48922,7 @@
 </p:sld>
 </file>
 
-<file path=ppt/slides/slide4.xml><?xml version="1.0" encoding="utf-8"?>
+<file path=ppt/slides/slide6.xml><?xml version="1.0" encoding="utf-8"?>
 <p:sld xmlns:a="http://schemas.openxmlformats.org/drawingml/2006/main" xmlns:r="http://schemas.openxmlformats.org/officeDocument/2006/relationships" xmlns:p="http://schemas.openxmlformats.org/presentationml/2006/main">
   <p:cSld>
     <p:spTree>
@@ -49237,11 +49068,7 @@
             <a:pPr rtl="0"/>
             <a:r>
               <a:rPr lang="hu-HU" dirty="0" smtClean="0"/>
-              <a:t>A </a:t>
-            </a:r>
-            <a:r>
-              <a:rPr lang="hu-HU" dirty="0" smtClean="0"/>
-              <a:t>program megvizsgálja melyik test van kiválasztva és ahhoz igazítja a szövegeket</a:t>
+              <a:t>A program megvizsgálja melyik test van kiválasztva és ahhoz igazítja a szövegeket</a:t>
             </a:r>
           </a:p>
           <a:p>
@@ -49285,8 +49112,8 @@
             <a:pPr rtl="0"/>
             <a:fld id="{8D581BC7-E183-40DB-AC97-C19EA4EB8894}" type="slidenum">
               <a:rPr lang="hu-HU" smtClean="0"/>
-              <a:pPr/>
-              <a:t>4</a:t>
+              <a:pPr rtl="0"/>
+              <a:t>6</a:t>
             </a:fld>
             <a:endParaRPr lang="hu-HU" dirty="0"/>
           </a:p>
@@ -49400,13 +49227,13 @@
   <p:clrMapOvr>
     <a:masterClrMapping/>
   </p:clrMapOvr>
-  <mc:AlternateContent xmlns:mc="http://schemas.openxmlformats.org/markup-compatibility/2006">
-    <mc:Choice xmlns:p14="http://schemas.microsoft.com/office/powerpoint/2010/main" Requires="p14">
+  <mc:AlternateContent xmlns:mc="http://schemas.openxmlformats.org/markup-compatibility/2006" xmlns:p14="http://schemas.microsoft.com/office/powerpoint/2010/main">
+    <mc:Choice Requires="p14">
       <p:transition spd="slow" p14:dur="1300">
         <p14:pan dir="u"/>
       </p:transition>
     </mc:Choice>
-    <mc:Fallback>
+    <mc:Fallback xmlns="">
       <p:transition spd="slow">
         <p:fade/>
       </p:transition>
@@ -49501,7 +49328,7 @@
 </p:sld>
 </file>
 
-<file path=ppt/slides/slide5.xml><?xml version="1.0" encoding="utf-8"?>
+<file path=ppt/slides/slide7.xml><?xml version="1.0" encoding="utf-8"?>
 <p:sld xmlns:a="http://schemas.openxmlformats.org/drawingml/2006/main" xmlns:r="http://schemas.openxmlformats.org/officeDocument/2006/relationships" xmlns:p="http://schemas.openxmlformats.org/presentationml/2006/main">
   <p:cSld>
     <p:spTree>
@@ -49751,7 +49578,7 @@
             <a:pPr rtl="0"/>
             <a:fld id="{8D581BC7-E183-40DB-AC97-C19EA4EB8894}" type="slidenum">
               <a:rPr lang="hu-HU" smtClean="0"/>
-              <a:t>5</a:t>
+              <a:t>7</a:t>
             </a:fld>
             <a:endParaRPr lang="hu-HU" dirty="0"/>
           </a:p>
@@ -49778,10 +49605,9 @@
           <a:bodyPr rtlCol="0"/>
           <a:lstStyle/>
           <a:p>
-            <a:pPr rtl="0"/>
-            <a:r>
-              <a:rPr lang="hu-HU" dirty="0" smtClean="0"/>
-              <a:t>ÉLŐLÁB HOZZÁADÁSA</a:t>
+            <a:r>
+              <a:rPr lang="hu-HU" dirty="0"/>
+              <a:t>TERMÉK</a:t>
             </a:r>
             <a:endParaRPr lang="hu-HU" dirty="0"/>
           </a:p>
@@ -49827,656 +49653,13 @@
   <p:clrMapOvr>
     <a:masterClrMapping/>
   </p:clrMapOvr>
-  <mc:AlternateContent xmlns:mc="http://schemas.openxmlformats.org/markup-compatibility/2006">
-    <mc:Choice xmlns:p14="http://schemas.microsoft.com/office/powerpoint/2010/main" Requires="p14">
+  <mc:AlternateContent xmlns:mc="http://schemas.openxmlformats.org/markup-compatibility/2006" xmlns:p14="http://schemas.microsoft.com/office/powerpoint/2010/main">
+    <mc:Choice Requires="p14">
       <p:transition spd="slow" p14:dur="800">
         <p14:flythrough/>
       </p:transition>
     </mc:Choice>
-    <mc:Fallback>
-      <p:transition spd="slow">
-        <p:fade/>
-      </p:transition>
-    </mc:Fallback>
-  </mc:AlternateContent>
-  <p:timing>
-    <p:tnLst>
-      <p:par>
-        <p:cTn id="1" dur="indefinite" restart="never" nodeType="tmRoot"/>
-      </p:par>
-    </p:tnLst>
-  </p:timing>
-</p:sld>
-</file>
-
-<file path=ppt/slides/slide6.xml><?xml version="1.0" encoding="utf-8"?>
-<p:sld xmlns:a="http://schemas.openxmlformats.org/drawingml/2006/main" xmlns:r="http://schemas.openxmlformats.org/officeDocument/2006/relationships" xmlns:p="http://schemas.openxmlformats.org/presentationml/2006/main">
-  <p:cSld>
-    <p:spTree>
-      <p:nvGrpSpPr>
-        <p:cNvPr id="1" name=""/>
-        <p:cNvGrpSpPr/>
-        <p:nvPr/>
-      </p:nvGrpSpPr>
-      <p:grpSpPr>
-        <a:xfrm>
-          <a:off x="0" y="0"/>
-          <a:ext cx="0" cy="0"/>
-          <a:chOff x="0" y="0"/>
-          <a:chExt cx="0" cy="0"/>
-        </a:xfrm>
-      </p:grpSpPr>
-      <p:pic>
-        <p:nvPicPr>
-          <p:cNvPr id="9" name="Kép helyőrzője 8">
-            <a:extLst>
-              <a:ext uri="{FF2B5EF4-FFF2-40B4-BE49-F238E27FC236}">
-                <a16:creationId xmlns:a16="http://schemas.microsoft.com/office/drawing/2014/main" id="{00A900CE-F052-47BC-8B74-B92A4604BF6A}"/>
-              </a:ext>
-            </a:extLst>
-          </p:cNvPr>
-          <p:cNvPicPr>
-            <a:picLocks noGrp="1" noChangeAspect="1"/>
-          </p:cNvPicPr>
-          <p:nvPr>
-            <p:ph type="pic" sz="quarter" idx="13"/>
-          </p:nvPr>
-        </p:nvPicPr>
-        <p:blipFill>
-          <a:blip r:embed="rId3">
-            <a:extLst>
-              <a:ext uri="{28A0092B-C50C-407E-A947-70E740481C1C}">
-                <a14:useLocalDpi xmlns:a14="http://schemas.microsoft.com/office/drawing/2010/main" val="0"/>
-              </a:ext>
-            </a:extLst>
-          </a:blip>
-          <a:stretch>
-            <a:fillRect/>
-          </a:stretch>
-        </p:blipFill>
-        <p:spPr>
-          <a:xfrm>
-            <a:off x="0" y="0"/>
-            <a:ext cx="1328400" cy="1328400"/>
-          </a:xfrm>
-        </p:spPr>
-      </p:pic>
-      <p:sp>
-        <p:nvSpPr>
-          <p:cNvPr id="2" name="Cím 1">
-            <a:extLst>
-              <a:ext uri="{FF2B5EF4-FFF2-40B4-BE49-F238E27FC236}">
-                <a16:creationId xmlns:a16="http://schemas.microsoft.com/office/drawing/2014/main" id="{9A6E18C9-A34F-49C5-973E-6760D1EF1059}"/>
-              </a:ext>
-            </a:extLst>
-          </p:cNvPr>
-          <p:cNvSpPr>
-            <a:spLocks noGrp="1"/>
-          </p:cNvSpPr>
-          <p:nvPr>
-            <p:ph type="title"/>
-          </p:nvPr>
-        </p:nvSpPr>
-        <p:spPr/>
-        <p:txBody>
-          <a:bodyPr rtlCol="0"/>
-          <a:lstStyle/>
-          <a:p>
-            <a:pPr rtl="0"/>
-            <a:r>
-              <a:rPr lang="hu-HU" dirty="0" smtClean="0"/>
-              <a:t>Weboldal</a:t>
-            </a:r>
-            <a:endParaRPr lang="hu-HU" dirty="0"/>
-          </a:p>
-        </p:txBody>
-      </p:sp>
-      <p:pic>
-        <p:nvPicPr>
-          <p:cNvPr id="22" name="Kép helyőrzője 21" descr="Absztrakt háttér">
-            <a:extLst>
-              <a:ext uri="{FF2B5EF4-FFF2-40B4-BE49-F238E27FC236}">
-                <a16:creationId xmlns:a16="http://schemas.microsoft.com/office/drawing/2014/main" id="{0342E5A4-E598-4185-B93F-5814F00C2011}"/>
-              </a:ext>
-            </a:extLst>
-          </p:cNvPr>
-          <p:cNvPicPr>
-            <a:picLocks noGrp="1" noChangeAspect="1"/>
-          </p:cNvPicPr>
-          <p:nvPr>
-            <p:ph type="pic" sz="quarter" idx="15"/>
-          </p:nvPr>
-        </p:nvPicPr>
-        <p:blipFill>
-          <a:blip r:embed="rId4">
-            <a:extLst>
-              <a:ext uri="{28A0092B-C50C-407E-A947-70E740481C1C}">
-                <a14:useLocalDpi xmlns:a14="http://schemas.microsoft.com/office/drawing/2010/main" val="0"/>
-              </a:ext>
-            </a:extLst>
-          </a:blip>
-          <a:srcRect/>
-          <a:stretch>
-            <a:fillRect/>
-          </a:stretch>
-        </p:blipFill>
-        <p:spPr>
-          <a:xfrm>
-            <a:off x="1" y="1690447"/>
-            <a:ext cx="12191999" cy="3493008"/>
-          </a:xfrm>
-        </p:spPr>
-      </p:pic>
-      <p:sp>
-        <p:nvSpPr>
-          <p:cNvPr id="3" name="Szöveg helye 2">
-            <a:extLst>
-              <a:ext uri="{FF2B5EF4-FFF2-40B4-BE49-F238E27FC236}">
-                <a16:creationId xmlns:a16="http://schemas.microsoft.com/office/drawing/2014/main" id="{C679F2E6-BA14-4C8A-ABD2-DF50609348D1}"/>
-              </a:ext>
-            </a:extLst>
-          </p:cNvPr>
-          <p:cNvSpPr>
-            <a:spLocks noGrp="1"/>
-          </p:cNvSpPr>
-          <p:nvPr>
-            <p:ph type="body" idx="1"/>
-          </p:nvPr>
-        </p:nvSpPr>
-        <p:spPr>
-          <a:xfrm>
-            <a:off x="3863976" y="2571484"/>
-            <a:ext cx="4443165" cy="370500"/>
-          </a:xfrm>
-        </p:spPr>
-        <p:txBody>
-          <a:bodyPr rtlCol="0">
-            <a:normAutofit/>
-          </a:bodyPr>
-          <a:lstStyle/>
-          <a:p>
-            <a:pPr rtl="0"/>
-            <a:r>
-              <a:rPr lang="hu-HU" sz="2400" dirty="0" smtClean="0"/>
-              <a:t>A programot bemutató weboldal</a:t>
-            </a:r>
-            <a:endParaRPr lang="hu-HU" sz="2400" dirty="0"/>
-          </a:p>
-        </p:txBody>
-      </p:sp>
-      <p:sp>
-        <p:nvSpPr>
-          <p:cNvPr id="6" name="Dia számának helye 5">
-            <a:extLst>
-              <a:ext uri="{FF2B5EF4-FFF2-40B4-BE49-F238E27FC236}">
-                <a16:creationId xmlns:a16="http://schemas.microsoft.com/office/drawing/2014/main" id="{C35D9EA8-AA17-47B2-A4C4-B60DC7C7DC49}"/>
-              </a:ext>
-            </a:extLst>
-          </p:cNvPr>
-          <p:cNvSpPr>
-            <a:spLocks noGrp="1"/>
-          </p:cNvSpPr>
-          <p:nvPr>
-            <p:ph type="sldNum" sz="quarter" idx="12"/>
-          </p:nvPr>
-        </p:nvSpPr>
-        <p:spPr/>
-        <p:txBody>
-          <a:bodyPr rtlCol="0"/>
-          <a:lstStyle/>
-          <a:p>
-            <a:pPr rtl="0"/>
-            <a:fld id="{8D581BC7-E183-40DB-AC97-C19EA4EB8894}" type="slidenum">
-              <a:rPr lang="hu-HU" smtClean="0"/>
-              <a:pPr rtl="0"/>
-              <a:t>6</a:t>
-            </a:fld>
-            <a:endParaRPr lang="hu-HU" dirty="0"/>
-          </a:p>
-        </p:txBody>
-      </p:sp>
-      <p:sp>
-        <p:nvSpPr>
-          <p:cNvPr id="5" name="Élőláb helye 4">
-            <a:extLst>
-              <a:ext uri="{FF2B5EF4-FFF2-40B4-BE49-F238E27FC236}">
-                <a16:creationId xmlns:a16="http://schemas.microsoft.com/office/drawing/2014/main" id="{1ED7D25D-51F0-4AAA-86C5-F3584C0E8A44}"/>
-              </a:ext>
-            </a:extLst>
-          </p:cNvPr>
-          <p:cNvSpPr>
-            <a:spLocks noGrp="1"/>
-          </p:cNvSpPr>
-          <p:nvPr>
-            <p:ph type="ftr" sz="quarter" idx="11"/>
-          </p:nvPr>
-        </p:nvSpPr>
-        <p:spPr/>
-        <p:txBody>
-          <a:bodyPr rtlCol="0"/>
-          <a:lstStyle/>
-          <a:p>
-            <a:r>
-              <a:rPr lang="hu-HU" dirty="0"/>
-              <a:t>A programot bemutató weboldal</a:t>
-            </a:r>
-          </a:p>
-        </p:txBody>
-      </p:sp>
-      <p:sp>
-        <p:nvSpPr>
-          <p:cNvPr id="4" name="Dátum helye 3">
-            <a:extLst>
-              <a:ext uri="{FF2B5EF4-FFF2-40B4-BE49-F238E27FC236}">
-                <a16:creationId xmlns:a16="http://schemas.microsoft.com/office/drawing/2014/main" id="{F48CF653-A1E7-473E-A717-8659C5E457A1}"/>
-              </a:ext>
-            </a:extLst>
-          </p:cNvPr>
-          <p:cNvSpPr>
-            <a:spLocks noGrp="1"/>
-          </p:cNvSpPr>
-          <p:nvPr>
-            <p:ph type="dt" sz="half" idx="10"/>
-          </p:nvPr>
-        </p:nvSpPr>
-        <p:spPr/>
-        <p:txBody>
-          <a:bodyPr rtlCol="0"/>
-          <a:lstStyle/>
-          <a:p>
-            <a:pPr rtl="0"/>
-            <a:r>
-              <a:rPr lang="hu-HU" dirty="0" smtClean="0"/>
-              <a:t>2022.12.01 </a:t>
-            </a:r>
-            <a:endParaRPr lang="hu-HU" dirty="0"/>
-          </a:p>
-        </p:txBody>
-      </p:sp>
-    </p:spTree>
-    <p:extLst>
-      <p:ext uri="{BB962C8B-B14F-4D97-AF65-F5344CB8AC3E}">
-        <p14:creationId xmlns:p14="http://schemas.microsoft.com/office/powerpoint/2010/main" val="4080312334"/>
-      </p:ext>
-    </p:extLst>
-  </p:cSld>
-  <p:clrMapOvr>
-    <a:masterClrMapping/>
-  </p:clrMapOvr>
-  <mc:AlternateContent xmlns:mc="http://schemas.openxmlformats.org/markup-compatibility/2006">
-    <mc:Choice xmlns:p14="http://schemas.microsoft.com/office/powerpoint/2010/main" Requires="p14">
-      <p:transition spd="slow" p14:dur="1500">
-        <p:random/>
-      </p:transition>
-    </mc:Choice>
-    <mc:Fallback>
-      <p:transition spd="slow">
-        <p:random/>
-      </p:transition>
-    </mc:Fallback>
-  </mc:AlternateContent>
-  <p:timing>
-    <p:tnLst>
-      <p:par>
-        <p:cTn id="1" dur="indefinite" restart="never" nodeType="tmRoot"/>
-      </p:par>
-    </p:tnLst>
-  </p:timing>
-</p:sld>
-</file>
-
-<file path=ppt/slides/slide7.xml><?xml version="1.0" encoding="utf-8"?>
-<p:sld xmlns:a="http://schemas.openxmlformats.org/drawingml/2006/main" xmlns:r="http://schemas.openxmlformats.org/officeDocument/2006/relationships" xmlns:p="http://schemas.openxmlformats.org/presentationml/2006/main">
-  <p:cSld>
-    <p:spTree>
-      <p:nvGrpSpPr>
-        <p:cNvPr id="1" name=""/>
-        <p:cNvGrpSpPr/>
-        <p:nvPr/>
-      </p:nvGrpSpPr>
-      <p:grpSpPr>
-        <a:xfrm>
-          <a:off x="0" y="0"/>
-          <a:ext cx="0" cy="0"/>
-          <a:chOff x="0" y="0"/>
-          <a:chExt cx="0" cy="0"/>
-        </a:xfrm>
-      </p:grpSpPr>
-      <p:pic>
-        <p:nvPicPr>
-          <p:cNvPr id="10" name="Kép helyőrzője 19" descr="Absztrakt háttér">
-            <a:extLst>
-              <a:ext uri="{FF2B5EF4-FFF2-40B4-BE49-F238E27FC236}">
-                <a16:creationId xmlns:a16="http://schemas.microsoft.com/office/drawing/2014/main" id="{B9CF847D-0BA8-4D40-B95D-DAC8A415A56D}"/>
-              </a:ext>
-            </a:extLst>
-          </p:cNvPr>
-          <p:cNvPicPr>
-            <a:picLocks noGrp="1" noChangeAspect="1"/>
-          </p:cNvPicPr>
-          <p:nvPr>
-            <p:ph type="pic" sz="quarter" idx="15"/>
-          </p:nvPr>
-        </p:nvPicPr>
-        <p:blipFill>
-          <a:blip r:embed="rId3">
-            <a:extLst>
-              <a:ext uri="{28A0092B-C50C-407E-A947-70E740481C1C}">
-                <a14:useLocalDpi xmlns:a14="http://schemas.microsoft.com/office/drawing/2010/main" val="0"/>
-              </a:ext>
-            </a:extLst>
-          </a:blip>
-          <a:srcRect/>
-          <a:stretch>
-            <a:fillRect/>
-          </a:stretch>
-        </p:blipFill>
-        <p:spPr>
-          <a:xfrm>
-            <a:off x="6362727" y="1657351"/>
-            <a:ext cx="4818476" cy="3124200"/>
-          </a:xfrm>
-        </p:spPr>
-      </p:pic>
-      <p:pic>
-        <p:nvPicPr>
-          <p:cNvPr id="11" name="Kép helyőrzője 10">
-            <a:extLst>
-              <a:ext uri="{FF2B5EF4-FFF2-40B4-BE49-F238E27FC236}">
-                <a16:creationId xmlns:a16="http://schemas.microsoft.com/office/drawing/2014/main" id="{F137CA39-CE16-4C0C-AFB5-324FE940E664}"/>
-              </a:ext>
-            </a:extLst>
-          </p:cNvPr>
-          <p:cNvPicPr>
-            <a:picLocks noGrp="1" noChangeAspect="1"/>
-          </p:cNvPicPr>
-          <p:nvPr>
-            <p:ph type="pic" sz="quarter" idx="13"/>
-          </p:nvPr>
-        </p:nvPicPr>
-        <p:blipFill>
-          <a:blip r:embed="rId4">
-            <a:extLst>
-              <a:ext uri="{28A0092B-C50C-407E-A947-70E740481C1C}">
-                <a14:useLocalDpi xmlns:a14="http://schemas.microsoft.com/office/drawing/2010/main" val="0"/>
-              </a:ext>
-            </a:extLst>
-          </a:blip>
-          <a:stretch>
-            <a:fillRect/>
-          </a:stretch>
-        </p:blipFill>
-        <p:spPr>
-          <a:xfrm>
-            <a:off x="0" y="0"/>
-            <a:ext cx="1328400" cy="1328400"/>
-          </a:xfrm>
-        </p:spPr>
-      </p:pic>
-      <p:sp>
-        <p:nvSpPr>
-          <p:cNvPr id="2" name="Cím 1">
-            <a:extLst>
-              <a:ext uri="{FF2B5EF4-FFF2-40B4-BE49-F238E27FC236}">
-                <a16:creationId xmlns:a16="http://schemas.microsoft.com/office/drawing/2014/main" id="{134CB059-9E3B-4C24-8E61-717292C2944E}"/>
-              </a:ext>
-            </a:extLst>
-          </p:cNvPr>
-          <p:cNvSpPr>
-            <a:spLocks noGrp="1"/>
-          </p:cNvSpPr>
-          <p:nvPr>
-            <p:ph type="title"/>
-          </p:nvPr>
-        </p:nvSpPr>
-        <p:spPr>
-          <a:xfrm>
-            <a:off x="803276" y="2091023"/>
-            <a:ext cx="4858053" cy="804338"/>
-          </a:xfrm>
-        </p:spPr>
-        <p:txBody>
-          <a:bodyPr rtlCol="0">
-            <a:normAutofit fontScale="90000"/>
-          </a:bodyPr>
-          <a:lstStyle/>
-          <a:p>
-            <a:pPr rtl="0"/>
-            <a:r>
-              <a:rPr lang="hu-HU" dirty="0" smtClean="0"/>
-              <a:t>Weboldal webesnézetben</a:t>
-            </a:r>
-            <a:endParaRPr lang="hu-HU" dirty="0"/>
-          </a:p>
-        </p:txBody>
-      </p:sp>
-      <p:sp>
-        <p:nvSpPr>
-          <p:cNvPr id="3" name="Szöveg helye 2">
-            <a:extLst>
-              <a:ext uri="{FF2B5EF4-FFF2-40B4-BE49-F238E27FC236}">
-                <a16:creationId xmlns:a16="http://schemas.microsoft.com/office/drawing/2014/main" id="{E66139D5-668D-4A3D-B6B6-F71EC385C8FF}"/>
-              </a:ext>
-            </a:extLst>
-          </p:cNvPr>
-          <p:cNvSpPr>
-            <a:spLocks noGrp="1"/>
-          </p:cNvSpPr>
-          <p:nvPr>
-            <p:ph type="body" idx="1"/>
-          </p:nvPr>
-        </p:nvSpPr>
-        <p:spPr/>
-        <p:txBody>
-          <a:bodyPr rtlCol="0"/>
-          <a:lstStyle/>
-          <a:p>
-            <a:pPr rtl="0"/>
-            <a:r>
-              <a:rPr lang="hu-HU" dirty="0" smtClean="0"/>
-              <a:t>Weboldal fő feladatai:</a:t>
-            </a:r>
-            <a:endParaRPr lang="hu-HU" dirty="0"/>
-          </a:p>
-        </p:txBody>
-      </p:sp>
-      <p:sp>
-        <p:nvSpPr>
-          <p:cNvPr id="8" name="Szöveg helye 7">
-            <a:extLst>
-              <a:ext uri="{FF2B5EF4-FFF2-40B4-BE49-F238E27FC236}">
-                <a16:creationId xmlns:a16="http://schemas.microsoft.com/office/drawing/2014/main" id="{EEA947F5-DD66-4D26-BA34-D1D8F7CE9010}"/>
-              </a:ext>
-            </a:extLst>
-          </p:cNvPr>
-          <p:cNvSpPr>
-            <a:spLocks noGrp="1"/>
-          </p:cNvSpPr>
-          <p:nvPr>
-            <p:ph type="body" idx="14"/>
-          </p:nvPr>
-        </p:nvSpPr>
-        <p:spPr/>
-        <p:txBody>
-          <a:bodyPr rtlCol="0">
-            <a:normAutofit/>
-          </a:bodyPr>
-          <a:lstStyle/>
-          <a:p>
-            <a:pPr rtl="0"/>
-            <a:r>
-              <a:rPr lang="hu-HU" dirty="0" smtClean="0"/>
-              <a:t>Program bemutatása</a:t>
-            </a:r>
-          </a:p>
-          <a:p>
-            <a:pPr rtl="0"/>
-            <a:r>
-              <a:rPr lang="hu-HU" dirty="0" smtClean="0"/>
-              <a:t>Program letölthetőségének biztosítása</a:t>
-            </a:r>
-          </a:p>
-          <a:p>
-            <a:pPr rtl="0"/>
-            <a:r>
-              <a:rPr lang="hu-HU" dirty="0" smtClean="0"/>
-              <a:t>Testek és síkidomok bemutatása</a:t>
-            </a:r>
-          </a:p>
-          <a:p>
-            <a:pPr rtl="0"/>
-            <a:r>
-              <a:rPr lang="hu-HU" dirty="0" smtClean="0"/>
-              <a:t>Kapcsolat létesítés a fejlesztőkkel</a:t>
-            </a:r>
-            <a:endParaRPr lang="hu-HU" dirty="0"/>
-          </a:p>
-        </p:txBody>
-      </p:sp>
-      <p:sp>
-        <p:nvSpPr>
-          <p:cNvPr id="6" name="Dia számának helye 5">
-            <a:extLst>
-              <a:ext uri="{FF2B5EF4-FFF2-40B4-BE49-F238E27FC236}">
-                <a16:creationId xmlns:a16="http://schemas.microsoft.com/office/drawing/2014/main" id="{2B9E0CB5-2F64-4439-AFE9-1BB3ACE6FA9D}"/>
-              </a:ext>
-            </a:extLst>
-          </p:cNvPr>
-          <p:cNvSpPr>
-            <a:spLocks noGrp="1"/>
-          </p:cNvSpPr>
-          <p:nvPr>
-            <p:ph type="sldNum" sz="quarter" idx="12"/>
-          </p:nvPr>
-        </p:nvSpPr>
-        <p:spPr/>
-        <p:txBody>
-          <a:bodyPr rtlCol="0"/>
-          <a:lstStyle/>
-          <a:p>
-            <a:pPr rtl="0"/>
-            <a:fld id="{8D581BC7-E183-40DB-AC97-C19EA4EB8894}" type="slidenum">
-              <a:rPr lang="hu-HU" smtClean="0"/>
-              <a:t>7</a:t>
-            </a:fld>
-            <a:endParaRPr lang="hu-HU" dirty="0"/>
-          </a:p>
-        </p:txBody>
-      </p:sp>
-      <p:sp>
-        <p:nvSpPr>
-          <p:cNvPr id="5" name="Élőláb helye 4">
-            <a:extLst>
-              <a:ext uri="{FF2B5EF4-FFF2-40B4-BE49-F238E27FC236}">
-                <a16:creationId xmlns:a16="http://schemas.microsoft.com/office/drawing/2014/main" id="{FFFF8DFC-D37E-4FE9-81F0-77C68D469526}"/>
-              </a:ext>
-            </a:extLst>
-          </p:cNvPr>
-          <p:cNvSpPr>
-            <a:spLocks noGrp="1"/>
-          </p:cNvSpPr>
-          <p:nvPr>
-            <p:ph type="ftr" sz="quarter" idx="11"/>
-          </p:nvPr>
-        </p:nvSpPr>
-        <p:spPr/>
-        <p:txBody>
-          <a:bodyPr rtlCol="0"/>
-          <a:lstStyle/>
-          <a:p>
-            <a:pPr rtl="0"/>
-            <a:r>
-              <a:rPr lang="hu-HU" dirty="0" smtClean="0"/>
-              <a:t>weboldal</a:t>
-            </a:r>
-            <a:endParaRPr lang="hu-HU" dirty="0"/>
-          </a:p>
-        </p:txBody>
-      </p:sp>
-      <p:sp>
-        <p:nvSpPr>
-          <p:cNvPr id="4" name="Dátum helye 3">
-            <a:extLst>
-              <a:ext uri="{FF2B5EF4-FFF2-40B4-BE49-F238E27FC236}">
-                <a16:creationId xmlns:a16="http://schemas.microsoft.com/office/drawing/2014/main" id="{0BA396AE-BE46-43FB-B4E7-224D2AF39F83}"/>
-              </a:ext>
-            </a:extLst>
-          </p:cNvPr>
-          <p:cNvSpPr>
-            <a:spLocks noGrp="1"/>
-          </p:cNvSpPr>
-          <p:nvPr>
-            <p:ph type="dt" sz="half" idx="10"/>
-          </p:nvPr>
-        </p:nvSpPr>
-        <p:spPr/>
-        <p:txBody>
-          <a:bodyPr rtlCol="0"/>
-          <a:lstStyle/>
-          <a:p>
-            <a:pPr rtl="0"/>
-            <a:r>
-              <a:rPr lang="hu-HU" dirty="0" smtClean="0"/>
-              <a:t>2022.12.01 </a:t>
-            </a:r>
-            <a:endParaRPr lang="hu-HU" dirty="0"/>
-          </a:p>
-        </p:txBody>
-      </p:sp>
-      <p:pic>
-        <p:nvPicPr>
-          <p:cNvPr id="7" name="Kép 6"/>
-          <p:cNvPicPr>
-            <a:picLocks noChangeAspect="1"/>
-          </p:cNvPicPr>
-          <p:nvPr/>
-        </p:nvPicPr>
-        <p:blipFill rotWithShape="1">
-          <a:blip r:embed="rId5"/>
-          <a:srcRect b="17154"/>
-          <a:stretch/>
-        </p:blipFill>
-        <p:spPr>
-          <a:xfrm>
-            <a:off x="6362727" y="2170015"/>
-            <a:ext cx="4818477" cy="2098871"/>
-          </a:xfrm>
-          <a:prstGeom prst="rect">
-            <a:avLst/>
-          </a:prstGeom>
-          <a:ln w="38100" cap="sq">
-            <a:solidFill>
-              <a:srgbClr val="000000"/>
-            </a:solidFill>
-            <a:prstDash val="solid"/>
-            <a:miter lim="800000"/>
-          </a:ln>
-          <a:effectLst>
-            <a:outerShdw blurRad="50800" dist="38100" dir="2700000" algn="tl" rotWithShape="0">
-              <a:srgbClr val="000000">
-                <a:alpha val="43000"/>
-              </a:srgbClr>
-            </a:outerShdw>
-          </a:effectLst>
-        </p:spPr>
-      </p:pic>
-    </p:spTree>
-    <p:extLst>
-      <p:ext uri="{BB962C8B-B14F-4D97-AF65-F5344CB8AC3E}">
-        <p14:creationId xmlns:p14="http://schemas.microsoft.com/office/powerpoint/2010/main" val="1728754232"/>
-      </p:ext>
-    </p:extLst>
-  </p:cSld>
-  <p:clrMapOvr>
-    <a:masterClrMapping/>
-  </p:clrMapOvr>
-  <mc:AlternateContent xmlns:mc="http://schemas.openxmlformats.org/markup-compatibility/2006">
-    <mc:Choice xmlns:p15="http://schemas.microsoft.com/office/powerpoint/2012/main" Requires="p15">
-      <p:transition xmlns:p14="http://schemas.microsoft.com/office/powerpoint/2010/main" spd="slow" p14:dur="2000">
-        <p15:prstTrans prst="prestige"/>
-      </p:transition>
-    </mc:Choice>
-    <mc:Fallback>
+    <mc:Fallback xmlns="">
       <p:transition spd="slow">
         <p:fade/>
       </p:transition>
@@ -50511,47 +49694,10 @@
       </p:grpSpPr>
       <p:pic>
         <p:nvPicPr>
-          <p:cNvPr id="7" name="Kép 6"/>
-          <p:cNvPicPr>
-            <a:picLocks noChangeAspect="1"/>
-          </p:cNvPicPr>
-          <p:nvPr/>
-        </p:nvPicPr>
-        <p:blipFill rotWithShape="1">
-          <a:blip r:embed="rId3"/>
-          <a:srcRect r="45247"/>
-          <a:stretch/>
-        </p:blipFill>
-        <p:spPr>
-          <a:xfrm>
-            <a:off x="1166903" y="3581219"/>
-            <a:ext cx="2001747" cy="1757456"/>
-          </a:xfrm>
-          <a:prstGeom prst="rect">
-            <a:avLst/>
-          </a:prstGeom>
-          <a:ln w="38100" cap="sq">
-            <a:solidFill>
-              <a:srgbClr val="000000"/>
-            </a:solidFill>
-            <a:prstDash val="solid"/>
-            <a:miter lim="800000"/>
-          </a:ln>
-          <a:effectLst>
-            <a:outerShdw blurRad="50800" dist="38100" dir="2700000" algn="tl" rotWithShape="0">
-              <a:srgbClr val="000000">
-                <a:alpha val="43000"/>
-              </a:srgbClr>
-            </a:outerShdw>
-          </a:effectLst>
-        </p:spPr>
-      </p:pic>
-      <p:pic>
-        <p:nvPicPr>
-          <p:cNvPr id="10" name="Kép helyőrzője 9">
-            <a:extLst>
-              <a:ext uri="{FF2B5EF4-FFF2-40B4-BE49-F238E27FC236}">
-                <a16:creationId xmlns:a16="http://schemas.microsoft.com/office/drawing/2014/main" id="{F134DE68-610E-4EEB-B74B-452C1FAC1DAE}"/>
+          <p:cNvPr id="9" name="Kép helyőrzője 8">
+            <a:extLst>
+              <a:ext uri="{FF2B5EF4-FFF2-40B4-BE49-F238E27FC236}">
+                <a16:creationId xmlns:a16="http://schemas.microsoft.com/office/drawing/2014/main" id="{00A900CE-F052-47BC-8B74-B92A4604BF6A}"/>
               </a:ext>
             </a:extLst>
           </p:cNvPr>
@@ -50563,7 +49709,7 @@
           </p:nvPr>
         </p:nvPicPr>
         <p:blipFill>
-          <a:blip r:embed="rId4">
+          <a:blip r:embed="rId3">
             <a:extLst>
               <a:ext uri="{28A0092B-C50C-407E-A947-70E740481C1C}">
                 <a14:useLocalDpi xmlns:a14="http://schemas.microsoft.com/office/drawing/2010/main" val="0"/>
@@ -50581,12 +49727,42 @@
           </a:xfrm>
         </p:spPr>
       </p:pic>
+      <p:sp>
+        <p:nvSpPr>
+          <p:cNvPr id="2" name="Cím 1">
+            <a:extLst>
+              <a:ext uri="{FF2B5EF4-FFF2-40B4-BE49-F238E27FC236}">
+                <a16:creationId xmlns:a16="http://schemas.microsoft.com/office/drawing/2014/main" id="{9A6E18C9-A34F-49C5-973E-6760D1EF1059}"/>
+              </a:ext>
+            </a:extLst>
+          </p:cNvPr>
+          <p:cNvSpPr>
+            <a:spLocks noGrp="1"/>
+          </p:cNvSpPr>
+          <p:nvPr>
+            <p:ph type="title"/>
+          </p:nvPr>
+        </p:nvSpPr>
+        <p:spPr/>
+        <p:txBody>
+          <a:bodyPr rtlCol="0"/>
+          <a:lstStyle/>
+          <a:p>
+            <a:pPr rtl="0"/>
+            <a:r>
+              <a:rPr lang="hu-HU" dirty="0" smtClean="0"/>
+              <a:t>Weboldal</a:t>
+            </a:r>
+            <a:endParaRPr lang="hu-HU" dirty="0"/>
+          </a:p>
+        </p:txBody>
+      </p:sp>
       <p:pic>
         <p:nvPicPr>
-          <p:cNvPr id="21" name="Kép helyőrzője 20" descr="Absztrakt háttér">
-            <a:extLst>
-              <a:ext uri="{FF2B5EF4-FFF2-40B4-BE49-F238E27FC236}">
-                <a16:creationId xmlns:a16="http://schemas.microsoft.com/office/drawing/2014/main" id="{CFD930F2-FED4-475C-A75D-6AB046729949}"/>
+          <p:cNvPr id="22" name="Kép helyőrzője 21" descr="Absztrakt háttér">
+            <a:extLst>
+              <a:ext uri="{FF2B5EF4-FFF2-40B4-BE49-F238E27FC236}">
+                <a16:creationId xmlns:a16="http://schemas.microsoft.com/office/drawing/2014/main" id="{0342E5A4-E598-4185-B93F-5814F00C2011}"/>
               </a:ext>
             </a:extLst>
           </p:cNvPr>
@@ -50594,11 +49770,11 @@
             <a:picLocks noGrp="1" noChangeAspect="1"/>
           </p:cNvPicPr>
           <p:nvPr>
-            <p:ph type="pic" sz="quarter" idx="14"/>
+            <p:ph type="pic" sz="quarter" idx="15"/>
           </p:nvPr>
         </p:nvPicPr>
         <p:blipFill>
-          <a:blip r:embed="rId5">
+          <a:blip r:embed="rId4">
             <a:extLst>
               <a:ext uri="{28A0092B-C50C-407E-A947-70E740481C1C}">
                 <a14:useLocalDpi xmlns:a14="http://schemas.microsoft.com/office/drawing/2010/main" val="0"/>
@@ -50610,14 +49786,19 @@
             <a:fillRect/>
           </a:stretch>
         </p:blipFill>
-        <p:spPr/>
+        <p:spPr>
+          <a:xfrm>
+            <a:off x="1" y="1690447"/>
+            <a:ext cx="12191999" cy="3493008"/>
+          </a:xfrm>
+        </p:spPr>
       </p:pic>
       <p:sp>
         <p:nvSpPr>
-          <p:cNvPr id="5" name="Cím 4">
-            <a:extLst>
-              <a:ext uri="{FF2B5EF4-FFF2-40B4-BE49-F238E27FC236}">
-                <a16:creationId xmlns:a16="http://schemas.microsoft.com/office/drawing/2014/main" id="{971E61A3-1D57-4708-B548-E59863785D2E}"/>
+          <p:cNvPr id="3" name="Szöveg helye 2">
+            <a:extLst>
+              <a:ext uri="{FF2B5EF4-FFF2-40B4-BE49-F238E27FC236}">
+                <a16:creationId xmlns:a16="http://schemas.microsoft.com/office/drawing/2014/main" id="{C679F2E6-BA14-4C8A-ABD2-DF50609348D1}"/>
               </a:ext>
             </a:extLst>
           </p:cNvPr>
@@ -50625,36 +49806,36 @@
             <a:spLocks noGrp="1"/>
           </p:cNvSpPr>
           <p:nvPr>
-            <p:ph type="title"/>
+            <p:ph type="body" idx="1"/>
           </p:nvPr>
         </p:nvSpPr>
         <p:spPr>
           <a:xfrm>
-            <a:off x="6650783" y="3531374"/>
-            <a:ext cx="5196660" cy="569086"/>
+            <a:off x="3863976" y="2571484"/>
+            <a:ext cx="4443165" cy="370500"/>
           </a:xfrm>
         </p:spPr>
         <p:txBody>
           <a:bodyPr rtlCol="0">
-            <a:noAutofit/>
+            <a:normAutofit/>
           </a:bodyPr>
           <a:lstStyle/>
           <a:p>
             <a:pPr rtl="0"/>
             <a:r>
-              <a:rPr lang="hu-HU" sz="5400" dirty="0" smtClean="0"/>
-              <a:t>MOBILVERZIÓ</a:t>
-            </a:r>
-            <a:endParaRPr lang="hu-HU" sz="5400" dirty="0"/>
-          </a:p>
-        </p:txBody>
-      </p:sp>
-      <p:sp>
-        <p:nvSpPr>
-          <p:cNvPr id="4" name="Dia számának helye 3">
-            <a:extLst>
-              <a:ext uri="{FF2B5EF4-FFF2-40B4-BE49-F238E27FC236}">
-                <a16:creationId xmlns:a16="http://schemas.microsoft.com/office/drawing/2014/main" id="{98CB8384-B0BB-4EA8-B9C0-C29BC90FA28C}"/>
+              <a:rPr lang="hu-HU" sz="2400" dirty="0" smtClean="0"/>
+              <a:t>A programot bemutató weboldal</a:t>
+            </a:r>
+            <a:endParaRPr lang="hu-HU" sz="2400" dirty="0"/>
+          </a:p>
+        </p:txBody>
+      </p:sp>
+      <p:sp>
+        <p:nvSpPr>
+          <p:cNvPr id="6" name="Dia számának helye 5">
+            <a:extLst>
+              <a:ext uri="{FF2B5EF4-FFF2-40B4-BE49-F238E27FC236}">
+                <a16:creationId xmlns:a16="http://schemas.microsoft.com/office/drawing/2014/main" id="{C35D9EA8-AA17-47B2-A4C4-B60DC7C7DC49}"/>
               </a:ext>
             </a:extLst>
           </p:cNvPr>
@@ -50682,10 +49863,10 @@
       </p:sp>
       <p:sp>
         <p:nvSpPr>
-          <p:cNvPr id="3" name="Élőláb helye 2">
-            <a:extLst>
-              <a:ext uri="{FF2B5EF4-FFF2-40B4-BE49-F238E27FC236}">
-                <a16:creationId xmlns:a16="http://schemas.microsoft.com/office/drawing/2014/main" id="{6B773D43-1954-4F70-800C-0FBF061FA84A}"/>
+          <p:cNvPr id="5" name="Élőláb helye 4">
+            <a:extLst>
+              <a:ext uri="{FF2B5EF4-FFF2-40B4-BE49-F238E27FC236}">
+                <a16:creationId xmlns:a16="http://schemas.microsoft.com/office/drawing/2014/main" id="{1ED7D25D-51F0-4AAA-86C5-F3584C0E8A44}"/>
               </a:ext>
             </a:extLst>
           </p:cNvPr>
@@ -50701,21 +49882,19 @@
           <a:bodyPr rtlCol="0"/>
           <a:lstStyle/>
           <a:p>
-            <a:pPr rtl="0"/>
-            <a:r>
-              <a:rPr lang="hu-HU" dirty="0" smtClean="0"/>
-              <a:t>Weboldal mobilverzió</a:t>
-            </a:r>
-            <a:endParaRPr lang="hu-HU" dirty="0"/>
-          </a:p>
-        </p:txBody>
-      </p:sp>
-      <p:sp>
-        <p:nvSpPr>
-          <p:cNvPr id="2" name="Dátum helye 1">
-            <a:extLst>
-              <a:ext uri="{FF2B5EF4-FFF2-40B4-BE49-F238E27FC236}">
-                <a16:creationId xmlns:a16="http://schemas.microsoft.com/office/drawing/2014/main" id="{FC83A74C-977A-4816-891B-118D588AEF80}"/>
+            <a:r>
+              <a:rPr lang="hu-HU" dirty="0"/>
+              <a:t>A programot bemutató weboldal</a:t>
+            </a:r>
+          </a:p>
+        </p:txBody>
+      </p:sp>
+      <p:sp>
+        <p:nvSpPr>
+          <p:cNvPr id="4" name="Dátum helye 3">
+            <a:extLst>
+              <a:ext uri="{FF2B5EF4-FFF2-40B4-BE49-F238E27FC236}">
+                <a16:creationId xmlns:a16="http://schemas.microsoft.com/office/drawing/2014/main" id="{F48CF653-A1E7-473E-A717-8659C5E457A1}"/>
               </a:ext>
             </a:extLst>
           </p:cNvPr>
@@ -50740,80 +49919,217 @@
           </a:p>
         </p:txBody>
       </p:sp>
-      <p:pic>
-        <p:nvPicPr>
-          <p:cNvPr id="11" name="Kép 10"/>
-          <p:cNvPicPr>
-            <a:picLocks noChangeAspect="1"/>
-          </p:cNvPicPr>
+      <p:sp>
+        <p:nvSpPr>
+          <p:cNvPr id="10" name="Alcím 2">
+            <a:extLst>
+              <a:ext uri="{FF2B5EF4-FFF2-40B4-BE49-F238E27FC236}">
+                <a16:creationId xmlns:a16="http://schemas.microsoft.com/office/drawing/2014/main" id="{FDFD3B61-D7B5-4C7A-80FB-02A3436F88E1}"/>
+              </a:ext>
+            </a:extLst>
+          </p:cNvPr>
+          <p:cNvSpPr txBox="1">
+            <a:spLocks/>
+          </p:cNvSpPr>
           <p:nvPr/>
-        </p:nvPicPr>
-        <p:blipFill rotWithShape="1">
-          <a:blip r:embed="rId6"/>
-          <a:srcRect b="21484"/>
-          <a:stretch/>
-        </p:blipFill>
+        </p:nvSpPr>
         <p:spPr>
           <a:xfrm>
-            <a:off x="3315505" y="1976894"/>
-            <a:ext cx="1816619" cy="3108960"/>
+            <a:off x="4967584" y="4889444"/>
+            <a:ext cx="2256832" cy="294011"/>
           </a:xfrm>
           <a:prstGeom prst="rect">
             <a:avLst/>
           </a:prstGeom>
-          <a:ln w="38100" cap="sq">
-            <a:solidFill>
-              <a:srgbClr val="000000"/>
-            </a:solidFill>
-            <a:prstDash val="solid"/>
-            <a:miter lim="800000"/>
-          </a:ln>
-          <a:effectLst>
-            <a:outerShdw blurRad="50800" dist="38100" dir="2700000" algn="tl" rotWithShape="0">
-              <a:srgbClr val="000000">
-                <a:alpha val="43000"/>
-              </a:srgbClr>
-            </a:outerShdw>
-          </a:effectLst>
-        </p:spPr>
-      </p:pic>
-      <p:sp>
-        <p:nvSpPr>
-          <p:cNvPr id="9" name="Szövegdoboz 8"/>
-          <p:cNvSpPr txBox="1"/>
-          <p:nvPr/>
-        </p:nvSpPr>
-        <p:spPr>
-          <a:xfrm>
-            <a:off x="6806316" y="4405023"/>
-            <a:ext cx="4826441" cy="369332"/>
-          </a:xfrm>
-          <a:prstGeom prst="rect">
-            <a:avLst/>
-          </a:prstGeom>
-          <a:noFill/>
-        </p:spPr>
-        <p:txBody>
-          <a:bodyPr wrap="square" rtlCol="0">
-            <a:spAutoFit/>
+        </p:spPr>
+        <p:txBody>
+          <a:bodyPr vert="horz" lIns="0" tIns="0" rIns="0" bIns="0" rtlCol="0">
+            <a:normAutofit/>
           </a:bodyPr>
-          <a:lstStyle/>
-          <a:p>
-            <a:r>
-              <a:rPr lang="hu-HU" dirty="0" err="1" smtClean="0"/>
-              <a:t>Reszponzív</a:t>
-            </a:r>
+          <a:lstStyle>
+            <a:lvl1pPr marL="0" indent="0" algn="ctr" defTabSz="914400" rtl="0" eaLnBrk="1" latinLnBrk="0" hangingPunct="1">
+              <a:lnSpc>
+                <a:spcPct val="100000"/>
+              </a:lnSpc>
+              <a:spcBef>
+                <a:spcPts val="1000"/>
+              </a:spcBef>
+              <a:buFont typeface="Arial" panose="020B0604020202020204" pitchFamily="34" charset="0"/>
+              <a:buNone/>
+              <a:defRPr sz="1800" b="1" kern="1200">
+                <a:solidFill>
+                  <a:schemeClr val="tx1"/>
+                </a:solidFill>
+                <a:latin typeface="+mn-lt"/>
+                <a:ea typeface="+mn-ea"/>
+                <a:cs typeface="Segoe UI Semibold" panose="020B0702040204020203" pitchFamily="34" charset="0"/>
+              </a:defRPr>
+            </a:lvl1pPr>
+            <a:lvl2pPr marL="457200" indent="0" algn="l" defTabSz="914400" rtl="0" eaLnBrk="1" latinLnBrk="0" hangingPunct="1">
+              <a:lnSpc>
+                <a:spcPct val="90000"/>
+              </a:lnSpc>
+              <a:spcBef>
+                <a:spcPts val="500"/>
+              </a:spcBef>
+              <a:buFont typeface="Arial" panose="020B0604020202020204" pitchFamily="34" charset="0"/>
+              <a:buNone/>
+              <a:defRPr sz="2000" kern="1200">
+                <a:solidFill>
+                  <a:schemeClr val="tx1">
+                    <a:tint val="75000"/>
+                  </a:schemeClr>
+                </a:solidFill>
+                <a:latin typeface="+mn-lt"/>
+                <a:ea typeface="+mn-ea"/>
+                <a:cs typeface="+mn-cs"/>
+              </a:defRPr>
+            </a:lvl2pPr>
+            <a:lvl3pPr marL="914400" indent="0" algn="l" defTabSz="914400" rtl="0" eaLnBrk="1" latinLnBrk="0" hangingPunct="1">
+              <a:lnSpc>
+                <a:spcPct val="90000"/>
+              </a:lnSpc>
+              <a:spcBef>
+                <a:spcPts val="500"/>
+              </a:spcBef>
+              <a:buFont typeface="Arial" panose="020B0604020202020204" pitchFamily="34" charset="0"/>
+              <a:buNone/>
+              <a:defRPr sz="1800" kern="1200">
+                <a:solidFill>
+                  <a:schemeClr val="tx1">
+                    <a:tint val="75000"/>
+                  </a:schemeClr>
+                </a:solidFill>
+                <a:latin typeface="+mn-lt"/>
+                <a:ea typeface="+mn-ea"/>
+                <a:cs typeface="+mn-cs"/>
+              </a:defRPr>
+            </a:lvl3pPr>
+            <a:lvl4pPr marL="1371600" indent="0" algn="l" defTabSz="914400" rtl="0" eaLnBrk="1" latinLnBrk="0" hangingPunct="1">
+              <a:lnSpc>
+                <a:spcPct val="90000"/>
+              </a:lnSpc>
+              <a:spcBef>
+                <a:spcPts val="500"/>
+              </a:spcBef>
+              <a:buFont typeface="Arial" panose="020B0604020202020204" pitchFamily="34" charset="0"/>
+              <a:buNone/>
+              <a:defRPr sz="1600" kern="1200">
+                <a:solidFill>
+                  <a:schemeClr val="tx1">
+                    <a:tint val="75000"/>
+                  </a:schemeClr>
+                </a:solidFill>
+                <a:latin typeface="+mn-lt"/>
+                <a:ea typeface="+mn-ea"/>
+                <a:cs typeface="+mn-cs"/>
+              </a:defRPr>
+            </a:lvl4pPr>
+            <a:lvl5pPr marL="1828800" indent="0" algn="l" defTabSz="914400" rtl="0" eaLnBrk="1" latinLnBrk="0" hangingPunct="1">
+              <a:lnSpc>
+                <a:spcPct val="90000"/>
+              </a:lnSpc>
+              <a:spcBef>
+                <a:spcPts val="500"/>
+              </a:spcBef>
+              <a:buFont typeface="Arial" panose="020B0604020202020204" pitchFamily="34" charset="0"/>
+              <a:buNone/>
+              <a:defRPr sz="1600" kern="1200">
+                <a:solidFill>
+                  <a:schemeClr val="tx1">
+                    <a:tint val="75000"/>
+                  </a:schemeClr>
+                </a:solidFill>
+                <a:latin typeface="+mn-lt"/>
+                <a:ea typeface="+mn-ea"/>
+                <a:cs typeface="+mn-cs"/>
+              </a:defRPr>
+            </a:lvl5pPr>
+            <a:lvl6pPr marL="2286000" indent="0" algn="l" defTabSz="914400" rtl="0" eaLnBrk="1" latinLnBrk="0" hangingPunct="1">
+              <a:lnSpc>
+                <a:spcPct val="90000"/>
+              </a:lnSpc>
+              <a:spcBef>
+                <a:spcPts val="500"/>
+              </a:spcBef>
+              <a:buFont typeface="Arial" panose="020B0604020202020204" pitchFamily="34" charset="0"/>
+              <a:buNone/>
+              <a:defRPr sz="1600" kern="1200">
+                <a:solidFill>
+                  <a:schemeClr val="tx1">
+                    <a:tint val="75000"/>
+                  </a:schemeClr>
+                </a:solidFill>
+                <a:latin typeface="+mn-lt"/>
+                <a:ea typeface="+mn-ea"/>
+                <a:cs typeface="+mn-cs"/>
+              </a:defRPr>
+            </a:lvl6pPr>
+            <a:lvl7pPr marL="2743200" indent="0" algn="l" defTabSz="914400" rtl="0" eaLnBrk="1" latinLnBrk="0" hangingPunct="1">
+              <a:lnSpc>
+                <a:spcPct val="90000"/>
+              </a:lnSpc>
+              <a:spcBef>
+                <a:spcPts val="500"/>
+              </a:spcBef>
+              <a:buFont typeface="Arial" panose="020B0604020202020204" pitchFamily="34" charset="0"/>
+              <a:buNone/>
+              <a:defRPr sz="1600" kern="1200">
+                <a:solidFill>
+                  <a:schemeClr val="tx1">
+                    <a:tint val="75000"/>
+                  </a:schemeClr>
+                </a:solidFill>
+                <a:latin typeface="+mn-lt"/>
+                <a:ea typeface="+mn-ea"/>
+                <a:cs typeface="+mn-cs"/>
+              </a:defRPr>
+            </a:lvl7pPr>
+            <a:lvl8pPr marL="3200400" indent="0" algn="l" defTabSz="914400" rtl="0" eaLnBrk="1" latinLnBrk="0" hangingPunct="1">
+              <a:lnSpc>
+                <a:spcPct val="90000"/>
+              </a:lnSpc>
+              <a:spcBef>
+                <a:spcPts val="500"/>
+              </a:spcBef>
+              <a:buFont typeface="Arial" panose="020B0604020202020204" pitchFamily="34" charset="0"/>
+              <a:buNone/>
+              <a:defRPr sz="1600" kern="1200">
+                <a:solidFill>
+                  <a:schemeClr val="tx1">
+                    <a:tint val="75000"/>
+                  </a:schemeClr>
+                </a:solidFill>
+                <a:latin typeface="+mn-lt"/>
+                <a:ea typeface="+mn-ea"/>
+                <a:cs typeface="+mn-cs"/>
+              </a:defRPr>
+            </a:lvl8pPr>
+            <a:lvl9pPr marL="3657600" indent="0" algn="l" defTabSz="914400" rtl="0" eaLnBrk="1" latinLnBrk="0" hangingPunct="1">
+              <a:lnSpc>
+                <a:spcPct val="90000"/>
+              </a:lnSpc>
+              <a:spcBef>
+                <a:spcPts val="500"/>
+              </a:spcBef>
+              <a:buFont typeface="Arial" panose="020B0604020202020204" pitchFamily="34" charset="0"/>
+              <a:buNone/>
+              <a:defRPr sz="1600" kern="1200">
+                <a:solidFill>
+                  <a:schemeClr val="tx1">
+                    <a:tint val="75000"/>
+                  </a:schemeClr>
+                </a:solidFill>
+                <a:latin typeface="+mn-lt"/>
+                <a:ea typeface="+mn-ea"/>
+                <a:cs typeface="+mn-cs"/>
+              </a:defRPr>
+            </a:lvl9pPr>
+          </a:lstStyle>
+          <a:p>
             <a:r>
               <a:rPr lang="hu-HU" dirty="0" smtClean="0"/>
-              <a:t> weboldal </a:t>
-            </a:r>
-            <a:r>
-              <a:rPr lang="hu-HU" dirty="0" err="1" smtClean="0"/>
-              <a:t>dízályn</a:t>
-            </a:r>
-            <a:r>
-              <a:rPr lang="hu-HU" dirty="0" smtClean="0"/>
-              <a:t> </a:t>
+              <a:t>Fejlesztő: Zámbó Illés</a:t>
             </a:r>
             <a:endParaRPr lang="hu-HU" dirty="0"/>
           </a:p>
@@ -50822,7 +50138,7 @@
     </p:spTree>
     <p:extLst>
       <p:ext uri="{BB962C8B-B14F-4D97-AF65-F5344CB8AC3E}">
-        <p14:creationId xmlns:p14="http://schemas.microsoft.com/office/powerpoint/2010/main" val="576207397"/>
+        <p14:creationId xmlns:p14="http://schemas.microsoft.com/office/powerpoint/2010/main" val="4080312334"/>
       </p:ext>
     </p:extLst>
   </p:cSld>
@@ -50870,10 +50186,10 @@
       </p:grpSpPr>
       <p:pic>
         <p:nvPicPr>
-          <p:cNvPr id="17" name="Kép helyőrzője 16">
-            <a:extLst>
-              <a:ext uri="{FF2B5EF4-FFF2-40B4-BE49-F238E27FC236}">
-                <a16:creationId xmlns:a16="http://schemas.microsoft.com/office/drawing/2014/main" id="{D652F905-B33B-4D47-80C8-0F74935D9B8E}"/>
+          <p:cNvPr id="10" name="Kép helyőrzője 19" descr="Absztrakt háttér">
+            <a:extLst>
+              <a:ext uri="{FF2B5EF4-FFF2-40B4-BE49-F238E27FC236}">
+                <a16:creationId xmlns:a16="http://schemas.microsoft.com/office/drawing/2014/main" id="{B9CF847D-0BA8-4D40-B95D-DAC8A415A56D}"/>
               </a:ext>
             </a:extLst>
           </p:cNvPr>
@@ -50881,11 +50197,47 @@
             <a:picLocks noGrp="1" noChangeAspect="1"/>
           </p:cNvPicPr>
           <p:nvPr>
-            <p:ph type="pic" sz="quarter" idx="13"/>
+            <p:ph type="pic" sz="quarter" idx="15"/>
           </p:nvPr>
         </p:nvPicPr>
         <p:blipFill>
           <a:blip r:embed="rId3">
+            <a:extLst>
+              <a:ext uri="{28A0092B-C50C-407E-A947-70E740481C1C}">
+                <a14:useLocalDpi xmlns:a14="http://schemas.microsoft.com/office/drawing/2010/main" val="0"/>
+              </a:ext>
+            </a:extLst>
+          </a:blip>
+          <a:srcRect/>
+          <a:stretch>
+            <a:fillRect/>
+          </a:stretch>
+        </p:blipFill>
+        <p:spPr>
+          <a:xfrm>
+            <a:off x="6362727" y="1657351"/>
+            <a:ext cx="4818476" cy="3124200"/>
+          </a:xfrm>
+        </p:spPr>
+      </p:pic>
+      <p:pic>
+        <p:nvPicPr>
+          <p:cNvPr id="11" name="Kép helyőrzője 10">
+            <a:extLst>
+              <a:ext uri="{FF2B5EF4-FFF2-40B4-BE49-F238E27FC236}">
+                <a16:creationId xmlns:a16="http://schemas.microsoft.com/office/drawing/2014/main" id="{F137CA39-CE16-4C0C-AFB5-324FE940E664}"/>
+              </a:ext>
+            </a:extLst>
+          </p:cNvPr>
+          <p:cNvPicPr>
+            <a:picLocks noGrp="1" noChangeAspect="1"/>
+          </p:cNvPicPr>
+          <p:nvPr>
+            <p:ph type="pic" sz="quarter" idx="13"/>
+          </p:nvPr>
+        </p:nvPicPr>
+        <p:blipFill>
+          <a:blip r:embed="rId4">
             <a:extLst>
               <a:ext uri="{28A0092B-C50C-407E-A947-70E740481C1C}">
                 <a14:useLocalDpi xmlns:a14="http://schemas.microsoft.com/office/drawing/2010/main" val="0"/>
@@ -50905,10 +50257,10 @@
       </p:pic>
       <p:sp>
         <p:nvSpPr>
-          <p:cNvPr id="5" name="Cím 4">
-            <a:extLst>
-              <a:ext uri="{FF2B5EF4-FFF2-40B4-BE49-F238E27FC236}">
-                <a16:creationId xmlns:a16="http://schemas.microsoft.com/office/drawing/2014/main" id="{9FFA9230-37E2-4CEB-A3E5-B704CE27367E}"/>
+          <p:cNvPr id="2" name="Cím 1">
+            <a:extLst>
+              <a:ext uri="{FF2B5EF4-FFF2-40B4-BE49-F238E27FC236}">
+                <a16:creationId xmlns:a16="http://schemas.microsoft.com/office/drawing/2014/main" id="{134CB059-9E3B-4C24-8E61-717292C2944E}"/>
               </a:ext>
             </a:extLst>
           </p:cNvPr>
@@ -50919,15 +50271,22 @@
             <p:ph type="title"/>
           </p:nvPr>
         </p:nvSpPr>
-        <p:spPr/>
-        <p:txBody>
-          <a:bodyPr rtlCol="0"/>
+        <p:spPr>
+          <a:xfrm>
+            <a:off x="803276" y="2091023"/>
+            <a:ext cx="4858053" cy="804338"/>
+          </a:xfrm>
+        </p:spPr>
+        <p:txBody>
+          <a:bodyPr rtlCol="0">
+            <a:normAutofit fontScale="90000"/>
+          </a:bodyPr>
           <a:lstStyle/>
           <a:p>
             <a:pPr rtl="0"/>
             <a:r>
               <a:rPr lang="hu-HU" dirty="0" smtClean="0"/>
-              <a:t>Fejlesztés szakaszai</a:t>
+              <a:t>Weboldal webesnézetben</a:t>
             </a:r>
             <a:endParaRPr lang="hu-HU" dirty="0"/>
           </a:p>
@@ -50935,10 +50294,10 @@
       </p:sp>
       <p:sp>
         <p:nvSpPr>
-          <p:cNvPr id="10" name="Szöveg helye 9">
-            <a:extLst>
-              <a:ext uri="{FF2B5EF4-FFF2-40B4-BE49-F238E27FC236}">
-                <a16:creationId xmlns:a16="http://schemas.microsoft.com/office/drawing/2014/main" id="{89BE0DA3-3A03-418B-B7CF-0D4107499B9C}"/>
+          <p:cNvPr id="3" name="Szöveg helye 2">
+            <a:extLst>
+              <a:ext uri="{FF2B5EF4-FFF2-40B4-BE49-F238E27FC236}">
+                <a16:creationId xmlns:a16="http://schemas.microsoft.com/office/drawing/2014/main" id="{E66139D5-668D-4A3D-B6B6-F71EC385C8FF}"/>
               </a:ext>
             </a:extLst>
           </p:cNvPr>
@@ -50946,7 +50305,7 @@
             <a:spLocks noGrp="1"/>
           </p:cNvSpPr>
           <p:nvPr>
-            <p:ph type="body" sz="quarter" idx="26"/>
+            <p:ph type="body" idx="1"/>
           </p:nvPr>
         </p:nvSpPr>
         <p:spPr/>
@@ -50957,7 +50316,7 @@
             <a:pPr rtl="0"/>
             <a:r>
               <a:rPr lang="hu-HU" dirty="0" smtClean="0"/>
-              <a:t>1</a:t>
+              <a:t>Weboldal fő feladatai:</a:t>
             </a:r>
             <a:endParaRPr lang="hu-HU" dirty="0"/>
           </a:p>
@@ -50965,10 +50324,10 @@
       </p:sp>
       <p:sp>
         <p:nvSpPr>
-          <p:cNvPr id="9" name="Szöveg helye 8">
-            <a:extLst>
-              <a:ext uri="{FF2B5EF4-FFF2-40B4-BE49-F238E27FC236}">
-                <a16:creationId xmlns:a16="http://schemas.microsoft.com/office/drawing/2014/main" id="{4E74A44B-1AAF-44D0-A426-104890F03E29}"/>
+          <p:cNvPr id="8" name="Szöveg helye 7">
+            <a:extLst>
+              <a:ext uri="{FF2B5EF4-FFF2-40B4-BE49-F238E27FC236}">
+                <a16:creationId xmlns:a16="http://schemas.microsoft.com/office/drawing/2014/main" id="{EEA947F5-DD66-4D26-BA34-D1D8F7CE9010}"/>
               </a:ext>
             </a:extLst>
           </p:cNvPr>
@@ -50976,193 +50335,52 @@
             <a:spLocks noGrp="1"/>
           </p:cNvSpPr>
           <p:nvPr>
-            <p:ph type="body" idx="16"/>
+            <p:ph type="body" idx="14"/>
           </p:nvPr>
         </p:nvSpPr>
         <p:spPr/>
-        <p:txBody>
-          <a:bodyPr rtlCol="0"/>
-          <a:lstStyle/>
-          <a:p>
-            <a:pPr rtl="0"/>
-            <a:r>
-              <a:rPr lang="hu-HU" dirty="0" smtClean="0"/>
-              <a:t>1. Tervezés</a:t>
-            </a:r>
-            <a:endParaRPr lang="hu-HU" dirty="0"/>
-          </a:p>
-        </p:txBody>
-      </p:sp>
-      <p:sp>
-        <p:nvSpPr>
-          <p:cNvPr id="8" name="Szöveg helye 7">
-            <a:extLst>
-              <a:ext uri="{FF2B5EF4-FFF2-40B4-BE49-F238E27FC236}">
-                <a16:creationId xmlns:a16="http://schemas.microsoft.com/office/drawing/2014/main" id="{D5450AF9-6A8E-4054-A832-F7BF5DA0E16C}"/>
-              </a:ext>
-            </a:extLst>
-          </p:cNvPr>
-          <p:cNvSpPr>
-            <a:spLocks noGrp="1"/>
-          </p:cNvSpPr>
-          <p:nvPr>
-            <p:ph type="body" idx="14"/>
-          </p:nvPr>
-        </p:nvSpPr>
-        <p:spPr>
-          <a:xfrm>
-            <a:off x="1226927" y="4271296"/>
-            <a:ext cx="2944368" cy="899748"/>
-          </a:xfrm>
-        </p:spPr>
-        <p:txBody>
-          <a:bodyPr rtlCol="0">
-            <a:normAutofit fontScale="92500"/>
-          </a:bodyPr>
-          <a:lstStyle/>
-          <a:p>
-            <a:pPr algn="just" rtl="0"/>
-            <a:r>
-              <a:rPr lang="hu-HU" dirty="0" smtClean="0"/>
-              <a:t>Először megterveztük a weboldalt és a programot. Elsősorban a grafikai design-t egyaránt a programnál és weboldalnál. Az egész dokumentálva </a:t>
-            </a:r>
-            <a:r>
-              <a:rPr lang="hu-HU" sz="1500" dirty="0" smtClean="0"/>
-              <a:t>lett</a:t>
-            </a:r>
-            <a:r>
-              <a:rPr lang="hu-HU" dirty="0" smtClean="0"/>
-              <a:t>.</a:t>
-            </a:r>
-          </a:p>
-        </p:txBody>
-      </p:sp>
-      <p:sp>
-        <p:nvSpPr>
-          <p:cNvPr id="12" name="Szöveg helye 11">
-            <a:extLst>
-              <a:ext uri="{FF2B5EF4-FFF2-40B4-BE49-F238E27FC236}">
-                <a16:creationId xmlns:a16="http://schemas.microsoft.com/office/drawing/2014/main" id="{CC46A248-3DD2-4083-A410-269D3C38BC7D}"/>
-              </a:ext>
-            </a:extLst>
-          </p:cNvPr>
-          <p:cNvSpPr>
-            <a:spLocks noGrp="1"/>
-          </p:cNvSpPr>
-          <p:nvPr>
-            <p:ph type="body" sz="quarter" idx="28"/>
-          </p:nvPr>
-        </p:nvSpPr>
-        <p:spPr/>
-        <p:txBody>
-          <a:bodyPr rtlCol="0"/>
-          <a:lstStyle/>
-          <a:p>
-            <a:pPr rtl="0"/>
-            <a:r>
-              <a:rPr lang="hu-HU" dirty="0" smtClean="0"/>
-              <a:t>2</a:t>
-            </a:r>
-            <a:endParaRPr lang="hu-HU" dirty="0"/>
-          </a:p>
-        </p:txBody>
-      </p:sp>
-      <p:sp>
-        <p:nvSpPr>
-          <p:cNvPr id="13" name="Szöveg helye 12">
-            <a:extLst>
-              <a:ext uri="{FF2B5EF4-FFF2-40B4-BE49-F238E27FC236}">
-                <a16:creationId xmlns:a16="http://schemas.microsoft.com/office/drawing/2014/main" id="{C2591E4E-87B2-4D64-B582-FBD4968920C5}"/>
-              </a:ext>
-            </a:extLst>
-          </p:cNvPr>
-          <p:cNvSpPr>
-            <a:spLocks noGrp="1"/>
-          </p:cNvSpPr>
-          <p:nvPr>
-            <p:ph type="body" idx="29"/>
-          </p:nvPr>
-        </p:nvSpPr>
-        <p:spPr/>
-        <p:txBody>
-          <a:bodyPr rtlCol="0"/>
-          <a:lstStyle/>
-          <a:p>
-            <a:pPr rtl="0"/>
-            <a:r>
-              <a:rPr lang="hu-HU" dirty="0" smtClean="0"/>
-              <a:t>2. </a:t>
-            </a:r>
-            <a:r>
-              <a:rPr lang="hu-HU" dirty="0"/>
-              <a:t>F</a:t>
-            </a:r>
-            <a:r>
-              <a:rPr lang="hu-HU" dirty="0" smtClean="0"/>
-              <a:t>ejlesztés</a:t>
-            </a:r>
-            <a:endParaRPr lang="hu-HU" dirty="0"/>
-          </a:p>
-        </p:txBody>
-      </p:sp>
-      <p:sp>
-        <p:nvSpPr>
-          <p:cNvPr id="11" name="Szöveg helye 10">
-            <a:extLst>
-              <a:ext uri="{FF2B5EF4-FFF2-40B4-BE49-F238E27FC236}">
-                <a16:creationId xmlns:a16="http://schemas.microsoft.com/office/drawing/2014/main" id="{D02433E8-0DB5-41D8-8B35-D76C17922FE5}"/>
-              </a:ext>
-            </a:extLst>
-          </p:cNvPr>
-          <p:cNvSpPr>
-            <a:spLocks noGrp="1"/>
-          </p:cNvSpPr>
-          <p:nvPr>
-            <p:ph type="body" idx="27"/>
-          </p:nvPr>
-        </p:nvSpPr>
-        <p:spPr>
-          <a:xfrm>
-            <a:off x="4871314" y="4271296"/>
-            <a:ext cx="2944368" cy="951533"/>
-          </a:xfrm>
-        </p:spPr>
         <p:txBody>
           <a:bodyPr rtlCol="0">
             <a:normAutofit/>
           </a:bodyPr>
           <a:lstStyle/>
           <a:p>
-            <a:pPr algn="just"/>
+            <a:pPr rtl="0"/>
             <a:r>
               <a:rPr lang="hu-HU" dirty="0" smtClean="0"/>
-              <a:t>A tervezés után megkezdtük a fejlesztést. A fejlesztés alatt elkészült maga a program és a hozzátartozó </a:t>
-            </a:r>
-            <a:r>
-              <a:rPr lang="hu-HU" dirty="0"/>
-              <a:t>weboldal. </a:t>
-            </a:r>
+              <a:t>Program bemutatása</a:t>
+            </a:r>
+          </a:p>
+          <a:p>
+            <a:pPr rtl="0"/>
             <a:r>
               <a:rPr lang="hu-HU" dirty="0" smtClean="0"/>
-              <a:t>Az egész </a:t>
-            </a:r>
-            <a:r>
-              <a:rPr lang="hu-HU" dirty="0"/>
-              <a:t>dokumentálva lett.</a:t>
-            </a:r>
-          </a:p>
-          <a:p>
-            <a:pPr algn="just" rtl="0"/>
+              <a:t>Program letölthetőségének biztosítása</a:t>
+            </a:r>
+          </a:p>
+          <a:p>
+            <a:pPr rtl="0"/>
+            <a:r>
+              <a:rPr lang="hu-HU" dirty="0" smtClean="0"/>
+              <a:t>Testek és síkidomok bemutatása</a:t>
+            </a:r>
+          </a:p>
+          <a:p>
+            <a:pPr rtl="0"/>
+            <a:r>
+              <a:rPr lang="hu-HU" dirty="0" smtClean="0"/>
+              <a:t>Kapcsolat létesítés a fejlesztőkkel</a:t>
+            </a:r>
             <a:endParaRPr lang="hu-HU" dirty="0"/>
           </a:p>
         </p:txBody>
       </p:sp>
       <p:sp>
         <p:nvSpPr>
-          <p:cNvPr id="15" name="Szöveg helye 14">
-            <a:extLst>
-              <a:ext uri="{FF2B5EF4-FFF2-40B4-BE49-F238E27FC236}">
-                <a16:creationId xmlns:a16="http://schemas.microsoft.com/office/drawing/2014/main" id="{A0DE6855-935C-4D9C-A6CA-A30ED4BC73A2}"/>
+          <p:cNvPr id="6" name="Dia számának helye 5">
+            <a:extLst>
+              <a:ext uri="{FF2B5EF4-FFF2-40B4-BE49-F238E27FC236}">
+                <a16:creationId xmlns:a16="http://schemas.microsoft.com/office/drawing/2014/main" id="{2B9E0CB5-2F64-4439-AFE9-1BB3ACE6FA9D}"/>
               </a:ext>
             </a:extLst>
           </p:cNvPr>
@@ -51170,33 +50388,29 @@
             <a:spLocks noGrp="1"/>
           </p:cNvSpPr>
           <p:nvPr>
-            <p:ph type="body" sz="quarter" idx="31"/>
-          </p:nvPr>
-        </p:nvSpPr>
-        <p:spPr>
-          <a:xfrm>
-            <a:off x="8515701" y="2760518"/>
-            <a:ext cx="978408" cy="978408"/>
-          </a:xfrm>
-        </p:spPr>
+            <p:ph type="sldNum" sz="quarter" idx="12"/>
+          </p:nvPr>
+        </p:nvSpPr>
+        <p:spPr/>
         <p:txBody>
           <a:bodyPr rtlCol="0"/>
           <a:lstStyle/>
           <a:p>
             <a:pPr rtl="0"/>
-            <a:r>
-              <a:rPr lang="hu-HU" dirty="0"/>
-              <a:t>3</a:t>
-            </a:r>
-          </a:p>
-        </p:txBody>
-      </p:sp>
-      <p:sp>
-        <p:nvSpPr>
-          <p:cNvPr id="16" name="Szöveg helye 15">
-            <a:extLst>
-              <a:ext uri="{FF2B5EF4-FFF2-40B4-BE49-F238E27FC236}">
-                <a16:creationId xmlns:a16="http://schemas.microsoft.com/office/drawing/2014/main" id="{A9BECA94-5E25-4E6D-A58C-7792A89CED7C}"/>
+            <a:fld id="{8D581BC7-E183-40DB-AC97-C19EA4EB8894}" type="slidenum">
+              <a:rPr lang="hu-HU" smtClean="0"/>
+              <a:t>9</a:t>
+            </a:fld>
+            <a:endParaRPr lang="hu-HU" dirty="0"/>
+          </a:p>
+        </p:txBody>
+      </p:sp>
+      <p:sp>
+        <p:nvSpPr>
+          <p:cNvPr id="5" name="Élőláb helye 4">
+            <a:extLst>
+              <a:ext uri="{FF2B5EF4-FFF2-40B4-BE49-F238E27FC236}">
+                <a16:creationId xmlns:a16="http://schemas.microsoft.com/office/drawing/2014/main" id="{FFFF8DFC-D37E-4FE9-81F0-77C68D469526}"/>
               </a:ext>
             </a:extLst>
           </p:cNvPr>
@@ -51204,7 +50418,7 @@
             <a:spLocks noGrp="1"/>
           </p:cNvSpPr>
           <p:nvPr>
-            <p:ph type="body" idx="32"/>
+            <p:ph type="ftr" sz="quarter" idx="11"/>
           </p:nvPr>
         </p:nvSpPr>
         <p:spPr/>
@@ -51215,7 +50429,7 @@
             <a:pPr rtl="0"/>
             <a:r>
               <a:rPr lang="hu-HU" dirty="0" smtClean="0"/>
-              <a:t>3. Tesztelés</a:t>
+              <a:t>weboldal</a:t>
             </a:r>
             <a:endParaRPr lang="hu-HU" dirty="0"/>
           </a:p>
@@ -51223,10 +50437,10 @@
       </p:sp>
       <p:sp>
         <p:nvSpPr>
-          <p:cNvPr id="14" name="Szöveg helye 13">
-            <a:extLst>
-              <a:ext uri="{FF2B5EF4-FFF2-40B4-BE49-F238E27FC236}">
-                <a16:creationId xmlns:a16="http://schemas.microsoft.com/office/drawing/2014/main" id="{1A32FF73-A652-43C6-96BD-425851F591BC}"/>
+          <p:cNvPr id="4" name="Dátum helye 3">
+            <a:extLst>
+              <a:ext uri="{FF2B5EF4-FFF2-40B4-BE49-F238E27FC236}">
+                <a16:creationId xmlns:a16="http://schemas.microsoft.com/office/drawing/2014/main" id="{0BA396AE-BE46-43FB-B4E7-224D2AF39F83}"/>
               </a:ext>
             </a:extLst>
           </p:cNvPr>
@@ -51234,44 +50448,7 @@
             <a:spLocks noGrp="1"/>
           </p:cNvSpPr>
           <p:nvPr>
-            <p:ph type="body" idx="30"/>
-          </p:nvPr>
-        </p:nvSpPr>
-        <p:spPr>
-          <a:xfrm>
-            <a:off x="8515702" y="4271296"/>
-            <a:ext cx="2944368" cy="899748"/>
-          </a:xfrm>
-        </p:spPr>
-        <p:txBody>
-          <a:bodyPr rtlCol="0">
-            <a:normAutofit/>
-          </a:bodyPr>
-          <a:lstStyle/>
-          <a:p>
-            <a:pPr algn="just" rtl="0"/>
-            <a:r>
-              <a:rPr lang="hu-HU" dirty="0" smtClean="0"/>
-              <a:t>Ebben a szakaszban az elkészült remekműveket teszteltük. A tesztelésről dokumentáció is készült.</a:t>
-            </a:r>
-            <a:endParaRPr lang="hu-HU" dirty="0"/>
-          </a:p>
-        </p:txBody>
-      </p:sp>
-      <p:sp>
-        <p:nvSpPr>
-          <p:cNvPr id="4" name="Dia számának helye 3">
-            <a:extLst>
-              <a:ext uri="{FF2B5EF4-FFF2-40B4-BE49-F238E27FC236}">
-                <a16:creationId xmlns:a16="http://schemas.microsoft.com/office/drawing/2014/main" id="{30CD95F8-281D-4A11-99F2-9795C5264F76}"/>
-              </a:ext>
-            </a:extLst>
-          </p:cNvPr>
-          <p:cNvSpPr>
-            <a:spLocks noGrp="1"/>
-          </p:cNvSpPr>
-          <p:nvPr>
-            <p:ph type="sldNum" sz="quarter" idx="12"/>
+            <p:ph type="dt" sz="half" idx="10"/>
           </p:nvPr>
         </p:nvSpPr>
         <p:spPr/>
@@ -51280,65 +50457,6 @@
           <a:lstStyle/>
           <a:p>
             <a:pPr rtl="0"/>
-            <a:fld id="{8D581BC7-E183-40DB-AC97-C19EA4EB8894}" type="slidenum">
-              <a:rPr lang="hu-HU" smtClean="0"/>
-              <a:pPr rtl="0"/>
-              <a:t>9</a:t>
-            </a:fld>
-            <a:endParaRPr lang="hu-HU" dirty="0"/>
-          </a:p>
-        </p:txBody>
-      </p:sp>
-      <p:sp>
-        <p:nvSpPr>
-          <p:cNvPr id="3" name="Élőláb helye 2">
-            <a:extLst>
-              <a:ext uri="{FF2B5EF4-FFF2-40B4-BE49-F238E27FC236}">
-                <a16:creationId xmlns:a16="http://schemas.microsoft.com/office/drawing/2014/main" id="{6EF07EF2-7D34-4156-A053-F39C573604F8}"/>
-              </a:ext>
-            </a:extLst>
-          </p:cNvPr>
-          <p:cNvSpPr>
-            <a:spLocks noGrp="1"/>
-          </p:cNvSpPr>
-          <p:nvPr>
-            <p:ph type="ftr" sz="quarter" idx="11"/>
-          </p:nvPr>
-        </p:nvSpPr>
-        <p:spPr/>
-        <p:txBody>
-          <a:bodyPr rtlCol="0"/>
-          <a:lstStyle/>
-          <a:p>
-            <a:r>
-              <a:rPr lang="hu-HU" dirty="0"/>
-              <a:t>Fejlesztés szakaszai</a:t>
-            </a:r>
-          </a:p>
-        </p:txBody>
-      </p:sp>
-      <p:sp>
-        <p:nvSpPr>
-          <p:cNvPr id="2" name="Dátum helye 1">
-            <a:extLst>
-              <a:ext uri="{FF2B5EF4-FFF2-40B4-BE49-F238E27FC236}">
-                <a16:creationId xmlns:a16="http://schemas.microsoft.com/office/drawing/2014/main" id="{AC3AE2A4-3957-4B28-BF08-92D47AFB3D61}"/>
-              </a:ext>
-            </a:extLst>
-          </p:cNvPr>
-          <p:cNvSpPr>
-            <a:spLocks noGrp="1"/>
-          </p:cNvSpPr>
-          <p:nvPr>
-            <p:ph type="dt" sz="half" idx="10"/>
-          </p:nvPr>
-        </p:nvSpPr>
-        <p:spPr/>
-        <p:txBody>
-          <a:bodyPr rtlCol="0"/>
-          <a:lstStyle/>
-          <a:p>
-            <a:pPr rtl="0"/>
             <a:r>
               <a:rPr lang="hu-HU" dirty="0" smtClean="0"/>
               <a:t>2022.12.01 </a:t>
@@ -51347,10 +50465,47 @@
           </a:p>
         </p:txBody>
       </p:sp>
+      <p:pic>
+        <p:nvPicPr>
+          <p:cNvPr id="7" name="Kép 6"/>
+          <p:cNvPicPr>
+            <a:picLocks noChangeAspect="1"/>
+          </p:cNvPicPr>
+          <p:nvPr/>
+        </p:nvPicPr>
+        <p:blipFill rotWithShape="1">
+          <a:blip r:embed="rId5"/>
+          <a:srcRect b="17154"/>
+          <a:stretch/>
+        </p:blipFill>
+        <p:spPr>
+          <a:xfrm>
+            <a:off x="6362727" y="2170015"/>
+            <a:ext cx="4818477" cy="2098871"/>
+          </a:xfrm>
+          <a:prstGeom prst="rect">
+            <a:avLst/>
+          </a:prstGeom>
+          <a:ln w="38100" cap="sq">
+            <a:solidFill>
+              <a:srgbClr val="000000"/>
+            </a:solidFill>
+            <a:prstDash val="solid"/>
+            <a:miter lim="800000"/>
+          </a:ln>
+          <a:effectLst>
+            <a:outerShdw blurRad="50800" dist="38100" dir="2700000" algn="tl" rotWithShape="0">
+              <a:srgbClr val="000000">
+                <a:alpha val="43000"/>
+              </a:srgbClr>
+            </a:outerShdw>
+          </a:effectLst>
+        </p:spPr>
+      </p:pic>
     </p:spTree>
     <p:extLst>
       <p:ext uri="{BB962C8B-B14F-4D97-AF65-F5344CB8AC3E}">
-        <p14:creationId xmlns:p14="http://schemas.microsoft.com/office/powerpoint/2010/main" val="3310176776"/>
+        <p14:creationId xmlns:p14="http://schemas.microsoft.com/office/powerpoint/2010/main" val="1728754232"/>
       </p:ext>
     </p:extLst>
   </p:cSld>
@@ -51359,8 +50514,8 @@
   </p:clrMapOvr>
   <mc:AlternateContent xmlns:mc="http://schemas.openxmlformats.org/markup-compatibility/2006">
     <mc:Choice xmlns:p14="http://schemas.microsoft.com/office/powerpoint/2010/main" Requires="p14">
-      <p:transition spd="slow" p14:dur="1500">
-        <p14:window dir="vert"/>
+      <p:transition spd="slow" p14:dur="900">
+        <p14:warp dir="in"/>
       </p:transition>
     </mc:Choice>
     <mc:Fallback>

--- a/documentation/PPT/TerFelSzoft.pptx
+++ b/documentation/PPT/TerFelSzoft.pptx
@@ -30473,7 +30473,7 @@
             <a:blip r:embed="rId2">
               <a:extLst>
                 <a:ext uri="{96DAC541-7B7A-43D3-8B79-37D633B846F1}">
-                  <asvg:svgBlip xmlns:asvg="http://schemas.microsoft.com/office/drawing/2016/SVG/main" xmlns="" r:embed="rId3"/>
+                  <asvg:svgBlip xmlns="" xmlns:asvg="http://schemas.microsoft.com/office/drawing/2016/SVG/main" r:embed="rId3"/>
                 </a:ext>
               </a:extLst>
             </a:blip>
@@ -41010,7 +41010,7 @@
             <a:blip r:embed="rId2">
               <a:extLst>
                 <a:ext uri="{96DAC541-7B7A-43D3-8B79-37D633B846F1}">
-                  <asvg:svgBlip xmlns:asvg="http://schemas.microsoft.com/office/drawing/2016/SVG/main" xmlns="" r:embed="rId3"/>
+                  <asvg:svgBlip xmlns="" xmlns:asvg="http://schemas.microsoft.com/office/drawing/2016/SVG/main" r:embed="rId3"/>
                 </a:ext>
               </a:extLst>
             </a:blip>
@@ -45146,7 +45146,7 @@
         <p:spPr>
           <a:xfrm>
             <a:off x="3067020" y="2673356"/>
-            <a:ext cx="6057959" cy="1319917"/>
+            <a:ext cx="6243235" cy="1319917"/>
           </a:xfrm>
         </p:spPr>
         <p:txBody>
@@ -45156,9 +45156,14 @@
           <a:lstStyle/>
           <a:p>
             <a:r>
-              <a:rPr lang="hu-HU" sz="9600" dirty="0"/>
-              <a:t>TerFelSzoft</a:t>
-            </a:r>
+              <a:rPr lang="hu-HU" sz="9600" dirty="0" err="1" smtClean="0"/>
+              <a:t>Té</a:t>
+            </a:r>
+            <a:r>
+              <a:rPr lang="hu-HU" sz="9600" dirty="0" err="1" smtClean="0"/>
+              <a:t>rFelSzoft</a:t>
+            </a:r>
+            <a:endParaRPr lang="hu-HU" sz="9600" dirty="0"/>
           </a:p>
         </p:txBody>
       </p:sp>
@@ -46619,19 +46624,7 @@
             <a:pPr rtl="0"/>
             <a:r>
               <a:rPr lang="hu-HU" dirty="0" smtClean="0"/>
-              <a:t>Köszönjük a támogatóinknak a szponzoroknak, az </a:t>
-            </a:r>
-            <a:r>
-              <a:rPr lang="hu-HU" dirty="0" smtClean="0"/>
-              <a:t>anyukáinknak, barátainknak és a tanárainknak. </a:t>
-            </a:r>
-            <a:r>
-              <a:rPr lang="hu-HU" dirty="0" smtClean="0"/>
-              <a:t>Nélkülük nem sikerülhetett volna</a:t>
-            </a:r>
-            <a:r>
-              <a:rPr lang="hu-HU" dirty="0" smtClean="0"/>
-              <a:t>.</a:t>
+              <a:t>Köszönjük a támogatóinknak a szponzoroknak, az anyukáinknak, barátainknak és a tanárainknak. Nélkülük nem sikerülhetett volna.</a:t>
             </a:r>
           </a:p>
           <a:p>
@@ -46706,7 +46699,6 @@
               <a:rPr lang="hu-HU" dirty="0"/>
               <a:t>ÖSSZESÍTÉS</a:t>
             </a:r>
-            <a:endParaRPr lang="hu-HU" dirty="0"/>
           </a:p>
         </p:txBody>
       </p:sp>
@@ -47236,13 +47228,13 @@
   <p:clrMapOvr>
     <a:masterClrMapping/>
   </p:clrMapOvr>
-  <mc:AlternateContent xmlns:mc="http://schemas.openxmlformats.org/markup-compatibility/2006">
-    <mc:Choice xmlns:p14="http://schemas.microsoft.com/office/powerpoint/2010/main" Requires="p14">
+  <mc:AlternateContent xmlns:mc="http://schemas.openxmlformats.org/markup-compatibility/2006" xmlns:p14="http://schemas.microsoft.com/office/powerpoint/2010/main">
+    <mc:Choice Requires="p14">
       <p:transition spd="slow" p14:dur="1250">
         <p14:flip dir="r"/>
       </p:transition>
     </mc:Choice>
-    <mc:Fallback>
+    <mc:Fallback xmlns="">
       <p:transition spd="slow">
         <p:fade/>
       </p:transition>
@@ -48346,13 +48338,13 @@
   <p:clrMapOvr>
     <a:masterClrMapping/>
   </p:clrMapOvr>
-  <mc:AlternateContent xmlns:mc="http://schemas.openxmlformats.org/markup-compatibility/2006">
-    <mc:Choice xmlns:p14="http://schemas.microsoft.com/office/powerpoint/2010/main" Requires="p14">
+  <mc:AlternateContent xmlns:mc="http://schemas.openxmlformats.org/markup-compatibility/2006" xmlns:p14="http://schemas.microsoft.com/office/powerpoint/2010/main">
+    <mc:Choice Requires="p14">
       <p:transition spd="slow" p14:dur="800">
         <p14:flythrough/>
       </p:transition>
     </mc:Choice>
-    <mc:Fallback>
+    <mc:Fallback xmlns="">
       <p:transition spd="slow">
         <p:fade/>
       </p:transition>
@@ -48527,13 +48519,13 @@
   <p:clrMapOvr>
     <a:masterClrMapping/>
   </p:clrMapOvr>
-  <mc:AlternateContent xmlns:mc="http://schemas.openxmlformats.org/markup-compatibility/2006">
-    <mc:Choice xmlns:p14="http://schemas.microsoft.com/office/powerpoint/2010/main" Requires="p14">
+  <mc:AlternateContent xmlns:mc="http://schemas.openxmlformats.org/markup-compatibility/2006" xmlns:p14="http://schemas.microsoft.com/office/powerpoint/2010/main">
+    <mc:Choice Requires="p14">
       <p:transition spd="slow" p14:dur="2000">
         <p14:reveal/>
       </p:transition>
     </mc:Choice>
-    <mc:Fallback>
+    <mc:Fallback xmlns="">
       <p:transition spd="slow">
         <p:fade/>
       </p:transition>
@@ -48821,13 +48813,13 @@
   <p:clrMapOvr>
     <a:masterClrMapping/>
   </p:clrMapOvr>
-  <mc:AlternateContent xmlns:mc="http://schemas.openxmlformats.org/markup-compatibility/2006">
-    <mc:Choice xmlns:p14="http://schemas.microsoft.com/office/powerpoint/2010/main" Requires="p14">
+  <mc:AlternateContent xmlns:mc="http://schemas.openxmlformats.org/markup-compatibility/2006" xmlns:p14="http://schemas.microsoft.com/office/powerpoint/2010/main">
+    <mc:Choice Requires="p14">
       <p:transition spd="slow" p14:dur="1600">
         <p14:conveyor dir="l"/>
       </p:transition>
     </mc:Choice>
-    <mc:Fallback>
+    <mc:Fallback xmlns="">
       <p:transition spd="slow">
         <p:fade/>
       </p:transition>
@@ -49609,7 +49601,6 @@
               <a:rPr lang="hu-HU" dirty="0"/>
               <a:t>TERMÉK</a:t>
             </a:r>
-            <a:endParaRPr lang="hu-HU" dirty="0"/>
           </a:p>
         </p:txBody>
       </p:sp>
@@ -50145,13 +50136,13 @@
   <p:clrMapOvr>
     <a:masterClrMapping/>
   </p:clrMapOvr>
-  <mc:AlternateContent xmlns:mc="http://schemas.openxmlformats.org/markup-compatibility/2006">
-    <mc:Choice xmlns:p14="http://schemas.microsoft.com/office/powerpoint/2010/main" Requires="p14">
+  <mc:AlternateContent xmlns:mc="http://schemas.openxmlformats.org/markup-compatibility/2006" xmlns:p14="http://schemas.microsoft.com/office/powerpoint/2010/main">
+    <mc:Choice Requires="p14">
       <p:transition spd="slow" p14:dur="1600">
         <p14:prism isContent="1" isInverted="1"/>
       </p:transition>
     </mc:Choice>
-    <mc:Fallback>
+    <mc:Fallback xmlns="">
       <p:transition spd="slow">
         <p:fade/>
       </p:transition>
@@ -50512,13 +50503,13 @@
   <p:clrMapOvr>
     <a:masterClrMapping/>
   </p:clrMapOvr>
-  <mc:AlternateContent xmlns:mc="http://schemas.openxmlformats.org/markup-compatibility/2006">
-    <mc:Choice xmlns:p14="http://schemas.microsoft.com/office/powerpoint/2010/main" Requires="p14">
+  <mc:AlternateContent xmlns:mc="http://schemas.openxmlformats.org/markup-compatibility/2006" xmlns:p14="http://schemas.microsoft.com/office/powerpoint/2010/main">
+    <mc:Choice Requires="p14">
       <p:transition spd="slow" p14:dur="900">
         <p14:warp dir="in"/>
       </p:transition>
     </mc:Choice>
-    <mc:Fallback>
+    <mc:Fallback xmlns="">
       <p:transition spd="slow">
         <p:fade/>
       </p:transition>
